--- a/Dino-AI .pptx
+++ b/Dino-AI .pptx
@@ -15,11 +15,11 @@
     <p:sldId id="264" r:id="rId9"/>
     <p:sldId id="265" r:id="rId10"/>
     <p:sldId id="263" r:id="rId11"/>
-    <p:sldId id="273" r:id="rId12"/>
-    <p:sldId id="272" r:id="rId13"/>
-    <p:sldId id="270" r:id="rId14"/>
-    <p:sldId id="275" r:id="rId15"/>
-    <p:sldId id="274" r:id="rId16"/>
+    <p:sldId id="270" r:id="rId12"/>
+    <p:sldId id="276" r:id="rId13"/>
+    <p:sldId id="275" r:id="rId14"/>
+    <p:sldId id="274" r:id="rId15"/>
+    <p:sldId id="278" r:id="rId16"/>
   </p:sldIdLst>
   <p:sldSz cx="12192000" cy="6858000"/>
   <p:notesSz cx="6858000" cy="9144000"/>
@@ -151,17 +151,13 @@
             <p14:sldId id="263"/>
           </p14:sldIdLst>
         </p14:section>
-        <p14:section name="API" id="{14D6C4F3-6E34-4ACD-97A0-A36C1E13518C}">
-          <p14:sldIdLst>
-            <p14:sldId id="273"/>
-            <p14:sldId id="272"/>
-          </p14:sldIdLst>
-        </p14:section>
         <p14:section name="Others" id="{6316F715-D753-4C8C-92A9-9BED174EAF11}">
           <p14:sldIdLst>
             <p14:sldId id="270"/>
+            <p14:sldId id="276"/>
             <p14:sldId id="275"/>
             <p14:sldId id="274"/>
+            <p14:sldId id="278"/>
           </p14:sldIdLst>
         </p14:section>
       </p14:sectionLst>
@@ -635,7 +631,7 @@
           <a:p>
             <a:fld id="{7171CAF3-24F7-4C16-8AD7-2A8939EBDF73}" type="datetimeFigureOut">
               <a:rPr lang="zh-TW" altLang="en-US" smtClean="0"/>
-              <a:t>2021/12/2</a:t>
+              <a:t>2021/12/10</a:t>
             </a:fld>
             <a:endParaRPr lang="zh-TW" altLang="en-US"/>
           </a:p>
@@ -837,7 +833,7 @@
           <a:p>
             <a:fld id="{7171CAF3-24F7-4C16-8AD7-2A8939EBDF73}" type="datetimeFigureOut">
               <a:rPr lang="zh-TW" altLang="en-US" smtClean="0"/>
-              <a:t>2021/12/2</a:t>
+              <a:t>2021/12/10</a:t>
             </a:fld>
             <a:endParaRPr lang="zh-TW" altLang="en-US"/>
           </a:p>
@@ -1017,7 +1013,7 @@
           <a:p>
             <a:fld id="{7171CAF3-24F7-4C16-8AD7-2A8939EBDF73}" type="datetimeFigureOut">
               <a:rPr lang="zh-TW" altLang="en-US" smtClean="0"/>
-              <a:t>2021/12/2</a:t>
+              <a:t>2021/12/10</a:t>
             </a:fld>
             <a:endParaRPr lang="zh-TW" altLang="en-US"/>
           </a:p>
@@ -1187,7 +1183,7 @@
           <a:p>
             <a:fld id="{7171CAF3-24F7-4C16-8AD7-2A8939EBDF73}" type="datetimeFigureOut">
               <a:rPr lang="zh-TW" altLang="en-US" smtClean="0"/>
-              <a:t>2021/12/2</a:t>
+              <a:t>2021/12/10</a:t>
             </a:fld>
             <a:endParaRPr lang="zh-TW" altLang="en-US"/>
           </a:p>
@@ -1758,7 +1754,7 @@
           <a:p>
             <a:fld id="{7171CAF3-24F7-4C16-8AD7-2A8939EBDF73}" type="datetimeFigureOut">
               <a:rPr lang="zh-TW" altLang="en-US" smtClean="0"/>
-              <a:t>2021/12/2</a:t>
+              <a:t>2021/12/10</a:t>
             </a:fld>
             <a:endParaRPr lang="zh-TW" altLang="en-US"/>
           </a:p>
@@ -2060,7 +2056,7 @@
           <a:p>
             <a:fld id="{7171CAF3-24F7-4C16-8AD7-2A8939EBDF73}" type="datetimeFigureOut">
               <a:rPr lang="zh-TW" altLang="en-US" smtClean="0"/>
-              <a:t>2021/12/2</a:t>
+              <a:t>2021/12/10</a:t>
             </a:fld>
             <a:endParaRPr lang="zh-TW" altLang="en-US"/>
           </a:p>
@@ -2502,7 +2498,7 @@
           <a:p>
             <a:fld id="{7171CAF3-24F7-4C16-8AD7-2A8939EBDF73}" type="datetimeFigureOut">
               <a:rPr lang="zh-TW" altLang="en-US" smtClean="0"/>
-              <a:t>2021/12/2</a:t>
+              <a:t>2021/12/10</a:t>
             </a:fld>
             <a:endParaRPr lang="zh-TW" altLang="en-US"/>
           </a:p>
@@ -2625,7 +2621,7 @@
           <a:p>
             <a:fld id="{7171CAF3-24F7-4C16-8AD7-2A8939EBDF73}" type="datetimeFigureOut">
               <a:rPr lang="zh-TW" altLang="en-US" smtClean="0"/>
-              <a:t>2021/12/2</a:t>
+              <a:t>2021/12/10</a:t>
             </a:fld>
             <a:endParaRPr lang="zh-TW" altLang="en-US"/>
           </a:p>
@@ -2720,7 +2716,7 @@
           <a:p>
             <a:fld id="{7171CAF3-24F7-4C16-8AD7-2A8939EBDF73}" type="datetimeFigureOut">
               <a:rPr lang="zh-TW" altLang="en-US" smtClean="0"/>
-              <a:t>2021/12/2</a:t>
+              <a:t>2021/12/10</a:t>
             </a:fld>
             <a:endParaRPr lang="zh-TW" altLang="en-US"/>
           </a:p>
@@ -3102,7 +3098,7 @@
           <a:p>
             <a:fld id="{7171CAF3-24F7-4C16-8AD7-2A8939EBDF73}" type="datetimeFigureOut">
               <a:rPr lang="zh-TW" altLang="en-US" smtClean="0"/>
-              <a:t>2021/12/2</a:t>
+              <a:t>2021/12/10</a:t>
             </a:fld>
             <a:endParaRPr lang="zh-TW" altLang="en-US"/>
           </a:p>
@@ -3501,7 +3497,7 @@
           <a:p>
             <a:fld id="{7171CAF3-24F7-4C16-8AD7-2A8939EBDF73}" type="datetimeFigureOut">
               <a:rPr lang="zh-TW" altLang="en-US" smtClean="0"/>
-              <a:t>2021/12/2</a:t>
+              <a:t>2021/12/10</a:t>
             </a:fld>
             <a:endParaRPr lang="zh-TW" altLang="en-US"/>
           </a:p>
@@ -3814,7 +3810,7 @@
           <a:p>
             <a:fld id="{7171CAF3-24F7-4C16-8AD7-2A8939EBDF73}" type="datetimeFigureOut">
               <a:rPr lang="zh-TW" altLang="en-US" smtClean="0"/>
-              <a:t>2021/12/2</a:t>
+              <a:t>2021/12/10</a:t>
             </a:fld>
             <a:endParaRPr lang="zh-TW" altLang="en-US"/>
           </a:p>
@@ -4419,13 +4415,7 @@
       </p:sp>
       <p:grpSp>
         <p:nvGrpSpPr>
-          <p:cNvPr id="95" name="群組 94">
-            <a:extLst>
-              <a:ext uri="{FF2B5EF4-FFF2-40B4-BE49-F238E27FC236}">
-                <a16:creationId xmlns:a16="http://schemas.microsoft.com/office/drawing/2014/main" id="{6D6B4A48-9A6E-48A7-B042-CEF481474E6E}"/>
-              </a:ext>
-            </a:extLst>
-          </p:cNvPr>
+          <p:cNvPr id="33" name="群組 32"/>
           <p:cNvGrpSpPr/>
           <p:nvPr/>
         </p:nvGrpSpPr>
@@ -4433,16 +4423,16 @@
           <a:xfrm>
             <a:off x="1517462" y="1637395"/>
             <a:ext cx="10441673" cy="4676213"/>
-            <a:chOff x="933001" y="1646821"/>
+            <a:chOff x="1517462" y="1637395"/>
             <a:chExt cx="10441673" cy="4676213"/>
           </a:xfrm>
         </p:grpSpPr>
         <p:grpSp>
           <p:nvGrpSpPr>
-            <p:cNvPr id="32" name="群組 31">
+            <p:cNvPr id="34" name="群組 33">
               <a:extLst>
                 <a:ext uri="{FF2B5EF4-FFF2-40B4-BE49-F238E27FC236}">
-                  <a16:creationId xmlns:a16="http://schemas.microsoft.com/office/drawing/2014/main" id="{F98273AC-8549-40A8-B8F5-A65780969BC6}"/>
+                  <a16:creationId xmlns:a16="http://schemas.microsoft.com/office/drawing/2014/main" id="{6D6B4A48-9A6E-48A7-B042-CEF481474E6E}"/>
                 </a:ext>
               </a:extLst>
             </p:cNvPr>
@@ -4451,18 +4441,18 @@
           </p:nvGrpSpPr>
           <p:grpSpPr>
             <a:xfrm>
-              <a:off x="933001" y="1646821"/>
+              <a:off x="1517462" y="1637395"/>
               <a:ext cx="10441673" cy="4676213"/>
-              <a:chOff x="1416367" y="1490975"/>
+              <a:chOff x="933001" y="1646821"/>
               <a:chExt cx="10441673" cy="4676213"/>
             </a:xfrm>
           </p:grpSpPr>
           <p:grpSp>
             <p:nvGrpSpPr>
-              <p:cNvPr id="21" name="群組 20">
+              <p:cNvPr id="37" name="群組 36">
                 <a:extLst>
                   <a:ext uri="{FF2B5EF4-FFF2-40B4-BE49-F238E27FC236}">
-                    <a16:creationId xmlns:a16="http://schemas.microsoft.com/office/drawing/2014/main" id="{6B4EA078-F3D7-4740-8D86-BC7C7AB31851}"/>
+                    <a16:creationId xmlns:a16="http://schemas.microsoft.com/office/drawing/2014/main" id="{F98273AC-8549-40A8-B8F5-A65780969BC6}"/>
                   </a:ext>
                 </a:extLst>
               </p:cNvPr>
@@ -4471,18 +4461,18 @@
             </p:nvGrpSpPr>
             <p:grpSpPr>
               <a:xfrm>
-                <a:off x="1416367" y="1490975"/>
+                <a:off x="933001" y="1646821"/>
                 <a:ext cx="10441673" cy="4676213"/>
-                <a:chOff x="1335395" y="1625427"/>
+                <a:chOff x="1416367" y="1490975"/>
                 <a:chExt cx="10441673" cy="4676213"/>
               </a:xfrm>
             </p:grpSpPr>
             <p:grpSp>
               <p:nvGrpSpPr>
-                <p:cNvPr id="81" name="群組 80">
+                <p:cNvPr id="42" name="群組 41">
                   <a:extLst>
                     <a:ext uri="{FF2B5EF4-FFF2-40B4-BE49-F238E27FC236}">
-                      <a16:creationId xmlns:a16="http://schemas.microsoft.com/office/drawing/2014/main" id="{D83466AA-0A08-4FBB-9A49-24AC719868CF}"/>
+                      <a16:creationId xmlns:a16="http://schemas.microsoft.com/office/drawing/2014/main" id="{6B4EA078-F3D7-4740-8D86-BC7C7AB31851}"/>
                     </a:ext>
                   </a:extLst>
                 </p:cNvPr>
@@ -4491,18 +4481,18 @@
               </p:nvGrpSpPr>
               <p:grpSpPr>
                 <a:xfrm>
-                  <a:off x="1335395" y="1625427"/>
+                  <a:off x="1416367" y="1490975"/>
                   <a:ext cx="10441673" cy="4676213"/>
-                  <a:chOff x="1278835" y="1578292"/>
+                  <a:chOff x="1335395" y="1625427"/>
                   <a:chExt cx="10441673" cy="4676213"/>
                 </a:xfrm>
               </p:grpSpPr>
               <p:grpSp>
                 <p:nvGrpSpPr>
-                  <p:cNvPr id="53" name="群組 52">
+                  <p:cNvPr id="44" name="群組 43">
                     <a:extLst>
                       <a:ext uri="{FF2B5EF4-FFF2-40B4-BE49-F238E27FC236}">
-                        <a16:creationId xmlns:a16="http://schemas.microsoft.com/office/drawing/2014/main" id="{57C8A485-901B-4859-8D8A-33E096A224FD}"/>
+                        <a16:creationId xmlns:a16="http://schemas.microsoft.com/office/drawing/2014/main" id="{D83466AA-0A08-4FBB-9A49-24AC719868CF}"/>
                       </a:ext>
                     </a:extLst>
                   </p:cNvPr>
@@ -4511,244 +4501,1256 @@
                 </p:nvGrpSpPr>
                 <p:grpSpPr>
                   <a:xfrm>
-                    <a:off x="1278835" y="1578292"/>
+                    <a:off x="1335395" y="1625427"/>
                     <a:ext cx="10441673" cy="4676213"/>
-                    <a:chOff x="491628" y="1749892"/>
-                    <a:chExt cx="8903348" cy="3646650"/>
+                    <a:chOff x="1278835" y="1578292"/>
+                    <a:chExt cx="10441673" cy="4676213"/>
                   </a:xfrm>
                 </p:grpSpPr>
-                <p:sp>
-                  <p:nvSpPr>
-                    <p:cNvPr id="4" name="矩形 3">
+                <p:grpSp>
+                  <p:nvGrpSpPr>
+                    <p:cNvPr id="46" name="群組 45">
                       <a:extLst>
                         <a:ext uri="{FF2B5EF4-FFF2-40B4-BE49-F238E27FC236}">
-                          <a16:creationId xmlns:a16="http://schemas.microsoft.com/office/drawing/2014/main" id="{BDE6EBCF-2070-4EFB-83E5-5534EE2EACE5}"/>
+                          <a16:creationId xmlns:a16="http://schemas.microsoft.com/office/drawing/2014/main" id="{57C8A485-901B-4859-8D8A-33E096A224FD}"/>
                         </a:ext>
                       </a:extLst>
                     </p:cNvPr>
-                    <p:cNvSpPr/>
+                    <p:cNvGrpSpPr/>
                     <p:nvPr/>
-                  </p:nvSpPr>
-                  <p:spPr>
+                  </p:nvGrpSpPr>
+                  <p:grpSpPr>
                     <a:xfrm>
-                      <a:off x="904974" y="1823458"/>
-                      <a:ext cx="1216057" cy="391841"/>
+                      <a:off x="1278835" y="1578292"/>
+                      <a:ext cx="10441673" cy="4676213"/>
+                      <a:chOff x="491628" y="1749892"/>
+                      <a:chExt cx="8903348" cy="3646650"/>
                     </a:xfrm>
-                    <a:prstGeom prst="rect">
-                      <a:avLst/>
-                    </a:prstGeom>
-                    <a:solidFill>
-                      <a:srgbClr val="83B5C2"/>
-                    </a:solidFill>
-                    <a:ln>
+                  </p:grpSpPr>
+                  <p:sp>
+                    <p:nvSpPr>
+                      <p:cNvPr id="49" name="矩形 48">
+                        <a:extLst>
+                          <a:ext uri="{FF2B5EF4-FFF2-40B4-BE49-F238E27FC236}">
+                            <a16:creationId xmlns:a16="http://schemas.microsoft.com/office/drawing/2014/main" id="{BDE6EBCF-2070-4EFB-83E5-5534EE2EACE5}"/>
+                          </a:ext>
+                        </a:extLst>
+                      </p:cNvPr>
+                      <p:cNvSpPr/>
+                      <p:nvPr/>
+                    </p:nvSpPr>
+                    <p:spPr>
+                      <a:xfrm>
+                        <a:off x="904974" y="1823458"/>
+                        <a:ext cx="1216057" cy="391841"/>
+                      </a:xfrm>
+                      <a:prstGeom prst="rect">
+                        <a:avLst/>
+                      </a:prstGeom>
                       <a:solidFill>
-                        <a:schemeClr val="tx1"/>
+                        <a:srgbClr val="83B5C2"/>
                       </a:solidFill>
-                    </a:ln>
-                  </p:spPr>
-                  <p:style>
-                    <a:lnRef idx="2">
-                      <a:schemeClr val="accent1">
-                        <a:shade val="50000"/>
-                      </a:schemeClr>
-                    </a:lnRef>
-                    <a:fillRef idx="1">
-                      <a:schemeClr val="accent1"/>
-                    </a:fillRef>
-                    <a:effectRef idx="0">
-                      <a:schemeClr val="accent1"/>
-                    </a:effectRef>
-                    <a:fontRef idx="minor">
-                      <a:schemeClr val="lt1"/>
-                    </a:fontRef>
-                  </p:style>
-                  <p:txBody>
-                    <a:bodyPr rtlCol="0" anchor="ctr"/>
-                    <a:lstStyle/>
-                    <a:p>
-                      <a:pPr algn="ctr"/>
-                      <a:r>
-                        <a:rPr lang="en-US" altLang="zh-TW" sz="1400" dirty="0">
+                      <a:ln>
+                        <a:solidFill>
+                          <a:schemeClr val="tx1"/>
+                        </a:solidFill>
+                      </a:ln>
+                    </p:spPr>
+                    <p:style>
+                      <a:lnRef idx="2">
+                        <a:schemeClr val="accent1">
+                          <a:shade val="50000"/>
+                        </a:schemeClr>
+                      </a:lnRef>
+                      <a:fillRef idx="1">
+                        <a:schemeClr val="accent1"/>
+                      </a:fillRef>
+                      <a:effectRef idx="0">
+                        <a:schemeClr val="accent1"/>
+                      </a:effectRef>
+                      <a:fontRef idx="minor">
+                        <a:schemeClr val="lt1"/>
+                      </a:fontRef>
+                    </p:style>
+                    <p:txBody>
+                      <a:bodyPr rtlCol="0" anchor="ctr"/>
+                      <a:lstStyle/>
+                      <a:p>
+                        <a:pPr algn="ctr"/>
+                        <a:r>
+                          <a:rPr lang="en-US" altLang="zh-TW" sz="1400" dirty="0">
+                            <a:solidFill>
+                              <a:schemeClr val="tx1"/>
+                            </a:solidFill>
+                            <a:latin typeface="Times New Roman" panose="02020603050405020304" pitchFamily="18" charset="0"/>
+                            <a:cs typeface="Times New Roman" panose="02020603050405020304" pitchFamily="18" charset="0"/>
+                          </a:rPr>
+                          <a:t>Before Start</a:t>
+                        </a:r>
+                        <a:endParaRPr lang="zh-TW" altLang="en-US" sz="1400" dirty="0">
                           <a:solidFill>
                             <a:schemeClr val="tx1"/>
                           </a:solidFill>
                           <a:latin typeface="Times New Roman" panose="02020603050405020304" pitchFamily="18" charset="0"/>
                           <a:cs typeface="Times New Roman" panose="02020603050405020304" pitchFamily="18" charset="0"/>
-                        </a:rPr>
-                        <a:t>Before Start</a:t>
-                      </a:r>
-                      <a:endParaRPr lang="zh-TW" altLang="en-US" sz="1400" dirty="0">
+                        </a:endParaRPr>
+                      </a:p>
+                    </p:txBody>
+                  </p:sp>
+                  <p:sp>
+                    <p:nvSpPr>
+                      <p:cNvPr id="50" name="矩形 49">
+                        <a:extLst>
+                          <a:ext uri="{FF2B5EF4-FFF2-40B4-BE49-F238E27FC236}">
+                            <a16:creationId xmlns:a16="http://schemas.microsoft.com/office/drawing/2014/main" id="{E2FAEC07-5898-4D44-ACA4-7BBD27527F9C}"/>
+                          </a:ext>
+                        </a:extLst>
+                      </p:cNvPr>
+                      <p:cNvSpPr/>
+                      <p:nvPr/>
+                    </p:nvSpPr>
+                    <p:spPr>
+                      <a:xfrm>
+                        <a:off x="2699995" y="1823457"/>
+                        <a:ext cx="1073083" cy="391841"/>
+                      </a:xfrm>
+                      <a:prstGeom prst="rect">
+                        <a:avLst/>
+                      </a:prstGeom>
+                      <a:solidFill>
+                        <a:srgbClr val="83B5C2"/>
+                      </a:solidFill>
+                      <a:ln>
                         <a:solidFill>
                           <a:schemeClr val="tx1"/>
                         </a:solidFill>
-                        <a:latin typeface="Times New Roman" panose="02020603050405020304" pitchFamily="18" charset="0"/>
-                        <a:cs typeface="Times New Roman" panose="02020603050405020304" pitchFamily="18" charset="0"/>
-                      </a:endParaRPr>
-                    </a:p>
-                  </p:txBody>
-                </p:sp>
-                <p:sp>
-                  <p:nvSpPr>
-                    <p:cNvPr id="5" name="矩形 4">
-                      <a:extLst>
-                        <a:ext uri="{FF2B5EF4-FFF2-40B4-BE49-F238E27FC236}">
-                          <a16:creationId xmlns:a16="http://schemas.microsoft.com/office/drawing/2014/main" id="{E2FAEC07-5898-4D44-ACA4-7BBD27527F9C}"/>
-                        </a:ext>
-                      </a:extLst>
-                    </p:cNvPr>
-                    <p:cNvSpPr/>
-                    <p:nvPr/>
-                  </p:nvSpPr>
-                  <p:spPr>
-                    <a:xfrm>
-                      <a:off x="2699995" y="1823457"/>
-                      <a:ext cx="1073083" cy="391841"/>
-                    </a:xfrm>
-                    <a:prstGeom prst="rect">
-                      <a:avLst/>
-                    </a:prstGeom>
-                    <a:solidFill>
-                      <a:srgbClr val="83B5C2"/>
-                    </a:solidFill>
-                    <a:ln>
-                      <a:solidFill>
-                        <a:schemeClr val="tx1"/>
-                      </a:solidFill>
-                    </a:ln>
-                  </p:spPr>
-                  <p:style>
-                    <a:lnRef idx="2">
-                      <a:schemeClr val="accent1">
-                        <a:shade val="50000"/>
-                      </a:schemeClr>
-                    </a:lnRef>
-                    <a:fillRef idx="1">
-                      <a:schemeClr val="accent1"/>
-                    </a:fillRef>
-                    <a:effectRef idx="0">
-                      <a:schemeClr val="accent1"/>
-                    </a:effectRef>
-                    <a:fontRef idx="minor">
-                      <a:schemeClr val="lt1"/>
-                    </a:fontRef>
-                  </p:style>
-                  <p:txBody>
-                    <a:bodyPr rtlCol="0" anchor="ctr"/>
-                    <a:lstStyle/>
-                    <a:p>
-                      <a:pPr algn="ctr"/>
-                      <a:r>
-                        <a:rPr lang="en-US" altLang="zh-TW" sz="1400" dirty="0">
+                      </a:ln>
+                    </p:spPr>
+                    <p:style>
+                      <a:lnRef idx="2">
+                        <a:schemeClr val="accent1">
+                          <a:shade val="50000"/>
+                        </a:schemeClr>
+                      </a:lnRef>
+                      <a:fillRef idx="1">
+                        <a:schemeClr val="accent1"/>
+                      </a:fillRef>
+                      <a:effectRef idx="0">
+                        <a:schemeClr val="accent1"/>
+                      </a:effectRef>
+                      <a:fontRef idx="minor">
+                        <a:schemeClr val="lt1"/>
+                      </a:fontRef>
+                    </p:style>
+                    <p:txBody>
+                      <a:bodyPr rtlCol="0" anchor="ctr"/>
+                      <a:lstStyle/>
+                      <a:p>
+                        <a:pPr algn="ctr"/>
+                        <a:r>
+                          <a:rPr lang="en-US" altLang="zh-TW" sz="1400" dirty="0">
+                            <a:solidFill>
+                              <a:schemeClr val="tx1"/>
+                            </a:solidFill>
+                            <a:latin typeface="Times New Roman" panose="02020603050405020304" pitchFamily="18" charset="0"/>
+                            <a:cs typeface="Times New Roman" panose="02020603050405020304" pitchFamily="18" charset="0"/>
+                          </a:rPr>
+                          <a:t>roi</a:t>
+                        </a:r>
+                        <a:endParaRPr lang="zh-TW" altLang="en-US" sz="1400" dirty="0">
                           <a:solidFill>
                             <a:schemeClr val="tx1"/>
                           </a:solidFill>
                           <a:latin typeface="Times New Roman" panose="02020603050405020304" pitchFamily="18" charset="0"/>
                           <a:cs typeface="Times New Roman" panose="02020603050405020304" pitchFamily="18" charset="0"/>
-                        </a:rPr>
-                        <a:t>roi</a:t>
-                      </a:r>
-                      <a:endParaRPr lang="zh-TW" altLang="en-US" sz="1400" dirty="0">
+                        </a:endParaRPr>
+                      </a:p>
+                    </p:txBody>
+                  </p:sp>
+                  <p:sp>
+                    <p:nvSpPr>
+                      <p:cNvPr id="51" name="矩形 50">
+                        <a:extLst>
+                          <a:ext uri="{FF2B5EF4-FFF2-40B4-BE49-F238E27FC236}">
+                            <a16:creationId xmlns:a16="http://schemas.microsoft.com/office/drawing/2014/main" id="{4B9FCA04-B4BE-4622-B7E6-F4E669ABBC56}"/>
+                          </a:ext>
+                        </a:extLst>
+                      </p:cNvPr>
+                      <p:cNvSpPr/>
+                      <p:nvPr/>
+                    </p:nvSpPr>
+                    <p:spPr>
+                      <a:xfrm>
+                        <a:off x="904974" y="3559561"/>
+                        <a:ext cx="1216057" cy="391841"/>
+                      </a:xfrm>
+                      <a:prstGeom prst="rect">
+                        <a:avLst/>
+                      </a:prstGeom>
+                      <a:solidFill>
+                        <a:srgbClr val="83B5C2"/>
+                      </a:solidFill>
+                      <a:ln>
                         <a:solidFill>
                           <a:schemeClr val="tx1"/>
                         </a:solidFill>
-                        <a:latin typeface="Times New Roman" panose="02020603050405020304" pitchFamily="18" charset="0"/>
-                        <a:cs typeface="Times New Roman" panose="02020603050405020304" pitchFamily="18" charset="0"/>
-                      </a:endParaRPr>
-                    </a:p>
-                  </p:txBody>
-                </p:sp>
-                <p:sp>
-                  <p:nvSpPr>
-                    <p:cNvPr id="6" name="矩形 5">
-                      <a:extLst>
-                        <a:ext uri="{FF2B5EF4-FFF2-40B4-BE49-F238E27FC236}">
-                          <a16:creationId xmlns:a16="http://schemas.microsoft.com/office/drawing/2014/main" id="{4B9FCA04-B4BE-4622-B7E6-F4E669ABBC56}"/>
-                        </a:ext>
-                      </a:extLst>
-                    </p:cNvPr>
-                    <p:cNvSpPr/>
-                    <p:nvPr/>
-                  </p:nvSpPr>
-                  <p:spPr>
-                    <a:xfrm>
-                      <a:off x="904974" y="3559561"/>
-                      <a:ext cx="1216057" cy="391841"/>
-                    </a:xfrm>
-                    <a:prstGeom prst="rect">
-                      <a:avLst/>
-                    </a:prstGeom>
-                    <a:solidFill>
-                      <a:srgbClr val="83B5C2"/>
-                    </a:solidFill>
-                    <a:ln>
-                      <a:solidFill>
-                        <a:schemeClr val="tx1"/>
-                      </a:solidFill>
-                    </a:ln>
-                  </p:spPr>
-                  <p:style>
-                    <a:lnRef idx="2">
-                      <a:schemeClr val="accent1">
-                        <a:shade val="50000"/>
-                      </a:schemeClr>
-                    </a:lnRef>
-                    <a:fillRef idx="1">
-                      <a:schemeClr val="accent1"/>
-                    </a:fillRef>
-                    <a:effectRef idx="0">
-                      <a:schemeClr val="accent1"/>
-                    </a:effectRef>
-                    <a:fontRef idx="minor">
-                      <a:schemeClr val="lt1"/>
-                    </a:fontRef>
-                  </p:style>
-                  <p:txBody>
-                    <a:bodyPr rtlCol="0" anchor="ctr"/>
-                    <a:lstStyle/>
-                    <a:p>
-                      <a:pPr algn="ctr"/>
-                      <a:r>
-                        <a:rPr lang="en-US" altLang="zh-TW" sz="1400" dirty="0">
+                      </a:ln>
+                    </p:spPr>
+                    <p:style>
+                      <a:lnRef idx="2">
+                        <a:schemeClr val="accent1">
+                          <a:shade val="50000"/>
+                        </a:schemeClr>
+                      </a:lnRef>
+                      <a:fillRef idx="1">
+                        <a:schemeClr val="accent1"/>
+                      </a:fillRef>
+                      <a:effectRef idx="0">
+                        <a:schemeClr val="accent1"/>
+                      </a:effectRef>
+                      <a:fontRef idx="minor">
+                        <a:schemeClr val="lt1"/>
+                      </a:fontRef>
+                    </p:style>
+                    <p:txBody>
+                      <a:bodyPr rtlCol="0" anchor="ctr"/>
+                      <a:lstStyle/>
+                      <a:p>
+                        <a:pPr algn="ctr"/>
+                        <a:r>
+                          <a:rPr lang="en-US" altLang="zh-TW" sz="1400" dirty="0">
+                            <a:solidFill>
+                              <a:schemeClr val="tx1"/>
+                            </a:solidFill>
+                            <a:latin typeface="Times New Roman" panose="02020603050405020304" pitchFamily="18" charset="0"/>
+                            <a:cs typeface="Times New Roman" panose="02020603050405020304" pitchFamily="18" charset="0"/>
+                          </a:rPr>
+                          <a:t>Start</a:t>
+                        </a:r>
+                        <a:endParaRPr lang="zh-TW" altLang="en-US" sz="1400" dirty="0">
                           <a:solidFill>
                             <a:schemeClr val="tx1"/>
                           </a:solidFill>
                           <a:latin typeface="Times New Roman" panose="02020603050405020304" pitchFamily="18" charset="0"/>
                           <a:cs typeface="Times New Roman" panose="02020603050405020304" pitchFamily="18" charset="0"/>
-                        </a:rPr>
-                        <a:t>Start</a:t>
-                      </a:r>
-                      <a:endParaRPr lang="zh-TW" altLang="en-US" sz="1400" dirty="0">
+                        </a:endParaRPr>
+                      </a:p>
+                    </p:txBody>
+                  </p:sp>
+                  <p:cxnSp>
+                    <p:nvCxnSpPr>
+                      <p:cNvPr id="52" name="直線單箭頭接點 51">
+                        <a:extLst>
+                          <a:ext uri="{FF2B5EF4-FFF2-40B4-BE49-F238E27FC236}">
+                            <a16:creationId xmlns:a16="http://schemas.microsoft.com/office/drawing/2014/main" id="{3B42F123-254F-4E20-97EF-93F0790DC950}"/>
+                          </a:ext>
+                        </a:extLst>
+                      </p:cNvPr>
+                      <p:cNvCxnSpPr>
+                        <a:cxnSpLocks/>
+                        <a:stCxn id="49" idx="3"/>
+                        <a:endCxn id="50" idx="1"/>
+                      </p:cNvCxnSpPr>
+                      <p:nvPr/>
+                    </p:nvCxnSpPr>
+                    <p:spPr>
+                      <a:xfrm flipV="1">
+                        <a:off x="2121031" y="2019378"/>
+                        <a:ext cx="578964" cy="1"/>
+                      </a:xfrm>
+                      <a:prstGeom prst="straightConnector1">
+                        <a:avLst/>
+                      </a:prstGeom>
+                      <a:ln w="38100">
+                        <a:tailEnd type="triangle"/>
+                      </a:ln>
+                    </p:spPr>
+                    <p:style>
+                      <a:lnRef idx="1">
+                        <a:schemeClr val="dk1"/>
+                      </a:lnRef>
+                      <a:fillRef idx="0">
+                        <a:schemeClr val="dk1"/>
+                      </a:fillRef>
+                      <a:effectRef idx="0">
+                        <a:schemeClr val="dk1"/>
+                      </a:effectRef>
+                      <a:fontRef idx="minor">
+                        <a:schemeClr val="tx1"/>
+                      </a:fontRef>
+                    </p:style>
+                  </p:cxnSp>
+                  <p:sp>
+                    <p:nvSpPr>
+                      <p:cNvPr id="54" name="矩形 53">
+                        <a:extLst>
+                          <a:ext uri="{FF2B5EF4-FFF2-40B4-BE49-F238E27FC236}">
+                            <a16:creationId xmlns:a16="http://schemas.microsoft.com/office/drawing/2014/main" id="{EE56C630-35BC-450D-99B7-F3EE3EC07157}"/>
+                          </a:ext>
+                        </a:extLst>
+                      </p:cNvPr>
+                      <p:cNvSpPr/>
+                      <p:nvPr/>
+                    </p:nvSpPr>
+                    <p:spPr>
+                      <a:xfrm>
+                        <a:off x="2631456" y="3559561"/>
+                        <a:ext cx="1216057" cy="391841"/>
+                      </a:xfrm>
+                      <a:prstGeom prst="rect">
+                        <a:avLst/>
+                      </a:prstGeom>
+                      <a:solidFill>
+                        <a:srgbClr val="83B5C2"/>
+                      </a:solidFill>
+                      <a:ln>
                         <a:solidFill>
                           <a:schemeClr val="tx1"/>
                         </a:solidFill>
-                        <a:latin typeface="Times New Roman" panose="02020603050405020304" pitchFamily="18" charset="0"/>
-                        <a:cs typeface="Times New Roman" panose="02020603050405020304" pitchFamily="18" charset="0"/>
-                      </a:endParaRPr>
-                    </a:p>
-                  </p:txBody>
-                </p:sp>
+                      </a:ln>
+                    </p:spPr>
+                    <p:style>
+                      <a:lnRef idx="2">
+                        <a:schemeClr val="accent1">
+                          <a:shade val="50000"/>
+                        </a:schemeClr>
+                      </a:lnRef>
+                      <a:fillRef idx="1">
+                        <a:schemeClr val="accent1"/>
+                      </a:fillRef>
+                      <a:effectRef idx="0">
+                        <a:schemeClr val="accent1"/>
+                      </a:effectRef>
+                      <a:fontRef idx="minor">
+                        <a:schemeClr val="lt1"/>
+                      </a:fontRef>
+                    </p:style>
+                    <p:txBody>
+                      <a:bodyPr rtlCol="0" anchor="ctr"/>
+                      <a:lstStyle/>
+                      <a:p>
+                        <a:pPr algn="ctr"/>
+                        <a:r>
+                          <a:rPr lang="en-US" altLang="zh-TW" sz="1400" dirty="0" err="1">
+                            <a:solidFill>
+                              <a:schemeClr val="tx1"/>
+                            </a:solidFill>
+                            <a:latin typeface="Times New Roman" panose="02020603050405020304" pitchFamily="18" charset="0"/>
+                            <a:cs typeface="Times New Roman" panose="02020603050405020304" pitchFamily="18" charset="0"/>
+                          </a:rPr>
+                          <a:t>get_data</a:t>
+                        </a:r>
+                        <a:endParaRPr lang="zh-TW" altLang="en-US" sz="1400" dirty="0">
+                          <a:solidFill>
+                            <a:schemeClr val="tx1"/>
+                          </a:solidFill>
+                          <a:latin typeface="Times New Roman" panose="02020603050405020304" pitchFamily="18" charset="0"/>
+                          <a:cs typeface="Times New Roman" panose="02020603050405020304" pitchFamily="18" charset="0"/>
+                        </a:endParaRPr>
+                      </a:p>
+                    </p:txBody>
+                  </p:sp>
+                  <p:cxnSp>
+                    <p:nvCxnSpPr>
+                      <p:cNvPr id="55" name="直線單箭頭接點 54">
+                        <a:extLst>
+                          <a:ext uri="{FF2B5EF4-FFF2-40B4-BE49-F238E27FC236}">
+                            <a16:creationId xmlns:a16="http://schemas.microsoft.com/office/drawing/2014/main" id="{86933AED-5295-4975-B89F-5033ECB0E45E}"/>
+                          </a:ext>
+                        </a:extLst>
+                      </p:cNvPr>
+                      <p:cNvCxnSpPr>
+                        <a:cxnSpLocks/>
+                        <a:stCxn id="51" idx="3"/>
+                        <a:endCxn id="54" idx="1"/>
+                      </p:cNvCxnSpPr>
+                      <p:nvPr/>
+                    </p:nvCxnSpPr>
+                    <p:spPr>
+                      <a:xfrm>
+                        <a:off x="2121031" y="3755482"/>
+                        <a:ext cx="510425" cy="0"/>
+                      </a:xfrm>
+                      <a:prstGeom prst="straightConnector1">
+                        <a:avLst/>
+                      </a:prstGeom>
+                      <a:ln w="38100">
+                        <a:tailEnd type="triangle"/>
+                      </a:ln>
+                    </p:spPr>
+                    <p:style>
+                      <a:lnRef idx="1">
+                        <a:schemeClr val="dk1"/>
+                      </a:lnRef>
+                      <a:fillRef idx="0">
+                        <a:schemeClr val="dk1"/>
+                      </a:fillRef>
+                      <a:effectRef idx="0">
+                        <a:schemeClr val="dk1"/>
+                      </a:effectRef>
+                      <a:fontRef idx="minor">
+                        <a:schemeClr val="tx1"/>
+                      </a:fontRef>
+                    </p:style>
+                  </p:cxnSp>
+                  <p:sp>
+                    <p:nvSpPr>
+                      <p:cNvPr id="56" name="矩形 55">
+                        <a:extLst>
+                          <a:ext uri="{FF2B5EF4-FFF2-40B4-BE49-F238E27FC236}">
+                            <a16:creationId xmlns:a16="http://schemas.microsoft.com/office/drawing/2014/main" id="{D8B96B90-5618-45A4-9B86-AD5C7E95087A}"/>
+                          </a:ext>
+                        </a:extLst>
+                      </p:cNvPr>
+                      <p:cNvSpPr/>
+                      <p:nvPr/>
+                    </p:nvSpPr>
+                    <p:spPr>
+                      <a:xfrm>
+                        <a:off x="4640060" y="3559560"/>
+                        <a:ext cx="1216057" cy="391841"/>
+                      </a:xfrm>
+                      <a:prstGeom prst="rect">
+                        <a:avLst/>
+                      </a:prstGeom>
+                      <a:solidFill>
+                        <a:srgbClr val="83B5C2"/>
+                      </a:solidFill>
+                      <a:ln>
+                        <a:solidFill>
+                          <a:schemeClr val="tx1"/>
+                        </a:solidFill>
+                      </a:ln>
+                    </p:spPr>
+                    <p:style>
+                      <a:lnRef idx="2">
+                        <a:schemeClr val="accent1">
+                          <a:shade val="50000"/>
+                        </a:schemeClr>
+                      </a:lnRef>
+                      <a:fillRef idx="1">
+                        <a:schemeClr val="accent1"/>
+                      </a:fillRef>
+                      <a:effectRef idx="0">
+                        <a:schemeClr val="accent1"/>
+                      </a:effectRef>
+                      <a:fontRef idx="minor">
+                        <a:schemeClr val="lt1"/>
+                      </a:fontRef>
+                    </p:style>
+                    <p:txBody>
+                      <a:bodyPr rtlCol="0" anchor="ctr"/>
+                      <a:lstStyle/>
+                      <a:p>
+                        <a:pPr algn="ctr"/>
+                        <a:r>
+                          <a:rPr lang="en-US" altLang="zh-TW" sz="1400" dirty="0" err="1">
+                            <a:solidFill>
+                              <a:schemeClr val="tx1"/>
+                            </a:solidFill>
+                            <a:latin typeface="Times New Roman" panose="02020603050405020304" pitchFamily="18" charset="0"/>
+                            <a:cs typeface="Times New Roman" panose="02020603050405020304" pitchFamily="18" charset="0"/>
+                          </a:rPr>
+                          <a:t>train_model</a:t>
+                        </a:r>
+                        <a:endParaRPr lang="zh-TW" altLang="en-US" sz="1400" dirty="0">
+                          <a:solidFill>
+                            <a:schemeClr val="tx1"/>
+                          </a:solidFill>
+                          <a:latin typeface="Times New Roman" panose="02020603050405020304" pitchFamily="18" charset="0"/>
+                          <a:cs typeface="Times New Roman" panose="02020603050405020304" pitchFamily="18" charset="0"/>
+                        </a:endParaRPr>
+                      </a:p>
+                    </p:txBody>
+                  </p:sp>
+                  <p:cxnSp>
+                    <p:nvCxnSpPr>
+                      <p:cNvPr id="57" name="直線單箭頭接點 56">
+                        <a:extLst>
+                          <a:ext uri="{FF2B5EF4-FFF2-40B4-BE49-F238E27FC236}">
+                            <a16:creationId xmlns:a16="http://schemas.microsoft.com/office/drawing/2014/main" id="{B5662827-7F13-4CC8-8C32-F5E51C9C82B3}"/>
+                          </a:ext>
+                        </a:extLst>
+                      </p:cNvPr>
+                      <p:cNvCxnSpPr>
+                        <a:cxnSpLocks/>
+                        <a:stCxn id="54" idx="3"/>
+                        <a:endCxn id="56" idx="1"/>
+                      </p:cNvCxnSpPr>
+                      <p:nvPr/>
+                    </p:nvCxnSpPr>
+                    <p:spPr>
+                      <a:xfrm flipV="1">
+                        <a:off x="3847513" y="3755481"/>
+                        <a:ext cx="792547" cy="1"/>
+                      </a:xfrm>
+                      <a:prstGeom prst="straightConnector1">
+                        <a:avLst/>
+                      </a:prstGeom>
+                      <a:ln w="38100">
+                        <a:tailEnd type="triangle"/>
+                      </a:ln>
+                    </p:spPr>
+                    <p:style>
+                      <a:lnRef idx="1">
+                        <a:schemeClr val="dk1"/>
+                      </a:lnRef>
+                      <a:fillRef idx="0">
+                        <a:schemeClr val="dk1"/>
+                      </a:fillRef>
+                      <a:effectRef idx="0">
+                        <a:schemeClr val="dk1"/>
+                      </a:effectRef>
+                      <a:fontRef idx="minor">
+                        <a:schemeClr val="tx1"/>
+                      </a:fontRef>
+                    </p:style>
+                  </p:cxnSp>
+                  <p:sp>
+                    <p:nvSpPr>
+                      <p:cNvPr id="58" name="矩形 57">
+                        <a:extLst>
+                          <a:ext uri="{FF2B5EF4-FFF2-40B4-BE49-F238E27FC236}">
+                            <a16:creationId xmlns:a16="http://schemas.microsoft.com/office/drawing/2014/main" id="{94180B67-56EB-4FFD-942D-3A6D818F02F5}"/>
+                          </a:ext>
+                        </a:extLst>
+                      </p:cNvPr>
+                      <p:cNvSpPr/>
+                      <p:nvPr/>
+                    </p:nvSpPr>
+                    <p:spPr>
+                      <a:xfrm>
+                        <a:off x="7077173" y="3559559"/>
+                        <a:ext cx="1216057" cy="391841"/>
+                      </a:xfrm>
+                      <a:prstGeom prst="rect">
+                        <a:avLst/>
+                      </a:prstGeom>
+                      <a:solidFill>
+                        <a:srgbClr val="83B5C2"/>
+                      </a:solidFill>
+                      <a:ln>
+                        <a:solidFill>
+                          <a:schemeClr val="tx1"/>
+                        </a:solidFill>
+                      </a:ln>
+                    </p:spPr>
+                    <p:style>
+                      <a:lnRef idx="2">
+                        <a:schemeClr val="accent1">
+                          <a:shade val="50000"/>
+                        </a:schemeClr>
+                      </a:lnRef>
+                      <a:fillRef idx="1">
+                        <a:schemeClr val="accent1"/>
+                      </a:fillRef>
+                      <a:effectRef idx="0">
+                        <a:schemeClr val="accent1"/>
+                      </a:effectRef>
+                      <a:fontRef idx="minor">
+                        <a:schemeClr val="lt1"/>
+                      </a:fontRef>
+                    </p:style>
+                    <p:txBody>
+                      <a:bodyPr rtlCol="0" anchor="ctr"/>
+                      <a:lstStyle/>
+                      <a:p>
+                        <a:pPr algn="ctr"/>
+                        <a:r>
+                          <a:rPr lang="en-US" altLang="zh-TW" sz="1400" dirty="0" err="1">
+                            <a:solidFill>
+                              <a:schemeClr val="tx1"/>
+                            </a:solidFill>
+                            <a:latin typeface="Times New Roman" panose="02020603050405020304" pitchFamily="18" charset="0"/>
+                            <a:cs typeface="Times New Roman" panose="02020603050405020304" pitchFamily="18" charset="0"/>
+                          </a:rPr>
+                          <a:t>play_game</a:t>
+                        </a:r>
+                        <a:endParaRPr lang="zh-TW" altLang="en-US" sz="1400" dirty="0">
+                          <a:solidFill>
+                            <a:schemeClr val="tx1"/>
+                          </a:solidFill>
+                          <a:latin typeface="Times New Roman" panose="02020603050405020304" pitchFamily="18" charset="0"/>
+                          <a:cs typeface="Times New Roman" panose="02020603050405020304" pitchFamily="18" charset="0"/>
+                        </a:endParaRPr>
+                      </a:p>
+                    </p:txBody>
+                  </p:sp>
+                  <p:cxnSp>
+                    <p:nvCxnSpPr>
+                      <p:cNvPr id="59" name="直線單箭頭接點 58">
+                        <a:extLst>
+                          <a:ext uri="{FF2B5EF4-FFF2-40B4-BE49-F238E27FC236}">
+                            <a16:creationId xmlns:a16="http://schemas.microsoft.com/office/drawing/2014/main" id="{F80E79D2-10DD-44B8-81DA-DDD40020632A}"/>
+                          </a:ext>
+                        </a:extLst>
+                      </p:cNvPr>
+                      <p:cNvCxnSpPr>
+                        <a:cxnSpLocks/>
+                        <a:stCxn id="56" idx="3"/>
+                        <a:endCxn id="58" idx="1"/>
+                      </p:cNvCxnSpPr>
+                      <p:nvPr/>
+                    </p:nvCxnSpPr>
+                    <p:spPr>
+                      <a:xfrm flipV="1">
+                        <a:off x="5856117" y="3755480"/>
+                        <a:ext cx="1221056" cy="1"/>
+                      </a:xfrm>
+                      <a:prstGeom prst="straightConnector1">
+                        <a:avLst/>
+                      </a:prstGeom>
+                      <a:ln w="38100">
+                        <a:tailEnd type="triangle"/>
+                      </a:ln>
+                    </p:spPr>
+                    <p:style>
+                      <a:lnRef idx="1">
+                        <a:schemeClr val="dk1"/>
+                      </a:lnRef>
+                      <a:fillRef idx="0">
+                        <a:schemeClr val="dk1"/>
+                      </a:fillRef>
+                      <a:effectRef idx="0">
+                        <a:schemeClr val="dk1"/>
+                      </a:effectRef>
+                      <a:fontRef idx="minor">
+                        <a:schemeClr val="tx1"/>
+                      </a:fontRef>
+                    </p:style>
+                  </p:cxnSp>
+                  <p:cxnSp>
+                    <p:nvCxnSpPr>
+                      <p:cNvPr id="60" name="直線單箭頭接點 59">
+                        <a:extLst>
+                          <a:ext uri="{FF2B5EF4-FFF2-40B4-BE49-F238E27FC236}">
+                            <a16:creationId xmlns:a16="http://schemas.microsoft.com/office/drawing/2014/main" id="{56C185AC-6CA7-4D37-83F5-FE1BB33EB640}"/>
+                          </a:ext>
+                        </a:extLst>
+                      </p:cNvPr>
+                      <p:cNvCxnSpPr>
+                        <a:cxnSpLocks/>
+                        <a:stCxn id="50" idx="2"/>
+                        <a:endCxn id="54" idx="0"/>
+                      </p:cNvCxnSpPr>
+                      <p:nvPr/>
+                    </p:nvCxnSpPr>
+                    <p:spPr>
+                      <a:xfrm>
+                        <a:off x="3236537" y="2215298"/>
+                        <a:ext cx="2948" cy="1344263"/>
+                      </a:xfrm>
+                      <a:prstGeom prst="straightConnector1">
+                        <a:avLst/>
+                      </a:prstGeom>
+                      <a:ln w="38100">
+                        <a:tailEnd type="triangle"/>
+                      </a:ln>
+                    </p:spPr>
+                    <p:style>
+                      <a:lnRef idx="1">
+                        <a:schemeClr val="dk1"/>
+                      </a:lnRef>
+                      <a:fillRef idx="0">
+                        <a:schemeClr val="dk1"/>
+                      </a:fillRef>
+                      <a:effectRef idx="0">
+                        <a:schemeClr val="dk1"/>
+                      </a:effectRef>
+                      <a:fontRef idx="minor">
+                        <a:schemeClr val="tx1"/>
+                      </a:fontRef>
+                    </p:style>
+                  </p:cxnSp>
+                  <p:sp>
+                    <p:nvSpPr>
+                      <p:cNvPr id="61" name="文字方塊 60">
+                        <a:extLst>
+                          <a:ext uri="{FF2B5EF4-FFF2-40B4-BE49-F238E27FC236}">
+                            <a16:creationId xmlns:a16="http://schemas.microsoft.com/office/drawing/2014/main" id="{4C6B4E01-434A-41CD-934E-F63BFCD0B147}"/>
+                          </a:ext>
+                        </a:extLst>
+                      </p:cNvPr>
+                      <p:cNvSpPr txBox="1"/>
+                      <p:nvPr/>
+                    </p:nvSpPr>
+                    <p:spPr>
+                      <a:xfrm>
+                        <a:off x="3331201" y="2286161"/>
+                        <a:ext cx="1571915" cy="408022"/>
+                      </a:xfrm>
+                      <a:prstGeom prst="rect">
+                        <a:avLst/>
+                      </a:prstGeom>
+                      <a:noFill/>
+                    </p:spPr>
+                    <p:txBody>
+                      <a:bodyPr wrap="square" rtlCol="0">
+                        <a:spAutoFit/>
+                      </a:bodyPr>
+                      <a:lstStyle/>
+                      <a:p>
+                        <a:r>
+                          <a:rPr lang="en-US" altLang="zh-TW" sz="1400" dirty="0">
+                            <a:latin typeface="Times New Roman" panose="02020603050405020304" pitchFamily="18" charset="0"/>
+                            <a:cs typeface="Times New Roman" panose="02020603050405020304" pitchFamily="18" charset="0"/>
+                          </a:rPr>
+                          <a:t>row</a:t>
+                        </a:r>
+                        <a:r>
+                          <a:rPr lang="zh-TW" altLang="en-US" sz="1400" dirty="0">
+                            <a:latin typeface="Times New Roman" panose="02020603050405020304" pitchFamily="18" charset="0"/>
+                            <a:cs typeface="Times New Roman" panose="02020603050405020304" pitchFamily="18" charset="0"/>
+                          </a:rPr>
+                          <a:t>、</a:t>
+                        </a:r>
+                        <a:r>
+                          <a:rPr lang="en-US" altLang="zh-TW" sz="1400" dirty="0">
+                            <a:latin typeface="Times New Roman" panose="02020603050405020304" pitchFamily="18" charset="0"/>
+                            <a:cs typeface="Times New Roman" panose="02020603050405020304" pitchFamily="18" charset="0"/>
+                          </a:rPr>
+                          <a:t>column position </a:t>
+                        </a:r>
+                        <a:r>
+                          <a:rPr lang="zh-TW" altLang="en-US" sz="1400" dirty="0">
+                            <a:latin typeface="Times New Roman" panose="02020603050405020304" pitchFamily="18" charset="0"/>
+                            <a:cs typeface="Times New Roman" panose="02020603050405020304" pitchFamily="18" charset="0"/>
+                          </a:rPr>
+                          <a:t>、</a:t>
+                        </a:r>
+                        <a:r>
+                          <a:rPr lang="en-US" altLang="zh-TW" sz="1400" dirty="0">
+                            <a:latin typeface="Times New Roman" panose="02020603050405020304" pitchFamily="18" charset="0"/>
+                            <a:cs typeface="Times New Roman" panose="02020603050405020304" pitchFamily="18" charset="0"/>
+                          </a:rPr>
+                          <a:t> width</a:t>
+                        </a:r>
+                        <a:r>
+                          <a:rPr lang="zh-TW" altLang="en-US" sz="1400" dirty="0">
+                            <a:latin typeface="Times New Roman" panose="02020603050405020304" pitchFamily="18" charset="0"/>
+                            <a:cs typeface="Times New Roman" panose="02020603050405020304" pitchFamily="18" charset="0"/>
+                          </a:rPr>
+                          <a:t>、</a:t>
+                        </a:r>
+                        <a:r>
+                          <a:rPr lang="en-US" altLang="zh-TW" sz="1400" dirty="0">
+                            <a:latin typeface="Times New Roman" panose="02020603050405020304" pitchFamily="18" charset="0"/>
+                            <a:cs typeface="Times New Roman" panose="02020603050405020304" pitchFamily="18" charset="0"/>
+                          </a:rPr>
+                          <a:t>height</a:t>
+                        </a:r>
+                        <a:endParaRPr lang="zh-TW" altLang="en-US" sz="1400" dirty="0">
+                          <a:latin typeface="Times New Roman" panose="02020603050405020304" pitchFamily="18" charset="0"/>
+                          <a:cs typeface="Times New Roman" panose="02020603050405020304" pitchFamily="18" charset="0"/>
+                        </a:endParaRPr>
+                      </a:p>
+                    </p:txBody>
+                  </p:sp>
+                  <p:sp>
+                    <p:nvSpPr>
+                      <p:cNvPr id="63" name="文字方塊 62">
+                        <a:extLst>
+                          <a:ext uri="{FF2B5EF4-FFF2-40B4-BE49-F238E27FC236}">
+                            <a16:creationId xmlns:a16="http://schemas.microsoft.com/office/drawing/2014/main" id="{E31F7EAE-194D-496D-87BE-98E38573D429}"/>
+                          </a:ext>
+                        </a:extLst>
+                      </p:cNvPr>
+                      <p:cNvSpPr txBox="1"/>
+                      <p:nvPr/>
+                    </p:nvSpPr>
+                    <p:spPr>
+                      <a:xfrm>
+                        <a:off x="3551159" y="3493623"/>
+                        <a:ext cx="1107729" cy="240014"/>
+                      </a:xfrm>
+                      <a:prstGeom prst="rect">
+                        <a:avLst/>
+                      </a:prstGeom>
+                      <a:noFill/>
+                    </p:spPr>
+                    <p:txBody>
+                      <a:bodyPr wrap="square" rtlCol="0">
+                        <a:spAutoFit/>
+                      </a:bodyPr>
+                      <a:lstStyle/>
+                      <a:p>
+                        <a:pPr lvl="1"/>
+                        <a:r>
+                          <a:rPr lang="en-US" altLang="zh-TW" sz="1400" dirty="0">
+                            <a:latin typeface="Times New Roman" panose="02020603050405020304" pitchFamily="18" charset="0"/>
+                            <a:ea typeface="微軟正黑體" panose="020B0604030504040204" pitchFamily="34" charset="-120"/>
+                          </a:rPr>
+                          <a:t>images</a:t>
+                        </a:r>
+                        <a:endParaRPr lang="en-US" altLang="zh-TW" sz="1200" dirty="0">
+                          <a:latin typeface="Times New Roman" panose="02020603050405020304" pitchFamily="18" charset="0"/>
+                          <a:ea typeface="微軟正黑體" panose="020B0604030504040204" pitchFamily="34" charset="-120"/>
+                        </a:endParaRPr>
+                      </a:p>
+                    </p:txBody>
+                  </p:sp>
+                  <p:sp>
+                    <p:nvSpPr>
+                      <p:cNvPr id="64" name="文字方塊 63">
+                        <a:extLst>
+                          <a:ext uri="{FF2B5EF4-FFF2-40B4-BE49-F238E27FC236}">
+                            <a16:creationId xmlns:a16="http://schemas.microsoft.com/office/drawing/2014/main" id="{438E91B8-D7B2-4A2E-ADAC-05E14345A529}"/>
+                          </a:ext>
+                        </a:extLst>
+                      </p:cNvPr>
+                      <p:cNvSpPr txBox="1"/>
+                      <p:nvPr/>
+                    </p:nvSpPr>
+                    <p:spPr>
+                      <a:xfrm>
+                        <a:off x="5560508" y="3488317"/>
+                        <a:ext cx="1612068" cy="240014"/>
+                      </a:xfrm>
+                      <a:prstGeom prst="rect">
+                        <a:avLst/>
+                      </a:prstGeom>
+                      <a:noFill/>
+                    </p:spPr>
+                    <p:txBody>
+                      <a:bodyPr wrap="square" rtlCol="0">
+                        <a:spAutoFit/>
+                      </a:bodyPr>
+                      <a:lstStyle/>
+                      <a:p>
+                        <a:pPr lvl="1"/>
+                        <a:r>
+                          <a:rPr lang="en-US" altLang="zh-TW" sz="1400" dirty="0">
+                            <a:latin typeface="Times New Roman" panose="02020603050405020304" pitchFamily="18" charset="0"/>
+                            <a:ea typeface="微軟正黑體" panose="020B0604030504040204" pitchFamily="34" charset="-120"/>
+                          </a:rPr>
+                          <a:t>trained data</a:t>
+                        </a:r>
+                        <a:endParaRPr lang="en-US" altLang="zh-TW" sz="1200" dirty="0">
+                          <a:latin typeface="Times New Roman" panose="02020603050405020304" pitchFamily="18" charset="0"/>
+                          <a:ea typeface="微軟正黑體" panose="020B0604030504040204" pitchFamily="34" charset="-120"/>
+                        </a:endParaRPr>
+                      </a:p>
+                    </p:txBody>
+                  </p:sp>
+                  <p:sp>
+                    <p:nvSpPr>
+                      <p:cNvPr id="65" name="矩形 64">
+                        <a:extLst>
+                          <a:ext uri="{FF2B5EF4-FFF2-40B4-BE49-F238E27FC236}">
+                            <a16:creationId xmlns:a16="http://schemas.microsoft.com/office/drawing/2014/main" id="{2D140014-92A5-4164-B0BF-6EB890C1AAA8}"/>
+                          </a:ext>
+                        </a:extLst>
+                      </p:cNvPr>
+                      <p:cNvSpPr/>
+                      <p:nvPr/>
+                    </p:nvSpPr>
+                    <p:spPr>
+                      <a:xfrm>
+                        <a:off x="5856117" y="2406128"/>
+                        <a:ext cx="1216057" cy="391841"/>
+                      </a:xfrm>
+                      <a:prstGeom prst="rect">
+                        <a:avLst/>
+                      </a:prstGeom>
+                      <a:solidFill>
+                        <a:srgbClr val="83B5C2"/>
+                      </a:solidFill>
+                      <a:ln>
+                        <a:solidFill>
+                          <a:schemeClr val="tx1"/>
+                        </a:solidFill>
+                      </a:ln>
+                    </p:spPr>
+                    <p:style>
+                      <a:lnRef idx="2">
+                        <a:schemeClr val="accent1">
+                          <a:shade val="50000"/>
+                        </a:schemeClr>
+                      </a:lnRef>
+                      <a:fillRef idx="1">
+                        <a:schemeClr val="accent1"/>
+                      </a:fillRef>
+                      <a:effectRef idx="0">
+                        <a:schemeClr val="accent1"/>
+                      </a:effectRef>
+                      <a:fontRef idx="minor">
+                        <a:schemeClr val="lt1"/>
+                      </a:fontRef>
+                    </p:style>
+                    <p:txBody>
+                      <a:bodyPr rtlCol="0" anchor="ctr"/>
+                      <a:lstStyle/>
+                      <a:p>
+                        <a:pPr algn="ctr"/>
+                        <a:r>
+                          <a:rPr lang="en-US" altLang="zh-TW" sz="1400" dirty="0" err="1">
+                            <a:solidFill>
+                              <a:schemeClr val="tx1"/>
+                            </a:solidFill>
+                            <a:latin typeface="Times New Roman" panose="02020603050405020304" pitchFamily="18" charset="0"/>
+                            <a:cs typeface="Times New Roman" panose="02020603050405020304" pitchFamily="18" charset="0"/>
+                          </a:rPr>
+                          <a:t>plot_data</a:t>
+                        </a:r>
+                        <a:endParaRPr lang="zh-TW" altLang="en-US" sz="1400" dirty="0">
+                          <a:solidFill>
+                            <a:schemeClr val="tx1"/>
+                          </a:solidFill>
+                          <a:latin typeface="Times New Roman" panose="02020603050405020304" pitchFamily="18" charset="0"/>
+                          <a:cs typeface="Times New Roman" panose="02020603050405020304" pitchFamily="18" charset="0"/>
+                        </a:endParaRPr>
+                      </a:p>
+                    </p:txBody>
+                  </p:sp>
+                  <p:sp>
+                    <p:nvSpPr>
+                      <p:cNvPr id="66" name="文字方塊 65">
+                        <a:extLst>
+                          <a:ext uri="{FF2B5EF4-FFF2-40B4-BE49-F238E27FC236}">
+                            <a16:creationId xmlns:a16="http://schemas.microsoft.com/office/drawing/2014/main" id="{601F6C84-7823-44AD-8B53-7A88FC30496B}"/>
+                          </a:ext>
+                        </a:extLst>
+                      </p:cNvPr>
+                      <p:cNvSpPr txBox="1"/>
+                      <p:nvPr/>
+                    </p:nvSpPr>
+                    <p:spPr>
+                      <a:xfrm>
+                        <a:off x="4352295" y="4166098"/>
+                        <a:ext cx="1612068" cy="240014"/>
+                      </a:xfrm>
+                      <a:prstGeom prst="rect">
+                        <a:avLst/>
+                      </a:prstGeom>
+                      <a:noFill/>
+                    </p:spPr>
+                    <p:txBody>
+                      <a:bodyPr wrap="square" rtlCol="0">
+                        <a:spAutoFit/>
+                      </a:bodyPr>
+                      <a:lstStyle/>
+                      <a:p>
+                        <a:pPr lvl="1"/>
+                        <a:r>
+                          <a:rPr lang="en-US" altLang="zh-TW" sz="1400" dirty="0">
+                            <a:latin typeface="Times New Roman" panose="02020603050405020304" pitchFamily="18" charset="0"/>
+                            <a:ea typeface="微軟正黑體" panose="020B0604030504040204" pitchFamily="34" charset="-120"/>
+                          </a:rPr>
+                          <a:t>output_keyboard</a:t>
+                        </a:r>
+                        <a:endParaRPr lang="en-US" altLang="zh-TW" sz="1200" dirty="0">
+                          <a:latin typeface="Times New Roman" panose="02020603050405020304" pitchFamily="18" charset="0"/>
+                          <a:ea typeface="微軟正黑體" panose="020B0604030504040204" pitchFamily="34" charset="-120"/>
+                        </a:endParaRPr>
+                      </a:p>
+                    </p:txBody>
+                  </p:sp>
+                  <p:sp>
+                    <p:nvSpPr>
+                      <p:cNvPr id="68" name="矩形 67">
+                        <a:extLst>
+                          <a:ext uri="{FF2B5EF4-FFF2-40B4-BE49-F238E27FC236}">
+                            <a16:creationId xmlns:a16="http://schemas.microsoft.com/office/drawing/2014/main" id="{4DB52B9B-0B0B-47AB-AB97-09666D55D9E9}"/>
+                          </a:ext>
+                        </a:extLst>
+                      </p:cNvPr>
+                      <p:cNvSpPr/>
+                      <p:nvPr/>
+                    </p:nvSpPr>
+                    <p:spPr>
+                      <a:xfrm>
+                        <a:off x="1634966" y="4766531"/>
+                        <a:ext cx="1216057" cy="391841"/>
+                      </a:xfrm>
+                      <a:prstGeom prst="rect">
+                        <a:avLst/>
+                      </a:prstGeom>
+                      <a:solidFill>
+                        <a:srgbClr val="83B5C2"/>
+                      </a:solidFill>
+                      <a:ln>
+                        <a:solidFill>
+                          <a:schemeClr val="tx1"/>
+                        </a:solidFill>
+                      </a:ln>
+                    </p:spPr>
+                    <p:style>
+                      <a:lnRef idx="2">
+                        <a:schemeClr val="accent1">
+                          <a:shade val="50000"/>
+                        </a:schemeClr>
+                      </a:lnRef>
+                      <a:fillRef idx="1">
+                        <a:schemeClr val="accent1"/>
+                      </a:fillRef>
+                      <a:effectRef idx="0">
+                        <a:schemeClr val="accent1"/>
+                      </a:effectRef>
+                      <a:fontRef idx="minor">
+                        <a:schemeClr val="lt1"/>
+                      </a:fontRef>
+                    </p:style>
+                    <p:txBody>
+                      <a:bodyPr rtlCol="0" anchor="ctr"/>
+                      <a:lstStyle/>
+                      <a:p>
+                        <a:pPr algn="ctr"/>
+                        <a:r>
+                          <a:rPr lang="en-US" altLang="zh-TW" sz="1400" dirty="0" err="1">
+                            <a:solidFill>
+                              <a:schemeClr val="tx1"/>
+                            </a:solidFill>
+                            <a:latin typeface="Times New Roman" panose="02020603050405020304" pitchFamily="18" charset="0"/>
+                            <a:cs typeface="Times New Roman" panose="02020603050405020304" pitchFamily="18" charset="0"/>
+                          </a:rPr>
+                          <a:t>detect_game</a:t>
+                        </a:r>
+                        <a:endParaRPr lang="zh-TW" altLang="en-US" sz="1400" dirty="0">
+                          <a:solidFill>
+                            <a:schemeClr val="tx1"/>
+                          </a:solidFill>
+                          <a:latin typeface="Times New Roman" panose="02020603050405020304" pitchFamily="18" charset="0"/>
+                          <a:cs typeface="Times New Roman" panose="02020603050405020304" pitchFamily="18" charset="0"/>
+                        </a:endParaRPr>
+                      </a:p>
+                    </p:txBody>
+                  </p:sp>
+                  <p:sp>
+                    <p:nvSpPr>
+                      <p:cNvPr id="70" name="文字方塊 69">
+                        <a:extLst>
+                          <a:ext uri="{FF2B5EF4-FFF2-40B4-BE49-F238E27FC236}">
+                            <a16:creationId xmlns:a16="http://schemas.microsoft.com/office/drawing/2014/main" id="{7329F1DF-AE8C-402A-934C-AC824FB7E950}"/>
+                          </a:ext>
+                        </a:extLst>
+                      </p:cNvPr>
+                      <p:cNvSpPr txBox="1"/>
+                      <p:nvPr/>
+                    </p:nvSpPr>
+                    <p:spPr>
+                      <a:xfrm>
+                        <a:off x="1154790" y="5180530"/>
+                        <a:ext cx="2176412" cy="216012"/>
+                      </a:xfrm>
+                      <a:prstGeom prst="rect">
+                        <a:avLst/>
+                      </a:prstGeom>
+                      <a:noFill/>
+                    </p:spPr>
+                    <p:txBody>
+                      <a:bodyPr wrap="square" rtlCol="0">
+                        <a:spAutoFit/>
+                      </a:bodyPr>
+                      <a:lstStyle/>
+                      <a:p>
+                        <a:pPr lvl="1"/>
+                        <a:r>
+                          <a:rPr lang="zh-TW" altLang="en-US" sz="1200" dirty="0">
+                            <a:latin typeface="Times New Roman" panose="02020603050405020304" pitchFamily="18" charset="0"/>
+                            <a:ea typeface="微軟正黑體" panose="020B0604030504040204" pitchFamily="34" charset="-120"/>
+                          </a:rPr>
+                          <a:t>偵測遊戲是否結束</a:t>
+                        </a:r>
+                        <a:endParaRPr lang="en-US" altLang="zh-TW" sz="1200" dirty="0">
+                          <a:latin typeface="Times New Roman" panose="02020603050405020304" pitchFamily="18" charset="0"/>
+                          <a:ea typeface="微軟正黑體" panose="020B0604030504040204" pitchFamily="34" charset="-120"/>
+                        </a:endParaRPr>
+                      </a:p>
+                    </p:txBody>
+                  </p:sp>
+                  <p:sp>
+                    <p:nvSpPr>
+                      <p:cNvPr id="71" name="文字方塊 70">
+                        <a:extLst>
+                          <a:ext uri="{FF2B5EF4-FFF2-40B4-BE49-F238E27FC236}">
+                            <a16:creationId xmlns:a16="http://schemas.microsoft.com/office/drawing/2014/main" id="{614CF34D-9A2A-4741-B1E9-D28049374A5E}"/>
+                          </a:ext>
+                        </a:extLst>
+                      </p:cNvPr>
+                      <p:cNvSpPr txBox="1"/>
+                      <p:nvPr/>
+                    </p:nvSpPr>
+                    <p:spPr>
+                      <a:xfrm>
+                        <a:off x="491628" y="4266933"/>
+                        <a:ext cx="1107729" cy="240014"/>
+                      </a:xfrm>
+                      <a:prstGeom prst="rect">
+                        <a:avLst/>
+                      </a:prstGeom>
+                      <a:noFill/>
+                    </p:spPr>
+                    <p:txBody>
+                      <a:bodyPr wrap="square" rtlCol="0">
+                        <a:spAutoFit/>
+                      </a:bodyPr>
+                      <a:lstStyle/>
+                      <a:p>
+                        <a:pPr lvl="1"/>
+                        <a:r>
+                          <a:rPr lang="en-US" altLang="zh-TW" sz="1400" dirty="0">
+                            <a:latin typeface="Times New Roman" panose="02020603050405020304" pitchFamily="18" charset="0"/>
+                            <a:ea typeface="微軟正黑體" panose="020B0604030504040204" pitchFamily="34" charset="-120"/>
+                          </a:rPr>
+                          <a:t>restart</a:t>
+                        </a:r>
+                        <a:endParaRPr lang="en-US" altLang="zh-TW" sz="1200" dirty="0">
+                          <a:latin typeface="Times New Roman" panose="02020603050405020304" pitchFamily="18" charset="0"/>
+                          <a:ea typeface="微軟正黑體" panose="020B0604030504040204" pitchFamily="34" charset="-120"/>
+                        </a:endParaRPr>
+                      </a:p>
+                    </p:txBody>
+                  </p:sp>
+                  <p:sp>
+                    <p:nvSpPr>
+                      <p:cNvPr id="72" name="文字方塊 71">
+                        <a:extLst>
+                          <a:ext uri="{FF2B5EF4-FFF2-40B4-BE49-F238E27FC236}">
+                            <a16:creationId xmlns:a16="http://schemas.microsoft.com/office/drawing/2014/main" id="{DED06AD5-9B38-43E2-BFE5-6DC0F10A152D}"/>
+                          </a:ext>
+                        </a:extLst>
+                      </p:cNvPr>
+                      <p:cNvSpPr txBox="1"/>
+                      <p:nvPr/>
+                    </p:nvSpPr>
+                    <p:spPr>
+                      <a:xfrm>
+                        <a:off x="7823061" y="1749892"/>
+                        <a:ext cx="1571915" cy="408022"/>
+                      </a:xfrm>
+                      <a:prstGeom prst="rect">
+                        <a:avLst/>
+                      </a:prstGeom>
+                      <a:noFill/>
+                    </p:spPr>
+                    <p:txBody>
+                      <a:bodyPr wrap="square" rtlCol="0">
+                        <a:spAutoFit/>
+                      </a:bodyPr>
+                      <a:lstStyle/>
+                      <a:p>
+                        <a:r>
+                          <a:rPr lang="en-US" altLang="zh-TW" sz="1400" dirty="0">
+                            <a:latin typeface="Times New Roman" panose="02020603050405020304" pitchFamily="18" charset="0"/>
+                            <a:cs typeface="Times New Roman" panose="02020603050405020304" pitchFamily="18" charset="0"/>
+                          </a:rPr>
+                          <a:t>row</a:t>
+                        </a:r>
+                        <a:r>
+                          <a:rPr lang="zh-TW" altLang="en-US" sz="1400" dirty="0">
+                            <a:latin typeface="Times New Roman" panose="02020603050405020304" pitchFamily="18" charset="0"/>
+                            <a:cs typeface="Times New Roman" panose="02020603050405020304" pitchFamily="18" charset="0"/>
+                          </a:rPr>
+                          <a:t>、</a:t>
+                        </a:r>
+                        <a:r>
+                          <a:rPr lang="en-US" altLang="zh-TW" sz="1400" dirty="0">
+                            <a:latin typeface="Times New Roman" panose="02020603050405020304" pitchFamily="18" charset="0"/>
+                            <a:cs typeface="Times New Roman" panose="02020603050405020304" pitchFamily="18" charset="0"/>
+                          </a:rPr>
+                          <a:t>column position </a:t>
+                        </a:r>
+                        <a:r>
+                          <a:rPr lang="zh-TW" altLang="en-US" sz="1400" dirty="0">
+                            <a:latin typeface="Times New Roman" panose="02020603050405020304" pitchFamily="18" charset="0"/>
+                            <a:cs typeface="Times New Roman" panose="02020603050405020304" pitchFamily="18" charset="0"/>
+                          </a:rPr>
+                          <a:t>、</a:t>
+                        </a:r>
+                        <a:r>
+                          <a:rPr lang="en-US" altLang="zh-TW" sz="1400" dirty="0">
+                            <a:latin typeface="Times New Roman" panose="02020603050405020304" pitchFamily="18" charset="0"/>
+                            <a:cs typeface="Times New Roman" panose="02020603050405020304" pitchFamily="18" charset="0"/>
+                          </a:rPr>
+                          <a:t> width</a:t>
+                        </a:r>
+                        <a:r>
+                          <a:rPr lang="zh-TW" altLang="en-US" sz="1400" dirty="0">
+                            <a:latin typeface="Times New Roman" panose="02020603050405020304" pitchFamily="18" charset="0"/>
+                            <a:cs typeface="Times New Roman" panose="02020603050405020304" pitchFamily="18" charset="0"/>
+                          </a:rPr>
+                          <a:t>、</a:t>
+                        </a:r>
+                        <a:r>
+                          <a:rPr lang="en-US" altLang="zh-TW" sz="1400" dirty="0">
+                            <a:latin typeface="Times New Roman" panose="02020603050405020304" pitchFamily="18" charset="0"/>
+                            <a:cs typeface="Times New Roman" panose="02020603050405020304" pitchFamily="18" charset="0"/>
+                          </a:rPr>
+                          <a:t>height</a:t>
+                        </a:r>
+                        <a:endParaRPr lang="zh-TW" altLang="en-US" sz="1400" dirty="0">
+                          <a:latin typeface="Times New Roman" panose="02020603050405020304" pitchFamily="18" charset="0"/>
+                          <a:cs typeface="Times New Roman" panose="02020603050405020304" pitchFamily="18" charset="0"/>
+                        </a:endParaRPr>
+                      </a:p>
+                    </p:txBody>
+                  </p:sp>
+                  <p:sp>
+                    <p:nvSpPr>
+                      <p:cNvPr id="74" name="文字方塊 73">
+                        <a:extLst>
+                          <a:ext uri="{FF2B5EF4-FFF2-40B4-BE49-F238E27FC236}">
+                            <a16:creationId xmlns:a16="http://schemas.microsoft.com/office/drawing/2014/main" id="{614CF34D-9A2A-4741-B1E9-D28049374A5E}"/>
+                          </a:ext>
+                        </a:extLst>
+                      </p:cNvPr>
+                      <p:cNvSpPr txBox="1"/>
+                      <p:nvPr/>
+                    </p:nvSpPr>
+                    <p:spPr>
+                      <a:xfrm>
+                        <a:off x="3532331" y="5009452"/>
+                        <a:ext cx="1107729" cy="240014"/>
+                      </a:xfrm>
+                      <a:prstGeom prst="rect">
+                        <a:avLst/>
+                      </a:prstGeom>
+                      <a:noFill/>
+                    </p:spPr>
+                    <p:txBody>
+                      <a:bodyPr wrap="square" rtlCol="0">
+                        <a:spAutoFit/>
+                      </a:bodyPr>
+                      <a:lstStyle/>
+                      <a:p>
+                        <a:pPr lvl="1"/>
+                        <a:r>
+                          <a:rPr lang="en-US" altLang="zh-TW" sz="1400" dirty="0">
+                            <a:latin typeface="Times New Roman" panose="02020603050405020304" pitchFamily="18" charset="0"/>
+                            <a:ea typeface="微軟正黑體" panose="020B0604030504040204" pitchFamily="34" charset="-120"/>
+                          </a:rPr>
+                          <a:t>stop</a:t>
+                        </a:r>
+                        <a:endParaRPr lang="en-US" altLang="zh-TW" sz="1200" dirty="0">
+                          <a:latin typeface="Times New Roman" panose="02020603050405020304" pitchFamily="18" charset="0"/>
+                          <a:ea typeface="微軟正黑體" panose="020B0604030504040204" pitchFamily="34" charset="-120"/>
+                        </a:endParaRPr>
+                      </a:p>
+                    </p:txBody>
+                  </p:sp>
+                </p:grpSp>
                 <p:cxnSp>
                   <p:nvCxnSpPr>
-                    <p:cNvPr id="10" name="直線單箭頭接點 9">
+                    <p:cNvPr id="47" name="接點: 肘形 72">
                       <a:extLst>
                         <a:ext uri="{FF2B5EF4-FFF2-40B4-BE49-F238E27FC236}">
-                          <a16:creationId xmlns:a16="http://schemas.microsoft.com/office/drawing/2014/main" id="{3B42F123-254F-4E20-97EF-93F0790DC950}"/>
+                          <a16:creationId xmlns:a16="http://schemas.microsoft.com/office/drawing/2014/main" id="{8722DE14-00A5-4F5B-93A3-284C0971F4AB}"/>
                         </a:ext>
                       </a:extLst>
                     </p:cNvPr>
                     <p:cNvCxnSpPr>
                       <a:cxnSpLocks/>
-                      <a:stCxn id="4" idx="3"/>
-                      <a:endCxn id="5" idx="1"/>
+                      <a:stCxn id="56" idx="0"/>
+                      <a:endCxn id="65" idx="1"/>
                     </p:cNvCxnSpPr>
                     <p:nvPr/>
                   </p:nvCxnSpPr>
                   <p:spPr>
-                    <a:xfrm flipV="1">
-                      <a:off x="2121031" y="2019378"/>
-                      <a:ext cx="578964" cy="1"/>
+                    <a:xfrm rot="5400000" flipH="1" flipV="1">
+                      <a:off x="6599738" y="2928421"/>
+                      <a:ext cx="1227847" cy="713084"/>
                     </a:xfrm>
-                    <a:prstGeom prst="straightConnector1">
+                    <a:prstGeom prst="bentConnector2">
                       <a:avLst/>
                     </a:prstGeom>
                     <a:ln w="38100">
@@ -4770,949 +5772,43 @@
                     </a:fontRef>
                   </p:style>
                 </p:cxnSp>
-                <p:sp>
-                  <p:nvSpPr>
-                    <p:cNvPr id="11" name="矩形 10">
-                      <a:extLst>
-                        <a:ext uri="{FF2B5EF4-FFF2-40B4-BE49-F238E27FC236}">
-                          <a16:creationId xmlns:a16="http://schemas.microsoft.com/office/drawing/2014/main" id="{EE56C630-35BC-450D-99B7-F3EE3EC07157}"/>
-                        </a:ext>
-                      </a:extLst>
-                    </p:cNvPr>
-                    <p:cNvSpPr/>
-                    <p:nvPr/>
-                  </p:nvSpPr>
-                  <p:spPr>
-                    <a:xfrm>
-                      <a:off x="2631456" y="3559561"/>
-                      <a:ext cx="1216057" cy="391841"/>
-                    </a:xfrm>
-                    <a:prstGeom prst="rect">
-                      <a:avLst/>
-                    </a:prstGeom>
-                    <a:solidFill>
-                      <a:srgbClr val="83B5C2"/>
-                    </a:solidFill>
-                    <a:ln>
-                      <a:solidFill>
-                        <a:schemeClr val="tx1"/>
-                      </a:solidFill>
-                    </a:ln>
-                  </p:spPr>
-                  <p:style>
-                    <a:lnRef idx="2">
-                      <a:schemeClr val="accent1">
-                        <a:shade val="50000"/>
-                      </a:schemeClr>
-                    </a:lnRef>
-                    <a:fillRef idx="1">
-                      <a:schemeClr val="accent1"/>
-                    </a:fillRef>
-                    <a:effectRef idx="0">
-                      <a:schemeClr val="accent1"/>
-                    </a:effectRef>
-                    <a:fontRef idx="minor">
-                      <a:schemeClr val="lt1"/>
-                    </a:fontRef>
-                  </p:style>
-                  <p:txBody>
-                    <a:bodyPr rtlCol="0" anchor="ctr"/>
-                    <a:lstStyle/>
-                    <a:p>
-                      <a:pPr algn="ctr"/>
-                      <a:r>
-                        <a:rPr lang="en-US" altLang="zh-TW" sz="1400" dirty="0" err="1">
-                          <a:solidFill>
-                            <a:schemeClr val="tx1"/>
-                          </a:solidFill>
-                          <a:latin typeface="Times New Roman" panose="02020603050405020304" pitchFamily="18" charset="0"/>
-                          <a:cs typeface="Times New Roman" panose="02020603050405020304" pitchFamily="18" charset="0"/>
-                        </a:rPr>
-                        <a:t>get_data</a:t>
-                      </a:r>
-                      <a:endParaRPr lang="zh-TW" altLang="en-US" sz="1400" dirty="0">
-                        <a:solidFill>
-                          <a:schemeClr val="tx1"/>
-                        </a:solidFill>
-                        <a:latin typeface="Times New Roman" panose="02020603050405020304" pitchFamily="18" charset="0"/>
-                        <a:cs typeface="Times New Roman" panose="02020603050405020304" pitchFamily="18" charset="0"/>
-                      </a:endParaRPr>
-                    </a:p>
-                  </p:txBody>
-                </p:sp>
-                <p:cxnSp>
-                  <p:nvCxnSpPr>
-                    <p:cNvPr id="12" name="直線單箭頭接點 11">
-                      <a:extLst>
-                        <a:ext uri="{FF2B5EF4-FFF2-40B4-BE49-F238E27FC236}">
-                          <a16:creationId xmlns:a16="http://schemas.microsoft.com/office/drawing/2014/main" id="{86933AED-5295-4975-B89F-5033ECB0E45E}"/>
-                        </a:ext>
-                      </a:extLst>
-                    </p:cNvPr>
-                    <p:cNvCxnSpPr>
-                      <a:cxnSpLocks/>
-                      <a:stCxn id="6" idx="3"/>
-                      <a:endCxn id="11" idx="1"/>
-                    </p:cNvCxnSpPr>
-                    <p:nvPr/>
-                  </p:nvCxnSpPr>
-                  <p:spPr>
-                    <a:xfrm>
-                      <a:off x="2121031" y="3755482"/>
-                      <a:ext cx="510425" cy="0"/>
-                    </a:xfrm>
-                    <a:prstGeom prst="straightConnector1">
-                      <a:avLst/>
-                    </a:prstGeom>
-                    <a:ln w="38100">
-                      <a:tailEnd type="triangle"/>
-                    </a:ln>
-                  </p:spPr>
-                  <p:style>
-                    <a:lnRef idx="1">
-                      <a:schemeClr val="dk1"/>
-                    </a:lnRef>
-                    <a:fillRef idx="0">
-                      <a:schemeClr val="dk1"/>
-                    </a:fillRef>
-                    <a:effectRef idx="0">
-                      <a:schemeClr val="dk1"/>
-                    </a:effectRef>
-                    <a:fontRef idx="minor">
-                      <a:schemeClr val="tx1"/>
-                    </a:fontRef>
-                  </p:style>
-                </p:cxnSp>
-                <p:sp>
-                  <p:nvSpPr>
-                    <p:cNvPr id="15" name="矩形 14">
-                      <a:extLst>
-                        <a:ext uri="{FF2B5EF4-FFF2-40B4-BE49-F238E27FC236}">
-                          <a16:creationId xmlns:a16="http://schemas.microsoft.com/office/drawing/2014/main" id="{D8B96B90-5618-45A4-9B86-AD5C7E95087A}"/>
-                        </a:ext>
-                      </a:extLst>
-                    </p:cNvPr>
-                    <p:cNvSpPr/>
-                    <p:nvPr/>
-                  </p:nvSpPr>
-                  <p:spPr>
-                    <a:xfrm>
-                      <a:off x="4640060" y="3559560"/>
-                      <a:ext cx="1216057" cy="391841"/>
-                    </a:xfrm>
-                    <a:prstGeom prst="rect">
-                      <a:avLst/>
-                    </a:prstGeom>
-                    <a:solidFill>
-                      <a:srgbClr val="83B5C2"/>
-                    </a:solidFill>
-                    <a:ln>
-                      <a:solidFill>
-                        <a:schemeClr val="tx1"/>
-                      </a:solidFill>
-                    </a:ln>
-                  </p:spPr>
-                  <p:style>
-                    <a:lnRef idx="2">
-                      <a:schemeClr val="accent1">
-                        <a:shade val="50000"/>
-                      </a:schemeClr>
-                    </a:lnRef>
-                    <a:fillRef idx="1">
-                      <a:schemeClr val="accent1"/>
-                    </a:fillRef>
-                    <a:effectRef idx="0">
-                      <a:schemeClr val="accent1"/>
-                    </a:effectRef>
-                    <a:fontRef idx="minor">
-                      <a:schemeClr val="lt1"/>
-                    </a:fontRef>
-                  </p:style>
-                  <p:txBody>
-                    <a:bodyPr rtlCol="0" anchor="ctr"/>
-                    <a:lstStyle/>
-                    <a:p>
-                      <a:pPr algn="ctr"/>
-                      <a:r>
-                        <a:rPr lang="en-US" altLang="zh-TW" sz="1400" dirty="0" err="1">
-                          <a:solidFill>
-                            <a:schemeClr val="tx1"/>
-                          </a:solidFill>
-                          <a:latin typeface="Times New Roman" panose="02020603050405020304" pitchFamily="18" charset="0"/>
-                          <a:cs typeface="Times New Roman" panose="02020603050405020304" pitchFamily="18" charset="0"/>
-                        </a:rPr>
-                        <a:t>train_model</a:t>
-                      </a:r>
-                      <a:endParaRPr lang="zh-TW" altLang="en-US" sz="1400" dirty="0">
-                        <a:solidFill>
-                          <a:schemeClr val="tx1"/>
-                        </a:solidFill>
-                        <a:latin typeface="Times New Roman" panose="02020603050405020304" pitchFamily="18" charset="0"/>
-                        <a:cs typeface="Times New Roman" panose="02020603050405020304" pitchFamily="18" charset="0"/>
-                      </a:endParaRPr>
-                    </a:p>
-                  </p:txBody>
-                </p:sp>
-                <p:cxnSp>
-                  <p:nvCxnSpPr>
-                    <p:cNvPr id="16" name="直線單箭頭接點 15">
-                      <a:extLst>
-                        <a:ext uri="{FF2B5EF4-FFF2-40B4-BE49-F238E27FC236}">
-                          <a16:creationId xmlns:a16="http://schemas.microsoft.com/office/drawing/2014/main" id="{B5662827-7F13-4CC8-8C32-F5E51C9C82B3}"/>
-                        </a:ext>
-                      </a:extLst>
-                    </p:cNvPr>
-                    <p:cNvCxnSpPr>
-                      <a:cxnSpLocks/>
-                      <a:stCxn id="11" idx="3"/>
-                      <a:endCxn id="15" idx="1"/>
-                    </p:cNvCxnSpPr>
-                    <p:nvPr/>
-                  </p:nvCxnSpPr>
-                  <p:spPr>
-                    <a:xfrm flipV="1">
-                      <a:off x="3847513" y="3755481"/>
-                      <a:ext cx="792547" cy="1"/>
-                    </a:xfrm>
-                    <a:prstGeom prst="straightConnector1">
-                      <a:avLst/>
-                    </a:prstGeom>
-                    <a:ln w="38100">
-                      <a:tailEnd type="triangle"/>
-                    </a:ln>
-                  </p:spPr>
-                  <p:style>
-                    <a:lnRef idx="1">
-                      <a:schemeClr val="dk1"/>
-                    </a:lnRef>
-                    <a:fillRef idx="0">
-                      <a:schemeClr val="dk1"/>
-                    </a:fillRef>
-                    <a:effectRef idx="0">
-                      <a:schemeClr val="dk1"/>
-                    </a:effectRef>
-                    <a:fontRef idx="minor">
-                      <a:schemeClr val="tx1"/>
-                    </a:fontRef>
-                  </p:style>
-                </p:cxnSp>
-                <p:sp>
-                  <p:nvSpPr>
-                    <p:cNvPr id="19" name="矩形 18">
-                      <a:extLst>
-                        <a:ext uri="{FF2B5EF4-FFF2-40B4-BE49-F238E27FC236}">
-                          <a16:creationId xmlns:a16="http://schemas.microsoft.com/office/drawing/2014/main" id="{94180B67-56EB-4FFD-942D-3A6D818F02F5}"/>
-                        </a:ext>
-                      </a:extLst>
-                    </p:cNvPr>
-                    <p:cNvSpPr/>
-                    <p:nvPr/>
-                  </p:nvSpPr>
-                  <p:spPr>
-                    <a:xfrm>
-                      <a:off x="7077173" y="3559559"/>
-                      <a:ext cx="1216057" cy="391841"/>
-                    </a:xfrm>
-                    <a:prstGeom prst="rect">
-                      <a:avLst/>
-                    </a:prstGeom>
-                    <a:solidFill>
-                      <a:srgbClr val="83B5C2"/>
-                    </a:solidFill>
-                    <a:ln>
-                      <a:solidFill>
-                        <a:schemeClr val="tx1"/>
-                      </a:solidFill>
-                    </a:ln>
-                  </p:spPr>
-                  <p:style>
-                    <a:lnRef idx="2">
-                      <a:schemeClr val="accent1">
-                        <a:shade val="50000"/>
-                      </a:schemeClr>
-                    </a:lnRef>
-                    <a:fillRef idx="1">
-                      <a:schemeClr val="accent1"/>
-                    </a:fillRef>
-                    <a:effectRef idx="0">
-                      <a:schemeClr val="accent1"/>
-                    </a:effectRef>
-                    <a:fontRef idx="minor">
-                      <a:schemeClr val="lt1"/>
-                    </a:fontRef>
-                  </p:style>
-                  <p:txBody>
-                    <a:bodyPr rtlCol="0" anchor="ctr"/>
-                    <a:lstStyle/>
-                    <a:p>
-                      <a:pPr algn="ctr"/>
-                      <a:r>
-                        <a:rPr lang="en-US" altLang="zh-TW" sz="1400" dirty="0" err="1">
-                          <a:solidFill>
-                            <a:schemeClr val="tx1"/>
-                          </a:solidFill>
-                          <a:latin typeface="Times New Roman" panose="02020603050405020304" pitchFamily="18" charset="0"/>
-                          <a:cs typeface="Times New Roman" panose="02020603050405020304" pitchFamily="18" charset="0"/>
-                        </a:rPr>
-                        <a:t>play_game</a:t>
-                      </a:r>
-                      <a:endParaRPr lang="zh-TW" altLang="en-US" sz="1400" dirty="0">
-                        <a:solidFill>
-                          <a:schemeClr val="tx1"/>
-                        </a:solidFill>
-                        <a:latin typeface="Times New Roman" panose="02020603050405020304" pitchFamily="18" charset="0"/>
-                        <a:cs typeface="Times New Roman" panose="02020603050405020304" pitchFamily="18" charset="0"/>
-                      </a:endParaRPr>
-                    </a:p>
-                  </p:txBody>
-                </p:sp>
-                <p:cxnSp>
-                  <p:nvCxnSpPr>
-                    <p:cNvPr id="20" name="直線單箭頭接點 19">
-                      <a:extLst>
-                        <a:ext uri="{FF2B5EF4-FFF2-40B4-BE49-F238E27FC236}">
-                          <a16:creationId xmlns:a16="http://schemas.microsoft.com/office/drawing/2014/main" id="{F80E79D2-10DD-44B8-81DA-DDD40020632A}"/>
-                        </a:ext>
-                      </a:extLst>
-                    </p:cNvPr>
-                    <p:cNvCxnSpPr>
-                      <a:cxnSpLocks/>
-                      <a:stCxn id="15" idx="3"/>
-                      <a:endCxn id="19" idx="1"/>
-                    </p:cNvCxnSpPr>
-                    <p:nvPr/>
-                  </p:nvCxnSpPr>
-                  <p:spPr>
-                    <a:xfrm flipV="1">
-                      <a:off x="5856117" y="3755480"/>
-                      <a:ext cx="1221056" cy="1"/>
-                    </a:xfrm>
-                    <a:prstGeom prst="straightConnector1">
-                      <a:avLst/>
-                    </a:prstGeom>
-                    <a:ln w="38100">
-                      <a:tailEnd type="triangle"/>
-                    </a:ln>
-                  </p:spPr>
-                  <p:style>
-                    <a:lnRef idx="1">
-                      <a:schemeClr val="dk1"/>
-                    </a:lnRef>
-                    <a:fillRef idx="0">
-                      <a:schemeClr val="dk1"/>
-                    </a:fillRef>
-                    <a:effectRef idx="0">
-                      <a:schemeClr val="dk1"/>
-                    </a:effectRef>
-                    <a:fontRef idx="minor">
-                      <a:schemeClr val="tx1"/>
-                    </a:fontRef>
-                  </p:style>
-                </p:cxnSp>
-                <p:cxnSp>
-                  <p:nvCxnSpPr>
-                    <p:cNvPr id="23" name="直線單箭頭接點 22">
-                      <a:extLst>
-                        <a:ext uri="{FF2B5EF4-FFF2-40B4-BE49-F238E27FC236}">
-                          <a16:creationId xmlns:a16="http://schemas.microsoft.com/office/drawing/2014/main" id="{56C185AC-6CA7-4D37-83F5-FE1BB33EB640}"/>
-                        </a:ext>
-                      </a:extLst>
-                    </p:cNvPr>
-                    <p:cNvCxnSpPr>
-                      <a:cxnSpLocks/>
-                      <a:stCxn id="5" idx="2"/>
-                      <a:endCxn id="11" idx="0"/>
-                    </p:cNvCxnSpPr>
-                    <p:nvPr/>
-                  </p:nvCxnSpPr>
-                  <p:spPr>
-                    <a:xfrm>
-                      <a:off x="3236537" y="2215298"/>
-                      <a:ext cx="2948" cy="1344263"/>
-                    </a:xfrm>
-                    <a:prstGeom prst="straightConnector1">
-                      <a:avLst/>
-                    </a:prstGeom>
-                    <a:ln w="38100">
-                      <a:tailEnd type="triangle"/>
-                    </a:ln>
-                  </p:spPr>
-                  <p:style>
-                    <a:lnRef idx="1">
-                      <a:schemeClr val="dk1"/>
-                    </a:lnRef>
-                    <a:fillRef idx="0">
-                      <a:schemeClr val="dk1"/>
-                    </a:fillRef>
-                    <a:effectRef idx="0">
-                      <a:schemeClr val="dk1"/>
-                    </a:effectRef>
-                    <a:fontRef idx="minor">
-                      <a:schemeClr val="tx1"/>
-                    </a:fontRef>
-                  </p:style>
-                </p:cxnSp>
-                <p:sp>
-                  <p:nvSpPr>
-                    <p:cNvPr id="26" name="文字方塊 25">
-                      <a:extLst>
-                        <a:ext uri="{FF2B5EF4-FFF2-40B4-BE49-F238E27FC236}">
-                          <a16:creationId xmlns:a16="http://schemas.microsoft.com/office/drawing/2014/main" id="{4C6B4E01-434A-41CD-934E-F63BFCD0B147}"/>
-                        </a:ext>
-                      </a:extLst>
-                    </p:cNvPr>
-                    <p:cNvSpPr txBox="1"/>
-                    <p:nvPr/>
-                  </p:nvSpPr>
-                  <p:spPr>
-                    <a:xfrm>
-                      <a:off x="3331201" y="2286161"/>
-                      <a:ext cx="1571915" cy="408022"/>
-                    </a:xfrm>
-                    <a:prstGeom prst="rect">
-                      <a:avLst/>
-                    </a:prstGeom>
-                    <a:noFill/>
-                  </p:spPr>
-                  <p:txBody>
-                    <a:bodyPr wrap="square" rtlCol="0">
-                      <a:spAutoFit/>
-                    </a:bodyPr>
-                    <a:lstStyle/>
-                    <a:p>
-                      <a:r>
-                        <a:rPr lang="en-US" altLang="zh-TW" sz="1400" dirty="0">
-                          <a:latin typeface="Times New Roman" panose="02020603050405020304" pitchFamily="18" charset="0"/>
-                          <a:cs typeface="Times New Roman" panose="02020603050405020304" pitchFamily="18" charset="0"/>
-                        </a:rPr>
-                        <a:t>row</a:t>
-                      </a:r>
-                      <a:r>
-                        <a:rPr lang="zh-TW" altLang="en-US" sz="1400" dirty="0">
-                          <a:latin typeface="Times New Roman" panose="02020603050405020304" pitchFamily="18" charset="0"/>
-                          <a:cs typeface="Times New Roman" panose="02020603050405020304" pitchFamily="18" charset="0"/>
-                        </a:rPr>
-                        <a:t>、</a:t>
-                      </a:r>
-                      <a:r>
-                        <a:rPr lang="en-US" altLang="zh-TW" sz="1400" dirty="0">
-                          <a:latin typeface="Times New Roman" panose="02020603050405020304" pitchFamily="18" charset="0"/>
-                          <a:cs typeface="Times New Roman" panose="02020603050405020304" pitchFamily="18" charset="0"/>
-                        </a:rPr>
-                        <a:t>column position </a:t>
-                      </a:r>
-                      <a:r>
-                        <a:rPr lang="zh-TW" altLang="en-US" sz="1400" dirty="0">
-                          <a:latin typeface="Times New Roman" panose="02020603050405020304" pitchFamily="18" charset="0"/>
-                          <a:cs typeface="Times New Roman" panose="02020603050405020304" pitchFamily="18" charset="0"/>
-                        </a:rPr>
-                        <a:t>、</a:t>
-                      </a:r>
-                      <a:r>
-                        <a:rPr lang="en-US" altLang="zh-TW" sz="1400" dirty="0">
-                          <a:latin typeface="Times New Roman" panose="02020603050405020304" pitchFamily="18" charset="0"/>
-                          <a:cs typeface="Times New Roman" panose="02020603050405020304" pitchFamily="18" charset="0"/>
-                        </a:rPr>
-                        <a:t> width</a:t>
-                      </a:r>
-                      <a:r>
-                        <a:rPr lang="zh-TW" altLang="en-US" sz="1400" dirty="0">
-                          <a:latin typeface="Times New Roman" panose="02020603050405020304" pitchFamily="18" charset="0"/>
-                          <a:cs typeface="Times New Roman" panose="02020603050405020304" pitchFamily="18" charset="0"/>
-                        </a:rPr>
-                        <a:t>、</a:t>
-                      </a:r>
-                      <a:r>
-                        <a:rPr lang="en-US" altLang="zh-TW" sz="1400" dirty="0">
-                          <a:latin typeface="Times New Roman" panose="02020603050405020304" pitchFamily="18" charset="0"/>
-                          <a:cs typeface="Times New Roman" panose="02020603050405020304" pitchFamily="18" charset="0"/>
-                        </a:rPr>
-                        <a:t>height</a:t>
-                      </a:r>
-                      <a:endParaRPr lang="zh-TW" altLang="en-US" sz="1400" dirty="0">
-                        <a:latin typeface="Times New Roman" panose="02020603050405020304" pitchFamily="18" charset="0"/>
-                        <a:cs typeface="Times New Roman" panose="02020603050405020304" pitchFamily="18" charset="0"/>
-                      </a:endParaRPr>
-                    </a:p>
-                  </p:txBody>
-                </p:sp>
-                <p:sp>
-                  <p:nvSpPr>
-                    <p:cNvPr id="62" name="文字方塊 61">
-                      <a:extLst>
-                        <a:ext uri="{FF2B5EF4-FFF2-40B4-BE49-F238E27FC236}">
-                          <a16:creationId xmlns:a16="http://schemas.microsoft.com/office/drawing/2014/main" id="{E31F7EAE-194D-496D-87BE-98E38573D429}"/>
-                        </a:ext>
-                      </a:extLst>
-                    </p:cNvPr>
-                    <p:cNvSpPr txBox="1"/>
-                    <p:nvPr/>
-                  </p:nvSpPr>
-                  <p:spPr>
-                    <a:xfrm>
-                      <a:off x="3551159" y="3493623"/>
-                      <a:ext cx="1107729" cy="240014"/>
-                    </a:xfrm>
-                    <a:prstGeom prst="rect">
-                      <a:avLst/>
-                    </a:prstGeom>
-                    <a:noFill/>
-                  </p:spPr>
-                  <p:txBody>
-                    <a:bodyPr wrap="square" rtlCol="0">
-                      <a:spAutoFit/>
-                    </a:bodyPr>
-                    <a:lstStyle/>
-                    <a:p>
-                      <a:pPr lvl="1"/>
-                      <a:r>
-                        <a:rPr lang="en-US" altLang="zh-TW" sz="1400" dirty="0">
-                          <a:latin typeface="Times New Roman" panose="02020603050405020304" pitchFamily="18" charset="0"/>
-                          <a:ea typeface="微軟正黑體" panose="020B0604030504040204" pitchFamily="34" charset="-120"/>
-                        </a:rPr>
-                        <a:t>images</a:t>
-                      </a:r>
-                      <a:endParaRPr lang="en-US" altLang="zh-TW" sz="1200" dirty="0">
-                        <a:latin typeface="Times New Roman" panose="02020603050405020304" pitchFamily="18" charset="0"/>
-                        <a:ea typeface="微軟正黑體" panose="020B0604030504040204" pitchFamily="34" charset="-120"/>
-                      </a:endParaRPr>
-                    </a:p>
-                  </p:txBody>
-                </p:sp>
-                <p:sp>
-                  <p:nvSpPr>
-                    <p:cNvPr id="67" name="文字方塊 66">
-                      <a:extLst>
-                        <a:ext uri="{FF2B5EF4-FFF2-40B4-BE49-F238E27FC236}">
-                          <a16:creationId xmlns:a16="http://schemas.microsoft.com/office/drawing/2014/main" id="{438E91B8-D7B2-4A2E-ADAC-05E14345A529}"/>
-                        </a:ext>
-                      </a:extLst>
-                    </p:cNvPr>
-                    <p:cNvSpPr txBox="1"/>
-                    <p:nvPr/>
-                  </p:nvSpPr>
-                  <p:spPr>
-                    <a:xfrm>
-                      <a:off x="5560508" y="3488317"/>
-                      <a:ext cx="1612068" cy="240014"/>
-                    </a:xfrm>
-                    <a:prstGeom prst="rect">
-                      <a:avLst/>
-                    </a:prstGeom>
-                    <a:noFill/>
-                  </p:spPr>
-                  <p:txBody>
-                    <a:bodyPr wrap="square" rtlCol="0">
-                      <a:spAutoFit/>
-                    </a:bodyPr>
-                    <a:lstStyle/>
-                    <a:p>
-                      <a:pPr lvl="1"/>
-                      <a:r>
-                        <a:rPr lang="en-US" altLang="zh-TW" sz="1400" dirty="0">
-                          <a:latin typeface="Times New Roman" panose="02020603050405020304" pitchFamily="18" charset="0"/>
-                          <a:ea typeface="微軟正黑體" panose="020B0604030504040204" pitchFamily="34" charset="-120"/>
-                        </a:rPr>
-                        <a:t>trained data</a:t>
-                      </a:r>
-                      <a:endParaRPr lang="en-US" altLang="zh-TW" sz="1200" dirty="0">
-                        <a:latin typeface="Times New Roman" panose="02020603050405020304" pitchFamily="18" charset="0"/>
-                        <a:ea typeface="微軟正黑體" panose="020B0604030504040204" pitchFamily="34" charset="-120"/>
-                      </a:endParaRPr>
-                    </a:p>
-                  </p:txBody>
-                </p:sp>
-                <p:sp>
-                  <p:nvSpPr>
-                    <p:cNvPr id="69" name="矩形 68">
-                      <a:extLst>
-                        <a:ext uri="{FF2B5EF4-FFF2-40B4-BE49-F238E27FC236}">
-                          <a16:creationId xmlns:a16="http://schemas.microsoft.com/office/drawing/2014/main" id="{2D140014-92A5-4164-B0BF-6EB890C1AAA8}"/>
-                        </a:ext>
-                      </a:extLst>
-                    </p:cNvPr>
-                    <p:cNvSpPr/>
-                    <p:nvPr/>
-                  </p:nvSpPr>
-                  <p:spPr>
-                    <a:xfrm>
-                      <a:off x="5856117" y="2406128"/>
-                      <a:ext cx="1216057" cy="391841"/>
-                    </a:xfrm>
-                    <a:prstGeom prst="rect">
-                      <a:avLst/>
-                    </a:prstGeom>
-                    <a:solidFill>
-                      <a:srgbClr val="83B5C2"/>
-                    </a:solidFill>
-                    <a:ln>
-                      <a:solidFill>
-                        <a:schemeClr val="tx1"/>
-                      </a:solidFill>
-                    </a:ln>
-                  </p:spPr>
-                  <p:style>
-                    <a:lnRef idx="2">
-                      <a:schemeClr val="accent1">
-                        <a:shade val="50000"/>
-                      </a:schemeClr>
-                    </a:lnRef>
-                    <a:fillRef idx="1">
-                      <a:schemeClr val="accent1"/>
-                    </a:fillRef>
-                    <a:effectRef idx="0">
-                      <a:schemeClr val="accent1"/>
-                    </a:effectRef>
-                    <a:fontRef idx="minor">
-                      <a:schemeClr val="lt1"/>
-                    </a:fontRef>
-                  </p:style>
-                  <p:txBody>
-                    <a:bodyPr rtlCol="0" anchor="ctr"/>
-                    <a:lstStyle/>
-                    <a:p>
-                      <a:pPr algn="ctr"/>
-                      <a:r>
-                        <a:rPr lang="en-US" altLang="zh-TW" sz="1400" dirty="0" err="1">
-                          <a:solidFill>
-                            <a:schemeClr val="tx1"/>
-                          </a:solidFill>
-                          <a:latin typeface="Times New Roman" panose="02020603050405020304" pitchFamily="18" charset="0"/>
-                          <a:cs typeface="Times New Roman" panose="02020603050405020304" pitchFamily="18" charset="0"/>
-                        </a:rPr>
-                        <a:t>plot_data</a:t>
-                      </a:r>
-                      <a:endParaRPr lang="zh-TW" altLang="en-US" sz="1400" dirty="0">
-                        <a:solidFill>
-                          <a:schemeClr val="tx1"/>
-                        </a:solidFill>
-                        <a:latin typeface="Times New Roman" panose="02020603050405020304" pitchFamily="18" charset="0"/>
-                        <a:cs typeface="Times New Roman" panose="02020603050405020304" pitchFamily="18" charset="0"/>
-                      </a:endParaRPr>
-                    </a:p>
-                  </p:txBody>
-                </p:sp>
-                <p:sp>
-                  <p:nvSpPr>
-                    <p:cNvPr id="89" name="文字方塊 88">
-                      <a:extLst>
-                        <a:ext uri="{FF2B5EF4-FFF2-40B4-BE49-F238E27FC236}">
-                          <a16:creationId xmlns:a16="http://schemas.microsoft.com/office/drawing/2014/main" id="{601F6C84-7823-44AD-8B53-7A88FC30496B}"/>
-                        </a:ext>
-                      </a:extLst>
-                    </p:cNvPr>
-                    <p:cNvSpPr txBox="1"/>
-                    <p:nvPr/>
-                  </p:nvSpPr>
-                  <p:spPr>
-                    <a:xfrm>
-                      <a:off x="4352295" y="4166098"/>
-                      <a:ext cx="1612068" cy="240014"/>
-                    </a:xfrm>
-                    <a:prstGeom prst="rect">
-                      <a:avLst/>
-                    </a:prstGeom>
-                    <a:noFill/>
-                  </p:spPr>
-                  <p:txBody>
-                    <a:bodyPr wrap="square" rtlCol="0">
-                      <a:spAutoFit/>
-                    </a:bodyPr>
-                    <a:lstStyle/>
-                    <a:p>
-                      <a:pPr lvl="1"/>
-                      <a:r>
-                        <a:rPr lang="en-US" altLang="zh-TW" sz="1400" dirty="0">
-                          <a:latin typeface="Times New Roman" panose="02020603050405020304" pitchFamily="18" charset="0"/>
-                          <a:ea typeface="微軟正黑體" panose="020B0604030504040204" pitchFamily="34" charset="-120"/>
-                        </a:rPr>
-                        <a:t>output_keyboard</a:t>
-                      </a:r>
-                      <a:endParaRPr lang="en-US" altLang="zh-TW" sz="1200" dirty="0">
-                        <a:latin typeface="Times New Roman" panose="02020603050405020304" pitchFamily="18" charset="0"/>
-                        <a:ea typeface="微軟正黑體" panose="020B0604030504040204" pitchFamily="34" charset="-120"/>
-                      </a:endParaRPr>
-                    </a:p>
-                  </p:txBody>
-                </p:sp>
-                <p:sp>
-                  <p:nvSpPr>
-                    <p:cNvPr id="29" name="矩形 28">
-                      <a:extLst>
-                        <a:ext uri="{FF2B5EF4-FFF2-40B4-BE49-F238E27FC236}">
-                          <a16:creationId xmlns:a16="http://schemas.microsoft.com/office/drawing/2014/main" id="{4DB52B9B-0B0B-47AB-AB97-09666D55D9E9}"/>
-                        </a:ext>
-                      </a:extLst>
-                    </p:cNvPr>
-                    <p:cNvSpPr/>
-                    <p:nvPr/>
-                  </p:nvSpPr>
-                  <p:spPr>
-                    <a:xfrm>
-                      <a:off x="1634966" y="4766531"/>
-                      <a:ext cx="1216057" cy="391841"/>
-                    </a:xfrm>
-                    <a:prstGeom prst="rect">
-                      <a:avLst/>
-                    </a:prstGeom>
-                    <a:solidFill>
-                      <a:srgbClr val="83B5C2"/>
-                    </a:solidFill>
-                    <a:ln>
-                      <a:solidFill>
-                        <a:schemeClr val="tx1"/>
-                      </a:solidFill>
-                    </a:ln>
-                  </p:spPr>
-                  <p:style>
-                    <a:lnRef idx="2">
-                      <a:schemeClr val="accent1">
-                        <a:shade val="50000"/>
-                      </a:schemeClr>
-                    </a:lnRef>
-                    <a:fillRef idx="1">
-                      <a:schemeClr val="accent1"/>
-                    </a:fillRef>
-                    <a:effectRef idx="0">
-                      <a:schemeClr val="accent1"/>
-                    </a:effectRef>
-                    <a:fontRef idx="minor">
-                      <a:schemeClr val="lt1"/>
-                    </a:fontRef>
-                  </p:style>
-                  <p:txBody>
-                    <a:bodyPr rtlCol="0" anchor="ctr"/>
-                    <a:lstStyle/>
-                    <a:p>
-                      <a:pPr algn="ctr"/>
-                      <a:r>
-                        <a:rPr lang="en-US" altLang="zh-TW" sz="1400" dirty="0" err="1">
-                          <a:solidFill>
-                            <a:schemeClr val="tx1"/>
-                          </a:solidFill>
-                          <a:latin typeface="Times New Roman" panose="02020603050405020304" pitchFamily="18" charset="0"/>
-                          <a:cs typeface="Times New Roman" panose="02020603050405020304" pitchFamily="18" charset="0"/>
-                        </a:rPr>
-                        <a:t>detect_game</a:t>
-                      </a:r>
-                      <a:endParaRPr lang="zh-TW" altLang="en-US" sz="1400" dirty="0">
-                        <a:solidFill>
-                          <a:schemeClr val="tx1"/>
-                        </a:solidFill>
-                        <a:latin typeface="Times New Roman" panose="02020603050405020304" pitchFamily="18" charset="0"/>
-                        <a:cs typeface="Times New Roman" panose="02020603050405020304" pitchFamily="18" charset="0"/>
-                      </a:endParaRPr>
-                    </a:p>
-                  </p:txBody>
-                </p:sp>
-                <p:sp>
-                  <p:nvSpPr>
-                    <p:cNvPr id="39" name="文字方塊 38">
-                      <a:extLst>
-                        <a:ext uri="{FF2B5EF4-FFF2-40B4-BE49-F238E27FC236}">
-                          <a16:creationId xmlns:a16="http://schemas.microsoft.com/office/drawing/2014/main" id="{7329F1DF-AE8C-402A-934C-AC824FB7E950}"/>
-                        </a:ext>
-                      </a:extLst>
-                    </p:cNvPr>
-                    <p:cNvSpPr txBox="1"/>
-                    <p:nvPr/>
-                  </p:nvSpPr>
-                  <p:spPr>
-                    <a:xfrm>
-                      <a:off x="1154790" y="5180530"/>
-                      <a:ext cx="2176412" cy="216012"/>
-                    </a:xfrm>
-                    <a:prstGeom prst="rect">
-                      <a:avLst/>
-                    </a:prstGeom>
-                    <a:noFill/>
-                  </p:spPr>
-                  <p:txBody>
-                    <a:bodyPr wrap="square" rtlCol="0">
-                      <a:spAutoFit/>
-                    </a:bodyPr>
-                    <a:lstStyle/>
-                    <a:p>
-                      <a:pPr lvl="1"/>
-                      <a:r>
-                        <a:rPr lang="zh-TW" altLang="en-US" sz="1200" dirty="0">
-                          <a:latin typeface="Times New Roman" panose="02020603050405020304" pitchFamily="18" charset="0"/>
-                          <a:ea typeface="微軟正黑體" panose="020B0604030504040204" pitchFamily="34" charset="-120"/>
-                        </a:rPr>
-                        <a:t>偵測遊戲是否結束</a:t>
-                      </a:r>
-                      <a:endParaRPr lang="en-US" altLang="zh-TW" sz="1200" dirty="0">
-                        <a:latin typeface="Times New Roman" panose="02020603050405020304" pitchFamily="18" charset="0"/>
-                        <a:ea typeface="微軟正黑體" panose="020B0604030504040204" pitchFamily="34" charset="-120"/>
-                      </a:endParaRPr>
-                    </a:p>
-                  </p:txBody>
-                </p:sp>
-                <p:sp>
-                  <p:nvSpPr>
-                    <p:cNvPr id="40" name="文字方塊 39">
-                      <a:extLst>
-                        <a:ext uri="{FF2B5EF4-FFF2-40B4-BE49-F238E27FC236}">
-                          <a16:creationId xmlns:a16="http://schemas.microsoft.com/office/drawing/2014/main" id="{614CF34D-9A2A-4741-B1E9-D28049374A5E}"/>
-                        </a:ext>
-                      </a:extLst>
-                    </p:cNvPr>
-                    <p:cNvSpPr txBox="1"/>
-                    <p:nvPr/>
-                  </p:nvSpPr>
-                  <p:spPr>
-                    <a:xfrm>
-                      <a:off x="491628" y="4266933"/>
-                      <a:ext cx="1107729" cy="240014"/>
-                    </a:xfrm>
-                    <a:prstGeom prst="rect">
-                      <a:avLst/>
-                    </a:prstGeom>
-                    <a:noFill/>
-                  </p:spPr>
-                  <p:txBody>
-                    <a:bodyPr wrap="square" rtlCol="0">
-                      <a:spAutoFit/>
-                    </a:bodyPr>
-                    <a:lstStyle/>
-                    <a:p>
-                      <a:pPr lvl="1"/>
-                      <a:r>
-                        <a:rPr lang="en-US" altLang="zh-TW" sz="1400" dirty="0">
-                          <a:latin typeface="Times New Roman" panose="02020603050405020304" pitchFamily="18" charset="0"/>
-                          <a:ea typeface="微軟正黑體" panose="020B0604030504040204" pitchFamily="34" charset="-120"/>
-                        </a:rPr>
-                        <a:t>restart</a:t>
-                      </a:r>
-                      <a:endParaRPr lang="en-US" altLang="zh-TW" sz="1200" dirty="0">
-                        <a:latin typeface="Times New Roman" panose="02020603050405020304" pitchFamily="18" charset="0"/>
-                        <a:ea typeface="微軟正黑體" panose="020B0604030504040204" pitchFamily="34" charset="-120"/>
-                      </a:endParaRPr>
-                    </a:p>
-                  </p:txBody>
-                </p:sp>
-                <p:sp>
-                  <p:nvSpPr>
-                    <p:cNvPr id="48" name="文字方塊 47">
-                      <a:extLst>
-                        <a:ext uri="{FF2B5EF4-FFF2-40B4-BE49-F238E27FC236}">
-                          <a16:creationId xmlns:a16="http://schemas.microsoft.com/office/drawing/2014/main" id="{DED06AD5-9B38-43E2-BFE5-6DC0F10A152D}"/>
-                        </a:ext>
-                      </a:extLst>
-                    </p:cNvPr>
-                    <p:cNvSpPr txBox="1"/>
-                    <p:nvPr/>
-                  </p:nvSpPr>
-                  <p:spPr>
-                    <a:xfrm>
-                      <a:off x="7823061" y="1749892"/>
-                      <a:ext cx="1571915" cy="408022"/>
-                    </a:xfrm>
-                    <a:prstGeom prst="rect">
-                      <a:avLst/>
-                    </a:prstGeom>
-                    <a:noFill/>
-                  </p:spPr>
-                  <p:txBody>
-                    <a:bodyPr wrap="square" rtlCol="0">
-                      <a:spAutoFit/>
-                    </a:bodyPr>
-                    <a:lstStyle/>
-                    <a:p>
-                      <a:r>
-                        <a:rPr lang="en-US" altLang="zh-TW" sz="1400" dirty="0">
-                          <a:latin typeface="Times New Roman" panose="02020603050405020304" pitchFamily="18" charset="0"/>
-                          <a:cs typeface="Times New Roman" panose="02020603050405020304" pitchFamily="18" charset="0"/>
-                        </a:rPr>
-                        <a:t>row</a:t>
-                      </a:r>
-                      <a:r>
-                        <a:rPr lang="zh-TW" altLang="en-US" sz="1400" dirty="0">
-                          <a:latin typeface="Times New Roman" panose="02020603050405020304" pitchFamily="18" charset="0"/>
-                          <a:cs typeface="Times New Roman" panose="02020603050405020304" pitchFamily="18" charset="0"/>
-                        </a:rPr>
-                        <a:t>、</a:t>
-                      </a:r>
-                      <a:r>
-                        <a:rPr lang="en-US" altLang="zh-TW" sz="1400" dirty="0">
-                          <a:latin typeface="Times New Roman" panose="02020603050405020304" pitchFamily="18" charset="0"/>
-                          <a:cs typeface="Times New Roman" panose="02020603050405020304" pitchFamily="18" charset="0"/>
-                        </a:rPr>
-                        <a:t>column position </a:t>
-                      </a:r>
-                      <a:r>
-                        <a:rPr lang="zh-TW" altLang="en-US" sz="1400" dirty="0">
-                          <a:latin typeface="Times New Roman" panose="02020603050405020304" pitchFamily="18" charset="0"/>
-                          <a:cs typeface="Times New Roman" panose="02020603050405020304" pitchFamily="18" charset="0"/>
-                        </a:rPr>
-                        <a:t>、</a:t>
-                      </a:r>
-                      <a:r>
-                        <a:rPr lang="en-US" altLang="zh-TW" sz="1400" dirty="0">
-                          <a:latin typeface="Times New Roman" panose="02020603050405020304" pitchFamily="18" charset="0"/>
-                          <a:cs typeface="Times New Roman" panose="02020603050405020304" pitchFamily="18" charset="0"/>
-                        </a:rPr>
-                        <a:t> width</a:t>
-                      </a:r>
-                      <a:r>
-                        <a:rPr lang="zh-TW" altLang="en-US" sz="1400" dirty="0">
-                          <a:latin typeface="Times New Roman" panose="02020603050405020304" pitchFamily="18" charset="0"/>
-                          <a:cs typeface="Times New Roman" panose="02020603050405020304" pitchFamily="18" charset="0"/>
-                        </a:rPr>
-                        <a:t>、</a:t>
-                      </a:r>
-                      <a:r>
-                        <a:rPr lang="en-US" altLang="zh-TW" sz="1400" dirty="0">
-                          <a:latin typeface="Times New Roman" panose="02020603050405020304" pitchFamily="18" charset="0"/>
-                          <a:cs typeface="Times New Roman" panose="02020603050405020304" pitchFamily="18" charset="0"/>
-                        </a:rPr>
-                        <a:t>height</a:t>
-                      </a:r>
-                      <a:endParaRPr lang="zh-TW" altLang="en-US" sz="1400" dirty="0">
-                        <a:latin typeface="Times New Roman" panose="02020603050405020304" pitchFamily="18" charset="0"/>
-                        <a:cs typeface="Times New Roman" panose="02020603050405020304" pitchFamily="18" charset="0"/>
-                      </a:endParaRPr>
-                    </a:p>
-                  </p:txBody>
-                </p:sp>
               </p:grpSp>
               <p:cxnSp>
                 <p:nvCxnSpPr>
-                  <p:cNvPr id="73" name="接點: 肘形 72">
+                  <p:cNvPr id="45" name="接點: 肘形 8">
                     <a:extLst>
                       <a:ext uri="{FF2B5EF4-FFF2-40B4-BE49-F238E27FC236}">
-                        <a16:creationId xmlns:a16="http://schemas.microsoft.com/office/drawing/2014/main" id="{8722DE14-00A5-4F5B-93A3-284C0971F4AB}"/>
+                        <a16:creationId xmlns:a16="http://schemas.microsoft.com/office/drawing/2014/main" id="{885987C2-8D90-4C6E-A9CB-B0678EEF8EA3}"/>
                       </a:ext>
                     </a:extLst>
                   </p:cNvPr>
                   <p:cNvCxnSpPr>
-                    <a:cxnSpLocks/>
-                    <a:stCxn id="15" idx="0"/>
-                    <a:endCxn id="69" idx="1"/>
+                    <a:stCxn id="68" idx="1"/>
+                    <a:endCxn id="51" idx="2"/>
                   </p:cNvCxnSpPr>
                   <p:nvPr/>
                 </p:nvCxnSpPr>
                 <p:spPr>
-                  <a:xfrm rot="5400000" flipH="1" flipV="1">
-                    <a:off x="6599738" y="2928421"/>
-                    <a:ext cx="1227847" cy="713084"/>
+                  <a:xfrm rot="10800000">
+                    <a:off x="2533243" y="4448492"/>
+                    <a:ext cx="143036" cy="1296500"/>
                   </a:xfrm>
                   <a:prstGeom prst="bentConnector2">
                     <a:avLst/>
                   </a:prstGeom>
-                  <a:ln w="38100">
+                  <a:ln>
                     <a:tailEnd type="triangle"/>
                   </a:ln>
                 </p:spPr>
                 <p:style>
-                  <a:lnRef idx="1">
-                    <a:schemeClr val="dk1"/>
+                  <a:lnRef idx="2">
+                    <a:schemeClr val="accent6"/>
                   </a:lnRef>
                   <a:fillRef idx="0">
-                    <a:schemeClr val="dk1"/>
+                    <a:schemeClr val="accent6"/>
                   </a:fillRef>
-                  <a:effectRef idx="0">
-                    <a:schemeClr val="dk1"/>
+                  <a:effectRef idx="1">
+                    <a:schemeClr val="accent6"/>
                   </a:effectRef>
                   <a:fontRef idx="minor">
                     <a:schemeClr val="tx1"/>
@@ -5722,26 +5818,28 @@
             </p:grpSp>
             <p:cxnSp>
               <p:nvCxnSpPr>
-                <p:cNvPr id="9" name="接點: 肘形 8">
+                <p:cNvPr id="43" name="接點: 肘形 27">
                   <a:extLst>
                     <a:ext uri="{FF2B5EF4-FFF2-40B4-BE49-F238E27FC236}">
-                      <a16:creationId xmlns:a16="http://schemas.microsoft.com/office/drawing/2014/main" id="{885987C2-8D90-4C6E-A9CB-B0678EEF8EA3}"/>
+                      <a16:creationId xmlns:a16="http://schemas.microsoft.com/office/drawing/2014/main" id="{8000B363-EB5A-48B5-B1A5-C819A33FB58B}"/>
                     </a:ext>
                   </a:extLst>
                 </p:cNvPr>
                 <p:cNvCxnSpPr>
-                  <a:stCxn id="29" idx="1"/>
-                  <a:endCxn id="6" idx="2"/>
+                  <a:stCxn id="50" idx="0"/>
+                  <a:endCxn id="58" idx="0"/>
                 </p:cNvCxnSpPr>
                 <p:nvPr/>
               </p:nvCxnSpPr>
               <p:spPr>
-                <a:xfrm rot="10800000">
-                  <a:off x="2533243" y="4448492"/>
-                  <a:ext cx="143036" cy="1296500"/>
+                <a:xfrm rot="16200000" flipH="1">
+                  <a:off x="6131067" y="89786"/>
+                  <a:ext cx="2226258" cy="5217307"/>
                 </a:xfrm>
-                <a:prstGeom prst="bentConnector2">
-                  <a:avLst/>
+                <a:prstGeom prst="bentConnector3">
+                  <a:avLst>
+                    <a:gd name="adj1" fmla="val -17043"/>
+                  </a:avLst>
                 </a:prstGeom>
                 <a:ln w="38100">
                   <a:tailEnd type="triangle"/>
@@ -5765,28 +5863,65 @@
           </p:grpSp>
           <p:cxnSp>
             <p:nvCxnSpPr>
-              <p:cNvPr id="28" name="接點: 肘形 27">
+              <p:cNvPr id="38" name="接點: 肘形 82">
                 <a:extLst>
                   <a:ext uri="{FF2B5EF4-FFF2-40B4-BE49-F238E27FC236}">
-                    <a16:creationId xmlns:a16="http://schemas.microsoft.com/office/drawing/2014/main" id="{8000B363-EB5A-48B5-B1A5-C819A33FB58B}"/>
+                    <a16:creationId xmlns:a16="http://schemas.microsoft.com/office/drawing/2014/main" id="{ED82D8D1-30E1-474F-886E-1A81EC9E929D}"/>
                   </a:ext>
                 </a:extLst>
               </p:cNvPr>
               <p:cNvCxnSpPr>
-                <a:stCxn id="5" idx="0"/>
-                <a:endCxn id="19" idx="0"/>
+                <a:cxnSpLocks/>
+                <a:stCxn id="58" idx="2"/>
               </p:cNvCxnSpPr>
               <p:nvPr/>
             </p:nvCxnSpPr>
             <p:spPr>
-              <a:xfrm rot="16200000" flipH="1">
-                <a:off x="6131067" y="89786"/>
-                <a:ext cx="2226258" cy="5217307"/>
+              <a:xfrm rot="5400000">
+                <a:off x="6457214" y="2164845"/>
+                <a:ext cx="607233" cy="5217308"/>
               </a:xfrm>
-              <a:prstGeom prst="bentConnector3">
-                <a:avLst>
-                  <a:gd name="adj1" fmla="val -17043"/>
-                </a:avLst>
+              <a:prstGeom prst="bentConnector2">
+                <a:avLst/>
+              </a:prstGeom>
+              <a:ln w="38100"/>
+            </p:spPr>
+            <p:style>
+              <a:lnRef idx="1">
+                <a:schemeClr val="dk1"/>
+              </a:lnRef>
+              <a:fillRef idx="0">
+                <a:schemeClr val="dk1"/>
+              </a:fillRef>
+              <a:effectRef idx="0">
+                <a:schemeClr val="dk1"/>
+              </a:effectRef>
+              <a:fontRef idx="minor">
+                <a:schemeClr val="tx1"/>
+              </a:fontRef>
+            </p:style>
+          </p:cxnSp>
+          <p:cxnSp>
+            <p:nvCxnSpPr>
+              <p:cNvPr id="41" name="直線單箭頭接點 40">
+                <a:extLst>
+                  <a:ext uri="{FF2B5EF4-FFF2-40B4-BE49-F238E27FC236}">
+                    <a16:creationId xmlns:a16="http://schemas.microsoft.com/office/drawing/2014/main" id="{AD421461-B542-4937-BADA-1C9A6664FA6D}"/>
+                  </a:ext>
+                </a:extLst>
+              </p:cNvPr>
+              <p:cNvCxnSpPr>
+                <a:endCxn id="54" idx="2"/>
+              </p:cNvCxnSpPr>
+              <p:nvPr/>
+            </p:nvCxnSpPr>
+            <p:spPr>
+              <a:xfrm flipV="1">
+                <a:off x="4152176" y="4469886"/>
+                <a:ext cx="3458" cy="645757"/>
+              </a:xfrm>
+              <a:prstGeom prst="straightConnector1">
+                <a:avLst/>
               </a:prstGeom>
               <a:ln w="38100">
                 <a:tailEnd type="triangle"/>
@@ -5810,38 +5945,31 @@
         </p:grpSp>
         <p:cxnSp>
           <p:nvCxnSpPr>
-            <p:cNvPr id="83" name="接點: 肘形 82">
-              <a:extLst>
-                <a:ext uri="{FF2B5EF4-FFF2-40B4-BE49-F238E27FC236}">
-                  <a16:creationId xmlns:a16="http://schemas.microsoft.com/office/drawing/2014/main" id="{ED82D8D1-30E1-474F-886E-1A81EC9E929D}"/>
-                </a:ext>
-              </a:extLst>
-            </p:cNvPr>
+            <p:cNvPr id="35" name="直線接點 34"/>
             <p:cNvCxnSpPr>
-              <a:cxnSpLocks/>
-              <a:stCxn id="19" idx="2"/>
+              <a:stCxn id="68" idx="3"/>
             </p:cNvCxnSpPr>
             <p:nvPr/>
           </p:nvCxnSpPr>
           <p:spPr>
-            <a:xfrm rot="5400000">
-              <a:off x="6457214" y="2164845"/>
-              <a:ext cx="607233" cy="5217308"/>
+            <a:xfrm>
+              <a:off x="4284515" y="5756960"/>
+              <a:ext cx="6130501" cy="0"/>
             </a:xfrm>
-            <a:prstGeom prst="bentConnector2">
+            <a:prstGeom prst="line">
               <a:avLst/>
             </a:prstGeom>
-            <a:ln w="38100"/>
+            <a:ln/>
           </p:spPr>
           <p:style>
-            <a:lnRef idx="1">
-              <a:schemeClr val="dk1"/>
+            <a:lnRef idx="2">
+              <a:schemeClr val="accent6"/>
             </a:lnRef>
             <a:fillRef idx="0">
-              <a:schemeClr val="dk1"/>
+              <a:schemeClr val="accent6"/>
             </a:fillRef>
-            <a:effectRef idx="0">
-              <a:schemeClr val="dk1"/>
+            <a:effectRef idx="1">
+              <a:schemeClr val="accent6"/>
             </a:effectRef>
             <a:fontRef idx="minor">
               <a:schemeClr val="tx1"/>
@@ -5850,39 +5978,31 @@
         </p:cxnSp>
         <p:cxnSp>
           <p:nvCxnSpPr>
-            <p:cNvPr id="85" name="直線單箭頭接點 84">
-              <a:extLst>
-                <a:ext uri="{FF2B5EF4-FFF2-40B4-BE49-F238E27FC236}">
-                  <a16:creationId xmlns:a16="http://schemas.microsoft.com/office/drawing/2014/main" id="{AD421461-B542-4937-BADA-1C9A6664FA6D}"/>
-                </a:ext>
-              </a:extLst>
-            </p:cNvPr>
-            <p:cNvCxnSpPr>
-              <a:endCxn id="11" idx="2"/>
-            </p:cNvCxnSpPr>
+            <p:cNvPr id="36" name="直線單箭頭接點 35"/>
+            <p:cNvCxnSpPr/>
             <p:nvPr/>
           </p:nvCxnSpPr>
           <p:spPr>
-            <a:xfrm flipV="1">
-              <a:off x="4152176" y="4469886"/>
-              <a:ext cx="3458" cy="645757"/>
+            <a:xfrm flipH="1" flipV="1">
+              <a:off x="10415016" y="4460456"/>
+              <a:ext cx="9144" cy="1296504"/>
             </a:xfrm>
             <a:prstGeom prst="straightConnector1">
               <a:avLst/>
             </a:prstGeom>
-            <a:ln w="38100">
+            <a:ln>
               <a:tailEnd type="triangle"/>
             </a:ln>
           </p:spPr>
           <p:style>
-            <a:lnRef idx="1">
-              <a:schemeClr val="dk1"/>
+            <a:lnRef idx="2">
+              <a:schemeClr val="accent6"/>
             </a:lnRef>
             <a:fillRef idx="0">
-              <a:schemeClr val="dk1"/>
+              <a:schemeClr val="accent6"/>
             </a:fillRef>
-            <a:effectRef idx="0">
-              <a:schemeClr val="dk1"/>
+            <a:effectRef idx="1">
+              <a:schemeClr val="accent6"/>
             </a:effectRef>
             <a:fontRef idx="minor">
               <a:schemeClr val="tx1"/>
@@ -5904,178 +6024,6 @@
 </file>
 
 <file path=ppt/slides/slide11.xml><?xml version="1.0" encoding="utf-8"?>
-<p:sld xmlns:a="http://schemas.openxmlformats.org/drawingml/2006/main" xmlns:r="http://schemas.openxmlformats.org/officeDocument/2006/relationships" xmlns:p="http://schemas.openxmlformats.org/presentationml/2006/main">
-  <p:cSld>
-    <p:spTree>
-      <p:nvGrpSpPr>
-        <p:cNvPr id="1" name=""/>
-        <p:cNvGrpSpPr/>
-        <p:nvPr/>
-      </p:nvGrpSpPr>
-      <p:grpSpPr>
-        <a:xfrm>
-          <a:off x="0" y="0"/>
-          <a:ext cx="0" cy="0"/>
-          <a:chOff x="0" y="0"/>
-          <a:chExt cx="0" cy="0"/>
-        </a:xfrm>
-      </p:grpSpPr>
-      <p:sp>
-        <p:nvSpPr>
-          <p:cNvPr id="2" name="標題 1">
-            <a:extLst>
-              <a:ext uri="{FF2B5EF4-FFF2-40B4-BE49-F238E27FC236}">
-                <a16:creationId xmlns:a16="http://schemas.microsoft.com/office/drawing/2014/main" id="{76755741-FAFF-4017-9475-346FB32EEB63}"/>
-              </a:ext>
-            </a:extLst>
-          </p:cNvPr>
-          <p:cNvSpPr>
-            <a:spLocks noGrp="1"/>
-          </p:cNvSpPr>
-          <p:nvPr>
-            <p:ph type="title"/>
-          </p:nvPr>
-        </p:nvSpPr>
-        <p:spPr/>
-        <p:txBody>
-          <a:bodyPr>
-            <a:normAutofit/>
-          </a:bodyPr>
-          <a:lstStyle/>
-          <a:p>
-            <a:r>
-              <a:rPr lang="en-US" altLang="zh-TW" sz="3600" dirty="0"/>
-              <a:t>API</a:t>
-            </a:r>
-            <a:endParaRPr lang="zh-TW" altLang="en-US" sz="3600" dirty="0"/>
-          </a:p>
-        </p:txBody>
-      </p:sp>
-      <p:sp>
-        <p:nvSpPr>
-          <p:cNvPr id="3" name="內容版面配置區 2">
-            <a:extLst>
-              <a:ext uri="{FF2B5EF4-FFF2-40B4-BE49-F238E27FC236}">
-                <a16:creationId xmlns:a16="http://schemas.microsoft.com/office/drawing/2014/main" id="{E7227C60-7EE1-4DEC-ADD0-3779A73E2634}"/>
-              </a:ext>
-            </a:extLst>
-          </p:cNvPr>
-          <p:cNvSpPr>
-            <a:spLocks noGrp="1"/>
-          </p:cNvSpPr>
-          <p:nvPr>
-            <p:ph idx="1"/>
-          </p:nvPr>
-        </p:nvSpPr>
-        <p:spPr/>
-        <p:txBody>
-          <a:bodyPr/>
-          <a:lstStyle/>
-          <a:p>
-            <a:endParaRPr lang="zh-TW" altLang="en-US" dirty="0"/>
-          </a:p>
-        </p:txBody>
-      </p:sp>
-    </p:spTree>
-    <p:extLst>
-      <p:ext uri="{BB962C8B-B14F-4D97-AF65-F5344CB8AC3E}">
-        <p14:creationId xmlns:p14="http://schemas.microsoft.com/office/powerpoint/2010/main" val="491937132"/>
-      </p:ext>
-    </p:extLst>
-  </p:cSld>
-  <p:clrMapOvr>
-    <a:masterClrMapping/>
-  </p:clrMapOvr>
-</p:sld>
-</file>
-
-<file path=ppt/slides/slide12.xml><?xml version="1.0" encoding="utf-8"?>
-<p:sld xmlns:a="http://schemas.openxmlformats.org/drawingml/2006/main" xmlns:r="http://schemas.openxmlformats.org/officeDocument/2006/relationships" xmlns:p="http://schemas.openxmlformats.org/presentationml/2006/main">
-  <p:cSld>
-    <p:spTree>
-      <p:nvGrpSpPr>
-        <p:cNvPr id="1" name=""/>
-        <p:cNvGrpSpPr/>
-        <p:nvPr/>
-      </p:nvGrpSpPr>
-      <p:grpSpPr>
-        <a:xfrm>
-          <a:off x="0" y="0"/>
-          <a:ext cx="0" cy="0"/>
-          <a:chOff x="0" y="0"/>
-          <a:chExt cx="0" cy="0"/>
-        </a:xfrm>
-      </p:grpSpPr>
-      <p:sp>
-        <p:nvSpPr>
-          <p:cNvPr id="2" name="標題 1">
-            <a:extLst>
-              <a:ext uri="{FF2B5EF4-FFF2-40B4-BE49-F238E27FC236}">
-                <a16:creationId xmlns:a16="http://schemas.microsoft.com/office/drawing/2014/main" id="{76755741-FAFF-4017-9475-346FB32EEB63}"/>
-              </a:ext>
-            </a:extLst>
-          </p:cNvPr>
-          <p:cNvSpPr>
-            <a:spLocks noGrp="1"/>
-          </p:cNvSpPr>
-          <p:nvPr>
-            <p:ph type="title"/>
-          </p:nvPr>
-        </p:nvSpPr>
-        <p:spPr/>
-        <p:txBody>
-          <a:bodyPr>
-            <a:normAutofit/>
-          </a:bodyPr>
-          <a:lstStyle/>
-          <a:p>
-            <a:r>
-              <a:rPr lang="en-US" altLang="zh-TW" sz="3600" dirty="0"/>
-              <a:t>API</a:t>
-            </a:r>
-            <a:endParaRPr lang="zh-TW" altLang="en-US" sz="3600" dirty="0"/>
-          </a:p>
-        </p:txBody>
-      </p:sp>
-      <p:sp>
-        <p:nvSpPr>
-          <p:cNvPr id="3" name="內容版面配置區 2">
-            <a:extLst>
-              <a:ext uri="{FF2B5EF4-FFF2-40B4-BE49-F238E27FC236}">
-                <a16:creationId xmlns:a16="http://schemas.microsoft.com/office/drawing/2014/main" id="{E7227C60-7EE1-4DEC-ADD0-3779A73E2634}"/>
-              </a:ext>
-            </a:extLst>
-          </p:cNvPr>
-          <p:cNvSpPr>
-            <a:spLocks noGrp="1"/>
-          </p:cNvSpPr>
-          <p:nvPr>
-            <p:ph idx="1"/>
-          </p:nvPr>
-        </p:nvSpPr>
-        <p:spPr/>
-        <p:txBody>
-          <a:bodyPr/>
-          <a:lstStyle/>
-          <a:p>
-            <a:endParaRPr lang="zh-TW" altLang="en-US" dirty="0"/>
-          </a:p>
-        </p:txBody>
-      </p:sp>
-    </p:spTree>
-    <p:extLst>
-      <p:ext uri="{BB962C8B-B14F-4D97-AF65-F5344CB8AC3E}">
-        <p14:creationId xmlns:p14="http://schemas.microsoft.com/office/powerpoint/2010/main" val="2212911734"/>
-      </p:ext>
-    </p:extLst>
-  </p:cSld>
-  <p:clrMapOvr>
-    <a:masterClrMapping/>
-  </p:clrMapOvr>
-</p:sld>
-</file>
-
-<file path=ppt/slides/slide13.xml><?xml version="1.0" encoding="utf-8"?>
 <p:sld xmlns:a="http://schemas.openxmlformats.org/drawingml/2006/main" xmlns:r="http://schemas.openxmlformats.org/officeDocument/2006/relationships" xmlns:p="http://schemas.openxmlformats.org/presentationml/2006/main">
   <p:cSld>
     <p:spTree>
@@ -6169,7 +6117,110 @@
 </p:sld>
 </file>
 
-<file path=ppt/slides/slide14.xml><?xml version="1.0" encoding="utf-8"?>
+<file path=ppt/slides/slide12.xml><?xml version="1.0" encoding="utf-8"?>
+<p:sld xmlns:a="http://schemas.openxmlformats.org/drawingml/2006/main" xmlns:r="http://schemas.openxmlformats.org/officeDocument/2006/relationships" xmlns:p="http://schemas.openxmlformats.org/presentationml/2006/main">
+  <p:cSld>
+    <p:spTree>
+      <p:nvGrpSpPr>
+        <p:cNvPr id="1" name=""/>
+        <p:cNvGrpSpPr/>
+        <p:nvPr/>
+      </p:nvGrpSpPr>
+      <p:grpSpPr>
+        <a:xfrm>
+          <a:off x="0" y="0"/>
+          <a:ext cx="0" cy="0"/>
+          <a:chOff x="0" y="0"/>
+          <a:chExt cx="0" cy="0"/>
+        </a:xfrm>
+      </p:grpSpPr>
+      <p:sp>
+        <p:nvSpPr>
+          <p:cNvPr id="2" name="標題 1">
+            <a:extLst>
+              <a:ext uri="{FF2B5EF4-FFF2-40B4-BE49-F238E27FC236}">
+                <a16:creationId xmlns:a16="http://schemas.microsoft.com/office/drawing/2014/main" id="{EA976CB2-1FDD-4968-85D6-67BFE2DD6EB6}"/>
+              </a:ext>
+            </a:extLst>
+          </p:cNvPr>
+          <p:cNvSpPr>
+            <a:spLocks noGrp="1"/>
+          </p:cNvSpPr>
+          <p:nvPr>
+            <p:ph type="title"/>
+          </p:nvPr>
+        </p:nvSpPr>
+        <p:spPr/>
+        <p:txBody>
+          <a:bodyPr>
+            <a:normAutofit/>
+          </a:bodyPr>
+          <a:lstStyle/>
+          <a:p>
+            <a:endParaRPr lang="zh-TW" altLang="en-US" sz="3600" dirty="0">
+              <a:latin typeface="Times New Roman" panose="02020603050405020304" pitchFamily="18" charset="0"/>
+              <a:ea typeface="微軟正黑體" panose="020B0604030504040204" pitchFamily="34" charset="-120"/>
+            </a:endParaRPr>
+          </a:p>
+        </p:txBody>
+      </p:sp>
+      <p:sp>
+        <p:nvSpPr>
+          <p:cNvPr id="3" name="內容版面配置區 2"/>
+          <p:cNvSpPr>
+            <a:spLocks noGrp="1"/>
+          </p:cNvSpPr>
+          <p:nvPr>
+            <p:ph idx="1"/>
+          </p:nvPr>
+        </p:nvSpPr>
+        <p:spPr/>
+        <p:txBody>
+          <a:bodyPr/>
+          <a:lstStyle/>
+          <a:p>
+            <a:endParaRPr lang="zh-TW" altLang="en-US"/>
+          </a:p>
+        </p:txBody>
+      </p:sp>
+      <p:pic>
+        <p:nvPicPr>
+          <p:cNvPr id="4" name="圖片 3"/>
+          <p:cNvPicPr>
+            <a:picLocks noChangeAspect="1"/>
+          </p:cNvPicPr>
+          <p:nvPr/>
+        </p:nvPicPr>
+        <p:blipFill>
+          <a:blip r:embed="rId2"/>
+          <a:stretch>
+            <a:fillRect/>
+          </a:stretch>
+        </p:blipFill>
+        <p:spPr>
+          <a:xfrm>
+            <a:off x="658367" y="1114806"/>
+            <a:ext cx="11016563" cy="4618482"/>
+          </a:xfrm>
+          <a:prstGeom prst="rect">
+            <a:avLst/>
+          </a:prstGeom>
+        </p:spPr>
+      </p:pic>
+    </p:spTree>
+    <p:extLst>
+      <p:ext uri="{BB962C8B-B14F-4D97-AF65-F5344CB8AC3E}">
+        <p14:creationId xmlns:p14="http://schemas.microsoft.com/office/powerpoint/2010/main" val="1965547831"/>
+      </p:ext>
+    </p:extLst>
+  </p:cSld>
+  <p:clrMapOvr>
+    <a:masterClrMapping/>
+  </p:clrMapOvr>
+</p:sld>
+</file>
+
+<file path=ppt/slides/slide13.xml><?xml version="1.0" encoding="utf-8"?>
 <p:sld xmlns:a="http://schemas.openxmlformats.org/drawingml/2006/main" xmlns:r="http://schemas.openxmlformats.org/officeDocument/2006/relationships" xmlns:p="http://schemas.openxmlformats.org/presentationml/2006/main">
   <p:cSld>
     <p:spTree>
@@ -6264,6 +6315,147 @@
 </p:sld>
 </file>
 
+<file path=ppt/slides/slide14.xml><?xml version="1.0" encoding="utf-8"?>
+<p:sld xmlns:a="http://schemas.openxmlformats.org/drawingml/2006/main" xmlns:r="http://schemas.openxmlformats.org/officeDocument/2006/relationships" xmlns:p="http://schemas.openxmlformats.org/presentationml/2006/main">
+  <p:cSld>
+    <p:spTree>
+      <p:nvGrpSpPr>
+        <p:cNvPr id="1" name=""/>
+        <p:cNvGrpSpPr/>
+        <p:nvPr/>
+      </p:nvGrpSpPr>
+      <p:grpSpPr>
+        <a:xfrm>
+          <a:off x="0" y="0"/>
+          <a:ext cx="0" cy="0"/>
+          <a:chOff x="0" y="0"/>
+          <a:chExt cx="0" cy="0"/>
+        </a:xfrm>
+      </p:grpSpPr>
+      <p:sp>
+        <p:nvSpPr>
+          <p:cNvPr id="2" name="標題 1">
+            <a:extLst>
+              <a:ext uri="{FF2B5EF4-FFF2-40B4-BE49-F238E27FC236}">
+                <a16:creationId xmlns:a16="http://schemas.microsoft.com/office/drawing/2014/main" id="{EA976CB2-1FDD-4968-85D6-67BFE2DD6EB6}"/>
+              </a:ext>
+            </a:extLst>
+          </p:cNvPr>
+          <p:cNvSpPr>
+            <a:spLocks noGrp="1"/>
+          </p:cNvSpPr>
+          <p:nvPr>
+            <p:ph type="title"/>
+          </p:nvPr>
+        </p:nvSpPr>
+        <p:spPr/>
+        <p:txBody>
+          <a:bodyPr>
+            <a:normAutofit/>
+          </a:bodyPr>
+          <a:lstStyle/>
+          <a:p>
+            <a:endParaRPr lang="zh-TW" altLang="en-US" sz="3600" dirty="0">
+              <a:latin typeface="Times New Roman" panose="02020603050405020304" pitchFamily="18" charset="0"/>
+              <a:ea typeface="微軟正黑體" panose="020B0604030504040204" pitchFamily="34" charset="-120"/>
+            </a:endParaRPr>
+          </a:p>
+        </p:txBody>
+      </p:sp>
+      <p:pic>
+        <p:nvPicPr>
+          <p:cNvPr id="7" name="內容版面配置區 6" descr="一張含有 文字 的圖片&#10;&#10;自動產生的描述">
+            <a:extLst>
+              <a:ext uri="{FF2B5EF4-FFF2-40B4-BE49-F238E27FC236}">
+                <a16:creationId xmlns:a16="http://schemas.microsoft.com/office/drawing/2014/main" id="{9B39158E-B91E-4840-BE9A-633129E8BD09}"/>
+              </a:ext>
+            </a:extLst>
+          </p:cNvPr>
+          <p:cNvPicPr>
+            <a:picLocks noGrp="1" noChangeAspect="1"/>
+          </p:cNvPicPr>
+          <p:nvPr>
+            <p:ph idx="1"/>
+          </p:nvPr>
+        </p:nvPicPr>
+        <p:blipFill>
+          <a:blip r:embed="rId2">
+            <a:extLst>
+              <a:ext uri="{28A0092B-C50C-407E-A947-70E740481C1C}">
+                <a14:useLocalDpi xmlns:a14="http://schemas.microsoft.com/office/drawing/2010/main" val="0"/>
+              </a:ext>
+            </a:extLst>
+          </a:blip>
+          <a:stretch>
+            <a:fillRect/>
+          </a:stretch>
+        </p:blipFill>
+        <p:spPr>
+          <a:xfrm>
+            <a:off x="2154486" y="1215060"/>
+            <a:ext cx="7459231" cy="5000346"/>
+          </a:xfrm>
+        </p:spPr>
+      </p:pic>
+      <p:sp>
+        <p:nvSpPr>
+          <p:cNvPr id="3" name="矩形 2"/>
+          <p:cNvSpPr/>
+          <p:nvPr/>
+        </p:nvSpPr>
+        <p:spPr>
+          <a:xfrm>
+            <a:off x="2154485" y="5733288"/>
+            <a:ext cx="7459231" cy="482118"/>
+          </a:xfrm>
+          <a:prstGeom prst="rect">
+            <a:avLst/>
+          </a:prstGeom>
+          <a:noFill/>
+          <a:ln w="38100">
+            <a:solidFill>
+              <a:srgbClr val="FF0000"/>
+            </a:solidFill>
+          </a:ln>
+        </p:spPr>
+        <p:style>
+          <a:lnRef idx="2">
+            <a:schemeClr val="accent1">
+              <a:shade val="50000"/>
+            </a:schemeClr>
+          </a:lnRef>
+          <a:fillRef idx="1">
+            <a:schemeClr val="accent1"/>
+          </a:fillRef>
+          <a:effectRef idx="0">
+            <a:schemeClr val="accent1"/>
+          </a:effectRef>
+          <a:fontRef idx="minor">
+            <a:schemeClr val="lt1"/>
+          </a:fontRef>
+        </p:style>
+        <p:txBody>
+          <a:bodyPr rtlCol="0" anchor="ctr"/>
+          <a:lstStyle/>
+          <a:p>
+            <a:pPr algn="ctr"/>
+            <a:endParaRPr lang="zh-TW" altLang="en-US"/>
+          </a:p>
+        </p:txBody>
+      </p:sp>
+    </p:spTree>
+    <p:extLst>
+      <p:ext uri="{BB962C8B-B14F-4D97-AF65-F5344CB8AC3E}">
+        <p14:creationId xmlns:p14="http://schemas.microsoft.com/office/powerpoint/2010/main" val="1291468210"/>
+      </p:ext>
+    </p:extLst>
+  </p:cSld>
+  <p:clrMapOvr>
+    <a:masterClrMapping/>
+  </p:clrMapOvr>
+</p:sld>
+</file>
+
 <file path=ppt/slides/slide15.xml><?xml version="1.0" encoding="utf-8"?>
 <p:sld xmlns:a="http://schemas.openxmlformats.org/drawingml/2006/main" xmlns:r="http://schemas.openxmlformats.org/officeDocument/2006/relationships" xmlns:p="http://schemas.openxmlformats.org/presentationml/2006/main">
   <p:cSld>
@@ -6311,45 +6503,29 @@
           </a:p>
         </p:txBody>
       </p:sp>
-      <p:pic>
-        <p:nvPicPr>
-          <p:cNvPr id="7" name="內容版面配置區 6" descr="一張含有 文字 的圖片&#10;&#10;自動產生的描述">
-            <a:extLst>
-              <a:ext uri="{FF2B5EF4-FFF2-40B4-BE49-F238E27FC236}">
-                <a16:creationId xmlns:a16="http://schemas.microsoft.com/office/drawing/2014/main" id="{9B39158E-B91E-4840-BE9A-633129E8BD09}"/>
-              </a:ext>
-            </a:extLst>
-          </p:cNvPr>
-          <p:cNvPicPr>
-            <a:picLocks noGrp="1" noChangeAspect="1"/>
-          </p:cNvPicPr>
+      <p:sp>
+        <p:nvSpPr>
+          <p:cNvPr id="3" name="內容版面配置區 2"/>
+          <p:cNvSpPr>
+            <a:spLocks noGrp="1"/>
+          </p:cNvSpPr>
           <p:nvPr>
             <p:ph idx="1"/>
           </p:nvPr>
-        </p:nvPicPr>
-        <p:blipFill>
-          <a:blip r:embed="rId2">
-            <a:extLst>
-              <a:ext uri="{28A0092B-C50C-407E-A947-70E740481C1C}">
-                <a14:useLocalDpi xmlns:a14="http://schemas.microsoft.com/office/drawing/2010/main" val="0"/>
-              </a:ext>
-            </a:extLst>
-          </a:blip>
-          <a:stretch>
-            <a:fillRect/>
-          </a:stretch>
-        </p:blipFill>
-        <p:spPr>
-          <a:xfrm>
-            <a:off x="2154486" y="1215060"/>
-            <a:ext cx="7459231" cy="5000346"/>
-          </a:xfrm>
-        </p:spPr>
-      </p:pic>
+        </p:nvSpPr>
+        <p:spPr/>
+        <p:txBody>
+          <a:bodyPr/>
+          <a:lstStyle/>
+          <a:p>
+            <a:endParaRPr lang="zh-TW" altLang="en-US"/>
+          </a:p>
+        </p:txBody>
+      </p:sp>
     </p:spTree>
     <p:extLst>
       <p:ext uri="{BB962C8B-B14F-4D97-AF65-F5344CB8AC3E}">
-        <p14:creationId xmlns:p14="http://schemas.microsoft.com/office/powerpoint/2010/main" val="1291468210"/>
+        <p14:creationId xmlns:p14="http://schemas.microsoft.com/office/powerpoint/2010/main" val="889728393"/>
       </p:ext>
     </p:extLst>
   </p:cSld>
@@ -6966,10 +7142,10 @@
         </p:nvGrpSpPr>
         <p:grpSpPr>
           <a:xfrm>
-            <a:off x="2741251" y="665330"/>
-            <a:ext cx="3098534" cy="1914316"/>
-            <a:chOff x="3624835" y="467155"/>
-            <a:chExt cx="3098534" cy="1914316"/>
+            <a:off x="2698568" y="814939"/>
+            <a:ext cx="4531039" cy="942232"/>
+            <a:chOff x="3624835" y="961863"/>
+            <a:chExt cx="4531039" cy="942232"/>
           </a:xfrm>
         </p:grpSpPr>
         <p:sp>
@@ -7023,22 +7199,15 @@
             <a:p>
               <a:pPr algn="ctr"/>
               <a:r>
-                <a:rPr lang="en-US" altLang="zh-TW" sz="1400" dirty="0">
+                <a:rPr lang="zh-TW" altLang="en-US" sz="1400" dirty="0">
                   <a:solidFill>
                     <a:schemeClr val="tx1"/>
                   </a:solidFill>
                   <a:latin typeface="Times New Roman" panose="02020603050405020304" pitchFamily="18" charset="0"/>
                   <a:ea typeface="微軟正黑體" panose="020B0604030504040204" pitchFamily="34" charset="-120"/>
                 </a:rPr>
-                <a:t>get_data</a:t>
+                <a:t>獲取資料</a:t>
               </a:r>
-              <a:endParaRPr lang="zh-TW" altLang="en-US" sz="1400" dirty="0">
-                <a:solidFill>
-                  <a:schemeClr val="tx1"/>
-                </a:solidFill>
-                <a:latin typeface="Times New Roman" panose="02020603050405020304" pitchFamily="18" charset="0"/>
-                <a:ea typeface="微軟正黑體" panose="020B0604030504040204" pitchFamily="34" charset="-120"/>
-              </a:endParaRPr>
             </a:p>
           </p:txBody>
         </p:sp>
@@ -7056,7 +7225,7 @@
           </p:nvSpPr>
           <p:spPr>
             <a:xfrm>
-              <a:off x="5371336" y="973460"/>
+              <a:off x="5283828" y="1459032"/>
               <a:ext cx="1335787" cy="430012"/>
             </a:xfrm>
             <a:prstGeom prst="rect">
@@ -7100,7 +7269,7 @@
                   <a:latin typeface="Times New Roman" panose="02020603050405020304" pitchFamily="18" charset="0"/>
                   <a:ea typeface="微軟正黑體" panose="020B0604030504040204" pitchFamily="34" charset="-120"/>
                 </a:rPr>
-                <a:t>grab_frame</a:t>
+                <a:t>get_data</a:t>
               </a:r>
               <a:endParaRPr lang="zh-TW" altLang="en-US" sz="1400" dirty="0">
                 <a:solidFill>
@@ -7126,7 +7295,7 @@
           </p:nvSpPr>
           <p:spPr>
             <a:xfrm>
-              <a:off x="5371336" y="1466497"/>
+              <a:off x="6820087" y="1459000"/>
               <a:ext cx="1335787" cy="430012"/>
             </a:xfrm>
             <a:prstGeom prst="rect">
@@ -7170,7 +7339,7 @@
                   <a:latin typeface="Times New Roman" panose="02020603050405020304" pitchFamily="18" charset="0"/>
                   <a:ea typeface="微軟正黑體" panose="020B0604030504040204" pitchFamily="34" charset="-120"/>
                 </a:rPr>
-                <a:t>get_keyboard</a:t>
+                <a:t>take_screenshot</a:t>
               </a:r>
               <a:endParaRPr lang="zh-TW" altLang="en-US" sz="1400" dirty="0">
                 <a:solidFill>
@@ -7182,12 +7351,93 @@
             </a:p>
           </p:txBody>
         </p:sp>
+        <p:cxnSp>
+          <p:nvCxnSpPr>
+            <p:cNvPr id="19" name="直線接點 18">
+              <a:extLst>
+                <a:ext uri="{FF2B5EF4-FFF2-40B4-BE49-F238E27FC236}">
+                  <a16:creationId xmlns:a16="http://schemas.microsoft.com/office/drawing/2014/main" id="{5DB23C84-C09F-4A5A-8117-F32407E7693E}"/>
+                </a:ext>
+              </a:extLst>
+            </p:cNvPr>
+            <p:cNvCxnSpPr>
+              <a:stCxn id="8" idx="1"/>
+              <a:endCxn id="7" idx="3"/>
+            </p:cNvCxnSpPr>
+            <p:nvPr/>
+          </p:nvCxnSpPr>
+          <p:spPr>
+            <a:xfrm flipH="1">
+              <a:off x="4960622" y="1674038"/>
+              <a:ext cx="323206" cy="15051"/>
+            </a:xfrm>
+            <a:prstGeom prst="line">
+              <a:avLst/>
+            </a:prstGeom>
+            <a:ln w="38100"/>
+          </p:spPr>
+          <p:style>
+            <a:lnRef idx="1">
+              <a:schemeClr val="dk1"/>
+            </a:lnRef>
+            <a:fillRef idx="0">
+              <a:schemeClr val="dk1"/>
+            </a:fillRef>
+            <a:effectRef idx="0">
+              <a:schemeClr val="dk1"/>
+            </a:effectRef>
+            <a:fontRef idx="minor">
+              <a:schemeClr val="tx1"/>
+            </a:fontRef>
+          </p:style>
+        </p:cxnSp>
+        <p:cxnSp>
+          <p:nvCxnSpPr>
+            <p:cNvPr id="23" name="直線接點 22">
+              <a:extLst>
+                <a:ext uri="{FF2B5EF4-FFF2-40B4-BE49-F238E27FC236}">
+                  <a16:creationId xmlns:a16="http://schemas.microsoft.com/office/drawing/2014/main" id="{08DF6187-4A76-44CB-9AA4-B9B99ACCDDA6}"/>
+                </a:ext>
+              </a:extLst>
+            </p:cNvPr>
+            <p:cNvCxnSpPr>
+              <a:cxnSpLocks/>
+              <a:stCxn id="8" idx="3"/>
+              <a:endCxn id="9" idx="1"/>
+            </p:cNvCxnSpPr>
+            <p:nvPr/>
+          </p:nvCxnSpPr>
+          <p:spPr>
+            <a:xfrm flipV="1">
+              <a:off x="6619615" y="1674006"/>
+              <a:ext cx="200472" cy="32"/>
+            </a:xfrm>
+            <a:prstGeom prst="line">
+              <a:avLst/>
+            </a:prstGeom>
+            <a:ln w="38100"/>
+          </p:spPr>
+          <p:style>
+            <a:lnRef idx="1">
+              <a:schemeClr val="dk1"/>
+            </a:lnRef>
+            <a:fillRef idx="0">
+              <a:schemeClr val="dk1"/>
+            </a:fillRef>
+            <a:effectRef idx="0">
+              <a:schemeClr val="dk1"/>
+            </a:effectRef>
+            <a:fontRef idx="minor">
+              <a:schemeClr val="tx1"/>
+            </a:fontRef>
+          </p:style>
+        </p:cxnSp>
         <p:sp>
           <p:nvSpPr>
-            <p:cNvPr id="14" name="矩形 13">
+            <p:cNvPr id="71" name="矩形 70">
               <a:extLst>
                 <a:ext uri="{FF2B5EF4-FFF2-40B4-BE49-F238E27FC236}">
-                  <a16:creationId xmlns:a16="http://schemas.microsoft.com/office/drawing/2014/main" id="{D4F1984A-45AD-48EA-977F-20517208771D}"/>
+                  <a16:creationId xmlns:a16="http://schemas.microsoft.com/office/drawing/2014/main" id="{266CC4AF-6A67-4DAC-A344-B9DF818A42E4}"/>
                 </a:ext>
               </a:extLst>
             </p:cNvPr>
@@ -7196,7 +7446,7 @@
           </p:nvSpPr>
           <p:spPr>
             <a:xfrm>
-              <a:off x="5371335" y="1951459"/>
+              <a:off x="5278071" y="961863"/>
               <a:ext cx="1335787" cy="430012"/>
             </a:xfrm>
             <a:prstGeom prst="rect">
@@ -7240,197 +7490,7 @@
                   <a:latin typeface="Times New Roman" panose="02020603050405020304" pitchFamily="18" charset="0"/>
                   <a:ea typeface="微軟正黑體" panose="020B0604030504040204" pitchFamily="34" charset="-120"/>
                 </a:rPr>
-                <a:t>create_images</a:t>
-              </a:r>
-              <a:endParaRPr lang="zh-TW" altLang="en-US" sz="1400" dirty="0">
-                <a:solidFill>
-                  <a:schemeClr val="tx1"/>
-                </a:solidFill>
-                <a:latin typeface="Times New Roman" panose="02020603050405020304" pitchFamily="18" charset="0"/>
-                <a:ea typeface="微軟正黑體" panose="020B0604030504040204" pitchFamily="34" charset="-120"/>
-              </a:endParaRPr>
-            </a:p>
-          </p:txBody>
-        </p:sp>
-        <p:cxnSp>
-          <p:nvCxnSpPr>
-            <p:cNvPr id="19" name="直線接點 18">
-              <a:extLst>
-                <a:ext uri="{FF2B5EF4-FFF2-40B4-BE49-F238E27FC236}">
-                  <a16:creationId xmlns:a16="http://schemas.microsoft.com/office/drawing/2014/main" id="{5DB23C84-C09F-4A5A-8117-F32407E7693E}"/>
-                </a:ext>
-              </a:extLst>
-            </p:cNvPr>
-            <p:cNvCxnSpPr>
-              <a:stCxn id="8" idx="1"/>
-              <a:endCxn id="7" idx="3"/>
-            </p:cNvCxnSpPr>
-            <p:nvPr/>
-          </p:nvCxnSpPr>
-          <p:spPr>
-            <a:xfrm flipH="1">
-              <a:off x="4960622" y="1188466"/>
-              <a:ext cx="410714" cy="500623"/>
-            </a:xfrm>
-            <a:prstGeom prst="line">
-              <a:avLst/>
-            </a:prstGeom>
-            <a:ln w="38100"/>
-          </p:spPr>
-          <p:style>
-            <a:lnRef idx="1">
-              <a:schemeClr val="dk1"/>
-            </a:lnRef>
-            <a:fillRef idx="0">
-              <a:schemeClr val="dk1"/>
-            </a:fillRef>
-            <a:effectRef idx="0">
-              <a:schemeClr val="dk1"/>
-            </a:effectRef>
-            <a:fontRef idx="minor">
-              <a:schemeClr val="tx1"/>
-            </a:fontRef>
-          </p:style>
-        </p:cxnSp>
-        <p:cxnSp>
-          <p:nvCxnSpPr>
-            <p:cNvPr id="21" name="直線接點 20">
-              <a:extLst>
-                <a:ext uri="{FF2B5EF4-FFF2-40B4-BE49-F238E27FC236}">
-                  <a16:creationId xmlns:a16="http://schemas.microsoft.com/office/drawing/2014/main" id="{0E1888D1-FCDE-4F74-8042-3546284C0FE4}"/>
-                </a:ext>
-              </a:extLst>
-            </p:cNvPr>
-            <p:cNvCxnSpPr>
-              <a:stCxn id="9" idx="1"/>
-              <a:endCxn id="7" idx="3"/>
-            </p:cNvCxnSpPr>
-            <p:nvPr/>
-          </p:nvCxnSpPr>
-          <p:spPr>
-            <a:xfrm flipH="1">
-              <a:off x="4960622" y="1681503"/>
-              <a:ext cx="410714" cy="7586"/>
-            </a:xfrm>
-            <a:prstGeom prst="line">
-              <a:avLst/>
-            </a:prstGeom>
-            <a:ln w="38100"/>
-          </p:spPr>
-          <p:style>
-            <a:lnRef idx="1">
-              <a:schemeClr val="dk1"/>
-            </a:lnRef>
-            <a:fillRef idx="0">
-              <a:schemeClr val="dk1"/>
-            </a:fillRef>
-            <a:effectRef idx="0">
-              <a:schemeClr val="dk1"/>
-            </a:effectRef>
-            <a:fontRef idx="minor">
-              <a:schemeClr val="tx1"/>
-            </a:fontRef>
-          </p:style>
-        </p:cxnSp>
-        <p:cxnSp>
-          <p:nvCxnSpPr>
-            <p:cNvPr id="23" name="直線接點 22">
-              <a:extLst>
-                <a:ext uri="{FF2B5EF4-FFF2-40B4-BE49-F238E27FC236}">
-                  <a16:creationId xmlns:a16="http://schemas.microsoft.com/office/drawing/2014/main" id="{08DF6187-4A76-44CB-9AA4-B9B99ACCDDA6}"/>
-                </a:ext>
-              </a:extLst>
-            </p:cNvPr>
-            <p:cNvCxnSpPr>
-              <a:stCxn id="7" idx="3"/>
-              <a:endCxn id="14" idx="1"/>
-            </p:cNvCxnSpPr>
-            <p:nvPr/>
-          </p:nvCxnSpPr>
-          <p:spPr>
-            <a:xfrm>
-              <a:off x="4960622" y="1689089"/>
-              <a:ext cx="410713" cy="477376"/>
-            </a:xfrm>
-            <a:prstGeom prst="line">
-              <a:avLst/>
-            </a:prstGeom>
-            <a:ln w="38100"/>
-          </p:spPr>
-          <p:style>
-            <a:lnRef idx="1">
-              <a:schemeClr val="dk1"/>
-            </a:lnRef>
-            <a:fillRef idx="0">
-              <a:schemeClr val="dk1"/>
-            </a:fillRef>
-            <a:effectRef idx="0">
-              <a:schemeClr val="dk1"/>
-            </a:effectRef>
-            <a:fontRef idx="minor">
-              <a:schemeClr val="tx1"/>
-            </a:fontRef>
-          </p:style>
-        </p:cxnSp>
-        <p:sp>
-          <p:nvSpPr>
-            <p:cNvPr id="71" name="矩形 70">
-              <a:extLst>
-                <a:ext uri="{FF2B5EF4-FFF2-40B4-BE49-F238E27FC236}">
-                  <a16:creationId xmlns:a16="http://schemas.microsoft.com/office/drawing/2014/main" id="{266CC4AF-6A67-4DAC-A344-B9DF818A42E4}"/>
-                </a:ext>
-              </a:extLst>
-            </p:cNvPr>
-            <p:cNvSpPr/>
-            <p:nvPr/>
-          </p:nvSpPr>
-          <p:spPr>
-            <a:xfrm>
-              <a:off x="5387582" y="467155"/>
-              <a:ext cx="1335787" cy="430012"/>
-            </a:xfrm>
-            <a:prstGeom prst="rect">
-              <a:avLst/>
-            </a:prstGeom>
-            <a:solidFill>
-              <a:srgbClr val="83B5C2"/>
-            </a:solidFill>
-            <a:ln>
-              <a:solidFill>
-                <a:schemeClr val="tx1"/>
-              </a:solidFill>
-            </a:ln>
-          </p:spPr>
-          <p:style>
-            <a:lnRef idx="2">
-              <a:schemeClr val="accent1">
-                <a:shade val="50000"/>
-              </a:schemeClr>
-            </a:lnRef>
-            <a:fillRef idx="1">
-              <a:schemeClr val="accent1"/>
-            </a:fillRef>
-            <a:effectRef idx="0">
-              <a:schemeClr val="accent1"/>
-            </a:effectRef>
-            <a:fontRef idx="minor">
-              <a:schemeClr val="lt1"/>
-            </a:fontRef>
-          </p:style>
-          <p:txBody>
-            <a:bodyPr rtlCol="0" anchor="ctr"/>
-            <a:lstStyle/>
-            <a:p>
-              <a:pPr algn="ctr"/>
-              <a:r>
-                <a:rPr lang="en-US" altLang="zh-TW" sz="1400" dirty="0">
-                  <a:solidFill>
-                    <a:schemeClr val="tx1"/>
-                  </a:solidFill>
-                  <a:latin typeface="Times New Roman" panose="02020603050405020304" pitchFamily="18" charset="0"/>
-                  <a:ea typeface="微軟正黑體" panose="020B0604030504040204" pitchFamily="34" charset="-120"/>
-                </a:rPr>
-                <a:t>roi</a:t>
+                <a:t>getRoi</a:t>
               </a:r>
               <a:endParaRPr lang="zh-TW" altLang="en-US" sz="1400" dirty="0">
                 <a:solidFill>
@@ -7460,8 +7520,8 @@
           </p:nvCxnSpPr>
           <p:spPr>
             <a:xfrm flipH="1">
-              <a:off x="4960622" y="682161"/>
-              <a:ext cx="426960" cy="1006928"/>
+              <a:off x="4960622" y="1176869"/>
+              <a:ext cx="317449" cy="512220"/>
             </a:xfrm>
             <a:prstGeom prst="line">
               <a:avLst/>
@@ -7498,10 +7558,10 @@
         </p:nvGrpSpPr>
         <p:grpSpPr>
           <a:xfrm>
-            <a:off x="5370799" y="1195269"/>
-            <a:ext cx="6099549" cy="3906161"/>
-            <a:chOff x="4941992" y="1403472"/>
-            <a:chExt cx="6099549" cy="3906161"/>
+            <a:off x="3070415" y="1769089"/>
+            <a:ext cx="7763430" cy="3084160"/>
+            <a:chOff x="2723157" y="1991574"/>
+            <a:chExt cx="7763430" cy="3084160"/>
           </a:xfrm>
         </p:grpSpPr>
         <p:sp>
@@ -7576,10 +7636,10 @@
         </p:sp>
         <p:sp>
           <p:nvSpPr>
-            <p:cNvPr id="16" name="矩形 15">
+            <p:cNvPr id="17" name="矩形 16">
               <a:extLst>
                 <a:ext uri="{FF2B5EF4-FFF2-40B4-BE49-F238E27FC236}">
-                  <a16:creationId xmlns:a16="http://schemas.microsoft.com/office/drawing/2014/main" id="{E6D21401-9B2B-4881-94BA-51827F0B001C}"/>
+                  <a16:creationId xmlns:a16="http://schemas.microsoft.com/office/drawing/2014/main" id="{1A61EBB1-1607-4FE9-A1D7-CFF16AD9F0BC}"/>
                 </a:ext>
               </a:extLst>
             </p:cNvPr>
@@ -7588,7 +7648,7 @@
           </p:nvSpPr>
           <p:spPr>
             <a:xfrm>
-              <a:off x="7488102" y="2423860"/>
+              <a:off x="7488103" y="2504757"/>
               <a:ext cx="1335787" cy="430012"/>
             </a:xfrm>
             <a:prstGeom prst="rect">
@@ -7632,77 +7692,7 @@
                   <a:latin typeface="Times New Roman" panose="02020603050405020304" pitchFamily="18" charset="0"/>
                   <a:ea typeface="微軟正黑體" panose="020B0604030504040204" pitchFamily="34" charset="-120"/>
                 </a:rPr>
-                <a:t>resize_image</a:t>
-              </a:r>
-              <a:endParaRPr lang="zh-TW" altLang="en-US" sz="1400" dirty="0">
-                <a:solidFill>
-                  <a:schemeClr val="tx1"/>
-                </a:solidFill>
-                <a:latin typeface="Times New Roman" panose="02020603050405020304" pitchFamily="18" charset="0"/>
-                <a:ea typeface="微軟正黑體" panose="020B0604030504040204" pitchFamily="34" charset="-120"/>
-              </a:endParaRPr>
-            </a:p>
-          </p:txBody>
-        </p:sp>
-        <p:sp>
-          <p:nvSpPr>
-            <p:cNvPr id="17" name="矩形 16">
-              <a:extLst>
-                <a:ext uri="{FF2B5EF4-FFF2-40B4-BE49-F238E27FC236}">
-                  <a16:creationId xmlns:a16="http://schemas.microsoft.com/office/drawing/2014/main" id="{1A61EBB1-1607-4FE9-A1D7-CFF16AD9F0BC}"/>
-                </a:ext>
-              </a:extLst>
-            </p:cNvPr>
-            <p:cNvSpPr/>
-            <p:nvPr/>
-          </p:nvSpPr>
-          <p:spPr>
-            <a:xfrm>
-              <a:off x="7488103" y="1916655"/>
-              <a:ext cx="1335787" cy="430012"/>
-            </a:xfrm>
-            <a:prstGeom prst="rect">
-              <a:avLst/>
-            </a:prstGeom>
-            <a:solidFill>
-              <a:srgbClr val="83B5C2"/>
-            </a:solidFill>
-            <a:ln>
-              <a:solidFill>
-                <a:schemeClr val="tx1"/>
-              </a:solidFill>
-            </a:ln>
-          </p:spPr>
-          <p:style>
-            <a:lnRef idx="2">
-              <a:schemeClr val="accent1">
-                <a:shade val="50000"/>
-              </a:schemeClr>
-            </a:lnRef>
-            <a:fillRef idx="1">
-              <a:schemeClr val="accent1"/>
-            </a:fillRef>
-            <a:effectRef idx="0">
-              <a:schemeClr val="accent1"/>
-            </a:effectRef>
-            <a:fontRef idx="minor">
-              <a:schemeClr val="lt1"/>
-            </a:fontRef>
-          </p:style>
-          <p:txBody>
-            <a:bodyPr rtlCol="0" anchor="ctr"/>
-            <a:lstStyle/>
-            <a:p>
-              <a:pPr algn="ctr"/>
-              <a:r>
-                <a:rPr lang="en-US" altLang="zh-TW" sz="1400" dirty="0" err="1">
-                  <a:solidFill>
-                    <a:schemeClr val="tx1"/>
-                  </a:solidFill>
-                  <a:latin typeface="Times New Roman" panose="02020603050405020304" pitchFamily="18" charset="0"/>
-                  <a:ea typeface="微軟正黑體" panose="020B0604030504040204" pitchFamily="34" charset="-120"/>
-                </a:rPr>
-                <a:t>one_hot</a:t>
+                <a:t>onehot_labels</a:t>
               </a:r>
               <a:endParaRPr lang="zh-TW" altLang="en-US" sz="1400" dirty="0">
                 <a:solidFill>
@@ -7731,48 +7721,8 @@
           </p:nvCxnSpPr>
           <p:spPr>
             <a:xfrm flipH="1">
-              <a:off x="6277779" y="2131661"/>
-              <a:ext cx="1210324" cy="1241752"/>
-            </a:xfrm>
-            <a:prstGeom prst="line">
-              <a:avLst/>
-            </a:prstGeom>
-            <a:ln w="38100"/>
-          </p:spPr>
-          <p:style>
-            <a:lnRef idx="1">
-              <a:schemeClr val="dk1"/>
-            </a:lnRef>
-            <a:fillRef idx="0">
-              <a:schemeClr val="dk1"/>
-            </a:fillRef>
-            <a:effectRef idx="0">
-              <a:schemeClr val="dk1"/>
-            </a:effectRef>
-            <a:fontRef idx="minor">
-              <a:schemeClr val="tx1"/>
-            </a:fontRef>
-          </p:style>
-        </p:cxnSp>
-        <p:cxnSp>
-          <p:nvCxnSpPr>
-            <p:cNvPr id="39" name="直線接點 38">
-              <a:extLst>
-                <a:ext uri="{FF2B5EF4-FFF2-40B4-BE49-F238E27FC236}">
-                  <a16:creationId xmlns:a16="http://schemas.microsoft.com/office/drawing/2014/main" id="{2BEC0434-A204-42A4-8CB1-F81200600A82}"/>
-                </a:ext>
-              </a:extLst>
-            </p:cNvPr>
-            <p:cNvCxnSpPr>
-              <a:stCxn id="15" idx="3"/>
-              <a:endCxn id="16" idx="1"/>
-            </p:cNvCxnSpPr>
-            <p:nvPr/>
-          </p:nvCxnSpPr>
-          <p:spPr>
-            <a:xfrm flipV="1">
-              <a:off x="6277779" y="2638866"/>
-              <a:ext cx="1210323" cy="734547"/>
+              <a:off x="6277779" y="2719763"/>
+              <a:ext cx="1210324" cy="653650"/>
             </a:xfrm>
             <a:prstGeom prst="line">
               <a:avLst/>
@@ -7919,8 +7869,8 @@
           </p:nvSpPr>
           <p:spPr>
             <a:xfrm>
-              <a:off x="7488101" y="1403472"/>
-              <a:ext cx="1573430" cy="430012"/>
+              <a:off x="7488101" y="1991574"/>
+              <a:ext cx="1980010" cy="430012"/>
             </a:xfrm>
             <a:prstGeom prst="rect">
               <a:avLst/>
@@ -7963,7 +7913,7 @@
                   <a:latin typeface="Times New Roman" panose="02020603050405020304" pitchFamily="18" charset="0"/>
                   <a:ea typeface="微軟正黑體" panose="020B0604030504040204" pitchFamily="34" charset="-120"/>
                 </a:rPr>
-                <a:t>get_images_labels</a:t>
+                <a:t>get_images_and_labels</a:t>
               </a:r>
               <a:endParaRPr lang="zh-TW" altLang="en-US" sz="1400" dirty="0">
                 <a:solidFill>
@@ -7993,8 +7943,8 @@
           </p:nvCxnSpPr>
           <p:spPr>
             <a:xfrm flipH="1">
-              <a:off x="6277779" y="1618478"/>
-              <a:ext cx="1210322" cy="1754935"/>
+              <a:off x="6277779" y="2206580"/>
+              <a:ext cx="1210322" cy="1166833"/>
             </a:xfrm>
             <a:prstGeom prst="line">
               <a:avLst/>
@@ -8030,8 +7980,8 @@
           </p:nvSpPr>
           <p:spPr>
             <a:xfrm>
-              <a:off x="7604455" y="3760494"/>
-              <a:ext cx="932710" cy="430012"/>
+              <a:off x="8391791" y="3605012"/>
+              <a:ext cx="1122839" cy="430012"/>
             </a:xfrm>
             <a:prstGeom prst="rect">
               <a:avLst/>
@@ -8105,7 +8055,7 @@
           <p:spPr>
             <a:xfrm>
               <a:off x="6277779" y="3373413"/>
-              <a:ext cx="1326676" cy="602087"/>
+              <a:ext cx="2114012" cy="446605"/>
             </a:xfrm>
             <a:prstGeom prst="line">
               <a:avLst/>
@@ -8129,10 +8079,10 @@
         </p:cxnSp>
         <p:sp>
           <p:nvSpPr>
-            <p:cNvPr id="66" name="矩形 65">
+            <p:cNvPr id="68" name="矩形 67">
               <a:extLst>
                 <a:ext uri="{FF2B5EF4-FFF2-40B4-BE49-F238E27FC236}">
-                  <a16:creationId xmlns:a16="http://schemas.microsoft.com/office/drawing/2014/main" id="{E871B380-A136-4372-A92F-AADD500F6904}"/>
+                  <a16:creationId xmlns:a16="http://schemas.microsoft.com/office/drawing/2014/main" id="{DABAAD5A-1D46-4F7E-971E-E55374003FC5}"/>
                 </a:ext>
               </a:extLst>
             </p:cNvPr>
@@ -8141,8 +8091,8 @@
           </p:nvSpPr>
           <p:spPr>
             <a:xfrm>
-              <a:off x="9468111" y="3727885"/>
-              <a:ext cx="1573430" cy="430012"/>
+              <a:off x="8391790" y="4125367"/>
+              <a:ext cx="2094797" cy="430012"/>
             </a:xfrm>
             <a:prstGeom prst="rect">
               <a:avLst/>
@@ -8185,7 +8135,7 @@
                   <a:latin typeface="Times New Roman" panose="02020603050405020304" pitchFamily="18" charset="0"/>
                   <a:ea typeface="微軟正黑體" panose="020B0604030504040204" pitchFamily="34" charset="-120"/>
                 </a:rPr>
-                <a:t>labels_nums</a:t>
+                <a:t>plot_accuracy_and_loss</a:t>
               </a:r>
               <a:endParaRPr lang="zh-TW" altLang="en-US" sz="1400" dirty="0">
                 <a:solidFill>
@@ -8199,10 +8149,10 @@
         </p:sp>
         <p:sp>
           <p:nvSpPr>
-            <p:cNvPr id="68" name="矩形 67">
+            <p:cNvPr id="69" name="矩形 68">
               <a:extLst>
                 <a:ext uri="{FF2B5EF4-FFF2-40B4-BE49-F238E27FC236}">
-                  <a16:creationId xmlns:a16="http://schemas.microsoft.com/office/drawing/2014/main" id="{DABAAD5A-1D46-4F7E-971E-E55374003FC5}"/>
+                  <a16:creationId xmlns:a16="http://schemas.microsoft.com/office/drawing/2014/main" id="{7B0B3FCC-2AEF-43B8-BEC5-8D0D859B2F73}"/>
                 </a:ext>
               </a:extLst>
             </p:cNvPr>
@@ -8211,8 +8161,160 @@
           </p:nvSpPr>
           <p:spPr>
             <a:xfrm>
-              <a:off x="9468111" y="4303753"/>
-              <a:ext cx="1573430" cy="430012"/>
+              <a:off x="8372577" y="4645722"/>
+              <a:ext cx="2094796" cy="430012"/>
+            </a:xfrm>
+            <a:prstGeom prst="rect">
+              <a:avLst/>
+            </a:prstGeom>
+            <a:solidFill>
+              <a:srgbClr val="83B5C2"/>
+            </a:solidFill>
+            <a:ln>
+              <a:solidFill>
+                <a:schemeClr val="tx1"/>
+              </a:solidFill>
+            </a:ln>
+          </p:spPr>
+          <p:style>
+            <a:lnRef idx="2">
+              <a:schemeClr val="accent1">
+                <a:shade val="50000"/>
+              </a:schemeClr>
+            </a:lnRef>
+            <a:fillRef idx="1">
+              <a:schemeClr val="accent1"/>
+            </a:fillRef>
+            <a:effectRef idx="0">
+              <a:schemeClr val="accent1"/>
+            </a:effectRef>
+            <a:fontRef idx="minor">
+              <a:schemeClr val="lt1"/>
+            </a:fontRef>
+          </p:style>
+          <p:txBody>
+            <a:bodyPr rtlCol="0" anchor="ctr"/>
+            <a:lstStyle/>
+            <a:p>
+              <a:pPr algn="ctr"/>
+              <a:r>
+                <a:rPr lang="en-US" altLang="zh-TW" sz="1400" dirty="0" err="1">
+                  <a:solidFill>
+                    <a:schemeClr val="tx1"/>
+                  </a:solidFill>
+                  <a:latin typeface="Times New Roman" panose="02020603050405020304" pitchFamily="18" charset="0"/>
+                  <a:ea typeface="微軟正黑體" panose="020B0604030504040204" pitchFamily="34" charset="-120"/>
+                </a:rPr>
+                <a:t>plot_confusion_matrix</a:t>
+              </a:r>
+              <a:endParaRPr lang="zh-TW" altLang="en-US" sz="1400" dirty="0">
+                <a:solidFill>
+                  <a:schemeClr val="tx1"/>
+                </a:solidFill>
+                <a:latin typeface="Times New Roman" panose="02020603050405020304" pitchFamily="18" charset="0"/>
+                <a:ea typeface="微軟正黑體" panose="020B0604030504040204" pitchFamily="34" charset="-120"/>
+              </a:endParaRPr>
+            </a:p>
+          </p:txBody>
+        </p:sp>
+        <p:cxnSp>
+          <p:nvCxnSpPr>
+            <p:cNvPr id="73" name="直線接點 72">
+              <a:extLst>
+                <a:ext uri="{FF2B5EF4-FFF2-40B4-BE49-F238E27FC236}">
+                  <a16:creationId xmlns:a16="http://schemas.microsoft.com/office/drawing/2014/main" id="{34C14F78-25AC-4C2A-97EC-21F69F1C9CC8}"/>
+                </a:ext>
+              </a:extLst>
+            </p:cNvPr>
+            <p:cNvCxnSpPr>
+              <a:cxnSpLocks/>
+              <a:stCxn id="15" idx="3"/>
+              <a:endCxn id="68" idx="1"/>
+            </p:cNvCxnSpPr>
+            <p:nvPr/>
+          </p:nvCxnSpPr>
+          <p:spPr>
+            <a:xfrm>
+              <a:off x="6277779" y="3373413"/>
+              <a:ext cx="2114011" cy="966960"/>
+            </a:xfrm>
+            <a:prstGeom prst="line">
+              <a:avLst/>
+            </a:prstGeom>
+            <a:ln w="38100"/>
+          </p:spPr>
+          <p:style>
+            <a:lnRef idx="1">
+              <a:schemeClr val="dk1"/>
+            </a:lnRef>
+            <a:fillRef idx="0">
+              <a:schemeClr val="dk1"/>
+            </a:fillRef>
+            <a:effectRef idx="0">
+              <a:schemeClr val="dk1"/>
+            </a:effectRef>
+            <a:fontRef idx="minor">
+              <a:schemeClr val="tx1"/>
+            </a:fontRef>
+          </p:style>
+        </p:cxnSp>
+        <p:cxnSp>
+          <p:nvCxnSpPr>
+            <p:cNvPr id="74" name="直線接點 73">
+              <a:extLst>
+                <a:ext uri="{FF2B5EF4-FFF2-40B4-BE49-F238E27FC236}">
+                  <a16:creationId xmlns:a16="http://schemas.microsoft.com/office/drawing/2014/main" id="{CDE95D6D-DF04-4812-B192-9D2F087260E6}"/>
+                </a:ext>
+              </a:extLst>
+            </p:cNvPr>
+            <p:cNvCxnSpPr>
+              <a:cxnSpLocks/>
+              <a:stCxn id="15" idx="3"/>
+              <a:endCxn id="69" idx="1"/>
+            </p:cNvCxnSpPr>
+            <p:nvPr/>
+          </p:nvCxnSpPr>
+          <p:spPr>
+            <a:xfrm>
+              <a:off x="6277779" y="3373413"/>
+              <a:ext cx="2094798" cy="1487315"/>
+            </a:xfrm>
+            <a:prstGeom prst="line">
+              <a:avLst/>
+            </a:prstGeom>
+            <a:ln w="38100"/>
+          </p:spPr>
+          <p:style>
+            <a:lnRef idx="1">
+              <a:schemeClr val="dk1"/>
+            </a:lnRef>
+            <a:fillRef idx="0">
+              <a:schemeClr val="dk1"/>
+            </a:fillRef>
+            <a:effectRef idx="0">
+              <a:schemeClr val="dk1"/>
+            </a:effectRef>
+            <a:fontRef idx="minor">
+              <a:schemeClr val="tx1"/>
+            </a:fontRef>
+          </p:style>
+        </p:cxnSp>
+        <p:sp>
+          <p:nvSpPr>
+            <p:cNvPr id="55" name="矩形 54">
+              <a:extLst>
+                <a:ext uri="{FF2B5EF4-FFF2-40B4-BE49-F238E27FC236}">
+                  <a16:creationId xmlns:a16="http://schemas.microsoft.com/office/drawing/2014/main" id="{8B69C9F9-F523-4037-9FC6-2335EEE106E6}"/>
+                </a:ext>
+              </a:extLst>
+            </p:cNvPr>
+            <p:cNvSpPr/>
+            <p:nvPr/>
+          </p:nvSpPr>
+          <p:spPr>
+            <a:xfrm>
+              <a:off x="2723157" y="3158407"/>
+              <a:ext cx="1335787" cy="430012"/>
             </a:xfrm>
             <a:prstGeom prst="rect">
               <a:avLst/>
@@ -8255,7 +8357,7 @@
                   <a:latin typeface="Times New Roman" panose="02020603050405020304" pitchFamily="18" charset="0"/>
                   <a:ea typeface="微軟正黑體" panose="020B0604030504040204" pitchFamily="34" charset="-120"/>
                 </a:rPr>
-                <a:t>accuracy</a:t>
+                <a:t>ML</a:t>
               </a:r>
               <a:endParaRPr lang="zh-TW" altLang="en-US" sz="1400" dirty="0">
                 <a:solidFill>
@@ -8267,199 +8369,6 @@
             </a:p>
           </p:txBody>
         </p:sp>
-        <p:sp>
-          <p:nvSpPr>
-            <p:cNvPr id="69" name="矩形 68">
-              <a:extLst>
-                <a:ext uri="{FF2B5EF4-FFF2-40B4-BE49-F238E27FC236}">
-                  <a16:creationId xmlns:a16="http://schemas.microsoft.com/office/drawing/2014/main" id="{7B0B3FCC-2AEF-43B8-BEC5-8D0D859B2F73}"/>
-                </a:ext>
-              </a:extLst>
-            </p:cNvPr>
-            <p:cNvSpPr/>
-            <p:nvPr/>
-          </p:nvSpPr>
-          <p:spPr>
-            <a:xfrm>
-              <a:off x="9468111" y="4879621"/>
-              <a:ext cx="1573430" cy="430012"/>
-            </a:xfrm>
-            <a:prstGeom prst="rect">
-              <a:avLst/>
-            </a:prstGeom>
-            <a:solidFill>
-              <a:srgbClr val="83B5C2"/>
-            </a:solidFill>
-            <a:ln>
-              <a:solidFill>
-                <a:schemeClr val="tx1"/>
-              </a:solidFill>
-            </a:ln>
-          </p:spPr>
-          <p:style>
-            <a:lnRef idx="2">
-              <a:schemeClr val="accent1">
-                <a:shade val="50000"/>
-              </a:schemeClr>
-            </a:lnRef>
-            <a:fillRef idx="1">
-              <a:schemeClr val="accent1"/>
-            </a:fillRef>
-            <a:effectRef idx="0">
-              <a:schemeClr val="accent1"/>
-            </a:effectRef>
-            <a:fontRef idx="minor">
-              <a:schemeClr val="lt1"/>
-            </a:fontRef>
-          </p:style>
-          <p:txBody>
-            <a:bodyPr rtlCol="0" anchor="ctr"/>
-            <a:lstStyle/>
-            <a:p>
-              <a:pPr algn="ctr"/>
-              <a:r>
-                <a:rPr lang="en-US" altLang="zh-TW" sz="1400" dirty="0">
-                  <a:solidFill>
-                    <a:schemeClr val="tx1"/>
-                  </a:solidFill>
-                  <a:latin typeface="Times New Roman" panose="02020603050405020304" pitchFamily="18" charset="0"/>
-                  <a:ea typeface="微軟正黑體" panose="020B0604030504040204" pitchFamily="34" charset="-120"/>
-                </a:rPr>
-                <a:t>loss</a:t>
-              </a:r>
-              <a:endParaRPr lang="zh-TW" altLang="en-US" sz="1400" dirty="0">
-                <a:solidFill>
-                  <a:schemeClr val="tx1"/>
-                </a:solidFill>
-                <a:latin typeface="Times New Roman" panose="02020603050405020304" pitchFamily="18" charset="0"/>
-                <a:ea typeface="微軟正黑體" panose="020B0604030504040204" pitchFamily="34" charset="-120"/>
-              </a:endParaRPr>
-            </a:p>
-          </p:txBody>
-        </p:sp>
-        <p:cxnSp>
-          <p:nvCxnSpPr>
-            <p:cNvPr id="70" name="直線接點 69">
-              <a:extLst>
-                <a:ext uri="{FF2B5EF4-FFF2-40B4-BE49-F238E27FC236}">
-                  <a16:creationId xmlns:a16="http://schemas.microsoft.com/office/drawing/2014/main" id="{E51D2674-7964-46C9-B162-AC6E568C6B0C}"/>
-                </a:ext>
-              </a:extLst>
-            </p:cNvPr>
-            <p:cNvCxnSpPr>
-              <a:cxnSpLocks/>
-              <a:stCxn id="62" idx="3"/>
-              <a:endCxn id="66" idx="1"/>
-            </p:cNvCxnSpPr>
-            <p:nvPr/>
-          </p:nvCxnSpPr>
-          <p:spPr>
-            <a:xfrm flipV="1">
-              <a:off x="8537165" y="3942891"/>
-              <a:ext cx="930946" cy="32609"/>
-            </a:xfrm>
-            <a:prstGeom prst="line">
-              <a:avLst/>
-            </a:prstGeom>
-            <a:ln w="38100"/>
-          </p:spPr>
-          <p:style>
-            <a:lnRef idx="1">
-              <a:schemeClr val="dk1"/>
-            </a:lnRef>
-            <a:fillRef idx="0">
-              <a:schemeClr val="dk1"/>
-            </a:fillRef>
-            <a:effectRef idx="0">
-              <a:schemeClr val="dk1"/>
-            </a:effectRef>
-            <a:fontRef idx="minor">
-              <a:schemeClr val="tx1"/>
-            </a:fontRef>
-          </p:style>
-        </p:cxnSp>
-        <p:cxnSp>
-          <p:nvCxnSpPr>
-            <p:cNvPr id="73" name="直線接點 72">
-              <a:extLst>
-                <a:ext uri="{FF2B5EF4-FFF2-40B4-BE49-F238E27FC236}">
-                  <a16:creationId xmlns:a16="http://schemas.microsoft.com/office/drawing/2014/main" id="{34C14F78-25AC-4C2A-97EC-21F69F1C9CC8}"/>
-                </a:ext>
-              </a:extLst>
-            </p:cNvPr>
-            <p:cNvCxnSpPr>
-              <a:cxnSpLocks/>
-              <a:stCxn id="62" idx="3"/>
-              <a:endCxn id="68" idx="1"/>
-            </p:cNvCxnSpPr>
-            <p:nvPr/>
-          </p:nvCxnSpPr>
-          <p:spPr>
-            <a:xfrm>
-              <a:off x="8537165" y="3975500"/>
-              <a:ext cx="930946" cy="543259"/>
-            </a:xfrm>
-            <a:prstGeom prst="line">
-              <a:avLst/>
-            </a:prstGeom>
-            <a:ln w="38100"/>
-          </p:spPr>
-          <p:style>
-            <a:lnRef idx="1">
-              <a:schemeClr val="dk1"/>
-            </a:lnRef>
-            <a:fillRef idx="0">
-              <a:schemeClr val="dk1"/>
-            </a:fillRef>
-            <a:effectRef idx="0">
-              <a:schemeClr val="dk1"/>
-            </a:effectRef>
-            <a:fontRef idx="minor">
-              <a:schemeClr val="tx1"/>
-            </a:fontRef>
-          </p:style>
-        </p:cxnSp>
-        <p:cxnSp>
-          <p:nvCxnSpPr>
-            <p:cNvPr id="74" name="直線接點 73">
-              <a:extLst>
-                <a:ext uri="{FF2B5EF4-FFF2-40B4-BE49-F238E27FC236}">
-                  <a16:creationId xmlns:a16="http://schemas.microsoft.com/office/drawing/2014/main" id="{CDE95D6D-DF04-4812-B192-9D2F087260E6}"/>
-                </a:ext>
-              </a:extLst>
-            </p:cNvPr>
-            <p:cNvCxnSpPr>
-              <a:cxnSpLocks/>
-              <a:stCxn id="62" idx="3"/>
-              <a:endCxn id="69" idx="1"/>
-            </p:cNvCxnSpPr>
-            <p:nvPr/>
-          </p:nvCxnSpPr>
-          <p:spPr>
-            <a:xfrm>
-              <a:off x="8537165" y="3975500"/>
-              <a:ext cx="930946" cy="1119127"/>
-            </a:xfrm>
-            <a:prstGeom prst="line">
-              <a:avLst/>
-            </a:prstGeom>
-            <a:ln w="38100"/>
-          </p:spPr>
-          <p:style>
-            <a:lnRef idx="1">
-              <a:schemeClr val="dk1"/>
-            </a:lnRef>
-            <a:fillRef idx="0">
-              <a:schemeClr val="dk1"/>
-            </a:fillRef>
-            <a:effectRef idx="0">
-              <a:schemeClr val="dk1"/>
-            </a:effectRef>
-            <a:fontRef idx="minor">
-              <a:schemeClr val="tx1"/>
-            </a:fontRef>
-          </p:style>
-        </p:cxnSp>
       </p:grpSp>
       <p:cxnSp>
         <p:nvCxnSpPr>
@@ -8478,8 +8387,8 @@
         </p:nvCxnSpPr>
         <p:spPr>
           <a:xfrm flipH="1">
-            <a:off x="1632881" y="1887264"/>
-            <a:ext cx="1108370" cy="1277946"/>
+            <a:off x="1632881" y="1542165"/>
+            <a:ext cx="1065687" cy="1623045"/>
           </a:xfrm>
           <a:prstGeom prst="line">
             <a:avLst/>
@@ -8511,15 +8420,16 @@
             </a:extLst>
           </p:cNvPr>
           <p:cNvCxnSpPr>
-            <a:stCxn id="5" idx="3"/>
+            <a:cxnSpLocks/>
+            <a:stCxn id="55" idx="3"/>
             <a:endCxn id="15" idx="1"/>
           </p:cNvCxnSpPr>
           <p:nvPr/>
         </p:nvCxnSpPr>
         <p:spPr>
           <a:xfrm>
-            <a:off x="1632881" y="3165210"/>
-            <a:ext cx="3737918" cy="0"/>
+            <a:off x="4406202" y="3150928"/>
+            <a:ext cx="883048" cy="0"/>
           </a:xfrm>
           <a:prstGeom prst="line">
             <a:avLst/>
@@ -8560,7 +8470,7 @@
         <p:spPr>
           <a:xfrm>
             <a:off x="1632881" y="3165210"/>
-            <a:ext cx="486747" cy="1942933"/>
+            <a:ext cx="660365" cy="1135232"/>
           </a:xfrm>
           <a:prstGeom prst="line">
             <a:avLst/>
@@ -8596,10 +8506,10 @@
         </p:nvGrpSpPr>
         <p:grpSpPr>
           <a:xfrm>
-            <a:off x="2119628" y="3658247"/>
-            <a:ext cx="5446604" cy="2844051"/>
-            <a:chOff x="2913950" y="3677194"/>
-            <a:chExt cx="5446604" cy="2844051"/>
+            <a:off x="2293246" y="3703031"/>
+            <a:ext cx="5317171" cy="2713847"/>
+            <a:chOff x="3043383" y="3677194"/>
+            <a:chExt cx="5317171" cy="2713847"/>
           </a:xfrm>
         </p:grpSpPr>
         <p:sp>
@@ -8756,7 +8666,7 @@
           </p:nvSpPr>
           <p:spPr>
             <a:xfrm>
-              <a:off x="2913950" y="4912084"/>
+              <a:off x="3043383" y="4059599"/>
               <a:ext cx="1335787" cy="430012"/>
             </a:xfrm>
             <a:prstGeom prst="rect">
@@ -8969,9 +8879,9 @@
             <p:nvPr/>
           </p:nvCxnSpPr>
           <p:spPr>
-            <a:xfrm flipV="1">
-              <a:off x="4249737" y="4364413"/>
-              <a:ext cx="829303" cy="762677"/>
+            <a:xfrm>
+              <a:off x="4379170" y="4274605"/>
+              <a:ext cx="699870" cy="89808"/>
             </a:xfrm>
             <a:prstGeom prst="line">
               <a:avLst/>
@@ -9011,8 +8921,8 @@
           </p:nvCxnSpPr>
           <p:spPr>
             <a:xfrm flipV="1">
-              <a:off x="4249737" y="3892200"/>
-              <a:ext cx="829303" cy="1234890"/>
+              <a:off x="4379170" y="3892200"/>
+              <a:ext cx="699870" cy="382405"/>
             </a:xfrm>
             <a:prstGeom prst="line">
               <a:avLst/>
@@ -9121,9 +9031,9 @@
             <p:nvPr/>
           </p:nvCxnSpPr>
           <p:spPr>
-            <a:xfrm flipV="1">
-              <a:off x="4249737" y="4836626"/>
-              <a:ext cx="829303" cy="290464"/>
+            <a:xfrm>
+              <a:off x="4379170" y="4274605"/>
+              <a:ext cx="699870" cy="562021"/>
             </a:xfrm>
             <a:prstGeom prst="line">
               <a:avLst/>
@@ -9203,7 +9113,7 @@
                   <a:latin typeface="Times New Roman" panose="02020603050405020304" pitchFamily="18" charset="0"/>
                   <a:ea typeface="微軟正黑體" panose="020B0604030504040204" pitchFamily="34" charset="-120"/>
                 </a:rPr>
-                <a:t>resize_image</a:t>
+                <a:t>array_image</a:t>
               </a:r>
               <a:endParaRPr lang="zh-TW" altLang="en-US" sz="1400" dirty="0">
                 <a:solidFill>
@@ -9426,8 +9336,8 @@
           </p:nvCxnSpPr>
           <p:spPr>
             <a:xfrm>
-              <a:off x="4249737" y="5127090"/>
-              <a:ext cx="829302" cy="177835"/>
+              <a:off x="4379170" y="4274605"/>
+              <a:ext cx="699869" cy="1030320"/>
             </a:xfrm>
             <a:prstGeom prst="line">
               <a:avLst/>
@@ -9537,8 +9447,8 @@
           </p:nvCxnSpPr>
           <p:spPr>
             <a:xfrm>
-              <a:off x="4249737" y="5127090"/>
-              <a:ext cx="834712" cy="666540"/>
+              <a:off x="4379170" y="4274605"/>
+              <a:ext cx="705279" cy="1519025"/>
             </a:xfrm>
             <a:prstGeom prst="line">
               <a:avLst/>
@@ -9574,7 +9484,7 @@
           </p:nvSpPr>
           <p:spPr>
             <a:xfrm>
-              <a:off x="5079039" y="6091233"/>
+              <a:off x="3043383" y="5961029"/>
               <a:ext cx="1556022" cy="430012"/>
             </a:xfrm>
             <a:prstGeom prst="rect">
@@ -9630,48 +9540,89 @@
             </a:p>
           </p:txBody>
         </p:sp>
-        <p:cxnSp>
-          <p:nvCxnSpPr>
-            <p:cNvPr id="65" name="直線接點 64">
-              <a:extLst>
-                <a:ext uri="{FF2B5EF4-FFF2-40B4-BE49-F238E27FC236}">
-                  <a16:creationId xmlns:a16="http://schemas.microsoft.com/office/drawing/2014/main" id="{9AEB44AC-8191-41F2-BAB8-47D139E4B3C3}"/>
-                </a:ext>
-              </a:extLst>
-            </p:cNvPr>
-            <p:cNvCxnSpPr>
-              <a:cxnSpLocks/>
-              <a:stCxn id="29" idx="3"/>
-              <a:endCxn id="64" idx="1"/>
-            </p:cNvCxnSpPr>
-            <p:nvPr/>
-          </p:nvCxnSpPr>
-          <p:spPr>
-            <a:xfrm>
-              <a:off x="4249737" y="5127090"/>
-              <a:ext cx="829302" cy="1179149"/>
-            </a:xfrm>
-            <a:prstGeom prst="line">
-              <a:avLst/>
-            </a:prstGeom>
-            <a:ln w="38100"/>
-          </p:spPr>
-          <p:style>
-            <a:lnRef idx="1">
-              <a:schemeClr val="dk1"/>
-            </a:lnRef>
-            <a:fillRef idx="0">
-              <a:schemeClr val="dk1"/>
-            </a:fillRef>
-            <a:effectRef idx="0">
-              <a:schemeClr val="dk1"/>
-            </a:effectRef>
-            <a:fontRef idx="minor">
-              <a:schemeClr val="tx1"/>
-            </a:fontRef>
-          </p:style>
-        </p:cxnSp>
       </p:grpSp>
+      <p:cxnSp>
+        <p:nvCxnSpPr>
+          <p:cNvPr id="61" name="直線接點 60">
+            <a:extLst>
+              <a:ext uri="{FF2B5EF4-FFF2-40B4-BE49-F238E27FC236}">
+                <a16:creationId xmlns:a16="http://schemas.microsoft.com/office/drawing/2014/main" id="{DF793757-2E98-4BB1-AEBD-DD4FFFBA5C73}"/>
+              </a:ext>
+            </a:extLst>
+          </p:cNvPr>
+          <p:cNvCxnSpPr>
+            <a:cxnSpLocks/>
+            <a:stCxn id="5" idx="3"/>
+            <a:endCxn id="64" idx="1"/>
+          </p:cNvCxnSpPr>
+          <p:nvPr/>
+        </p:nvCxnSpPr>
+        <p:spPr>
+          <a:xfrm>
+            <a:off x="1632881" y="3165210"/>
+            <a:ext cx="660365" cy="3036662"/>
+          </a:xfrm>
+          <a:prstGeom prst="line">
+            <a:avLst/>
+          </a:prstGeom>
+          <a:ln w="38100"/>
+        </p:spPr>
+        <p:style>
+          <a:lnRef idx="1">
+            <a:schemeClr val="dk1"/>
+          </a:lnRef>
+          <a:fillRef idx="0">
+            <a:schemeClr val="dk1"/>
+          </a:fillRef>
+          <a:effectRef idx="0">
+            <a:schemeClr val="dk1"/>
+          </a:effectRef>
+          <a:fontRef idx="minor">
+            <a:schemeClr val="tx1"/>
+          </a:fontRef>
+        </p:style>
+      </p:cxnSp>
+      <p:cxnSp>
+        <p:nvCxnSpPr>
+          <p:cNvPr id="57" name="直線接點 56">
+            <a:extLst>
+              <a:ext uri="{FF2B5EF4-FFF2-40B4-BE49-F238E27FC236}">
+                <a16:creationId xmlns:a16="http://schemas.microsoft.com/office/drawing/2014/main" id="{F9C42D77-8F98-4CE9-BD5B-3BAC61B18704}"/>
+              </a:ext>
+            </a:extLst>
+          </p:cNvPr>
+          <p:cNvCxnSpPr>
+            <a:cxnSpLocks/>
+            <a:stCxn id="5" idx="3"/>
+            <a:endCxn id="55" idx="1"/>
+          </p:cNvCxnSpPr>
+          <p:nvPr/>
+        </p:nvCxnSpPr>
+        <p:spPr>
+          <a:xfrm flipV="1">
+            <a:off x="1632881" y="3150928"/>
+            <a:ext cx="1437534" cy="14282"/>
+          </a:xfrm>
+          <a:prstGeom prst="line">
+            <a:avLst/>
+          </a:prstGeom>
+          <a:ln w="38100"/>
+        </p:spPr>
+        <p:style>
+          <a:lnRef idx="1">
+            <a:schemeClr val="dk1"/>
+          </a:lnRef>
+          <a:fillRef idx="0">
+            <a:schemeClr val="dk1"/>
+          </a:fillRef>
+          <a:effectRef idx="0">
+            <a:schemeClr val="dk1"/>
+          </a:effectRef>
+          <a:fontRef idx="minor">
+            <a:schemeClr val="tx1"/>
+          </a:fontRef>
+        </p:style>
+      </p:cxnSp>
     </p:spTree>
     <p:extLst>
       <p:ext uri="{BB962C8B-B14F-4D97-AF65-F5344CB8AC3E}">
@@ -11147,7 +11098,7 @@
                 <a:latin typeface="Times New Roman" panose="02020603050405020304" pitchFamily="18" charset="0"/>
                 <a:ea typeface="微軟正黑體" panose="020B0604030504040204" pitchFamily="34" charset="-120"/>
               </a:rPr>
-              <a:t>-CNN model(simple)</a:t>
+              <a:t>-CNN model(complex)</a:t>
             </a:r>
             <a:endParaRPr lang="zh-TW" altLang="en-US" sz="3600" dirty="0">
               <a:latin typeface="Times New Roman" panose="02020603050405020304" pitchFamily="18" charset="0"/>
@@ -12306,7 +12257,7 @@
           <p:spPr>
             <a:xfrm>
               <a:off x="814446" y="4082535"/>
-              <a:ext cx="944489" cy="830997"/>
+              <a:ext cx="902811" cy="338554"/>
             </a:xfrm>
             <a:prstGeom prst="rect">
               <a:avLst/>
@@ -12326,25 +12277,6 @@
                 </a:rPr>
                 <a:t>80x75x1</a:t>
               </a:r>
-            </a:p>
-            <a:p>
-              <a:endParaRPr lang="en-US" altLang="zh-TW" sz="1600" dirty="0">
-                <a:latin typeface="Times New Roman" panose="02020603050405020304" pitchFamily="18" charset="0"/>
-                <a:cs typeface="Times New Roman" panose="02020603050405020304" pitchFamily="18" charset="0"/>
-              </a:endParaRPr>
-            </a:p>
-            <a:p>
-              <a:r>
-                <a:rPr lang="en-US" altLang="zh-TW" sz="1600" dirty="0">
-                  <a:latin typeface="Times New Roman" panose="02020603050405020304" pitchFamily="18" charset="0"/>
-                  <a:cs typeface="Times New Roman" panose="02020603050405020304" pitchFamily="18" charset="0"/>
-                </a:rPr>
-                <a:t>batch: 64</a:t>
-              </a:r>
-              <a:endParaRPr lang="zh-TW" altLang="en-US" sz="1600" dirty="0">
-                <a:latin typeface="Times New Roman" panose="02020603050405020304" pitchFamily="18" charset="0"/>
-                <a:cs typeface="Times New Roman" panose="02020603050405020304" pitchFamily="18" charset="0"/>
-              </a:endParaRPr>
             </a:p>
           </p:txBody>
         </p:sp>
@@ -12666,7 +12598,7 @@
                 <a:latin typeface="Times New Roman" panose="02020603050405020304" pitchFamily="18" charset="0"/>
                 <a:ea typeface="微軟正黑體" panose="020B0604030504040204" pitchFamily="34" charset="-120"/>
               </a:rPr>
-              <a:t>-CNN model(simple)</a:t>
+              <a:t>-CNN model(complex)</a:t>
             </a:r>
             <a:endParaRPr lang="zh-TW" altLang="en-US" sz="3600" dirty="0">
               <a:latin typeface="Times New Roman" panose="02020603050405020304" pitchFamily="18" charset="0"/>
@@ -12675,744 +12607,12 @@
           </a:p>
         </p:txBody>
       </p:sp>
-      <p:sp>
-        <p:nvSpPr>
-          <p:cNvPr id="4" name="矩形 3">
+      <p:grpSp>
+        <p:nvGrpSpPr>
+          <p:cNvPr id="21" name="群組 20">
             <a:extLst>
               <a:ext uri="{FF2B5EF4-FFF2-40B4-BE49-F238E27FC236}">
-                <a16:creationId xmlns:a16="http://schemas.microsoft.com/office/drawing/2014/main" id="{D5E46E29-BA7C-4CC8-A864-870C1D0BDB9F}"/>
-              </a:ext>
-            </a:extLst>
-          </p:cNvPr>
-          <p:cNvSpPr/>
-          <p:nvPr/>
-        </p:nvSpPr>
-        <p:spPr>
-          <a:xfrm>
-            <a:off x="1996674" y="2219445"/>
-            <a:ext cx="746525" cy="2419109"/>
-          </a:xfrm>
-          <a:prstGeom prst="rect">
-            <a:avLst/>
-          </a:prstGeom>
-          <a:solidFill>
-            <a:srgbClr val="83B5C2"/>
-          </a:solidFill>
-          <a:ln/>
-        </p:spPr>
-        <p:style>
-          <a:lnRef idx="1">
-            <a:schemeClr val="dk1"/>
-          </a:lnRef>
-          <a:fillRef idx="2">
-            <a:schemeClr val="dk1"/>
-          </a:fillRef>
-          <a:effectRef idx="1">
-            <a:schemeClr val="dk1"/>
-          </a:effectRef>
-          <a:fontRef idx="minor">
-            <a:schemeClr val="dk1"/>
-          </a:fontRef>
-        </p:style>
-        <p:txBody>
-          <a:bodyPr rtlCol="0" anchor="ctr"/>
-          <a:lstStyle/>
-          <a:p>
-            <a:pPr algn="ctr"/>
-            <a:r>
-              <a:rPr lang="en-US" altLang="zh-TW" sz="1600" dirty="0">
-                <a:solidFill>
-                  <a:schemeClr val="tx1"/>
-                </a:solidFill>
-                <a:latin typeface="Times New Roman" panose="02020603050405020304" pitchFamily="18" charset="0"/>
-                <a:cs typeface="Times New Roman" panose="02020603050405020304" pitchFamily="18" charset="0"/>
-              </a:rPr>
-              <a:t>flatten</a:t>
-            </a:r>
-            <a:endParaRPr lang="zh-TW" altLang="en-US" dirty="0">
-              <a:solidFill>
-                <a:schemeClr val="tx1"/>
-              </a:solidFill>
-              <a:latin typeface="Times New Roman" panose="02020603050405020304" pitchFamily="18" charset="0"/>
-              <a:cs typeface="Times New Roman" panose="02020603050405020304" pitchFamily="18" charset="0"/>
-            </a:endParaRPr>
-          </a:p>
-        </p:txBody>
-      </p:sp>
-      <p:sp>
-        <p:nvSpPr>
-          <p:cNvPr id="5" name="流程圖: 抽選 4">
-            <a:extLst>
-              <a:ext uri="{FF2B5EF4-FFF2-40B4-BE49-F238E27FC236}">
-                <a16:creationId xmlns:a16="http://schemas.microsoft.com/office/drawing/2014/main" id="{6F8950A6-0571-4E04-BF53-888E2870ADAD}"/>
-              </a:ext>
-            </a:extLst>
-          </p:cNvPr>
-          <p:cNvSpPr/>
-          <p:nvPr/>
-        </p:nvSpPr>
-        <p:spPr>
-          <a:xfrm rot="5400000">
-            <a:off x="1632072" y="3239110"/>
-            <a:ext cx="544010" cy="379778"/>
-          </a:xfrm>
-          <a:prstGeom prst="flowChartExtract">
-            <a:avLst/>
-          </a:prstGeom>
-          <a:solidFill>
-            <a:schemeClr val="tx1">
-              <a:lumMod val="50000"/>
-              <a:lumOff val="50000"/>
-            </a:schemeClr>
-          </a:solidFill>
-          <a:ln>
-            <a:noFill/>
-          </a:ln>
-        </p:spPr>
-        <p:style>
-          <a:lnRef idx="2">
-            <a:schemeClr val="accent1">
-              <a:shade val="50000"/>
-            </a:schemeClr>
-          </a:lnRef>
-          <a:fillRef idx="1">
-            <a:schemeClr val="accent1"/>
-          </a:fillRef>
-          <a:effectRef idx="0">
-            <a:schemeClr val="accent1"/>
-          </a:effectRef>
-          <a:fontRef idx="minor">
-            <a:schemeClr val="lt1"/>
-          </a:fontRef>
-        </p:style>
-        <p:txBody>
-          <a:bodyPr rtlCol="0" anchor="ctr"/>
-          <a:lstStyle/>
-          <a:p>
-            <a:pPr algn="ctr"/>
-            <a:endParaRPr lang="zh-TW" altLang="en-US" dirty="0"/>
-          </a:p>
-        </p:txBody>
-      </p:sp>
-      <p:sp>
-        <p:nvSpPr>
-          <p:cNvPr id="6" name="矩形 5">
-            <a:extLst>
-              <a:ext uri="{FF2B5EF4-FFF2-40B4-BE49-F238E27FC236}">
-                <a16:creationId xmlns:a16="http://schemas.microsoft.com/office/drawing/2014/main" id="{A1B4A1A9-4883-42C5-9CF8-9613DF095238}"/>
-              </a:ext>
-            </a:extLst>
-          </p:cNvPr>
-          <p:cNvSpPr/>
-          <p:nvPr/>
-        </p:nvSpPr>
-        <p:spPr>
-          <a:xfrm>
-            <a:off x="2933087" y="2219445"/>
-            <a:ext cx="1199075" cy="2419109"/>
-          </a:xfrm>
-          <a:prstGeom prst="rect">
-            <a:avLst/>
-          </a:prstGeom>
-          <a:ln/>
-        </p:spPr>
-        <p:style>
-          <a:lnRef idx="1">
-            <a:schemeClr val="accent3"/>
-          </a:lnRef>
-          <a:fillRef idx="3">
-            <a:schemeClr val="accent3"/>
-          </a:fillRef>
-          <a:effectRef idx="2">
-            <a:schemeClr val="accent3"/>
-          </a:effectRef>
-          <a:fontRef idx="minor">
-            <a:schemeClr val="lt1"/>
-          </a:fontRef>
-        </p:style>
-        <p:txBody>
-          <a:bodyPr rtlCol="0" anchor="ctr"/>
-          <a:lstStyle/>
-          <a:p>
-            <a:pPr algn="ctr"/>
-            <a:r>
-              <a:rPr lang="en-US" altLang="zh-TW" sz="1600" dirty="0">
-                <a:solidFill>
-                  <a:schemeClr val="tx1"/>
-                </a:solidFill>
-                <a:latin typeface="Times New Roman" panose="02020603050405020304" pitchFamily="18" charset="0"/>
-                <a:cs typeface="Times New Roman" panose="02020603050405020304" pitchFamily="18" charset="0"/>
-              </a:rPr>
-              <a:t>fully</a:t>
-            </a:r>
-          </a:p>
-          <a:p>
-            <a:pPr algn="ctr"/>
-            <a:r>
-              <a:rPr lang="en-US" altLang="zh-TW" sz="1600" dirty="0">
-                <a:solidFill>
-                  <a:schemeClr val="tx1"/>
-                </a:solidFill>
-                <a:latin typeface="Times New Roman" panose="02020603050405020304" pitchFamily="18" charset="0"/>
-                <a:cs typeface="Times New Roman" panose="02020603050405020304" pitchFamily="18" charset="0"/>
-              </a:rPr>
-              <a:t>connection</a:t>
-            </a:r>
-          </a:p>
-          <a:p>
-            <a:pPr algn="ctr"/>
-            <a:r>
-              <a:rPr lang="en-US" altLang="zh-TW" sz="1600" dirty="0">
-                <a:solidFill>
-                  <a:schemeClr val="tx1"/>
-                </a:solidFill>
-                <a:latin typeface="Times New Roman" panose="02020603050405020304" pitchFamily="18" charset="0"/>
-                <a:cs typeface="Times New Roman" panose="02020603050405020304" pitchFamily="18" charset="0"/>
-              </a:rPr>
-              <a:t>128</a:t>
-            </a:r>
-          </a:p>
-          <a:p>
-            <a:pPr algn="ctr"/>
-            <a:r>
-              <a:rPr lang="en-US" altLang="zh-TW" sz="1600" dirty="0">
-                <a:solidFill>
-                  <a:schemeClr val="tx1"/>
-                </a:solidFill>
-                <a:latin typeface="Times New Roman" panose="02020603050405020304" pitchFamily="18" charset="0"/>
-                <a:cs typeface="Times New Roman" panose="02020603050405020304" pitchFamily="18" charset="0"/>
-              </a:rPr>
-              <a:t>neurons</a:t>
-            </a:r>
-            <a:endParaRPr lang="zh-TW" altLang="en-US" dirty="0">
-              <a:solidFill>
-                <a:schemeClr val="tx1"/>
-              </a:solidFill>
-              <a:latin typeface="Times New Roman" panose="02020603050405020304" pitchFamily="18" charset="0"/>
-              <a:cs typeface="Times New Roman" panose="02020603050405020304" pitchFamily="18" charset="0"/>
-            </a:endParaRPr>
-          </a:p>
-        </p:txBody>
-      </p:sp>
-      <p:sp>
-        <p:nvSpPr>
-          <p:cNvPr id="7" name="流程圖: 抽選 6">
-            <a:extLst>
-              <a:ext uri="{FF2B5EF4-FFF2-40B4-BE49-F238E27FC236}">
-                <a16:creationId xmlns:a16="http://schemas.microsoft.com/office/drawing/2014/main" id="{8E2602A7-31E6-4752-9A34-801C76299EC4}"/>
-              </a:ext>
-            </a:extLst>
-          </p:cNvPr>
-          <p:cNvSpPr/>
-          <p:nvPr/>
-        </p:nvSpPr>
-        <p:spPr>
-          <a:xfrm rot="5400000">
-            <a:off x="2568485" y="3239110"/>
-            <a:ext cx="544010" cy="379778"/>
-          </a:xfrm>
-          <a:prstGeom prst="flowChartExtract">
-            <a:avLst/>
-          </a:prstGeom>
-          <a:solidFill>
-            <a:schemeClr val="tx1">
-              <a:lumMod val="50000"/>
-              <a:lumOff val="50000"/>
-            </a:schemeClr>
-          </a:solidFill>
-          <a:ln>
-            <a:noFill/>
-          </a:ln>
-        </p:spPr>
-        <p:style>
-          <a:lnRef idx="2">
-            <a:schemeClr val="accent1">
-              <a:shade val="50000"/>
-            </a:schemeClr>
-          </a:lnRef>
-          <a:fillRef idx="1">
-            <a:schemeClr val="accent1"/>
-          </a:fillRef>
-          <a:effectRef idx="0">
-            <a:schemeClr val="accent1"/>
-          </a:effectRef>
-          <a:fontRef idx="minor">
-            <a:schemeClr val="lt1"/>
-          </a:fontRef>
-        </p:style>
-        <p:txBody>
-          <a:bodyPr rtlCol="0" anchor="ctr"/>
-          <a:lstStyle/>
-          <a:p>
-            <a:pPr algn="ctr"/>
-            <a:endParaRPr lang="zh-TW" altLang="en-US" dirty="0"/>
-          </a:p>
-        </p:txBody>
-      </p:sp>
-      <p:sp>
-        <p:nvSpPr>
-          <p:cNvPr id="8" name="矩形 7">
-            <a:extLst>
-              <a:ext uri="{FF2B5EF4-FFF2-40B4-BE49-F238E27FC236}">
-                <a16:creationId xmlns:a16="http://schemas.microsoft.com/office/drawing/2014/main" id="{5D4533D9-9D6D-494F-BDAA-FB3C8B194ADA}"/>
-              </a:ext>
-            </a:extLst>
-          </p:cNvPr>
-          <p:cNvSpPr/>
-          <p:nvPr/>
-        </p:nvSpPr>
-        <p:spPr>
-          <a:xfrm>
-            <a:off x="4322050" y="2219445"/>
-            <a:ext cx="830869" cy="2419109"/>
-          </a:xfrm>
-          <a:prstGeom prst="rect">
-            <a:avLst/>
-          </a:prstGeom>
-          <a:solidFill>
-            <a:srgbClr val="83B5C2"/>
-          </a:solidFill>
-          <a:ln>
-            <a:solidFill>
-              <a:schemeClr val="tx1"/>
-            </a:solidFill>
-          </a:ln>
-        </p:spPr>
-        <p:style>
-          <a:lnRef idx="2">
-            <a:schemeClr val="accent1">
-              <a:shade val="50000"/>
-            </a:schemeClr>
-          </a:lnRef>
-          <a:fillRef idx="1">
-            <a:schemeClr val="accent1"/>
-          </a:fillRef>
-          <a:effectRef idx="0">
-            <a:schemeClr val="accent1"/>
-          </a:effectRef>
-          <a:fontRef idx="minor">
-            <a:schemeClr val="lt1"/>
-          </a:fontRef>
-        </p:style>
-        <p:txBody>
-          <a:bodyPr rtlCol="0" anchor="ctr"/>
-          <a:lstStyle/>
-          <a:p>
-            <a:pPr algn="ctr"/>
-            <a:r>
-              <a:rPr lang="en-US" altLang="zh-TW" sz="1600" dirty="0">
-                <a:solidFill>
-                  <a:schemeClr val="tx1"/>
-                </a:solidFill>
-                <a:latin typeface="Times New Roman" panose="02020603050405020304" pitchFamily="18" charset="0"/>
-                <a:cs typeface="Times New Roman" panose="02020603050405020304" pitchFamily="18" charset="0"/>
-              </a:rPr>
-              <a:t>dropout</a:t>
-            </a:r>
-          </a:p>
-          <a:p>
-            <a:pPr algn="ctr"/>
-            <a:r>
-              <a:rPr lang="en-US" altLang="zh-TW" sz="1600" dirty="0">
-                <a:solidFill>
-                  <a:schemeClr val="tx1"/>
-                </a:solidFill>
-                <a:latin typeface="Times New Roman" panose="02020603050405020304" pitchFamily="18" charset="0"/>
-                <a:cs typeface="Times New Roman" panose="02020603050405020304" pitchFamily="18" charset="0"/>
-              </a:rPr>
-              <a:t>0.5</a:t>
-            </a:r>
-            <a:endParaRPr lang="zh-TW" altLang="en-US" dirty="0">
-              <a:solidFill>
-                <a:schemeClr val="tx1"/>
-              </a:solidFill>
-              <a:latin typeface="Times New Roman" panose="02020603050405020304" pitchFamily="18" charset="0"/>
-              <a:cs typeface="Times New Roman" panose="02020603050405020304" pitchFamily="18" charset="0"/>
-            </a:endParaRPr>
-          </a:p>
-        </p:txBody>
-      </p:sp>
-      <p:sp>
-        <p:nvSpPr>
-          <p:cNvPr id="9" name="流程圖: 抽選 8">
-            <a:extLst>
-              <a:ext uri="{FF2B5EF4-FFF2-40B4-BE49-F238E27FC236}">
-                <a16:creationId xmlns:a16="http://schemas.microsoft.com/office/drawing/2014/main" id="{45B40119-3B21-4A44-9413-4097573FD5AA}"/>
-              </a:ext>
-            </a:extLst>
-          </p:cNvPr>
-          <p:cNvSpPr/>
-          <p:nvPr/>
-        </p:nvSpPr>
-        <p:spPr>
-          <a:xfrm rot="5400000">
-            <a:off x="3969020" y="3239110"/>
-            <a:ext cx="544010" cy="379778"/>
-          </a:xfrm>
-          <a:prstGeom prst="flowChartExtract">
-            <a:avLst/>
-          </a:prstGeom>
-          <a:solidFill>
-            <a:schemeClr val="tx1">
-              <a:lumMod val="50000"/>
-              <a:lumOff val="50000"/>
-            </a:schemeClr>
-          </a:solidFill>
-          <a:ln>
-            <a:noFill/>
-          </a:ln>
-        </p:spPr>
-        <p:style>
-          <a:lnRef idx="2">
-            <a:schemeClr val="accent1">
-              <a:shade val="50000"/>
-            </a:schemeClr>
-          </a:lnRef>
-          <a:fillRef idx="1">
-            <a:schemeClr val="accent1"/>
-          </a:fillRef>
-          <a:effectRef idx="0">
-            <a:schemeClr val="accent1"/>
-          </a:effectRef>
-          <a:fontRef idx="minor">
-            <a:schemeClr val="lt1"/>
-          </a:fontRef>
-        </p:style>
-        <p:txBody>
-          <a:bodyPr rtlCol="0" anchor="ctr"/>
-          <a:lstStyle/>
-          <a:p>
-            <a:pPr algn="ctr"/>
-            <a:endParaRPr lang="zh-TW" altLang="en-US" dirty="0"/>
-          </a:p>
-        </p:txBody>
-      </p:sp>
-      <p:sp>
-        <p:nvSpPr>
-          <p:cNvPr id="11" name="矩形 10">
-            <a:extLst>
-              <a:ext uri="{FF2B5EF4-FFF2-40B4-BE49-F238E27FC236}">
-                <a16:creationId xmlns:a16="http://schemas.microsoft.com/office/drawing/2014/main" id="{61CC106B-1B94-4A80-8BB9-E0C53FFB6743}"/>
-              </a:ext>
-            </a:extLst>
-          </p:cNvPr>
-          <p:cNvSpPr/>
-          <p:nvPr/>
-        </p:nvSpPr>
-        <p:spPr>
-          <a:xfrm>
-            <a:off x="5268665" y="2219445"/>
-            <a:ext cx="1199075" cy="2419109"/>
-          </a:xfrm>
-          <a:prstGeom prst="rect">
-            <a:avLst/>
-          </a:prstGeom>
-          <a:ln/>
-        </p:spPr>
-        <p:style>
-          <a:lnRef idx="1">
-            <a:schemeClr val="accent3"/>
-          </a:lnRef>
-          <a:fillRef idx="3">
-            <a:schemeClr val="accent3"/>
-          </a:fillRef>
-          <a:effectRef idx="2">
-            <a:schemeClr val="accent3"/>
-          </a:effectRef>
-          <a:fontRef idx="minor">
-            <a:schemeClr val="lt1"/>
-          </a:fontRef>
-        </p:style>
-        <p:txBody>
-          <a:bodyPr rtlCol="0" anchor="ctr"/>
-          <a:lstStyle/>
-          <a:p>
-            <a:pPr algn="ctr"/>
-            <a:r>
-              <a:rPr lang="en-US" altLang="zh-TW" sz="1600" dirty="0">
-                <a:solidFill>
-                  <a:schemeClr val="tx1"/>
-                </a:solidFill>
-                <a:latin typeface="Times New Roman" panose="02020603050405020304" pitchFamily="18" charset="0"/>
-                <a:cs typeface="Times New Roman" panose="02020603050405020304" pitchFamily="18" charset="0"/>
-              </a:rPr>
-              <a:t>fully</a:t>
-            </a:r>
-          </a:p>
-          <a:p>
-            <a:pPr algn="ctr"/>
-            <a:r>
-              <a:rPr lang="en-US" altLang="zh-TW" sz="1600" dirty="0">
-                <a:solidFill>
-                  <a:schemeClr val="tx1"/>
-                </a:solidFill>
-                <a:latin typeface="Times New Roman" panose="02020603050405020304" pitchFamily="18" charset="0"/>
-                <a:cs typeface="Times New Roman" panose="02020603050405020304" pitchFamily="18" charset="0"/>
-              </a:rPr>
-              <a:t>connection</a:t>
-            </a:r>
-          </a:p>
-          <a:p>
-            <a:pPr algn="ctr"/>
-            <a:r>
-              <a:rPr lang="en-US" altLang="zh-TW" sz="1600" dirty="0">
-                <a:solidFill>
-                  <a:schemeClr val="tx1"/>
-                </a:solidFill>
-                <a:latin typeface="Times New Roman" panose="02020603050405020304" pitchFamily="18" charset="0"/>
-                <a:cs typeface="Times New Roman" panose="02020603050405020304" pitchFamily="18" charset="0"/>
-              </a:rPr>
-              <a:t>3</a:t>
-            </a:r>
-          </a:p>
-          <a:p>
-            <a:pPr algn="ctr"/>
-            <a:r>
-              <a:rPr lang="en-US" altLang="zh-TW" sz="1600" dirty="0">
-                <a:solidFill>
-                  <a:schemeClr val="tx1"/>
-                </a:solidFill>
-                <a:latin typeface="Times New Roman" panose="02020603050405020304" pitchFamily="18" charset="0"/>
-                <a:cs typeface="Times New Roman" panose="02020603050405020304" pitchFamily="18" charset="0"/>
-              </a:rPr>
-              <a:t>neurons</a:t>
-            </a:r>
-            <a:endParaRPr lang="zh-TW" altLang="en-US" dirty="0">
-              <a:solidFill>
-                <a:schemeClr val="tx1"/>
-              </a:solidFill>
-              <a:latin typeface="Times New Roman" panose="02020603050405020304" pitchFamily="18" charset="0"/>
-              <a:cs typeface="Times New Roman" panose="02020603050405020304" pitchFamily="18" charset="0"/>
-            </a:endParaRPr>
-          </a:p>
-        </p:txBody>
-      </p:sp>
-      <p:sp>
-        <p:nvSpPr>
-          <p:cNvPr id="10" name="流程圖: 抽選 9">
-            <a:extLst>
-              <a:ext uri="{FF2B5EF4-FFF2-40B4-BE49-F238E27FC236}">
-                <a16:creationId xmlns:a16="http://schemas.microsoft.com/office/drawing/2014/main" id="{668EAF2B-5846-40CA-9142-EBDEE6FDAA41}"/>
-              </a:ext>
-            </a:extLst>
-          </p:cNvPr>
-          <p:cNvSpPr/>
-          <p:nvPr/>
-        </p:nvSpPr>
-        <p:spPr>
-          <a:xfrm rot="5400000">
-            <a:off x="4989777" y="3239110"/>
-            <a:ext cx="544010" cy="379778"/>
-          </a:xfrm>
-          <a:prstGeom prst="flowChartExtract">
-            <a:avLst/>
-          </a:prstGeom>
-          <a:solidFill>
-            <a:schemeClr val="tx1">
-              <a:lumMod val="50000"/>
-              <a:lumOff val="50000"/>
-            </a:schemeClr>
-          </a:solidFill>
-          <a:ln>
-            <a:noFill/>
-          </a:ln>
-        </p:spPr>
-        <p:style>
-          <a:lnRef idx="2">
-            <a:schemeClr val="accent1">
-              <a:shade val="50000"/>
-            </a:schemeClr>
-          </a:lnRef>
-          <a:fillRef idx="1">
-            <a:schemeClr val="accent1"/>
-          </a:fillRef>
-          <a:effectRef idx="0">
-            <a:schemeClr val="accent1"/>
-          </a:effectRef>
-          <a:fontRef idx="minor">
-            <a:schemeClr val="lt1"/>
-          </a:fontRef>
-        </p:style>
-        <p:txBody>
-          <a:bodyPr rtlCol="0" anchor="ctr"/>
-          <a:lstStyle/>
-          <a:p>
-            <a:pPr algn="ctr"/>
-            <a:endParaRPr lang="zh-TW" altLang="en-US" dirty="0"/>
-          </a:p>
-        </p:txBody>
-      </p:sp>
-      <p:sp>
-        <p:nvSpPr>
-          <p:cNvPr id="13" name="矩形 12">
-            <a:extLst>
-              <a:ext uri="{FF2B5EF4-FFF2-40B4-BE49-F238E27FC236}">
-                <a16:creationId xmlns:a16="http://schemas.microsoft.com/office/drawing/2014/main" id="{8DF3A018-3438-47B8-B96D-1ABC4E3EFBD7}"/>
-              </a:ext>
-            </a:extLst>
-          </p:cNvPr>
-          <p:cNvSpPr/>
-          <p:nvPr/>
-        </p:nvSpPr>
-        <p:spPr>
-          <a:xfrm>
-            <a:off x="6667545" y="2219444"/>
-            <a:ext cx="948597" cy="2419109"/>
-          </a:xfrm>
-          <a:prstGeom prst="rect">
-            <a:avLst/>
-          </a:prstGeom>
-          <a:solidFill>
-            <a:srgbClr val="83B5C2"/>
-          </a:solidFill>
-          <a:ln>
-            <a:solidFill>
-              <a:schemeClr val="tx1"/>
-            </a:solidFill>
-          </a:ln>
-        </p:spPr>
-        <p:style>
-          <a:lnRef idx="2">
-            <a:schemeClr val="accent1">
-              <a:shade val="50000"/>
-            </a:schemeClr>
-          </a:lnRef>
-          <a:fillRef idx="1">
-            <a:schemeClr val="accent1"/>
-          </a:fillRef>
-          <a:effectRef idx="0">
-            <a:schemeClr val="accent1"/>
-          </a:effectRef>
-          <a:fontRef idx="minor">
-            <a:schemeClr val="lt1"/>
-          </a:fontRef>
-        </p:style>
-        <p:txBody>
-          <a:bodyPr rtlCol="0" anchor="ctr"/>
-          <a:lstStyle/>
-          <a:p>
-            <a:pPr algn="ctr"/>
-            <a:r>
-              <a:rPr lang="en-US" altLang="zh-TW" sz="1600" dirty="0">
-                <a:solidFill>
-                  <a:schemeClr val="tx1"/>
-                </a:solidFill>
-                <a:latin typeface="Times New Roman" panose="02020603050405020304" pitchFamily="18" charset="0"/>
-                <a:cs typeface="Times New Roman" panose="02020603050405020304" pitchFamily="18" charset="0"/>
-              </a:rPr>
-              <a:t>soft max</a:t>
-            </a:r>
-            <a:endParaRPr lang="zh-TW" altLang="en-US" dirty="0">
-              <a:solidFill>
-                <a:schemeClr val="tx1"/>
-              </a:solidFill>
-              <a:latin typeface="Times New Roman" panose="02020603050405020304" pitchFamily="18" charset="0"/>
-              <a:cs typeface="Times New Roman" panose="02020603050405020304" pitchFamily="18" charset="0"/>
-            </a:endParaRPr>
-          </a:p>
-        </p:txBody>
-      </p:sp>
-      <p:sp>
-        <p:nvSpPr>
-          <p:cNvPr id="12" name="流程圖: 抽選 11">
-            <a:extLst>
-              <a:ext uri="{FF2B5EF4-FFF2-40B4-BE49-F238E27FC236}">
-                <a16:creationId xmlns:a16="http://schemas.microsoft.com/office/drawing/2014/main" id="{85C8B571-232E-4FAC-9BF1-6474A33EF475}"/>
-              </a:ext>
-            </a:extLst>
-          </p:cNvPr>
-          <p:cNvSpPr/>
-          <p:nvPr/>
-        </p:nvSpPr>
-        <p:spPr>
-          <a:xfrm rot="5400000">
-            <a:off x="6324731" y="3239110"/>
-            <a:ext cx="544010" cy="379778"/>
-          </a:xfrm>
-          <a:prstGeom prst="flowChartExtract">
-            <a:avLst/>
-          </a:prstGeom>
-          <a:solidFill>
-            <a:schemeClr val="tx1">
-              <a:lumMod val="50000"/>
-              <a:lumOff val="50000"/>
-            </a:schemeClr>
-          </a:solidFill>
-          <a:ln>
-            <a:noFill/>
-          </a:ln>
-        </p:spPr>
-        <p:style>
-          <a:lnRef idx="2">
-            <a:schemeClr val="accent1">
-              <a:shade val="50000"/>
-            </a:schemeClr>
-          </a:lnRef>
-          <a:fillRef idx="1">
-            <a:schemeClr val="accent1"/>
-          </a:fillRef>
-          <a:effectRef idx="0">
-            <a:schemeClr val="accent1"/>
-          </a:effectRef>
-          <a:fontRef idx="minor">
-            <a:schemeClr val="lt1"/>
-          </a:fontRef>
-        </p:style>
-        <p:txBody>
-          <a:bodyPr rtlCol="0" anchor="ctr"/>
-          <a:lstStyle/>
-          <a:p>
-            <a:pPr algn="ctr"/>
-            <a:endParaRPr lang="zh-TW" altLang="en-US" dirty="0"/>
-          </a:p>
-        </p:txBody>
-      </p:sp>
-      <p:sp>
-        <p:nvSpPr>
-          <p:cNvPr id="14" name="文字方塊 13">
-            <a:extLst>
-              <a:ext uri="{FF2B5EF4-FFF2-40B4-BE49-F238E27FC236}">
-                <a16:creationId xmlns:a16="http://schemas.microsoft.com/office/drawing/2014/main" id="{4774C698-9126-47A0-8076-45C43238B9A4}"/>
-              </a:ext>
-            </a:extLst>
-          </p:cNvPr>
-          <p:cNvSpPr txBox="1"/>
-          <p:nvPr/>
-        </p:nvSpPr>
-        <p:spPr>
-          <a:xfrm>
-            <a:off x="9046142" y="1328394"/>
-            <a:ext cx="1581873" cy="584775"/>
-          </a:xfrm>
-          <a:prstGeom prst="rect">
-            <a:avLst/>
-          </a:prstGeom>
-          <a:noFill/>
-        </p:spPr>
-        <p:txBody>
-          <a:bodyPr wrap="square" rtlCol="0">
-            <a:spAutoFit/>
-          </a:bodyPr>
-          <a:lstStyle/>
-          <a:p>
-            <a:r>
-              <a:rPr lang="en-US" altLang="zh-TW" sz="3200" dirty="0">
-                <a:latin typeface="Times New Roman" panose="02020603050405020304" pitchFamily="18" charset="0"/>
-              </a:rPr>
-              <a:t>outputs</a:t>
-            </a:r>
-            <a:endParaRPr lang="zh-TW" altLang="en-US" sz="3200" dirty="0">
-              <a:latin typeface="Times New Roman" panose="02020603050405020304" pitchFamily="18" charset="0"/>
-            </a:endParaRPr>
-          </a:p>
-        </p:txBody>
-      </p:sp>
-      <p:grpSp>
-        <p:nvGrpSpPr>
-          <p:cNvPr id="3" name="群組 2">
-            <a:extLst>
-              <a:ext uri="{FF2B5EF4-FFF2-40B4-BE49-F238E27FC236}">
-                <a16:creationId xmlns:a16="http://schemas.microsoft.com/office/drawing/2014/main" id="{3DA3A861-E63E-498E-A7A6-734AC98A995E}"/>
+                <a16:creationId xmlns:a16="http://schemas.microsoft.com/office/drawing/2014/main" id="{F17FD233-2EDC-4D9E-A38F-F61B08EA0FCA}"/>
               </a:ext>
             </a:extLst>
           </p:cNvPr>
@@ -13421,434 +12621,1208 @@
         </p:nvGrpSpPr>
         <p:grpSpPr>
           <a:xfrm>
-            <a:off x="9129098" y="2400188"/>
-            <a:ext cx="1581873" cy="2111376"/>
-            <a:chOff x="9130768" y="2115137"/>
-            <a:chExt cx="1581873" cy="2111376"/>
+            <a:off x="1714188" y="1328394"/>
+            <a:ext cx="8996783" cy="4570874"/>
+            <a:chOff x="1714188" y="1328394"/>
+            <a:chExt cx="8996783" cy="4570874"/>
           </a:xfrm>
         </p:grpSpPr>
         <p:sp>
           <p:nvSpPr>
-            <p:cNvPr id="16" name="矩形 15">
+            <p:cNvPr id="14" name="文字方塊 13">
               <a:extLst>
                 <a:ext uri="{FF2B5EF4-FFF2-40B4-BE49-F238E27FC236}">
-                  <a16:creationId xmlns:a16="http://schemas.microsoft.com/office/drawing/2014/main" id="{9A611D3B-D1F2-4F45-84B1-A42F88D59659}"/>
+                  <a16:creationId xmlns:a16="http://schemas.microsoft.com/office/drawing/2014/main" id="{4774C698-9126-47A0-8076-45C43238B9A4}"/>
                 </a:ext>
               </a:extLst>
             </p:cNvPr>
-            <p:cNvSpPr/>
+            <p:cNvSpPr txBox="1"/>
             <p:nvPr/>
           </p:nvSpPr>
           <p:spPr>
             <a:xfrm>
-              <a:off x="9130768" y="2854370"/>
-              <a:ext cx="1581873" cy="636608"/>
+              <a:off x="9046142" y="1328394"/>
+              <a:ext cx="1581873" cy="584775"/>
             </a:xfrm>
             <a:prstGeom prst="rect">
               <a:avLst/>
             </a:prstGeom>
-            <a:solidFill>
-              <a:srgbClr val="83B5C2"/>
-            </a:solidFill>
-            <a:ln>
-              <a:solidFill>
-                <a:schemeClr val="tx1"/>
-              </a:solidFill>
-            </a:ln>
+            <a:noFill/>
           </p:spPr>
-          <p:style>
-            <a:lnRef idx="2">
-              <a:schemeClr val="accent1">
-                <a:shade val="50000"/>
-              </a:schemeClr>
-            </a:lnRef>
-            <a:fillRef idx="1">
-              <a:schemeClr val="accent1"/>
-            </a:fillRef>
-            <a:effectRef idx="0">
-              <a:schemeClr val="accent1"/>
-            </a:effectRef>
-            <a:fontRef idx="minor">
-              <a:schemeClr val="lt1"/>
-            </a:fontRef>
-          </p:style>
           <p:txBody>
-            <a:bodyPr rtlCol="0" anchor="ctr"/>
+            <a:bodyPr wrap="square" rtlCol="0">
+              <a:spAutoFit/>
+            </a:bodyPr>
             <a:lstStyle/>
             <a:p>
-              <a:pPr algn="ctr"/>
               <a:r>
-                <a:rPr lang="zh-TW" altLang="en-US" dirty="0">
+                <a:rPr lang="en-US" altLang="zh-TW" sz="3200" dirty="0">
+                  <a:latin typeface="Times New Roman" panose="02020603050405020304" pitchFamily="18" charset="0"/>
+                </a:rPr>
+                <a:t>outputs</a:t>
+              </a:r>
+              <a:endParaRPr lang="zh-TW" altLang="en-US" sz="3200" dirty="0">
+                <a:latin typeface="Times New Roman" panose="02020603050405020304" pitchFamily="18" charset="0"/>
+              </a:endParaRPr>
+            </a:p>
+          </p:txBody>
+        </p:sp>
+        <p:grpSp>
+          <p:nvGrpSpPr>
+            <p:cNvPr id="15" name="群組 14">
+              <a:extLst>
+                <a:ext uri="{FF2B5EF4-FFF2-40B4-BE49-F238E27FC236}">
+                  <a16:creationId xmlns:a16="http://schemas.microsoft.com/office/drawing/2014/main" id="{6B1B8CD0-29E2-4226-A271-245EA94417F6}"/>
+                </a:ext>
+              </a:extLst>
+            </p:cNvPr>
+            <p:cNvGrpSpPr/>
+            <p:nvPr/>
+          </p:nvGrpSpPr>
+          <p:grpSpPr>
+            <a:xfrm>
+              <a:off x="1714188" y="2219444"/>
+              <a:ext cx="8996783" cy="3679824"/>
+              <a:chOff x="1714188" y="2219444"/>
+              <a:chExt cx="8996783" cy="3679824"/>
+            </a:xfrm>
+          </p:grpSpPr>
+          <p:sp>
+            <p:nvSpPr>
+              <p:cNvPr id="4" name="矩形 3">
+                <a:extLst>
+                  <a:ext uri="{FF2B5EF4-FFF2-40B4-BE49-F238E27FC236}">
+                    <a16:creationId xmlns:a16="http://schemas.microsoft.com/office/drawing/2014/main" id="{D5E46E29-BA7C-4CC8-A864-870C1D0BDB9F}"/>
+                  </a:ext>
+                </a:extLst>
+              </p:cNvPr>
+              <p:cNvSpPr/>
+              <p:nvPr/>
+            </p:nvSpPr>
+            <p:spPr>
+              <a:xfrm>
+                <a:off x="1996674" y="2219445"/>
+                <a:ext cx="746525" cy="2419109"/>
+              </a:xfrm>
+              <a:prstGeom prst="rect">
+                <a:avLst/>
+              </a:prstGeom>
+              <a:solidFill>
+                <a:srgbClr val="83B5C2"/>
+              </a:solidFill>
+              <a:ln/>
+            </p:spPr>
+            <p:style>
+              <a:lnRef idx="1">
+                <a:schemeClr val="dk1"/>
+              </a:lnRef>
+              <a:fillRef idx="2">
+                <a:schemeClr val="dk1"/>
+              </a:fillRef>
+              <a:effectRef idx="1">
+                <a:schemeClr val="dk1"/>
+              </a:effectRef>
+              <a:fontRef idx="minor">
+                <a:schemeClr val="dk1"/>
+              </a:fontRef>
+            </p:style>
+            <p:txBody>
+              <a:bodyPr rtlCol="0" anchor="ctr"/>
+              <a:lstStyle/>
+              <a:p>
+                <a:pPr algn="ctr"/>
+                <a:r>
+                  <a:rPr lang="en-US" altLang="zh-TW" sz="1600" dirty="0">
+                    <a:solidFill>
+                      <a:schemeClr val="tx1"/>
+                    </a:solidFill>
+                    <a:latin typeface="Times New Roman" panose="02020603050405020304" pitchFamily="18" charset="0"/>
+                    <a:cs typeface="Times New Roman" panose="02020603050405020304" pitchFamily="18" charset="0"/>
+                  </a:rPr>
+                  <a:t>flatten</a:t>
+                </a:r>
+                <a:endParaRPr lang="zh-TW" altLang="en-US" dirty="0">
                   <a:solidFill>
                     <a:schemeClr val="tx1"/>
                   </a:solidFill>
                   <a:latin typeface="Times New Roman" panose="02020603050405020304" pitchFamily="18" charset="0"/>
-                  <a:ea typeface="微軟正黑體" panose="020B0604030504040204" pitchFamily="34" charset="-120"/>
-                </a:rPr>
-                <a:t>蹲下</a:t>
-              </a:r>
-            </a:p>
-          </p:txBody>
-        </p:sp>
-        <p:sp>
-          <p:nvSpPr>
-            <p:cNvPr id="17" name="矩形 16">
-              <a:extLst>
-                <a:ext uri="{FF2B5EF4-FFF2-40B4-BE49-F238E27FC236}">
-                  <a16:creationId xmlns:a16="http://schemas.microsoft.com/office/drawing/2014/main" id="{86304F75-99CB-4F00-A751-04F2657BDD63}"/>
-                </a:ext>
-              </a:extLst>
-            </p:cNvPr>
-            <p:cNvSpPr/>
-            <p:nvPr/>
-          </p:nvSpPr>
-          <p:spPr>
-            <a:xfrm>
-              <a:off x="9130768" y="2115137"/>
-              <a:ext cx="1581873" cy="636608"/>
-            </a:xfrm>
-            <a:prstGeom prst="rect">
-              <a:avLst/>
-            </a:prstGeom>
-            <a:solidFill>
-              <a:srgbClr val="83B5C2"/>
-            </a:solidFill>
-            <a:ln>
+                  <a:cs typeface="Times New Roman" panose="02020603050405020304" pitchFamily="18" charset="0"/>
+                </a:endParaRPr>
+              </a:p>
+            </p:txBody>
+          </p:sp>
+          <p:sp>
+            <p:nvSpPr>
+              <p:cNvPr id="5" name="流程圖: 抽選 4">
+                <a:extLst>
+                  <a:ext uri="{FF2B5EF4-FFF2-40B4-BE49-F238E27FC236}">
+                    <a16:creationId xmlns:a16="http://schemas.microsoft.com/office/drawing/2014/main" id="{6F8950A6-0571-4E04-BF53-888E2870ADAD}"/>
+                  </a:ext>
+                </a:extLst>
+              </p:cNvPr>
+              <p:cNvSpPr/>
+              <p:nvPr/>
+            </p:nvSpPr>
+            <p:spPr>
+              <a:xfrm rot="5400000">
+                <a:off x="1632072" y="3239110"/>
+                <a:ext cx="544010" cy="379778"/>
+              </a:xfrm>
+              <a:prstGeom prst="flowChartExtract">
+                <a:avLst/>
+              </a:prstGeom>
               <a:solidFill>
-                <a:schemeClr val="tx1"/>
+                <a:schemeClr val="tx1">
+                  <a:lumMod val="50000"/>
+                  <a:lumOff val="50000"/>
+                </a:schemeClr>
               </a:solidFill>
-            </a:ln>
-          </p:spPr>
-          <p:style>
-            <a:lnRef idx="2">
-              <a:schemeClr val="accent1">
-                <a:shade val="50000"/>
-              </a:schemeClr>
-            </a:lnRef>
-            <a:fillRef idx="1">
-              <a:schemeClr val="accent1"/>
-            </a:fillRef>
-            <a:effectRef idx="0">
-              <a:schemeClr val="accent1"/>
-            </a:effectRef>
-            <a:fontRef idx="minor">
-              <a:schemeClr val="lt1"/>
-            </a:fontRef>
-          </p:style>
-          <p:txBody>
-            <a:bodyPr rtlCol="0" anchor="ctr"/>
-            <a:lstStyle/>
-            <a:p>
-              <a:pPr algn="ctr"/>
-              <a:r>
-                <a:rPr lang="zh-TW" altLang="en-US" dirty="0">
+              <a:ln>
+                <a:noFill/>
+              </a:ln>
+            </p:spPr>
+            <p:style>
+              <a:lnRef idx="2">
+                <a:schemeClr val="accent1">
+                  <a:shade val="50000"/>
+                </a:schemeClr>
+              </a:lnRef>
+              <a:fillRef idx="1">
+                <a:schemeClr val="accent1"/>
+              </a:fillRef>
+              <a:effectRef idx="0">
+                <a:schemeClr val="accent1"/>
+              </a:effectRef>
+              <a:fontRef idx="minor">
+                <a:schemeClr val="lt1"/>
+              </a:fontRef>
+            </p:style>
+            <p:txBody>
+              <a:bodyPr rtlCol="0" anchor="ctr"/>
+              <a:lstStyle/>
+              <a:p>
+                <a:pPr algn="ctr"/>
+                <a:endParaRPr lang="zh-TW" altLang="en-US" dirty="0"/>
+              </a:p>
+            </p:txBody>
+          </p:sp>
+          <p:sp>
+            <p:nvSpPr>
+              <p:cNvPr id="6" name="矩形 5">
+                <a:extLst>
+                  <a:ext uri="{FF2B5EF4-FFF2-40B4-BE49-F238E27FC236}">
+                    <a16:creationId xmlns:a16="http://schemas.microsoft.com/office/drawing/2014/main" id="{A1B4A1A9-4883-42C5-9CF8-9613DF095238}"/>
+                  </a:ext>
+                </a:extLst>
+              </p:cNvPr>
+              <p:cNvSpPr/>
+              <p:nvPr/>
+            </p:nvSpPr>
+            <p:spPr>
+              <a:xfrm>
+                <a:off x="2933087" y="2219445"/>
+                <a:ext cx="1199075" cy="2419109"/>
+              </a:xfrm>
+              <a:prstGeom prst="rect">
+                <a:avLst/>
+              </a:prstGeom>
+              <a:ln/>
+            </p:spPr>
+            <p:style>
+              <a:lnRef idx="1">
+                <a:schemeClr val="accent3"/>
+              </a:lnRef>
+              <a:fillRef idx="3">
+                <a:schemeClr val="accent3"/>
+              </a:fillRef>
+              <a:effectRef idx="2">
+                <a:schemeClr val="accent3"/>
+              </a:effectRef>
+              <a:fontRef idx="minor">
+                <a:schemeClr val="lt1"/>
+              </a:fontRef>
+            </p:style>
+            <p:txBody>
+              <a:bodyPr rtlCol="0" anchor="ctr"/>
+              <a:lstStyle/>
+              <a:p>
+                <a:pPr algn="ctr"/>
+                <a:r>
+                  <a:rPr lang="en-US" altLang="zh-TW" sz="1600" dirty="0">
+                    <a:solidFill>
+                      <a:schemeClr val="tx1"/>
+                    </a:solidFill>
+                    <a:latin typeface="Times New Roman" panose="02020603050405020304" pitchFamily="18" charset="0"/>
+                    <a:cs typeface="Times New Roman" panose="02020603050405020304" pitchFamily="18" charset="0"/>
+                  </a:rPr>
+                  <a:t>fully</a:t>
+                </a:r>
+              </a:p>
+              <a:p>
+                <a:pPr algn="ctr"/>
+                <a:r>
+                  <a:rPr lang="en-US" altLang="zh-TW" sz="1600" dirty="0">
+                    <a:solidFill>
+                      <a:schemeClr val="tx1"/>
+                    </a:solidFill>
+                    <a:latin typeface="Times New Roman" panose="02020603050405020304" pitchFamily="18" charset="0"/>
+                    <a:cs typeface="Times New Roman" panose="02020603050405020304" pitchFamily="18" charset="0"/>
+                  </a:rPr>
+                  <a:t>connection</a:t>
+                </a:r>
+              </a:p>
+              <a:p>
+                <a:pPr algn="ctr"/>
+                <a:r>
+                  <a:rPr lang="en-US" altLang="zh-TW" sz="1600" dirty="0">
+                    <a:solidFill>
+                      <a:schemeClr val="tx1"/>
+                    </a:solidFill>
+                    <a:latin typeface="Times New Roman" panose="02020603050405020304" pitchFamily="18" charset="0"/>
+                    <a:cs typeface="Times New Roman" panose="02020603050405020304" pitchFamily="18" charset="0"/>
+                  </a:rPr>
+                  <a:t>128</a:t>
+                </a:r>
+              </a:p>
+              <a:p>
+                <a:pPr algn="ctr"/>
+                <a:r>
+                  <a:rPr lang="en-US" altLang="zh-TW" sz="1600" dirty="0">
+                    <a:solidFill>
+                      <a:schemeClr val="tx1"/>
+                    </a:solidFill>
+                    <a:latin typeface="Times New Roman" panose="02020603050405020304" pitchFamily="18" charset="0"/>
+                    <a:cs typeface="Times New Roman" panose="02020603050405020304" pitchFamily="18" charset="0"/>
+                  </a:rPr>
+                  <a:t>neurons</a:t>
+                </a:r>
+                <a:endParaRPr lang="zh-TW" altLang="en-US" dirty="0">
                   <a:solidFill>
                     <a:schemeClr val="tx1"/>
                   </a:solidFill>
                   <a:latin typeface="Times New Roman" panose="02020603050405020304" pitchFamily="18" charset="0"/>
-                  <a:ea typeface="微軟正黑體" panose="020B0604030504040204" pitchFamily="34" charset="-120"/>
-                </a:rPr>
-                <a:t>跳躍</a:t>
-              </a:r>
-            </a:p>
-          </p:txBody>
-        </p:sp>
-        <p:sp>
-          <p:nvSpPr>
-            <p:cNvPr id="18" name="矩形 17">
-              <a:extLst>
-                <a:ext uri="{FF2B5EF4-FFF2-40B4-BE49-F238E27FC236}">
-                  <a16:creationId xmlns:a16="http://schemas.microsoft.com/office/drawing/2014/main" id="{BBF51F96-32BC-4784-BA2E-E2F644824021}"/>
-                </a:ext>
-              </a:extLst>
-            </p:cNvPr>
-            <p:cNvSpPr/>
-            <p:nvPr/>
-          </p:nvSpPr>
-          <p:spPr>
-            <a:xfrm>
-              <a:off x="9130768" y="3589905"/>
-              <a:ext cx="1581873" cy="636608"/>
-            </a:xfrm>
-            <a:prstGeom prst="rect">
-              <a:avLst/>
-            </a:prstGeom>
-            <a:solidFill>
-              <a:srgbClr val="83B5C2"/>
-            </a:solidFill>
-            <a:ln>
+                  <a:cs typeface="Times New Roman" panose="02020603050405020304" pitchFamily="18" charset="0"/>
+                </a:endParaRPr>
+              </a:p>
+            </p:txBody>
+          </p:sp>
+          <p:sp>
+            <p:nvSpPr>
+              <p:cNvPr id="7" name="流程圖: 抽選 6">
+                <a:extLst>
+                  <a:ext uri="{FF2B5EF4-FFF2-40B4-BE49-F238E27FC236}">
+                    <a16:creationId xmlns:a16="http://schemas.microsoft.com/office/drawing/2014/main" id="{8E2602A7-31E6-4752-9A34-801C76299EC4}"/>
+                  </a:ext>
+                </a:extLst>
+              </p:cNvPr>
+              <p:cNvSpPr/>
+              <p:nvPr/>
+            </p:nvSpPr>
+            <p:spPr>
+              <a:xfrm rot="5400000">
+                <a:off x="2568485" y="3239110"/>
+                <a:ext cx="544010" cy="379778"/>
+              </a:xfrm>
+              <a:prstGeom prst="flowChartExtract">
+                <a:avLst/>
+              </a:prstGeom>
               <a:solidFill>
-                <a:schemeClr val="tx1"/>
+                <a:schemeClr val="tx1">
+                  <a:lumMod val="50000"/>
+                  <a:lumOff val="50000"/>
+                </a:schemeClr>
               </a:solidFill>
-            </a:ln>
-          </p:spPr>
-          <p:style>
-            <a:lnRef idx="2">
-              <a:schemeClr val="accent1">
-                <a:shade val="50000"/>
-              </a:schemeClr>
-            </a:lnRef>
-            <a:fillRef idx="1">
-              <a:schemeClr val="accent1"/>
-            </a:fillRef>
-            <a:effectRef idx="0">
-              <a:schemeClr val="accent1"/>
-            </a:effectRef>
-            <a:fontRef idx="minor">
-              <a:schemeClr val="lt1"/>
-            </a:fontRef>
-          </p:style>
-          <p:txBody>
-            <a:bodyPr rtlCol="0" anchor="ctr"/>
-            <a:lstStyle/>
-            <a:p>
-              <a:pPr algn="ctr"/>
-              <a:r>
-                <a:rPr lang="en-US" altLang="zh-TW" dirty="0">
+              <a:ln>
+                <a:noFill/>
+              </a:ln>
+            </p:spPr>
+            <p:style>
+              <a:lnRef idx="2">
+                <a:schemeClr val="accent1">
+                  <a:shade val="50000"/>
+                </a:schemeClr>
+              </a:lnRef>
+              <a:fillRef idx="1">
+                <a:schemeClr val="accent1"/>
+              </a:fillRef>
+              <a:effectRef idx="0">
+                <a:schemeClr val="accent1"/>
+              </a:effectRef>
+              <a:fontRef idx="minor">
+                <a:schemeClr val="lt1"/>
+              </a:fontRef>
+            </p:style>
+            <p:txBody>
+              <a:bodyPr rtlCol="0" anchor="ctr"/>
+              <a:lstStyle/>
+              <a:p>
+                <a:pPr algn="ctr"/>
+                <a:endParaRPr lang="zh-TW" altLang="en-US" dirty="0"/>
+              </a:p>
+            </p:txBody>
+          </p:sp>
+          <p:sp>
+            <p:nvSpPr>
+              <p:cNvPr id="8" name="矩形 7">
+                <a:extLst>
+                  <a:ext uri="{FF2B5EF4-FFF2-40B4-BE49-F238E27FC236}">
+                    <a16:creationId xmlns:a16="http://schemas.microsoft.com/office/drawing/2014/main" id="{5D4533D9-9D6D-494F-BDAA-FB3C8B194ADA}"/>
+                  </a:ext>
+                </a:extLst>
+              </p:cNvPr>
+              <p:cNvSpPr/>
+              <p:nvPr/>
+            </p:nvSpPr>
+            <p:spPr>
+              <a:xfrm>
+                <a:off x="4322050" y="2219445"/>
+                <a:ext cx="830869" cy="2419109"/>
+              </a:xfrm>
+              <a:prstGeom prst="rect">
+                <a:avLst/>
+              </a:prstGeom>
+              <a:solidFill>
+                <a:srgbClr val="83B5C2"/>
+              </a:solidFill>
+              <a:ln>
+                <a:solidFill>
+                  <a:schemeClr val="tx1"/>
+                </a:solidFill>
+              </a:ln>
+            </p:spPr>
+            <p:style>
+              <a:lnRef idx="2">
+                <a:schemeClr val="accent1">
+                  <a:shade val="50000"/>
+                </a:schemeClr>
+              </a:lnRef>
+              <a:fillRef idx="1">
+                <a:schemeClr val="accent1"/>
+              </a:fillRef>
+              <a:effectRef idx="0">
+                <a:schemeClr val="accent1"/>
+              </a:effectRef>
+              <a:fontRef idx="minor">
+                <a:schemeClr val="lt1"/>
+              </a:fontRef>
+            </p:style>
+            <p:txBody>
+              <a:bodyPr rtlCol="0" anchor="ctr"/>
+              <a:lstStyle/>
+              <a:p>
+                <a:pPr algn="ctr"/>
+                <a:r>
+                  <a:rPr lang="en-US" altLang="zh-TW" sz="1600" dirty="0">
+                    <a:solidFill>
+                      <a:schemeClr val="tx1"/>
+                    </a:solidFill>
+                    <a:latin typeface="Times New Roman" panose="02020603050405020304" pitchFamily="18" charset="0"/>
+                    <a:cs typeface="Times New Roman" panose="02020603050405020304" pitchFamily="18" charset="0"/>
+                  </a:rPr>
+                  <a:t>dropout</a:t>
+                </a:r>
+              </a:p>
+              <a:p>
+                <a:pPr algn="ctr"/>
+                <a:r>
+                  <a:rPr lang="en-US" altLang="zh-TW" sz="1600" dirty="0">
+                    <a:solidFill>
+                      <a:schemeClr val="tx1"/>
+                    </a:solidFill>
+                    <a:latin typeface="Times New Roman" panose="02020603050405020304" pitchFamily="18" charset="0"/>
+                    <a:cs typeface="Times New Roman" panose="02020603050405020304" pitchFamily="18" charset="0"/>
+                  </a:rPr>
+                  <a:t>0.5</a:t>
+                </a:r>
+                <a:endParaRPr lang="zh-TW" altLang="en-US" dirty="0">
                   <a:solidFill>
                     <a:schemeClr val="tx1"/>
                   </a:solidFill>
                   <a:latin typeface="Times New Roman" panose="02020603050405020304" pitchFamily="18" charset="0"/>
-                  <a:ea typeface="微軟正黑體" panose="020B0604030504040204" pitchFamily="34" charset="-120"/>
-                </a:rPr>
-                <a:t>nothing</a:t>
-              </a:r>
-              <a:endParaRPr lang="zh-TW" altLang="en-US" dirty="0">
+                  <a:cs typeface="Times New Roman" panose="02020603050405020304" pitchFamily="18" charset="0"/>
+                </a:endParaRPr>
+              </a:p>
+            </p:txBody>
+          </p:sp>
+          <p:sp>
+            <p:nvSpPr>
+              <p:cNvPr id="9" name="流程圖: 抽選 8">
+                <a:extLst>
+                  <a:ext uri="{FF2B5EF4-FFF2-40B4-BE49-F238E27FC236}">
+                    <a16:creationId xmlns:a16="http://schemas.microsoft.com/office/drawing/2014/main" id="{45B40119-3B21-4A44-9413-4097573FD5AA}"/>
+                  </a:ext>
+                </a:extLst>
+              </p:cNvPr>
+              <p:cNvSpPr/>
+              <p:nvPr/>
+            </p:nvSpPr>
+            <p:spPr>
+              <a:xfrm rot="5400000">
+                <a:off x="3969020" y="3239110"/>
+                <a:ext cx="544010" cy="379778"/>
+              </a:xfrm>
+              <a:prstGeom prst="flowChartExtract">
+                <a:avLst/>
+              </a:prstGeom>
+              <a:solidFill>
+                <a:schemeClr val="tx1">
+                  <a:lumMod val="50000"/>
+                  <a:lumOff val="50000"/>
+                </a:schemeClr>
+              </a:solidFill>
+              <a:ln>
+                <a:noFill/>
+              </a:ln>
+            </p:spPr>
+            <p:style>
+              <a:lnRef idx="2">
+                <a:schemeClr val="accent1">
+                  <a:shade val="50000"/>
+                </a:schemeClr>
+              </a:lnRef>
+              <a:fillRef idx="1">
+                <a:schemeClr val="accent1"/>
+              </a:fillRef>
+              <a:effectRef idx="0">
+                <a:schemeClr val="accent1"/>
+              </a:effectRef>
+              <a:fontRef idx="minor">
+                <a:schemeClr val="lt1"/>
+              </a:fontRef>
+            </p:style>
+            <p:txBody>
+              <a:bodyPr rtlCol="0" anchor="ctr"/>
+              <a:lstStyle/>
+              <a:p>
+                <a:pPr algn="ctr"/>
+                <a:endParaRPr lang="zh-TW" altLang="en-US" dirty="0"/>
+              </a:p>
+            </p:txBody>
+          </p:sp>
+          <p:sp>
+            <p:nvSpPr>
+              <p:cNvPr id="11" name="矩形 10">
+                <a:extLst>
+                  <a:ext uri="{FF2B5EF4-FFF2-40B4-BE49-F238E27FC236}">
+                    <a16:creationId xmlns:a16="http://schemas.microsoft.com/office/drawing/2014/main" id="{61CC106B-1B94-4A80-8BB9-E0C53FFB6743}"/>
+                  </a:ext>
+                </a:extLst>
+              </p:cNvPr>
+              <p:cNvSpPr/>
+              <p:nvPr/>
+            </p:nvSpPr>
+            <p:spPr>
+              <a:xfrm>
+                <a:off x="5268665" y="2219445"/>
+                <a:ext cx="1199075" cy="2419109"/>
+              </a:xfrm>
+              <a:prstGeom prst="rect">
+                <a:avLst/>
+              </a:prstGeom>
+              <a:ln/>
+            </p:spPr>
+            <p:style>
+              <a:lnRef idx="1">
+                <a:schemeClr val="accent3"/>
+              </a:lnRef>
+              <a:fillRef idx="3">
+                <a:schemeClr val="accent3"/>
+              </a:fillRef>
+              <a:effectRef idx="2">
+                <a:schemeClr val="accent3"/>
+              </a:effectRef>
+              <a:fontRef idx="minor">
+                <a:schemeClr val="lt1"/>
+              </a:fontRef>
+            </p:style>
+            <p:txBody>
+              <a:bodyPr rtlCol="0" anchor="ctr"/>
+              <a:lstStyle/>
+              <a:p>
+                <a:pPr algn="ctr"/>
+                <a:r>
+                  <a:rPr lang="en-US" altLang="zh-TW" sz="1600" dirty="0">
+                    <a:solidFill>
+                      <a:schemeClr val="tx1"/>
+                    </a:solidFill>
+                    <a:latin typeface="Times New Roman" panose="02020603050405020304" pitchFamily="18" charset="0"/>
+                    <a:cs typeface="Times New Roman" panose="02020603050405020304" pitchFamily="18" charset="0"/>
+                  </a:rPr>
+                  <a:t>fully</a:t>
+                </a:r>
+              </a:p>
+              <a:p>
+                <a:pPr algn="ctr"/>
+                <a:r>
+                  <a:rPr lang="en-US" altLang="zh-TW" sz="1600" dirty="0">
+                    <a:solidFill>
+                      <a:schemeClr val="tx1"/>
+                    </a:solidFill>
+                    <a:latin typeface="Times New Roman" panose="02020603050405020304" pitchFamily="18" charset="0"/>
+                    <a:cs typeface="Times New Roman" panose="02020603050405020304" pitchFamily="18" charset="0"/>
+                  </a:rPr>
+                  <a:t>connection</a:t>
+                </a:r>
+              </a:p>
+              <a:p>
+                <a:pPr algn="ctr"/>
+                <a:r>
+                  <a:rPr lang="en-US" altLang="zh-TW" sz="1600" dirty="0">
+                    <a:solidFill>
+                      <a:schemeClr val="tx1"/>
+                    </a:solidFill>
+                    <a:latin typeface="Times New Roman" panose="02020603050405020304" pitchFamily="18" charset="0"/>
+                    <a:cs typeface="Times New Roman" panose="02020603050405020304" pitchFamily="18" charset="0"/>
+                  </a:rPr>
+                  <a:t>3</a:t>
+                </a:r>
+              </a:p>
+              <a:p>
+                <a:pPr algn="ctr"/>
+                <a:r>
+                  <a:rPr lang="en-US" altLang="zh-TW" sz="1600" dirty="0">
+                    <a:solidFill>
+                      <a:schemeClr val="tx1"/>
+                    </a:solidFill>
+                    <a:latin typeface="Times New Roman" panose="02020603050405020304" pitchFamily="18" charset="0"/>
+                    <a:cs typeface="Times New Roman" panose="02020603050405020304" pitchFamily="18" charset="0"/>
+                  </a:rPr>
+                  <a:t>neurons</a:t>
+                </a:r>
+                <a:endParaRPr lang="zh-TW" altLang="en-US" dirty="0">
+                  <a:solidFill>
+                    <a:schemeClr val="tx1"/>
+                  </a:solidFill>
+                  <a:latin typeface="Times New Roman" panose="02020603050405020304" pitchFamily="18" charset="0"/>
+                  <a:cs typeface="Times New Roman" panose="02020603050405020304" pitchFamily="18" charset="0"/>
+                </a:endParaRPr>
+              </a:p>
+            </p:txBody>
+          </p:sp>
+          <p:sp>
+            <p:nvSpPr>
+              <p:cNvPr id="10" name="流程圖: 抽選 9">
+                <a:extLst>
+                  <a:ext uri="{FF2B5EF4-FFF2-40B4-BE49-F238E27FC236}">
+                    <a16:creationId xmlns:a16="http://schemas.microsoft.com/office/drawing/2014/main" id="{668EAF2B-5846-40CA-9142-EBDEE6FDAA41}"/>
+                  </a:ext>
+                </a:extLst>
+              </p:cNvPr>
+              <p:cNvSpPr/>
+              <p:nvPr/>
+            </p:nvSpPr>
+            <p:spPr>
+              <a:xfrm rot="5400000">
+                <a:off x="4989777" y="3239110"/>
+                <a:ext cx="544010" cy="379778"/>
+              </a:xfrm>
+              <a:prstGeom prst="flowChartExtract">
+                <a:avLst/>
+              </a:prstGeom>
+              <a:solidFill>
+                <a:schemeClr val="tx1">
+                  <a:lumMod val="50000"/>
+                  <a:lumOff val="50000"/>
+                </a:schemeClr>
+              </a:solidFill>
+              <a:ln>
+                <a:noFill/>
+              </a:ln>
+            </p:spPr>
+            <p:style>
+              <a:lnRef idx="2">
+                <a:schemeClr val="accent1">
+                  <a:shade val="50000"/>
+                </a:schemeClr>
+              </a:lnRef>
+              <a:fillRef idx="1">
+                <a:schemeClr val="accent1"/>
+              </a:fillRef>
+              <a:effectRef idx="0">
+                <a:schemeClr val="accent1"/>
+              </a:effectRef>
+              <a:fontRef idx="minor">
+                <a:schemeClr val="lt1"/>
+              </a:fontRef>
+            </p:style>
+            <p:txBody>
+              <a:bodyPr rtlCol="0" anchor="ctr"/>
+              <a:lstStyle/>
+              <a:p>
+                <a:pPr algn="ctr"/>
+                <a:endParaRPr lang="zh-TW" altLang="en-US" dirty="0"/>
+              </a:p>
+            </p:txBody>
+          </p:sp>
+          <p:sp>
+            <p:nvSpPr>
+              <p:cNvPr id="13" name="矩形 12">
+                <a:extLst>
+                  <a:ext uri="{FF2B5EF4-FFF2-40B4-BE49-F238E27FC236}">
+                    <a16:creationId xmlns:a16="http://schemas.microsoft.com/office/drawing/2014/main" id="{8DF3A018-3438-47B8-B96D-1ABC4E3EFBD7}"/>
+                  </a:ext>
+                </a:extLst>
+              </p:cNvPr>
+              <p:cNvSpPr/>
+              <p:nvPr/>
+            </p:nvSpPr>
+            <p:spPr>
+              <a:xfrm>
+                <a:off x="6667545" y="2219444"/>
+                <a:ext cx="948597" cy="2419109"/>
+              </a:xfrm>
+              <a:prstGeom prst="rect">
+                <a:avLst/>
+              </a:prstGeom>
+              <a:solidFill>
+                <a:srgbClr val="83B5C2"/>
+              </a:solidFill>
+              <a:ln>
                 <a:solidFill>
                   <a:schemeClr val="tx1"/>
                 </a:solidFill>
-                <a:latin typeface="Times New Roman" panose="02020603050405020304" pitchFamily="18" charset="0"/>
-                <a:ea typeface="微軟正黑體" panose="020B0604030504040204" pitchFamily="34" charset="-120"/>
-              </a:endParaRPr>
-            </a:p>
-          </p:txBody>
-        </p:sp>
+              </a:ln>
+            </p:spPr>
+            <p:style>
+              <a:lnRef idx="2">
+                <a:schemeClr val="accent1">
+                  <a:shade val="50000"/>
+                </a:schemeClr>
+              </a:lnRef>
+              <a:fillRef idx="1">
+                <a:schemeClr val="accent1"/>
+              </a:fillRef>
+              <a:effectRef idx="0">
+                <a:schemeClr val="accent1"/>
+              </a:effectRef>
+              <a:fontRef idx="minor">
+                <a:schemeClr val="lt1"/>
+              </a:fontRef>
+            </p:style>
+            <p:txBody>
+              <a:bodyPr rtlCol="0" anchor="ctr"/>
+              <a:lstStyle/>
+              <a:p>
+                <a:pPr algn="ctr"/>
+                <a:r>
+                  <a:rPr lang="en-US" altLang="zh-TW" sz="1600" dirty="0">
+                    <a:solidFill>
+                      <a:schemeClr val="tx1"/>
+                    </a:solidFill>
+                    <a:latin typeface="Times New Roman" panose="02020603050405020304" pitchFamily="18" charset="0"/>
+                    <a:cs typeface="Times New Roman" panose="02020603050405020304" pitchFamily="18" charset="0"/>
+                  </a:rPr>
+                  <a:t>soft max</a:t>
+                </a:r>
+                <a:endParaRPr lang="zh-TW" altLang="en-US" dirty="0">
+                  <a:solidFill>
+                    <a:schemeClr val="tx1"/>
+                  </a:solidFill>
+                  <a:latin typeface="Times New Roman" panose="02020603050405020304" pitchFamily="18" charset="0"/>
+                  <a:cs typeface="Times New Roman" panose="02020603050405020304" pitchFamily="18" charset="0"/>
+                </a:endParaRPr>
+              </a:p>
+            </p:txBody>
+          </p:sp>
+          <p:sp>
+            <p:nvSpPr>
+              <p:cNvPr id="12" name="流程圖: 抽選 11">
+                <a:extLst>
+                  <a:ext uri="{FF2B5EF4-FFF2-40B4-BE49-F238E27FC236}">
+                    <a16:creationId xmlns:a16="http://schemas.microsoft.com/office/drawing/2014/main" id="{85C8B571-232E-4FAC-9BF1-6474A33EF475}"/>
+                  </a:ext>
+                </a:extLst>
+              </p:cNvPr>
+              <p:cNvSpPr/>
+              <p:nvPr/>
+            </p:nvSpPr>
+            <p:spPr>
+              <a:xfrm rot="5400000">
+                <a:off x="6324731" y="3239110"/>
+                <a:ext cx="544010" cy="379778"/>
+              </a:xfrm>
+              <a:prstGeom prst="flowChartExtract">
+                <a:avLst/>
+              </a:prstGeom>
+              <a:solidFill>
+                <a:schemeClr val="tx1">
+                  <a:lumMod val="50000"/>
+                  <a:lumOff val="50000"/>
+                </a:schemeClr>
+              </a:solidFill>
+              <a:ln>
+                <a:noFill/>
+              </a:ln>
+            </p:spPr>
+            <p:style>
+              <a:lnRef idx="2">
+                <a:schemeClr val="accent1">
+                  <a:shade val="50000"/>
+                </a:schemeClr>
+              </a:lnRef>
+              <a:fillRef idx="1">
+                <a:schemeClr val="accent1"/>
+              </a:fillRef>
+              <a:effectRef idx="0">
+                <a:schemeClr val="accent1"/>
+              </a:effectRef>
+              <a:fontRef idx="minor">
+                <a:schemeClr val="lt1"/>
+              </a:fontRef>
+            </p:style>
+            <p:txBody>
+              <a:bodyPr rtlCol="0" anchor="ctr"/>
+              <a:lstStyle/>
+              <a:p>
+                <a:pPr algn="ctr"/>
+                <a:endParaRPr lang="zh-TW" altLang="en-US" dirty="0"/>
+              </a:p>
+            </p:txBody>
+          </p:sp>
+          <p:grpSp>
+            <p:nvGrpSpPr>
+              <p:cNvPr id="3" name="群組 2">
+                <a:extLst>
+                  <a:ext uri="{FF2B5EF4-FFF2-40B4-BE49-F238E27FC236}">
+                    <a16:creationId xmlns:a16="http://schemas.microsoft.com/office/drawing/2014/main" id="{3DA3A861-E63E-498E-A7A6-734AC98A995E}"/>
+                  </a:ext>
+                </a:extLst>
+              </p:cNvPr>
+              <p:cNvGrpSpPr/>
+              <p:nvPr/>
+            </p:nvGrpSpPr>
+            <p:grpSpPr>
+              <a:xfrm>
+                <a:off x="9129098" y="2400188"/>
+                <a:ext cx="1581873" cy="2111376"/>
+                <a:chOff x="9130768" y="2115137"/>
+                <a:chExt cx="1581873" cy="2111376"/>
+              </a:xfrm>
+            </p:grpSpPr>
+            <p:sp>
+              <p:nvSpPr>
+                <p:cNvPr id="16" name="矩形 15">
+                  <a:extLst>
+                    <a:ext uri="{FF2B5EF4-FFF2-40B4-BE49-F238E27FC236}">
+                      <a16:creationId xmlns:a16="http://schemas.microsoft.com/office/drawing/2014/main" id="{9A611D3B-D1F2-4F45-84B1-A42F88D59659}"/>
+                    </a:ext>
+                  </a:extLst>
+                </p:cNvPr>
+                <p:cNvSpPr/>
+                <p:nvPr/>
+              </p:nvSpPr>
+              <p:spPr>
+                <a:xfrm>
+                  <a:off x="9130768" y="2854370"/>
+                  <a:ext cx="1581873" cy="636608"/>
+                </a:xfrm>
+                <a:prstGeom prst="rect">
+                  <a:avLst/>
+                </a:prstGeom>
+                <a:solidFill>
+                  <a:srgbClr val="83B5C2"/>
+                </a:solidFill>
+                <a:ln>
+                  <a:solidFill>
+                    <a:schemeClr val="tx1"/>
+                  </a:solidFill>
+                </a:ln>
+              </p:spPr>
+              <p:style>
+                <a:lnRef idx="2">
+                  <a:schemeClr val="accent1">
+                    <a:shade val="50000"/>
+                  </a:schemeClr>
+                </a:lnRef>
+                <a:fillRef idx="1">
+                  <a:schemeClr val="accent1"/>
+                </a:fillRef>
+                <a:effectRef idx="0">
+                  <a:schemeClr val="accent1"/>
+                </a:effectRef>
+                <a:fontRef idx="minor">
+                  <a:schemeClr val="lt1"/>
+                </a:fontRef>
+              </p:style>
+              <p:txBody>
+                <a:bodyPr rtlCol="0" anchor="ctr"/>
+                <a:lstStyle/>
+                <a:p>
+                  <a:pPr algn="ctr"/>
+                  <a:r>
+                    <a:rPr lang="zh-TW" altLang="en-US" dirty="0">
+                      <a:solidFill>
+                        <a:schemeClr val="tx1"/>
+                      </a:solidFill>
+                      <a:latin typeface="Times New Roman" panose="02020603050405020304" pitchFamily="18" charset="0"/>
+                      <a:ea typeface="微軟正黑體" panose="020B0604030504040204" pitchFamily="34" charset="-120"/>
+                    </a:rPr>
+                    <a:t>蹲下</a:t>
+                  </a:r>
+                </a:p>
+              </p:txBody>
+            </p:sp>
+            <p:sp>
+              <p:nvSpPr>
+                <p:cNvPr id="17" name="矩形 16">
+                  <a:extLst>
+                    <a:ext uri="{FF2B5EF4-FFF2-40B4-BE49-F238E27FC236}">
+                      <a16:creationId xmlns:a16="http://schemas.microsoft.com/office/drawing/2014/main" id="{86304F75-99CB-4F00-A751-04F2657BDD63}"/>
+                    </a:ext>
+                  </a:extLst>
+                </p:cNvPr>
+                <p:cNvSpPr/>
+                <p:nvPr/>
+              </p:nvSpPr>
+              <p:spPr>
+                <a:xfrm>
+                  <a:off x="9130768" y="2115137"/>
+                  <a:ext cx="1581873" cy="636608"/>
+                </a:xfrm>
+                <a:prstGeom prst="rect">
+                  <a:avLst/>
+                </a:prstGeom>
+                <a:solidFill>
+                  <a:srgbClr val="83B5C2"/>
+                </a:solidFill>
+                <a:ln>
+                  <a:solidFill>
+                    <a:schemeClr val="tx1"/>
+                  </a:solidFill>
+                </a:ln>
+              </p:spPr>
+              <p:style>
+                <a:lnRef idx="2">
+                  <a:schemeClr val="accent1">
+                    <a:shade val="50000"/>
+                  </a:schemeClr>
+                </a:lnRef>
+                <a:fillRef idx="1">
+                  <a:schemeClr val="accent1"/>
+                </a:fillRef>
+                <a:effectRef idx="0">
+                  <a:schemeClr val="accent1"/>
+                </a:effectRef>
+                <a:fontRef idx="minor">
+                  <a:schemeClr val="lt1"/>
+                </a:fontRef>
+              </p:style>
+              <p:txBody>
+                <a:bodyPr rtlCol="0" anchor="ctr"/>
+                <a:lstStyle/>
+                <a:p>
+                  <a:pPr algn="ctr"/>
+                  <a:r>
+                    <a:rPr lang="zh-TW" altLang="en-US" dirty="0">
+                      <a:solidFill>
+                        <a:schemeClr val="tx1"/>
+                      </a:solidFill>
+                      <a:latin typeface="Times New Roman" panose="02020603050405020304" pitchFamily="18" charset="0"/>
+                      <a:ea typeface="微軟正黑體" panose="020B0604030504040204" pitchFamily="34" charset="-120"/>
+                    </a:rPr>
+                    <a:t>跳躍</a:t>
+                  </a:r>
+                </a:p>
+              </p:txBody>
+            </p:sp>
+            <p:sp>
+              <p:nvSpPr>
+                <p:cNvPr id="18" name="矩形 17">
+                  <a:extLst>
+                    <a:ext uri="{FF2B5EF4-FFF2-40B4-BE49-F238E27FC236}">
+                      <a16:creationId xmlns:a16="http://schemas.microsoft.com/office/drawing/2014/main" id="{BBF51F96-32BC-4784-BA2E-E2F644824021}"/>
+                    </a:ext>
+                  </a:extLst>
+                </p:cNvPr>
+                <p:cNvSpPr/>
+                <p:nvPr/>
+              </p:nvSpPr>
+              <p:spPr>
+                <a:xfrm>
+                  <a:off x="9130768" y="3589905"/>
+                  <a:ext cx="1581873" cy="636608"/>
+                </a:xfrm>
+                <a:prstGeom prst="rect">
+                  <a:avLst/>
+                </a:prstGeom>
+                <a:solidFill>
+                  <a:srgbClr val="83B5C2"/>
+                </a:solidFill>
+                <a:ln>
+                  <a:solidFill>
+                    <a:schemeClr val="tx1"/>
+                  </a:solidFill>
+                </a:ln>
+              </p:spPr>
+              <p:style>
+                <a:lnRef idx="2">
+                  <a:schemeClr val="accent1">
+                    <a:shade val="50000"/>
+                  </a:schemeClr>
+                </a:lnRef>
+                <a:fillRef idx="1">
+                  <a:schemeClr val="accent1"/>
+                </a:fillRef>
+                <a:effectRef idx="0">
+                  <a:schemeClr val="accent1"/>
+                </a:effectRef>
+                <a:fontRef idx="minor">
+                  <a:schemeClr val="lt1"/>
+                </a:fontRef>
+              </p:style>
+              <p:txBody>
+                <a:bodyPr rtlCol="0" anchor="ctr"/>
+                <a:lstStyle/>
+                <a:p>
+                  <a:pPr algn="ctr"/>
+                  <a:r>
+                    <a:rPr lang="en-US" altLang="zh-TW" dirty="0">
+                      <a:solidFill>
+                        <a:schemeClr val="tx1"/>
+                      </a:solidFill>
+                      <a:latin typeface="Times New Roman" panose="02020603050405020304" pitchFamily="18" charset="0"/>
+                      <a:ea typeface="微軟正黑體" panose="020B0604030504040204" pitchFamily="34" charset="-120"/>
+                    </a:rPr>
+                    <a:t>nothing</a:t>
+                  </a:r>
+                  <a:endParaRPr lang="zh-TW" altLang="en-US" dirty="0">
+                    <a:solidFill>
+                      <a:schemeClr val="tx1"/>
+                    </a:solidFill>
+                    <a:latin typeface="Times New Roman" panose="02020603050405020304" pitchFamily="18" charset="0"/>
+                    <a:ea typeface="微軟正黑體" panose="020B0604030504040204" pitchFamily="34" charset="-120"/>
+                  </a:endParaRPr>
+                </a:p>
+              </p:txBody>
+            </p:sp>
+          </p:grpSp>
+          <p:sp>
+            <p:nvSpPr>
+              <p:cNvPr id="19" name="箭號: 向下 18">
+                <a:extLst>
+                  <a:ext uri="{FF2B5EF4-FFF2-40B4-BE49-F238E27FC236}">
+                    <a16:creationId xmlns:a16="http://schemas.microsoft.com/office/drawing/2014/main" id="{2F60274A-E6CE-4A13-BC5C-B460B82AE79B}"/>
+                  </a:ext>
+                </a:extLst>
+              </p:cNvPr>
+              <p:cNvSpPr/>
+              <p:nvPr/>
+            </p:nvSpPr>
+            <p:spPr>
+              <a:xfrm rot="16200000">
+                <a:off x="7955674" y="3003862"/>
+                <a:ext cx="787078" cy="904028"/>
+              </a:xfrm>
+              <a:prstGeom prst="downArrow">
+                <a:avLst/>
+              </a:prstGeom>
+              <a:solidFill>
+                <a:srgbClr val="83B5C2"/>
+              </a:solidFill>
+              <a:ln>
+                <a:solidFill>
+                  <a:schemeClr val="tx1"/>
+                </a:solidFill>
+              </a:ln>
+            </p:spPr>
+            <p:style>
+              <a:lnRef idx="2">
+                <a:schemeClr val="accent1">
+                  <a:shade val="50000"/>
+                </a:schemeClr>
+              </a:lnRef>
+              <a:fillRef idx="1">
+                <a:schemeClr val="accent1"/>
+              </a:fillRef>
+              <a:effectRef idx="0">
+                <a:schemeClr val="accent1"/>
+              </a:effectRef>
+              <a:fontRef idx="minor">
+                <a:schemeClr val="lt1"/>
+              </a:fontRef>
+            </p:style>
+            <p:txBody>
+              <a:bodyPr rtlCol="0" anchor="ctr"/>
+              <a:lstStyle/>
+              <a:p>
+                <a:pPr algn="ctr"/>
+                <a:endParaRPr lang="zh-TW" altLang="en-US"/>
+              </a:p>
+            </p:txBody>
+          </p:sp>
+          <p:sp>
+            <p:nvSpPr>
+              <p:cNvPr id="20" name="文字方塊 19">
+                <a:extLst>
+                  <a:ext uri="{FF2B5EF4-FFF2-40B4-BE49-F238E27FC236}">
+                    <a16:creationId xmlns:a16="http://schemas.microsoft.com/office/drawing/2014/main" id="{F11CAAB9-0143-4FB3-878A-351C766F8641}"/>
+                  </a:ext>
+                </a:extLst>
+              </p:cNvPr>
+              <p:cNvSpPr txBox="1"/>
+              <p:nvPr/>
+            </p:nvSpPr>
+            <p:spPr>
+              <a:xfrm>
+                <a:off x="4241025" y="5252937"/>
+                <a:ext cx="1729961" cy="646331"/>
+              </a:xfrm>
+              <a:prstGeom prst="rect">
+                <a:avLst/>
+              </a:prstGeom>
+              <a:noFill/>
+            </p:spPr>
+            <p:txBody>
+              <a:bodyPr wrap="none" rtlCol="0">
+                <a:spAutoFit/>
+              </a:bodyPr>
+              <a:lstStyle/>
+              <a:p>
+                <a:r>
+                  <a:rPr lang="en-US" altLang="zh-TW" dirty="0">
+                    <a:latin typeface="Times New Roman" panose="02020603050405020304" pitchFamily="18" charset="0"/>
+                    <a:cs typeface="Times New Roman" panose="02020603050405020304" pitchFamily="18" charset="0"/>
+                  </a:rPr>
+                  <a:t>regularization</a:t>
+                </a:r>
+              </a:p>
+              <a:p>
+                <a:r>
+                  <a:rPr lang="en-US" altLang="zh-TW" dirty="0">
+                    <a:latin typeface="Times New Roman" panose="02020603050405020304" pitchFamily="18" charset="0"/>
+                    <a:cs typeface="Times New Roman" panose="02020603050405020304" pitchFamily="18" charset="0"/>
+                  </a:rPr>
+                  <a:t>avoid overfitting</a:t>
+                </a:r>
+                <a:endParaRPr lang="zh-TW" altLang="en-US" dirty="0">
+                  <a:latin typeface="Times New Roman" panose="02020603050405020304" pitchFamily="18" charset="0"/>
+                  <a:cs typeface="Times New Roman" panose="02020603050405020304" pitchFamily="18" charset="0"/>
+                </a:endParaRPr>
+              </a:p>
+            </p:txBody>
+          </p:sp>
+          <p:cxnSp>
+            <p:nvCxnSpPr>
+              <p:cNvPr id="25" name="直線單箭頭接點 24">
+                <a:extLst>
+                  <a:ext uri="{FF2B5EF4-FFF2-40B4-BE49-F238E27FC236}">
+                    <a16:creationId xmlns:a16="http://schemas.microsoft.com/office/drawing/2014/main" id="{41BB83E5-FB1A-43D1-9BB4-C34A9AB9D08E}"/>
+                  </a:ext>
+                </a:extLst>
+              </p:cNvPr>
+              <p:cNvCxnSpPr/>
+              <p:nvPr/>
+            </p:nvCxnSpPr>
+            <p:spPr>
+              <a:xfrm>
+                <a:off x="4637988" y="4741682"/>
+                <a:ext cx="99496" cy="511255"/>
+              </a:xfrm>
+              <a:prstGeom prst="straightConnector1">
+                <a:avLst/>
+              </a:prstGeom>
+              <a:ln>
+                <a:tailEnd type="triangle"/>
+              </a:ln>
+            </p:spPr>
+            <p:style>
+              <a:lnRef idx="1">
+                <a:schemeClr val="accent1"/>
+              </a:lnRef>
+              <a:fillRef idx="0">
+                <a:schemeClr val="accent1"/>
+              </a:fillRef>
+              <a:effectRef idx="0">
+                <a:schemeClr val="accent1"/>
+              </a:effectRef>
+              <a:fontRef idx="minor">
+                <a:schemeClr val="tx1"/>
+              </a:fontRef>
+            </p:style>
+          </p:cxnSp>
+          <p:sp>
+            <p:nvSpPr>
+              <p:cNvPr id="26" name="文字方塊 25">
+                <a:extLst>
+                  <a:ext uri="{FF2B5EF4-FFF2-40B4-BE49-F238E27FC236}">
+                    <a16:creationId xmlns:a16="http://schemas.microsoft.com/office/drawing/2014/main" id="{06C31C70-88E6-4995-8340-FBD45D5651AA}"/>
+                  </a:ext>
+                </a:extLst>
+              </p:cNvPr>
+              <p:cNvSpPr txBox="1"/>
+              <p:nvPr/>
+            </p:nvSpPr>
+            <p:spPr>
+              <a:xfrm>
+                <a:off x="6786625" y="5425126"/>
+                <a:ext cx="3166251" cy="369332"/>
+              </a:xfrm>
+              <a:prstGeom prst="rect">
+                <a:avLst/>
+              </a:prstGeom>
+              <a:noFill/>
+            </p:spPr>
+            <p:txBody>
+              <a:bodyPr wrap="none" rtlCol="0">
+                <a:spAutoFit/>
+              </a:bodyPr>
+              <a:lstStyle/>
+              <a:p>
+                <a:r>
+                  <a:rPr lang="en-US" altLang="zh-TW" dirty="0">
+                    <a:latin typeface="Times New Roman" panose="02020603050405020304" pitchFamily="18" charset="0"/>
+                    <a:cs typeface="Times New Roman" panose="02020603050405020304" pitchFamily="18" charset="0"/>
+                  </a:rPr>
+                  <a:t>let all the outputs between (0, 1)</a:t>
+                </a:r>
+                <a:endParaRPr lang="zh-TW" altLang="en-US" dirty="0">
+                  <a:latin typeface="Times New Roman" panose="02020603050405020304" pitchFamily="18" charset="0"/>
+                  <a:cs typeface="Times New Roman" panose="02020603050405020304" pitchFamily="18" charset="0"/>
+                </a:endParaRPr>
+              </a:p>
+            </p:txBody>
+          </p:sp>
+          <p:cxnSp>
+            <p:nvCxnSpPr>
+              <p:cNvPr id="32" name="直線單箭頭接點 31">
+                <a:extLst>
+                  <a:ext uri="{FF2B5EF4-FFF2-40B4-BE49-F238E27FC236}">
+                    <a16:creationId xmlns:a16="http://schemas.microsoft.com/office/drawing/2014/main" id="{3EB9C570-953A-4C44-AFC1-B276B0A70A83}"/>
+                  </a:ext>
+                </a:extLst>
+              </p:cNvPr>
+              <p:cNvCxnSpPr/>
+              <p:nvPr/>
+            </p:nvCxnSpPr>
+            <p:spPr>
+              <a:xfrm>
+                <a:off x="7141843" y="4741682"/>
+                <a:ext cx="239345" cy="683444"/>
+              </a:xfrm>
+              <a:prstGeom prst="straightConnector1">
+                <a:avLst/>
+              </a:prstGeom>
+              <a:ln>
+                <a:tailEnd type="triangle"/>
+              </a:ln>
+            </p:spPr>
+            <p:style>
+              <a:lnRef idx="1">
+                <a:schemeClr val="accent1"/>
+              </a:lnRef>
+              <a:fillRef idx="0">
+                <a:schemeClr val="accent1"/>
+              </a:fillRef>
+              <a:effectRef idx="0">
+                <a:schemeClr val="accent1"/>
+              </a:effectRef>
+              <a:fontRef idx="minor">
+                <a:schemeClr val="tx1"/>
+              </a:fontRef>
+            </p:style>
+          </p:cxnSp>
+        </p:grpSp>
       </p:grpSp>
-      <p:sp>
-        <p:nvSpPr>
-          <p:cNvPr id="19" name="箭號: 向下 18">
-            <a:extLst>
-              <a:ext uri="{FF2B5EF4-FFF2-40B4-BE49-F238E27FC236}">
-                <a16:creationId xmlns:a16="http://schemas.microsoft.com/office/drawing/2014/main" id="{2F60274A-E6CE-4A13-BC5C-B460B82AE79B}"/>
-              </a:ext>
-            </a:extLst>
-          </p:cNvPr>
-          <p:cNvSpPr/>
-          <p:nvPr/>
-        </p:nvSpPr>
-        <p:spPr>
-          <a:xfrm rot="16200000">
-            <a:off x="7955674" y="3003862"/>
-            <a:ext cx="787078" cy="904028"/>
-          </a:xfrm>
-          <a:prstGeom prst="downArrow">
-            <a:avLst/>
-          </a:prstGeom>
-          <a:solidFill>
-            <a:srgbClr val="83B5C2"/>
-          </a:solidFill>
-          <a:ln>
-            <a:solidFill>
-              <a:schemeClr val="tx1"/>
-            </a:solidFill>
-          </a:ln>
-        </p:spPr>
-        <p:style>
-          <a:lnRef idx="2">
-            <a:schemeClr val="accent1">
-              <a:shade val="50000"/>
-            </a:schemeClr>
-          </a:lnRef>
-          <a:fillRef idx="1">
-            <a:schemeClr val="accent1"/>
-          </a:fillRef>
-          <a:effectRef idx="0">
-            <a:schemeClr val="accent1"/>
-          </a:effectRef>
-          <a:fontRef idx="minor">
-            <a:schemeClr val="lt1"/>
-          </a:fontRef>
-        </p:style>
-        <p:txBody>
-          <a:bodyPr rtlCol="0" anchor="ctr"/>
-          <a:lstStyle/>
-          <a:p>
-            <a:pPr algn="ctr"/>
-            <a:endParaRPr lang="zh-TW" altLang="en-US"/>
-          </a:p>
-        </p:txBody>
-      </p:sp>
-      <p:sp>
-        <p:nvSpPr>
-          <p:cNvPr id="20" name="文字方塊 19">
-            <a:extLst>
-              <a:ext uri="{FF2B5EF4-FFF2-40B4-BE49-F238E27FC236}">
-                <a16:creationId xmlns:a16="http://schemas.microsoft.com/office/drawing/2014/main" id="{F11CAAB9-0143-4FB3-878A-351C766F8641}"/>
-              </a:ext>
-            </a:extLst>
-          </p:cNvPr>
-          <p:cNvSpPr txBox="1"/>
-          <p:nvPr/>
-        </p:nvSpPr>
-        <p:spPr>
-          <a:xfrm>
-            <a:off x="4241025" y="5252937"/>
-            <a:ext cx="1729961" cy="646331"/>
-          </a:xfrm>
-          <a:prstGeom prst="rect">
-            <a:avLst/>
-          </a:prstGeom>
-          <a:noFill/>
-        </p:spPr>
-        <p:txBody>
-          <a:bodyPr wrap="none" rtlCol="0">
-            <a:spAutoFit/>
-          </a:bodyPr>
-          <a:lstStyle/>
-          <a:p>
-            <a:r>
-              <a:rPr lang="en-US" altLang="zh-TW" dirty="0">
-                <a:latin typeface="Times New Roman" panose="02020603050405020304" pitchFamily="18" charset="0"/>
-                <a:cs typeface="Times New Roman" panose="02020603050405020304" pitchFamily="18" charset="0"/>
-              </a:rPr>
-              <a:t>regularization</a:t>
-            </a:r>
-          </a:p>
-          <a:p>
-            <a:r>
-              <a:rPr lang="en-US" altLang="zh-TW" dirty="0">
-                <a:latin typeface="Times New Roman" panose="02020603050405020304" pitchFamily="18" charset="0"/>
-                <a:cs typeface="Times New Roman" panose="02020603050405020304" pitchFamily="18" charset="0"/>
-              </a:rPr>
-              <a:t>avoid overfitting</a:t>
-            </a:r>
-            <a:endParaRPr lang="zh-TW" altLang="en-US" dirty="0">
-              <a:latin typeface="Times New Roman" panose="02020603050405020304" pitchFamily="18" charset="0"/>
-              <a:cs typeface="Times New Roman" panose="02020603050405020304" pitchFamily="18" charset="0"/>
-            </a:endParaRPr>
-          </a:p>
-        </p:txBody>
-      </p:sp>
-      <p:cxnSp>
-        <p:nvCxnSpPr>
-          <p:cNvPr id="25" name="直線單箭頭接點 24">
-            <a:extLst>
-              <a:ext uri="{FF2B5EF4-FFF2-40B4-BE49-F238E27FC236}">
-                <a16:creationId xmlns:a16="http://schemas.microsoft.com/office/drawing/2014/main" id="{41BB83E5-FB1A-43D1-9BB4-C34A9AB9D08E}"/>
-              </a:ext>
-            </a:extLst>
-          </p:cNvPr>
-          <p:cNvCxnSpPr/>
-          <p:nvPr/>
-        </p:nvCxnSpPr>
-        <p:spPr>
-          <a:xfrm>
-            <a:off x="4637988" y="4741682"/>
-            <a:ext cx="99496" cy="511255"/>
-          </a:xfrm>
-          <a:prstGeom prst="straightConnector1">
-            <a:avLst/>
-          </a:prstGeom>
-          <a:ln>
-            <a:tailEnd type="triangle"/>
-          </a:ln>
-        </p:spPr>
-        <p:style>
-          <a:lnRef idx="1">
-            <a:schemeClr val="accent1"/>
-          </a:lnRef>
-          <a:fillRef idx="0">
-            <a:schemeClr val="accent1"/>
-          </a:fillRef>
-          <a:effectRef idx="0">
-            <a:schemeClr val="accent1"/>
-          </a:effectRef>
-          <a:fontRef idx="minor">
-            <a:schemeClr val="tx1"/>
-          </a:fontRef>
-        </p:style>
-      </p:cxnSp>
-      <p:sp>
-        <p:nvSpPr>
-          <p:cNvPr id="26" name="文字方塊 25">
-            <a:extLst>
-              <a:ext uri="{FF2B5EF4-FFF2-40B4-BE49-F238E27FC236}">
-                <a16:creationId xmlns:a16="http://schemas.microsoft.com/office/drawing/2014/main" id="{06C31C70-88E6-4995-8340-FBD45D5651AA}"/>
-              </a:ext>
-            </a:extLst>
-          </p:cNvPr>
-          <p:cNvSpPr txBox="1"/>
-          <p:nvPr/>
-        </p:nvSpPr>
-        <p:spPr>
-          <a:xfrm>
-            <a:off x="6786625" y="5425126"/>
-            <a:ext cx="3166251" cy="369332"/>
-          </a:xfrm>
-          <a:prstGeom prst="rect">
-            <a:avLst/>
-          </a:prstGeom>
-          <a:noFill/>
-        </p:spPr>
-        <p:txBody>
-          <a:bodyPr wrap="none" rtlCol="0">
-            <a:spAutoFit/>
-          </a:bodyPr>
-          <a:lstStyle/>
-          <a:p>
-            <a:r>
-              <a:rPr lang="en-US" altLang="zh-TW" dirty="0">
-                <a:latin typeface="Times New Roman" panose="02020603050405020304" pitchFamily="18" charset="0"/>
-                <a:cs typeface="Times New Roman" panose="02020603050405020304" pitchFamily="18" charset="0"/>
-              </a:rPr>
-              <a:t>let all the outputs between (0, 1)</a:t>
-            </a:r>
-            <a:endParaRPr lang="zh-TW" altLang="en-US" dirty="0">
-              <a:latin typeface="Times New Roman" panose="02020603050405020304" pitchFamily="18" charset="0"/>
-              <a:cs typeface="Times New Roman" panose="02020603050405020304" pitchFamily="18" charset="0"/>
-            </a:endParaRPr>
-          </a:p>
-        </p:txBody>
-      </p:sp>
-      <p:cxnSp>
-        <p:nvCxnSpPr>
-          <p:cNvPr id="32" name="直線單箭頭接點 31">
-            <a:extLst>
-              <a:ext uri="{FF2B5EF4-FFF2-40B4-BE49-F238E27FC236}">
-                <a16:creationId xmlns:a16="http://schemas.microsoft.com/office/drawing/2014/main" id="{3EB9C570-953A-4C44-AFC1-B276B0A70A83}"/>
-              </a:ext>
-            </a:extLst>
-          </p:cNvPr>
-          <p:cNvCxnSpPr/>
-          <p:nvPr/>
-        </p:nvCxnSpPr>
-        <p:spPr>
-          <a:xfrm>
-            <a:off x="7141843" y="4741682"/>
-            <a:ext cx="239345" cy="683444"/>
-          </a:xfrm>
-          <a:prstGeom prst="straightConnector1">
-            <a:avLst/>
-          </a:prstGeom>
-          <a:ln>
-            <a:tailEnd type="triangle"/>
-          </a:ln>
-        </p:spPr>
-        <p:style>
-          <a:lnRef idx="1">
-            <a:schemeClr val="accent1"/>
-          </a:lnRef>
-          <a:fillRef idx="0">
-            <a:schemeClr val="accent1"/>
-          </a:fillRef>
-          <a:effectRef idx="0">
-            <a:schemeClr val="accent1"/>
-          </a:effectRef>
-          <a:fontRef idx="minor">
-            <a:schemeClr val="tx1"/>
-          </a:fontRef>
-        </p:style>
-      </p:cxnSp>
     </p:spTree>
     <p:extLst>
       <p:ext uri="{BB962C8B-B14F-4D97-AF65-F5344CB8AC3E}">

--- a/Dino-AI .pptx
+++ b/Dino-AI .pptx
@@ -631,7 +631,7 @@
           <a:p>
             <a:fld id="{7171CAF3-24F7-4C16-8AD7-2A8939EBDF73}" type="datetimeFigureOut">
               <a:rPr lang="zh-TW" altLang="en-US" smtClean="0"/>
-              <a:t>2021/12/10</a:t>
+              <a:t>2021/12/15</a:t>
             </a:fld>
             <a:endParaRPr lang="zh-TW" altLang="en-US"/>
           </a:p>
@@ -833,7 +833,7 @@
           <a:p>
             <a:fld id="{7171CAF3-24F7-4C16-8AD7-2A8939EBDF73}" type="datetimeFigureOut">
               <a:rPr lang="zh-TW" altLang="en-US" smtClean="0"/>
-              <a:t>2021/12/10</a:t>
+              <a:t>2021/12/15</a:t>
             </a:fld>
             <a:endParaRPr lang="zh-TW" altLang="en-US"/>
           </a:p>
@@ -1013,7 +1013,7 @@
           <a:p>
             <a:fld id="{7171CAF3-24F7-4C16-8AD7-2A8939EBDF73}" type="datetimeFigureOut">
               <a:rPr lang="zh-TW" altLang="en-US" smtClean="0"/>
-              <a:t>2021/12/10</a:t>
+              <a:t>2021/12/15</a:t>
             </a:fld>
             <a:endParaRPr lang="zh-TW" altLang="en-US"/>
           </a:p>
@@ -1183,7 +1183,7 @@
           <a:p>
             <a:fld id="{7171CAF3-24F7-4C16-8AD7-2A8939EBDF73}" type="datetimeFigureOut">
               <a:rPr lang="zh-TW" altLang="en-US" smtClean="0"/>
-              <a:t>2021/12/10</a:t>
+              <a:t>2021/12/15</a:t>
             </a:fld>
             <a:endParaRPr lang="zh-TW" altLang="en-US"/>
           </a:p>
@@ -1754,7 +1754,7 @@
           <a:p>
             <a:fld id="{7171CAF3-24F7-4C16-8AD7-2A8939EBDF73}" type="datetimeFigureOut">
               <a:rPr lang="zh-TW" altLang="en-US" smtClean="0"/>
-              <a:t>2021/12/10</a:t>
+              <a:t>2021/12/15</a:t>
             </a:fld>
             <a:endParaRPr lang="zh-TW" altLang="en-US"/>
           </a:p>
@@ -2056,7 +2056,7 @@
           <a:p>
             <a:fld id="{7171CAF3-24F7-4C16-8AD7-2A8939EBDF73}" type="datetimeFigureOut">
               <a:rPr lang="zh-TW" altLang="en-US" smtClean="0"/>
-              <a:t>2021/12/10</a:t>
+              <a:t>2021/12/15</a:t>
             </a:fld>
             <a:endParaRPr lang="zh-TW" altLang="en-US"/>
           </a:p>
@@ -2498,7 +2498,7 @@
           <a:p>
             <a:fld id="{7171CAF3-24F7-4C16-8AD7-2A8939EBDF73}" type="datetimeFigureOut">
               <a:rPr lang="zh-TW" altLang="en-US" smtClean="0"/>
-              <a:t>2021/12/10</a:t>
+              <a:t>2021/12/15</a:t>
             </a:fld>
             <a:endParaRPr lang="zh-TW" altLang="en-US"/>
           </a:p>
@@ -2621,7 +2621,7 @@
           <a:p>
             <a:fld id="{7171CAF3-24F7-4C16-8AD7-2A8939EBDF73}" type="datetimeFigureOut">
               <a:rPr lang="zh-TW" altLang="en-US" smtClean="0"/>
-              <a:t>2021/12/10</a:t>
+              <a:t>2021/12/15</a:t>
             </a:fld>
             <a:endParaRPr lang="zh-TW" altLang="en-US"/>
           </a:p>
@@ -2716,7 +2716,7 @@
           <a:p>
             <a:fld id="{7171CAF3-24F7-4C16-8AD7-2A8939EBDF73}" type="datetimeFigureOut">
               <a:rPr lang="zh-TW" altLang="en-US" smtClean="0"/>
-              <a:t>2021/12/10</a:t>
+              <a:t>2021/12/15</a:t>
             </a:fld>
             <a:endParaRPr lang="zh-TW" altLang="en-US"/>
           </a:p>
@@ -3098,7 +3098,7 @@
           <a:p>
             <a:fld id="{7171CAF3-24F7-4C16-8AD7-2A8939EBDF73}" type="datetimeFigureOut">
               <a:rPr lang="zh-TW" altLang="en-US" smtClean="0"/>
-              <a:t>2021/12/10</a:t>
+              <a:t>2021/12/15</a:t>
             </a:fld>
             <a:endParaRPr lang="zh-TW" altLang="en-US"/>
           </a:p>
@@ -3497,7 +3497,7 @@
           <a:p>
             <a:fld id="{7171CAF3-24F7-4C16-8AD7-2A8939EBDF73}" type="datetimeFigureOut">
               <a:rPr lang="zh-TW" altLang="en-US" smtClean="0"/>
-              <a:t>2021/12/10</a:t>
+              <a:t>2021/12/15</a:t>
             </a:fld>
             <a:endParaRPr lang="zh-TW" altLang="en-US"/>
           </a:p>
@@ -3810,7 +3810,7 @@
           <a:p>
             <a:fld id="{7171CAF3-24F7-4C16-8AD7-2A8939EBDF73}" type="datetimeFigureOut">
               <a:rPr lang="zh-TW" altLang="en-US" smtClean="0"/>
-              <a:t>2021/12/10</a:t>
+              <a:t>2021/12/15</a:t>
             </a:fld>
             <a:endParaRPr lang="zh-TW" altLang="en-US"/>
           </a:p>
@@ -6712,6 +6712,18 @@
   <p:clrMapOvr>
     <a:masterClrMapping/>
   </p:clrMapOvr>
+  <mc:AlternateContent xmlns:mc="http://schemas.openxmlformats.org/markup-compatibility/2006">
+    <mc:Choice xmlns:p159="http://schemas.microsoft.com/office/powerpoint/2015/09/main" Requires="p159">
+      <p:transition xmlns:p14="http://schemas.microsoft.com/office/powerpoint/2010/main" spd="slow" p14:dur="2000">
+        <p159:morph option="byChar"/>
+      </p:transition>
+    </mc:Choice>
+    <mc:Fallback>
+      <p:transition spd="slow">
+        <p:fade/>
+      </p:transition>
+    </mc:Fallback>
+  </mc:AlternateContent>
 </p:sld>
 </file>
 
@@ -7005,6 +7017,18 @@
   <p:clrMapOvr>
     <a:masterClrMapping/>
   </p:clrMapOvr>
+  <mc:AlternateContent xmlns:mc="http://schemas.openxmlformats.org/markup-compatibility/2006">
+    <mc:Choice xmlns:p14="http://schemas.microsoft.com/office/powerpoint/2010/main" Requires="p14">
+      <p:transition spd="med" p14:dur="700">
+        <p:fade/>
+      </p:transition>
+    </mc:Choice>
+    <mc:Fallback>
+      <p:transition spd="med">
+        <p:fade/>
+      </p:transition>
+    </mc:Fallback>
+  </mc:AlternateContent>
 </p:sld>
 </file>
 

--- a/Dino-AI .pptx
+++ b/Dino-AI .pptx
@@ -631,7 +631,7 @@
           <a:p>
             <a:fld id="{7171CAF3-24F7-4C16-8AD7-2A8939EBDF73}" type="datetimeFigureOut">
               <a:rPr lang="zh-TW" altLang="en-US" smtClean="0"/>
-              <a:t>2021/12/15</a:t>
+              <a:t>2022/1/14</a:t>
             </a:fld>
             <a:endParaRPr lang="zh-TW" altLang="en-US"/>
           </a:p>
@@ -833,7 +833,7 @@
           <a:p>
             <a:fld id="{7171CAF3-24F7-4C16-8AD7-2A8939EBDF73}" type="datetimeFigureOut">
               <a:rPr lang="zh-TW" altLang="en-US" smtClean="0"/>
-              <a:t>2021/12/15</a:t>
+              <a:t>2022/1/14</a:t>
             </a:fld>
             <a:endParaRPr lang="zh-TW" altLang="en-US"/>
           </a:p>
@@ -1013,7 +1013,7 @@
           <a:p>
             <a:fld id="{7171CAF3-24F7-4C16-8AD7-2A8939EBDF73}" type="datetimeFigureOut">
               <a:rPr lang="zh-TW" altLang="en-US" smtClean="0"/>
-              <a:t>2021/12/15</a:t>
+              <a:t>2022/1/14</a:t>
             </a:fld>
             <a:endParaRPr lang="zh-TW" altLang="en-US"/>
           </a:p>
@@ -1183,7 +1183,7 @@
           <a:p>
             <a:fld id="{7171CAF3-24F7-4C16-8AD7-2A8939EBDF73}" type="datetimeFigureOut">
               <a:rPr lang="zh-TW" altLang="en-US" smtClean="0"/>
-              <a:t>2021/12/15</a:t>
+              <a:t>2022/1/14</a:t>
             </a:fld>
             <a:endParaRPr lang="zh-TW" altLang="en-US"/>
           </a:p>
@@ -1754,7 +1754,7 @@
           <a:p>
             <a:fld id="{7171CAF3-24F7-4C16-8AD7-2A8939EBDF73}" type="datetimeFigureOut">
               <a:rPr lang="zh-TW" altLang="en-US" smtClean="0"/>
-              <a:t>2021/12/15</a:t>
+              <a:t>2022/1/14</a:t>
             </a:fld>
             <a:endParaRPr lang="zh-TW" altLang="en-US"/>
           </a:p>
@@ -2056,7 +2056,7 @@
           <a:p>
             <a:fld id="{7171CAF3-24F7-4C16-8AD7-2A8939EBDF73}" type="datetimeFigureOut">
               <a:rPr lang="zh-TW" altLang="en-US" smtClean="0"/>
-              <a:t>2021/12/15</a:t>
+              <a:t>2022/1/14</a:t>
             </a:fld>
             <a:endParaRPr lang="zh-TW" altLang="en-US"/>
           </a:p>
@@ -2498,7 +2498,7 @@
           <a:p>
             <a:fld id="{7171CAF3-24F7-4C16-8AD7-2A8939EBDF73}" type="datetimeFigureOut">
               <a:rPr lang="zh-TW" altLang="en-US" smtClean="0"/>
-              <a:t>2021/12/15</a:t>
+              <a:t>2022/1/14</a:t>
             </a:fld>
             <a:endParaRPr lang="zh-TW" altLang="en-US"/>
           </a:p>
@@ -2621,7 +2621,7 @@
           <a:p>
             <a:fld id="{7171CAF3-24F7-4C16-8AD7-2A8939EBDF73}" type="datetimeFigureOut">
               <a:rPr lang="zh-TW" altLang="en-US" smtClean="0"/>
-              <a:t>2021/12/15</a:t>
+              <a:t>2022/1/14</a:t>
             </a:fld>
             <a:endParaRPr lang="zh-TW" altLang="en-US"/>
           </a:p>
@@ -2716,7 +2716,7 @@
           <a:p>
             <a:fld id="{7171CAF3-24F7-4C16-8AD7-2A8939EBDF73}" type="datetimeFigureOut">
               <a:rPr lang="zh-TW" altLang="en-US" smtClean="0"/>
-              <a:t>2021/12/15</a:t>
+              <a:t>2022/1/14</a:t>
             </a:fld>
             <a:endParaRPr lang="zh-TW" altLang="en-US"/>
           </a:p>
@@ -3098,7 +3098,7 @@
           <a:p>
             <a:fld id="{7171CAF3-24F7-4C16-8AD7-2A8939EBDF73}" type="datetimeFigureOut">
               <a:rPr lang="zh-TW" altLang="en-US" smtClean="0"/>
-              <a:t>2021/12/15</a:t>
+              <a:t>2022/1/14</a:t>
             </a:fld>
             <a:endParaRPr lang="zh-TW" altLang="en-US"/>
           </a:p>
@@ -3497,7 +3497,7 @@
           <a:p>
             <a:fld id="{7171CAF3-24F7-4C16-8AD7-2A8939EBDF73}" type="datetimeFigureOut">
               <a:rPr lang="zh-TW" altLang="en-US" smtClean="0"/>
-              <a:t>2021/12/15</a:t>
+              <a:t>2022/1/14</a:t>
             </a:fld>
             <a:endParaRPr lang="zh-TW" altLang="en-US"/>
           </a:p>
@@ -3810,7 +3810,7 @@
           <a:p>
             <a:fld id="{7171CAF3-24F7-4C16-8AD7-2A8939EBDF73}" type="datetimeFigureOut">
               <a:rPr lang="zh-TW" altLang="en-US" smtClean="0"/>
-              <a:t>2021/12/15</a:t>
+              <a:t>2022/1/14</a:t>
             </a:fld>
             <a:endParaRPr lang="zh-TW" altLang="en-US"/>
           </a:p>
@@ -6712,13 +6712,13 @@
   <p:clrMapOvr>
     <a:masterClrMapping/>
   </p:clrMapOvr>
-  <mc:AlternateContent xmlns:mc="http://schemas.openxmlformats.org/markup-compatibility/2006">
-    <mc:Choice xmlns:p159="http://schemas.microsoft.com/office/powerpoint/2015/09/main" Requires="p159">
+  <mc:AlternateContent xmlns:mc="http://schemas.openxmlformats.org/markup-compatibility/2006" xmlns:p159="http://schemas.microsoft.com/office/powerpoint/2015/09/main">
+    <mc:Choice Requires="p159">
       <p:transition xmlns:p14="http://schemas.microsoft.com/office/powerpoint/2010/main" spd="slow" p14:dur="2000">
         <p159:morph option="byChar"/>
       </p:transition>
     </mc:Choice>
-    <mc:Fallback>
+    <mc:Fallback xmlns="">
       <p:transition spd="slow">
         <p:fade/>
       </p:transition>
@@ -7017,13 +7017,13 @@
   <p:clrMapOvr>
     <a:masterClrMapping/>
   </p:clrMapOvr>
-  <mc:AlternateContent xmlns:mc="http://schemas.openxmlformats.org/markup-compatibility/2006">
-    <mc:Choice xmlns:p14="http://schemas.microsoft.com/office/powerpoint/2010/main" Requires="p14">
+  <mc:AlternateContent xmlns:mc="http://schemas.openxmlformats.org/markup-compatibility/2006" xmlns:p14="http://schemas.microsoft.com/office/powerpoint/2010/main">
+    <mc:Choice Requires="p14">
       <p:transition spd="med" p14:dur="700">
         <p:fade/>
       </p:transition>
     </mc:Choice>
-    <mc:Fallback>
+    <mc:Fallback xmlns="">
       <p:transition spd="med">
         <p:fade/>
       </p:transition>
@@ -8531,9 +8531,9 @@
         <p:grpSpPr>
           <a:xfrm>
             <a:off x="2293246" y="3703031"/>
-            <a:ext cx="5317171" cy="2713847"/>
+            <a:ext cx="5317171" cy="2331442"/>
             <a:chOff x="3043383" y="3677194"/>
-            <a:chExt cx="5317171" cy="2713847"/>
+            <a:chExt cx="5317171" cy="2331442"/>
           </a:xfrm>
         </p:grpSpPr>
         <p:sp>
@@ -9494,118 +9494,7 @@
             </a:fontRef>
           </p:style>
         </p:cxnSp>
-        <p:sp>
-          <p:nvSpPr>
-            <p:cNvPr id="64" name="矩形 63">
-              <a:extLst>
-                <a:ext uri="{FF2B5EF4-FFF2-40B4-BE49-F238E27FC236}">
-                  <a16:creationId xmlns:a16="http://schemas.microsoft.com/office/drawing/2014/main" id="{2EACAF18-5B98-4499-B19A-18A14FE1745D}"/>
-                </a:ext>
-              </a:extLst>
-            </p:cNvPr>
-            <p:cNvSpPr/>
-            <p:nvPr/>
-          </p:nvSpPr>
-          <p:spPr>
-            <a:xfrm>
-              <a:off x="3043383" y="5961029"/>
-              <a:ext cx="1556022" cy="430012"/>
-            </a:xfrm>
-            <a:prstGeom prst="rect">
-              <a:avLst/>
-            </a:prstGeom>
-            <a:solidFill>
-              <a:srgbClr val="83B5C2"/>
-            </a:solidFill>
-            <a:ln>
-              <a:solidFill>
-                <a:schemeClr val="tx1"/>
-              </a:solidFill>
-            </a:ln>
-          </p:spPr>
-          <p:style>
-            <a:lnRef idx="2">
-              <a:schemeClr val="accent1">
-                <a:shade val="50000"/>
-              </a:schemeClr>
-            </a:lnRef>
-            <a:fillRef idx="1">
-              <a:schemeClr val="accent1"/>
-            </a:fillRef>
-            <a:effectRef idx="0">
-              <a:schemeClr val="accent1"/>
-            </a:effectRef>
-            <a:fontRef idx="minor">
-              <a:schemeClr val="lt1"/>
-            </a:fontRef>
-          </p:style>
-          <p:txBody>
-            <a:bodyPr rtlCol="0" anchor="ctr"/>
-            <a:lstStyle/>
-            <a:p>
-              <a:pPr algn="ctr"/>
-              <a:r>
-                <a:rPr lang="en-US" altLang="zh-TW" sz="1400" dirty="0" err="1">
-                  <a:solidFill>
-                    <a:schemeClr val="tx1"/>
-                  </a:solidFill>
-                  <a:latin typeface="Times New Roman" panose="02020603050405020304" pitchFamily="18" charset="0"/>
-                  <a:ea typeface="微軟正黑體" panose="020B0604030504040204" pitchFamily="34" charset="-120"/>
-                </a:rPr>
-                <a:t>dectect_game</a:t>
-              </a:r>
-              <a:endParaRPr lang="zh-TW" altLang="en-US" sz="1400" dirty="0">
-                <a:solidFill>
-                  <a:schemeClr val="tx1"/>
-                </a:solidFill>
-                <a:latin typeface="Times New Roman" panose="02020603050405020304" pitchFamily="18" charset="0"/>
-                <a:ea typeface="微軟正黑體" panose="020B0604030504040204" pitchFamily="34" charset="-120"/>
-              </a:endParaRPr>
-            </a:p>
-          </p:txBody>
-        </p:sp>
       </p:grpSp>
-      <p:cxnSp>
-        <p:nvCxnSpPr>
-          <p:cNvPr id="61" name="直線接點 60">
-            <a:extLst>
-              <a:ext uri="{FF2B5EF4-FFF2-40B4-BE49-F238E27FC236}">
-                <a16:creationId xmlns:a16="http://schemas.microsoft.com/office/drawing/2014/main" id="{DF793757-2E98-4BB1-AEBD-DD4FFFBA5C73}"/>
-              </a:ext>
-            </a:extLst>
-          </p:cNvPr>
-          <p:cNvCxnSpPr>
-            <a:cxnSpLocks/>
-            <a:stCxn id="5" idx="3"/>
-            <a:endCxn id="64" idx="1"/>
-          </p:cNvCxnSpPr>
-          <p:nvPr/>
-        </p:nvCxnSpPr>
-        <p:spPr>
-          <a:xfrm>
-            <a:off x="1632881" y="3165210"/>
-            <a:ext cx="660365" cy="3036662"/>
-          </a:xfrm>
-          <a:prstGeom prst="line">
-            <a:avLst/>
-          </a:prstGeom>
-          <a:ln w="38100"/>
-        </p:spPr>
-        <p:style>
-          <a:lnRef idx="1">
-            <a:schemeClr val="dk1"/>
-          </a:lnRef>
-          <a:fillRef idx="0">
-            <a:schemeClr val="dk1"/>
-          </a:fillRef>
-          <a:effectRef idx="0">
-            <a:schemeClr val="dk1"/>
-          </a:effectRef>
-          <a:fontRef idx="minor">
-            <a:schemeClr val="tx1"/>
-          </a:fontRef>
-        </p:style>
-      </p:cxnSp>
       <p:cxnSp>
         <p:nvCxnSpPr>
           <p:cNvPr id="57" name="直線接點 56">

--- a/Dino-AI .pptx
+++ b/Dino-AI .pptx
@@ -15,11 +15,6 @@
     <p:sldId id="264" r:id="rId9"/>
     <p:sldId id="265" r:id="rId10"/>
     <p:sldId id="263" r:id="rId11"/>
-    <p:sldId id="270" r:id="rId12"/>
-    <p:sldId id="276" r:id="rId13"/>
-    <p:sldId id="275" r:id="rId14"/>
-    <p:sldId id="274" r:id="rId15"/>
-    <p:sldId id="278" r:id="rId16"/>
   </p:sldIdLst>
   <p:sldSz cx="12192000" cy="6858000"/>
   <p:notesSz cx="6858000" cy="9144000"/>
@@ -149,15 +144,6 @@
             <p14:sldId id="264"/>
             <p14:sldId id="265"/>
             <p14:sldId id="263"/>
-          </p14:sldIdLst>
-        </p14:section>
-        <p14:section name="Others" id="{6316F715-D753-4C8C-92A9-9BED174EAF11}">
-          <p14:sldIdLst>
-            <p14:sldId id="270"/>
-            <p14:sldId id="276"/>
-            <p14:sldId id="275"/>
-            <p14:sldId id="274"/>
-            <p14:sldId id="278"/>
           </p14:sldIdLst>
         </p14:section>
       </p14:sectionLst>
@@ -631,7 +617,7 @@
           <a:p>
             <a:fld id="{7171CAF3-24F7-4C16-8AD7-2A8939EBDF73}" type="datetimeFigureOut">
               <a:rPr lang="zh-TW" altLang="en-US" smtClean="0"/>
-              <a:t>2022/1/14</a:t>
+              <a:t>2022/1/19</a:t>
             </a:fld>
             <a:endParaRPr lang="zh-TW" altLang="en-US"/>
           </a:p>
@@ -833,7 +819,7 @@
           <a:p>
             <a:fld id="{7171CAF3-24F7-4C16-8AD7-2A8939EBDF73}" type="datetimeFigureOut">
               <a:rPr lang="zh-TW" altLang="en-US" smtClean="0"/>
-              <a:t>2022/1/14</a:t>
+              <a:t>2022/1/19</a:t>
             </a:fld>
             <a:endParaRPr lang="zh-TW" altLang="en-US"/>
           </a:p>
@@ -1013,7 +999,7 @@
           <a:p>
             <a:fld id="{7171CAF3-24F7-4C16-8AD7-2A8939EBDF73}" type="datetimeFigureOut">
               <a:rPr lang="zh-TW" altLang="en-US" smtClean="0"/>
-              <a:t>2022/1/14</a:t>
+              <a:t>2022/1/19</a:t>
             </a:fld>
             <a:endParaRPr lang="zh-TW" altLang="en-US"/>
           </a:p>
@@ -1183,7 +1169,7 @@
           <a:p>
             <a:fld id="{7171CAF3-24F7-4C16-8AD7-2A8939EBDF73}" type="datetimeFigureOut">
               <a:rPr lang="zh-TW" altLang="en-US" smtClean="0"/>
-              <a:t>2022/1/14</a:t>
+              <a:t>2022/1/19</a:t>
             </a:fld>
             <a:endParaRPr lang="zh-TW" altLang="en-US"/>
           </a:p>
@@ -1754,7 +1740,7 @@
           <a:p>
             <a:fld id="{7171CAF3-24F7-4C16-8AD7-2A8939EBDF73}" type="datetimeFigureOut">
               <a:rPr lang="zh-TW" altLang="en-US" smtClean="0"/>
-              <a:t>2022/1/14</a:t>
+              <a:t>2022/1/19</a:t>
             </a:fld>
             <a:endParaRPr lang="zh-TW" altLang="en-US"/>
           </a:p>
@@ -2056,7 +2042,7 @@
           <a:p>
             <a:fld id="{7171CAF3-24F7-4C16-8AD7-2A8939EBDF73}" type="datetimeFigureOut">
               <a:rPr lang="zh-TW" altLang="en-US" smtClean="0"/>
-              <a:t>2022/1/14</a:t>
+              <a:t>2022/1/19</a:t>
             </a:fld>
             <a:endParaRPr lang="zh-TW" altLang="en-US"/>
           </a:p>
@@ -2498,7 +2484,7 @@
           <a:p>
             <a:fld id="{7171CAF3-24F7-4C16-8AD7-2A8939EBDF73}" type="datetimeFigureOut">
               <a:rPr lang="zh-TW" altLang="en-US" smtClean="0"/>
-              <a:t>2022/1/14</a:t>
+              <a:t>2022/1/19</a:t>
             </a:fld>
             <a:endParaRPr lang="zh-TW" altLang="en-US"/>
           </a:p>
@@ -2621,7 +2607,7 @@
           <a:p>
             <a:fld id="{7171CAF3-24F7-4C16-8AD7-2A8939EBDF73}" type="datetimeFigureOut">
               <a:rPr lang="zh-TW" altLang="en-US" smtClean="0"/>
-              <a:t>2022/1/14</a:t>
+              <a:t>2022/1/19</a:t>
             </a:fld>
             <a:endParaRPr lang="zh-TW" altLang="en-US"/>
           </a:p>
@@ -2716,7 +2702,7 @@
           <a:p>
             <a:fld id="{7171CAF3-24F7-4C16-8AD7-2A8939EBDF73}" type="datetimeFigureOut">
               <a:rPr lang="zh-TW" altLang="en-US" smtClean="0"/>
-              <a:t>2022/1/14</a:t>
+              <a:t>2022/1/19</a:t>
             </a:fld>
             <a:endParaRPr lang="zh-TW" altLang="en-US"/>
           </a:p>
@@ -3098,7 +3084,7 @@
           <a:p>
             <a:fld id="{7171CAF3-24F7-4C16-8AD7-2A8939EBDF73}" type="datetimeFigureOut">
               <a:rPr lang="zh-TW" altLang="en-US" smtClean="0"/>
-              <a:t>2022/1/14</a:t>
+              <a:t>2022/1/19</a:t>
             </a:fld>
             <a:endParaRPr lang="zh-TW" altLang="en-US"/>
           </a:p>
@@ -3497,7 +3483,7 @@
           <a:p>
             <a:fld id="{7171CAF3-24F7-4C16-8AD7-2A8939EBDF73}" type="datetimeFigureOut">
               <a:rPr lang="zh-TW" altLang="en-US" smtClean="0"/>
-              <a:t>2022/1/14</a:t>
+              <a:t>2022/1/19</a:t>
             </a:fld>
             <a:endParaRPr lang="zh-TW" altLang="en-US"/>
           </a:p>
@@ -3810,7 +3796,7 @@
           <a:p>
             <a:fld id="{7171CAF3-24F7-4C16-8AD7-2A8939EBDF73}" type="datetimeFigureOut">
               <a:rPr lang="zh-TW" altLang="en-US" smtClean="0"/>
-              <a:t>2022/1/14</a:t>
+              <a:t>2022/1/19</a:t>
             </a:fld>
             <a:endParaRPr lang="zh-TW" altLang="en-US"/>
           </a:p>
@@ -4415,24 +4401,30 @@
       </p:sp>
       <p:grpSp>
         <p:nvGrpSpPr>
-          <p:cNvPr id="33" name="群組 32"/>
+          <p:cNvPr id="34" name="群組 33">
+            <a:extLst>
+              <a:ext uri="{FF2B5EF4-FFF2-40B4-BE49-F238E27FC236}">
+                <a16:creationId xmlns:a16="http://schemas.microsoft.com/office/drawing/2014/main" id="{6D6B4A48-9A6E-48A7-B042-CEF481474E6E}"/>
+              </a:ext>
+            </a:extLst>
+          </p:cNvPr>
           <p:cNvGrpSpPr/>
           <p:nvPr/>
         </p:nvGrpSpPr>
         <p:grpSpPr>
           <a:xfrm>
-            <a:off x="1517462" y="1637395"/>
-            <a:ext cx="10441673" cy="4676213"/>
-            <a:chOff x="1517462" y="1637395"/>
-            <a:chExt cx="10441673" cy="4676213"/>
+            <a:off x="1545026" y="2226942"/>
+            <a:ext cx="9956909" cy="3468822"/>
+            <a:chOff x="1417765" y="1646821"/>
+            <a:chExt cx="9956909" cy="3468822"/>
           </a:xfrm>
         </p:grpSpPr>
         <p:grpSp>
           <p:nvGrpSpPr>
-            <p:cNvPr id="34" name="群組 33">
+            <p:cNvPr id="37" name="群組 36">
               <a:extLst>
                 <a:ext uri="{FF2B5EF4-FFF2-40B4-BE49-F238E27FC236}">
-                  <a16:creationId xmlns:a16="http://schemas.microsoft.com/office/drawing/2014/main" id="{6D6B4A48-9A6E-48A7-B042-CEF481474E6E}"/>
+                  <a16:creationId xmlns:a16="http://schemas.microsoft.com/office/drawing/2014/main" id="{F98273AC-8549-40A8-B8F5-A65780969BC6}"/>
                 </a:ext>
               </a:extLst>
             </p:cNvPr>
@@ -4441,18 +4433,18 @@
           </p:nvGrpSpPr>
           <p:grpSpPr>
             <a:xfrm>
-              <a:off x="1517462" y="1637395"/>
-              <a:ext cx="10441673" cy="4676213"/>
-              <a:chOff x="933001" y="1646821"/>
-              <a:chExt cx="10441673" cy="4676213"/>
+              <a:off x="1417765" y="1646821"/>
+              <a:ext cx="9956909" cy="3406154"/>
+              <a:chOff x="1901131" y="1490975"/>
+              <a:chExt cx="9956909" cy="3406154"/>
             </a:xfrm>
           </p:grpSpPr>
           <p:grpSp>
             <p:nvGrpSpPr>
-              <p:cNvPr id="37" name="群組 36">
+              <p:cNvPr id="44" name="群組 43">
                 <a:extLst>
                   <a:ext uri="{FF2B5EF4-FFF2-40B4-BE49-F238E27FC236}">
-                    <a16:creationId xmlns:a16="http://schemas.microsoft.com/office/drawing/2014/main" id="{F98273AC-8549-40A8-B8F5-A65780969BC6}"/>
+                    <a16:creationId xmlns:a16="http://schemas.microsoft.com/office/drawing/2014/main" id="{D83466AA-0A08-4FBB-9A49-24AC719868CF}"/>
                   </a:ext>
                 </a:extLst>
               </p:cNvPr>
@@ -4461,18 +4453,18 @@
             </p:nvGrpSpPr>
             <p:grpSpPr>
               <a:xfrm>
-                <a:off x="933001" y="1646821"/>
-                <a:ext cx="10441673" cy="4676213"/>
-                <a:chOff x="1416367" y="1490975"/>
-                <a:chExt cx="10441673" cy="4676213"/>
+                <a:off x="1901131" y="1490975"/>
+                <a:ext cx="9956909" cy="3406154"/>
+                <a:chOff x="1763599" y="1578292"/>
+                <a:chExt cx="9956909" cy="3406154"/>
               </a:xfrm>
             </p:grpSpPr>
             <p:grpSp>
               <p:nvGrpSpPr>
-                <p:cNvPr id="42" name="群組 41">
+                <p:cNvPr id="46" name="群組 45">
                   <a:extLst>
                     <a:ext uri="{FF2B5EF4-FFF2-40B4-BE49-F238E27FC236}">
-                      <a16:creationId xmlns:a16="http://schemas.microsoft.com/office/drawing/2014/main" id="{6B4EA078-F3D7-4740-8D86-BC7C7AB31851}"/>
+                      <a16:creationId xmlns:a16="http://schemas.microsoft.com/office/drawing/2014/main" id="{57C8A485-901B-4859-8D8A-33E096A224FD}"/>
                     </a:ext>
                   </a:extLst>
                 </p:cNvPr>
@@ -4481,1365 +4473,1038 @@
               </p:nvGrpSpPr>
               <p:grpSpPr>
                 <a:xfrm>
-                  <a:off x="1416367" y="1490975"/>
-                  <a:ext cx="10441673" cy="4676213"/>
-                  <a:chOff x="1335395" y="1625427"/>
-                  <a:chExt cx="10441673" cy="4676213"/>
+                  <a:off x="1763599" y="1578292"/>
+                  <a:ext cx="9956909" cy="3406154"/>
+                  <a:chOff x="904974" y="1749892"/>
+                  <a:chExt cx="8490002" cy="2656220"/>
                 </a:xfrm>
               </p:grpSpPr>
-              <p:grpSp>
-                <p:nvGrpSpPr>
-                  <p:cNvPr id="44" name="群組 43">
+              <p:sp>
+                <p:nvSpPr>
+                  <p:cNvPr id="49" name="矩形 48">
                     <a:extLst>
                       <a:ext uri="{FF2B5EF4-FFF2-40B4-BE49-F238E27FC236}">
-                        <a16:creationId xmlns:a16="http://schemas.microsoft.com/office/drawing/2014/main" id="{D83466AA-0A08-4FBB-9A49-24AC719868CF}"/>
+                        <a16:creationId xmlns:a16="http://schemas.microsoft.com/office/drawing/2014/main" id="{BDE6EBCF-2070-4EFB-83E5-5534EE2EACE5}"/>
                       </a:ext>
                     </a:extLst>
                   </p:cNvPr>
-                  <p:cNvGrpSpPr/>
+                  <p:cNvSpPr/>
                   <p:nvPr/>
-                </p:nvGrpSpPr>
-                <p:grpSpPr>
+                </p:nvSpPr>
+                <p:spPr>
                   <a:xfrm>
-                    <a:off x="1335395" y="1625427"/>
-                    <a:ext cx="10441673" cy="4676213"/>
-                    <a:chOff x="1278835" y="1578292"/>
-                    <a:chExt cx="10441673" cy="4676213"/>
+                    <a:off x="904974" y="1823458"/>
+                    <a:ext cx="1216057" cy="391841"/>
                   </a:xfrm>
-                </p:grpSpPr>
-                <p:grpSp>
-                  <p:nvGrpSpPr>
-                    <p:cNvPr id="46" name="群組 45">
-                      <a:extLst>
-                        <a:ext uri="{FF2B5EF4-FFF2-40B4-BE49-F238E27FC236}">
-                          <a16:creationId xmlns:a16="http://schemas.microsoft.com/office/drawing/2014/main" id="{57C8A485-901B-4859-8D8A-33E096A224FD}"/>
-                        </a:ext>
-                      </a:extLst>
-                    </p:cNvPr>
-                    <p:cNvGrpSpPr/>
-                    <p:nvPr/>
-                  </p:nvGrpSpPr>
-                  <p:grpSpPr>
-                    <a:xfrm>
-                      <a:off x="1278835" y="1578292"/>
-                      <a:ext cx="10441673" cy="4676213"/>
-                      <a:chOff x="491628" y="1749892"/>
-                      <a:chExt cx="8903348" cy="3646650"/>
-                    </a:xfrm>
-                  </p:grpSpPr>
-                  <p:sp>
-                    <p:nvSpPr>
-                      <p:cNvPr id="49" name="矩形 48">
-                        <a:extLst>
-                          <a:ext uri="{FF2B5EF4-FFF2-40B4-BE49-F238E27FC236}">
-                            <a16:creationId xmlns:a16="http://schemas.microsoft.com/office/drawing/2014/main" id="{BDE6EBCF-2070-4EFB-83E5-5534EE2EACE5}"/>
-                          </a:ext>
-                        </a:extLst>
-                      </p:cNvPr>
-                      <p:cNvSpPr/>
-                      <p:nvPr/>
-                    </p:nvSpPr>
-                    <p:spPr>
-                      <a:xfrm>
-                        <a:off x="904974" y="1823458"/>
-                        <a:ext cx="1216057" cy="391841"/>
-                      </a:xfrm>
-                      <a:prstGeom prst="rect">
-                        <a:avLst/>
-                      </a:prstGeom>
-                      <a:solidFill>
-                        <a:srgbClr val="83B5C2"/>
-                      </a:solidFill>
-                      <a:ln>
+                  <a:prstGeom prst="rect">
+                    <a:avLst/>
+                  </a:prstGeom>
+                  <a:solidFill>
+                    <a:srgbClr val="83B5C2"/>
+                  </a:solidFill>
+                  <a:ln>
+                    <a:solidFill>
+                      <a:schemeClr val="tx1"/>
+                    </a:solidFill>
+                  </a:ln>
+                </p:spPr>
+                <p:style>
+                  <a:lnRef idx="2">
+                    <a:schemeClr val="accent1">
+                      <a:shade val="50000"/>
+                    </a:schemeClr>
+                  </a:lnRef>
+                  <a:fillRef idx="1">
+                    <a:schemeClr val="accent1"/>
+                  </a:fillRef>
+                  <a:effectRef idx="0">
+                    <a:schemeClr val="accent1"/>
+                  </a:effectRef>
+                  <a:fontRef idx="minor">
+                    <a:schemeClr val="lt1"/>
+                  </a:fontRef>
+                </p:style>
+                <p:txBody>
+                  <a:bodyPr rtlCol="0" anchor="ctr"/>
+                  <a:lstStyle/>
+                  <a:p>
+                    <a:pPr algn="ctr"/>
+                    <a:r>
+                      <a:rPr lang="en-US" altLang="zh-TW" sz="1400" dirty="0">
                         <a:solidFill>
                           <a:schemeClr val="tx1"/>
                         </a:solidFill>
-                      </a:ln>
-                    </p:spPr>
-                    <p:style>
-                      <a:lnRef idx="2">
-                        <a:schemeClr val="accent1">
-                          <a:shade val="50000"/>
-                        </a:schemeClr>
-                      </a:lnRef>
-                      <a:fillRef idx="1">
-                        <a:schemeClr val="accent1"/>
-                      </a:fillRef>
-                      <a:effectRef idx="0">
-                        <a:schemeClr val="accent1"/>
-                      </a:effectRef>
-                      <a:fontRef idx="minor">
-                        <a:schemeClr val="lt1"/>
-                      </a:fontRef>
-                    </p:style>
-                    <p:txBody>
-                      <a:bodyPr rtlCol="0" anchor="ctr"/>
-                      <a:lstStyle/>
-                      <a:p>
-                        <a:pPr algn="ctr"/>
-                        <a:r>
-                          <a:rPr lang="en-US" altLang="zh-TW" sz="1400" dirty="0">
-                            <a:solidFill>
-                              <a:schemeClr val="tx1"/>
-                            </a:solidFill>
-                            <a:latin typeface="Times New Roman" panose="02020603050405020304" pitchFamily="18" charset="0"/>
-                            <a:cs typeface="Times New Roman" panose="02020603050405020304" pitchFamily="18" charset="0"/>
-                          </a:rPr>
-                          <a:t>Before Start</a:t>
-                        </a:r>
-                        <a:endParaRPr lang="zh-TW" altLang="en-US" sz="1400" dirty="0">
-                          <a:solidFill>
-                            <a:schemeClr val="tx1"/>
-                          </a:solidFill>
-                          <a:latin typeface="Times New Roman" panose="02020603050405020304" pitchFamily="18" charset="0"/>
-                          <a:cs typeface="Times New Roman" panose="02020603050405020304" pitchFamily="18" charset="0"/>
-                        </a:endParaRPr>
-                      </a:p>
-                    </p:txBody>
-                  </p:sp>
-                  <p:sp>
-                    <p:nvSpPr>
-                      <p:cNvPr id="50" name="矩形 49">
-                        <a:extLst>
-                          <a:ext uri="{FF2B5EF4-FFF2-40B4-BE49-F238E27FC236}">
-                            <a16:creationId xmlns:a16="http://schemas.microsoft.com/office/drawing/2014/main" id="{E2FAEC07-5898-4D44-ACA4-7BBD27527F9C}"/>
-                          </a:ext>
-                        </a:extLst>
-                      </p:cNvPr>
-                      <p:cNvSpPr/>
-                      <p:nvPr/>
-                    </p:nvSpPr>
-                    <p:spPr>
-                      <a:xfrm>
-                        <a:off x="2699995" y="1823457"/>
-                        <a:ext cx="1073083" cy="391841"/>
-                      </a:xfrm>
-                      <a:prstGeom prst="rect">
-                        <a:avLst/>
-                      </a:prstGeom>
+                        <a:latin typeface="Times New Roman" panose="02020603050405020304" pitchFamily="18" charset="0"/>
+                        <a:cs typeface="Times New Roman" panose="02020603050405020304" pitchFamily="18" charset="0"/>
+                      </a:rPr>
+                      <a:t>Before Start</a:t>
+                    </a:r>
+                    <a:endParaRPr lang="zh-TW" altLang="en-US" sz="1400" dirty="0">
                       <a:solidFill>
-                        <a:srgbClr val="83B5C2"/>
+                        <a:schemeClr val="tx1"/>
                       </a:solidFill>
-                      <a:ln>
+                      <a:latin typeface="Times New Roman" panose="02020603050405020304" pitchFamily="18" charset="0"/>
+                      <a:cs typeface="Times New Roman" panose="02020603050405020304" pitchFamily="18" charset="0"/>
+                    </a:endParaRPr>
+                  </a:p>
+                </p:txBody>
+              </p:sp>
+              <p:sp>
+                <p:nvSpPr>
+                  <p:cNvPr id="50" name="矩形 49">
+                    <a:extLst>
+                      <a:ext uri="{FF2B5EF4-FFF2-40B4-BE49-F238E27FC236}">
+                        <a16:creationId xmlns:a16="http://schemas.microsoft.com/office/drawing/2014/main" id="{E2FAEC07-5898-4D44-ACA4-7BBD27527F9C}"/>
+                      </a:ext>
+                    </a:extLst>
+                  </p:cNvPr>
+                  <p:cNvSpPr/>
+                  <p:nvPr/>
+                </p:nvSpPr>
+                <p:spPr>
+                  <a:xfrm>
+                    <a:off x="2699995" y="1823457"/>
+                    <a:ext cx="1073083" cy="391841"/>
+                  </a:xfrm>
+                  <a:prstGeom prst="rect">
+                    <a:avLst/>
+                  </a:prstGeom>
+                  <a:solidFill>
+                    <a:srgbClr val="83B5C2"/>
+                  </a:solidFill>
+                  <a:ln>
+                    <a:solidFill>
+                      <a:schemeClr val="tx1"/>
+                    </a:solidFill>
+                  </a:ln>
+                </p:spPr>
+                <p:style>
+                  <a:lnRef idx="2">
+                    <a:schemeClr val="accent1">
+                      <a:shade val="50000"/>
+                    </a:schemeClr>
+                  </a:lnRef>
+                  <a:fillRef idx="1">
+                    <a:schemeClr val="accent1"/>
+                  </a:fillRef>
+                  <a:effectRef idx="0">
+                    <a:schemeClr val="accent1"/>
+                  </a:effectRef>
+                  <a:fontRef idx="minor">
+                    <a:schemeClr val="lt1"/>
+                  </a:fontRef>
+                </p:style>
+                <p:txBody>
+                  <a:bodyPr rtlCol="0" anchor="ctr"/>
+                  <a:lstStyle/>
+                  <a:p>
+                    <a:pPr algn="ctr"/>
+                    <a:r>
+                      <a:rPr lang="en-US" altLang="zh-TW" sz="1400" dirty="0">
                         <a:solidFill>
                           <a:schemeClr val="tx1"/>
                         </a:solidFill>
-                      </a:ln>
-                    </p:spPr>
-                    <p:style>
-                      <a:lnRef idx="2">
-                        <a:schemeClr val="accent1">
-                          <a:shade val="50000"/>
-                        </a:schemeClr>
-                      </a:lnRef>
-                      <a:fillRef idx="1">
-                        <a:schemeClr val="accent1"/>
-                      </a:fillRef>
-                      <a:effectRef idx="0">
-                        <a:schemeClr val="accent1"/>
-                      </a:effectRef>
-                      <a:fontRef idx="minor">
-                        <a:schemeClr val="lt1"/>
-                      </a:fontRef>
-                    </p:style>
-                    <p:txBody>
-                      <a:bodyPr rtlCol="0" anchor="ctr"/>
-                      <a:lstStyle/>
-                      <a:p>
-                        <a:pPr algn="ctr"/>
-                        <a:r>
-                          <a:rPr lang="en-US" altLang="zh-TW" sz="1400" dirty="0">
-                            <a:solidFill>
-                              <a:schemeClr val="tx1"/>
-                            </a:solidFill>
-                            <a:latin typeface="Times New Roman" panose="02020603050405020304" pitchFamily="18" charset="0"/>
-                            <a:cs typeface="Times New Roman" panose="02020603050405020304" pitchFamily="18" charset="0"/>
-                          </a:rPr>
-                          <a:t>roi</a:t>
-                        </a:r>
-                        <a:endParaRPr lang="zh-TW" altLang="en-US" sz="1400" dirty="0">
-                          <a:solidFill>
-                            <a:schemeClr val="tx1"/>
-                          </a:solidFill>
-                          <a:latin typeface="Times New Roman" panose="02020603050405020304" pitchFamily="18" charset="0"/>
-                          <a:cs typeface="Times New Roman" panose="02020603050405020304" pitchFamily="18" charset="0"/>
-                        </a:endParaRPr>
-                      </a:p>
-                    </p:txBody>
-                  </p:sp>
-                  <p:sp>
-                    <p:nvSpPr>
-                      <p:cNvPr id="51" name="矩形 50">
-                        <a:extLst>
-                          <a:ext uri="{FF2B5EF4-FFF2-40B4-BE49-F238E27FC236}">
-                            <a16:creationId xmlns:a16="http://schemas.microsoft.com/office/drawing/2014/main" id="{4B9FCA04-B4BE-4622-B7E6-F4E669ABBC56}"/>
-                          </a:ext>
-                        </a:extLst>
-                      </p:cNvPr>
-                      <p:cNvSpPr/>
-                      <p:nvPr/>
-                    </p:nvSpPr>
-                    <p:spPr>
-                      <a:xfrm>
-                        <a:off x="904974" y="3559561"/>
-                        <a:ext cx="1216057" cy="391841"/>
-                      </a:xfrm>
-                      <a:prstGeom prst="rect">
-                        <a:avLst/>
-                      </a:prstGeom>
+                        <a:latin typeface="Times New Roman" panose="02020603050405020304" pitchFamily="18" charset="0"/>
+                        <a:cs typeface="Times New Roman" panose="02020603050405020304" pitchFamily="18" charset="0"/>
+                      </a:rPr>
+                      <a:t>roi</a:t>
+                    </a:r>
+                    <a:endParaRPr lang="zh-TW" altLang="en-US" sz="1400" dirty="0">
                       <a:solidFill>
-                        <a:srgbClr val="83B5C2"/>
+                        <a:schemeClr val="tx1"/>
                       </a:solidFill>
-                      <a:ln>
+                      <a:latin typeface="Times New Roman" panose="02020603050405020304" pitchFamily="18" charset="0"/>
+                      <a:cs typeface="Times New Roman" panose="02020603050405020304" pitchFamily="18" charset="0"/>
+                    </a:endParaRPr>
+                  </a:p>
+                </p:txBody>
+              </p:sp>
+              <p:sp>
+                <p:nvSpPr>
+                  <p:cNvPr id="51" name="矩形 50">
+                    <a:extLst>
+                      <a:ext uri="{FF2B5EF4-FFF2-40B4-BE49-F238E27FC236}">
+                        <a16:creationId xmlns:a16="http://schemas.microsoft.com/office/drawing/2014/main" id="{4B9FCA04-B4BE-4622-B7E6-F4E669ABBC56}"/>
+                      </a:ext>
+                    </a:extLst>
+                  </p:cNvPr>
+                  <p:cNvSpPr/>
+                  <p:nvPr/>
+                </p:nvSpPr>
+                <p:spPr>
+                  <a:xfrm>
+                    <a:off x="904974" y="3559561"/>
+                    <a:ext cx="1216057" cy="391841"/>
+                  </a:xfrm>
+                  <a:prstGeom prst="rect">
+                    <a:avLst/>
+                  </a:prstGeom>
+                  <a:solidFill>
+                    <a:srgbClr val="83B5C2"/>
+                  </a:solidFill>
+                  <a:ln>
+                    <a:solidFill>
+                      <a:schemeClr val="tx1"/>
+                    </a:solidFill>
+                  </a:ln>
+                </p:spPr>
+                <p:style>
+                  <a:lnRef idx="2">
+                    <a:schemeClr val="accent1">
+                      <a:shade val="50000"/>
+                    </a:schemeClr>
+                  </a:lnRef>
+                  <a:fillRef idx="1">
+                    <a:schemeClr val="accent1"/>
+                  </a:fillRef>
+                  <a:effectRef idx="0">
+                    <a:schemeClr val="accent1"/>
+                  </a:effectRef>
+                  <a:fontRef idx="minor">
+                    <a:schemeClr val="lt1"/>
+                  </a:fontRef>
+                </p:style>
+                <p:txBody>
+                  <a:bodyPr rtlCol="0" anchor="ctr"/>
+                  <a:lstStyle/>
+                  <a:p>
+                    <a:pPr algn="ctr"/>
+                    <a:r>
+                      <a:rPr lang="en-US" altLang="zh-TW" sz="1400" dirty="0">
                         <a:solidFill>
                           <a:schemeClr val="tx1"/>
                         </a:solidFill>
-                      </a:ln>
-                    </p:spPr>
-                    <p:style>
-                      <a:lnRef idx="2">
-                        <a:schemeClr val="accent1">
-                          <a:shade val="50000"/>
-                        </a:schemeClr>
-                      </a:lnRef>
-                      <a:fillRef idx="1">
-                        <a:schemeClr val="accent1"/>
-                      </a:fillRef>
-                      <a:effectRef idx="0">
-                        <a:schemeClr val="accent1"/>
-                      </a:effectRef>
-                      <a:fontRef idx="minor">
-                        <a:schemeClr val="lt1"/>
-                      </a:fontRef>
-                    </p:style>
-                    <p:txBody>
-                      <a:bodyPr rtlCol="0" anchor="ctr"/>
-                      <a:lstStyle/>
-                      <a:p>
-                        <a:pPr algn="ctr"/>
-                        <a:r>
-                          <a:rPr lang="en-US" altLang="zh-TW" sz="1400" dirty="0">
-                            <a:solidFill>
-                              <a:schemeClr val="tx1"/>
-                            </a:solidFill>
-                            <a:latin typeface="Times New Roman" panose="02020603050405020304" pitchFamily="18" charset="0"/>
-                            <a:cs typeface="Times New Roman" panose="02020603050405020304" pitchFamily="18" charset="0"/>
-                          </a:rPr>
-                          <a:t>Start</a:t>
-                        </a:r>
-                        <a:endParaRPr lang="zh-TW" altLang="en-US" sz="1400" dirty="0">
-                          <a:solidFill>
-                            <a:schemeClr val="tx1"/>
-                          </a:solidFill>
-                          <a:latin typeface="Times New Roman" panose="02020603050405020304" pitchFamily="18" charset="0"/>
-                          <a:cs typeface="Times New Roman" panose="02020603050405020304" pitchFamily="18" charset="0"/>
-                        </a:endParaRPr>
-                      </a:p>
-                    </p:txBody>
-                  </p:sp>
-                  <p:cxnSp>
-                    <p:nvCxnSpPr>
-                      <p:cNvPr id="52" name="直線單箭頭接點 51">
-                        <a:extLst>
-                          <a:ext uri="{FF2B5EF4-FFF2-40B4-BE49-F238E27FC236}">
-                            <a16:creationId xmlns:a16="http://schemas.microsoft.com/office/drawing/2014/main" id="{3B42F123-254F-4E20-97EF-93F0790DC950}"/>
-                          </a:ext>
-                        </a:extLst>
-                      </p:cNvPr>
-                      <p:cNvCxnSpPr>
-                        <a:cxnSpLocks/>
-                        <a:stCxn id="49" idx="3"/>
-                        <a:endCxn id="50" idx="1"/>
-                      </p:cNvCxnSpPr>
-                      <p:nvPr/>
-                    </p:nvCxnSpPr>
-                    <p:spPr>
-                      <a:xfrm flipV="1">
-                        <a:off x="2121031" y="2019378"/>
-                        <a:ext cx="578964" cy="1"/>
-                      </a:xfrm>
-                      <a:prstGeom prst="straightConnector1">
-                        <a:avLst/>
-                      </a:prstGeom>
-                      <a:ln w="38100">
-                        <a:tailEnd type="triangle"/>
-                      </a:ln>
-                    </p:spPr>
-                    <p:style>
-                      <a:lnRef idx="1">
-                        <a:schemeClr val="dk1"/>
-                      </a:lnRef>
-                      <a:fillRef idx="0">
-                        <a:schemeClr val="dk1"/>
-                      </a:fillRef>
-                      <a:effectRef idx="0">
-                        <a:schemeClr val="dk1"/>
-                      </a:effectRef>
-                      <a:fontRef idx="minor">
+                        <a:latin typeface="Times New Roman" panose="02020603050405020304" pitchFamily="18" charset="0"/>
+                        <a:cs typeface="Times New Roman" panose="02020603050405020304" pitchFamily="18" charset="0"/>
+                      </a:rPr>
+                      <a:t>Start</a:t>
+                    </a:r>
+                    <a:endParaRPr lang="zh-TW" altLang="en-US" sz="1400" dirty="0">
+                      <a:solidFill>
                         <a:schemeClr val="tx1"/>
-                      </a:fontRef>
-                    </p:style>
-                  </p:cxnSp>
-                  <p:sp>
-                    <p:nvSpPr>
-                      <p:cNvPr id="54" name="矩形 53">
-                        <a:extLst>
-                          <a:ext uri="{FF2B5EF4-FFF2-40B4-BE49-F238E27FC236}">
-                            <a16:creationId xmlns:a16="http://schemas.microsoft.com/office/drawing/2014/main" id="{EE56C630-35BC-450D-99B7-F3EE3EC07157}"/>
-                          </a:ext>
-                        </a:extLst>
-                      </p:cNvPr>
-                      <p:cNvSpPr/>
-                      <p:nvPr/>
-                    </p:nvSpPr>
-                    <p:spPr>
-                      <a:xfrm>
-                        <a:off x="2631456" y="3559561"/>
-                        <a:ext cx="1216057" cy="391841"/>
-                      </a:xfrm>
-                      <a:prstGeom prst="rect">
-                        <a:avLst/>
-                      </a:prstGeom>
-                      <a:solidFill>
-                        <a:srgbClr val="83B5C2"/>
                       </a:solidFill>
-                      <a:ln>
-                        <a:solidFill>
-                          <a:schemeClr val="tx1"/>
-                        </a:solidFill>
-                      </a:ln>
-                    </p:spPr>
-                    <p:style>
-                      <a:lnRef idx="2">
-                        <a:schemeClr val="accent1">
-                          <a:shade val="50000"/>
-                        </a:schemeClr>
-                      </a:lnRef>
-                      <a:fillRef idx="1">
-                        <a:schemeClr val="accent1"/>
-                      </a:fillRef>
-                      <a:effectRef idx="0">
-                        <a:schemeClr val="accent1"/>
-                      </a:effectRef>
-                      <a:fontRef idx="minor">
-                        <a:schemeClr val="lt1"/>
-                      </a:fontRef>
-                    </p:style>
-                    <p:txBody>
-                      <a:bodyPr rtlCol="0" anchor="ctr"/>
-                      <a:lstStyle/>
-                      <a:p>
-                        <a:pPr algn="ctr"/>
-                        <a:r>
-                          <a:rPr lang="en-US" altLang="zh-TW" sz="1400" dirty="0" err="1">
-                            <a:solidFill>
-                              <a:schemeClr val="tx1"/>
-                            </a:solidFill>
-                            <a:latin typeface="Times New Roman" panose="02020603050405020304" pitchFamily="18" charset="0"/>
-                            <a:cs typeface="Times New Roman" panose="02020603050405020304" pitchFamily="18" charset="0"/>
-                          </a:rPr>
-                          <a:t>get_data</a:t>
-                        </a:r>
-                        <a:endParaRPr lang="zh-TW" altLang="en-US" sz="1400" dirty="0">
-                          <a:solidFill>
-                            <a:schemeClr val="tx1"/>
-                          </a:solidFill>
-                          <a:latin typeface="Times New Roman" panose="02020603050405020304" pitchFamily="18" charset="0"/>
-                          <a:cs typeface="Times New Roman" panose="02020603050405020304" pitchFamily="18" charset="0"/>
-                        </a:endParaRPr>
-                      </a:p>
-                    </p:txBody>
-                  </p:sp>
-                  <p:cxnSp>
-                    <p:nvCxnSpPr>
-                      <p:cNvPr id="55" name="直線單箭頭接點 54">
-                        <a:extLst>
-                          <a:ext uri="{FF2B5EF4-FFF2-40B4-BE49-F238E27FC236}">
-                            <a16:creationId xmlns:a16="http://schemas.microsoft.com/office/drawing/2014/main" id="{86933AED-5295-4975-B89F-5033ECB0E45E}"/>
-                          </a:ext>
-                        </a:extLst>
-                      </p:cNvPr>
-                      <p:cNvCxnSpPr>
-                        <a:cxnSpLocks/>
-                        <a:stCxn id="51" idx="3"/>
-                        <a:endCxn id="54" idx="1"/>
-                      </p:cNvCxnSpPr>
-                      <p:nvPr/>
-                    </p:nvCxnSpPr>
-                    <p:spPr>
-                      <a:xfrm>
-                        <a:off x="2121031" y="3755482"/>
-                        <a:ext cx="510425" cy="0"/>
-                      </a:xfrm>
-                      <a:prstGeom prst="straightConnector1">
-                        <a:avLst/>
-                      </a:prstGeom>
-                      <a:ln w="38100">
-                        <a:tailEnd type="triangle"/>
-                      </a:ln>
-                    </p:spPr>
-                    <p:style>
-                      <a:lnRef idx="1">
-                        <a:schemeClr val="dk1"/>
-                      </a:lnRef>
-                      <a:fillRef idx="0">
-                        <a:schemeClr val="dk1"/>
-                      </a:fillRef>
-                      <a:effectRef idx="0">
-                        <a:schemeClr val="dk1"/>
-                      </a:effectRef>
-                      <a:fontRef idx="minor">
-                        <a:schemeClr val="tx1"/>
-                      </a:fontRef>
-                    </p:style>
-                  </p:cxnSp>
-                  <p:sp>
-                    <p:nvSpPr>
-                      <p:cNvPr id="56" name="矩形 55">
-                        <a:extLst>
-                          <a:ext uri="{FF2B5EF4-FFF2-40B4-BE49-F238E27FC236}">
-                            <a16:creationId xmlns:a16="http://schemas.microsoft.com/office/drawing/2014/main" id="{D8B96B90-5618-45A4-9B86-AD5C7E95087A}"/>
-                          </a:ext>
-                        </a:extLst>
-                      </p:cNvPr>
-                      <p:cNvSpPr/>
-                      <p:nvPr/>
-                    </p:nvSpPr>
-                    <p:spPr>
-                      <a:xfrm>
-                        <a:off x="4640060" y="3559560"/>
-                        <a:ext cx="1216057" cy="391841"/>
-                      </a:xfrm>
-                      <a:prstGeom prst="rect">
-                        <a:avLst/>
-                      </a:prstGeom>
-                      <a:solidFill>
-                        <a:srgbClr val="83B5C2"/>
-                      </a:solidFill>
-                      <a:ln>
-                        <a:solidFill>
-                          <a:schemeClr val="tx1"/>
-                        </a:solidFill>
-                      </a:ln>
-                    </p:spPr>
-                    <p:style>
-                      <a:lnRef idx="2">
-                        <a:schemeClr val="accent1">
-                          <a:shade val="50000"/>
-                        </a:schemeClr>
-                      </a:lnRef>
-                      <a:fillRef idx="1">
-                        <a:schemeClr val="accent1"/>
-                      </a:fillRef>
-                      <a:effectRef idx="0">
-                        <a:schemeClr val="accent1"/>
-                      </a:effectRef>
-                      <a:fontRef idx="minor">
-                        <a:schemeClr val="lt1"/>
-                      </a:fontRef>
-                    </p:style>
-                    <p:txBody>
-                      <a:bodyPr rtlCol="0" anchor="ctr"/>
-                      <a:lstStyle/>
-                      <a:p>
-                        <a:pPr algn="ctr"/>
-                        <a:r>
-                          <a:rPr lang="en-US" altLang="zh-TW" sz="1400" dirty="0" err="1">
-                            <a:solidFill>
-                              <a:schemeClr val="tx1"/>
-                            </a:solidFill>
-                            <a:latin typeface="Times New Roman" panose="02020603050405020304" pitchFamily="18" charset="0"/>
-                            <a:cs typeface="Times New Roman" panose="02020603050405020304" pitchFamily="18" charset="0"/>
-                          </a:rPr>
-                          <a:t>train_model</a:t>
-                        </a:r>
-                        <a:endParaRPr lang="zh-TW" altLang="en-US" sz="1400" dirty="0">
-                          <a:solidFill>
-                            <a:schemeClr val="tx1"/>
-                          </a:solidFill>
-                          <a:latin typeface="Times New Roman" panose="02020603050405020304" pitchFamily="18" charset="0"/>
-                          <a:cs typeface="Times New Roman" panose="02020603050405020304" pitchFamily="18" charset="0"/>
-                        </a:endParaRPr>
-                      </a:p>
-                    </p:txBody>
-                  </p:sp>
-                  <p:cxnSp>
-                    <p:nvCxnSpPr>
-                      <p:cNvPr id="57" name="直線單箭頭接點 56">
-                        <a:extLst>
-                          <a:ext uri="{FF2B5EF4-FFF2-40B4-BE49-F238E27FC236}">
-                            <a16:creationId xmlns:a16="http://schemas.microsoft.com/office/drawing/2014/main" id="{B5662827-7F13-4CC8-8C32-F5E51C9C82B3}"/>
-                          </a:ext>
-                        </a:extLst>
-                      </p:cNvPr>
-                      <p:cNvCxnSpPr>
-                        <a:cxnSpLocks/>
-                        <a:stCxn id="54" idx="3"/>
-                        <a:endCxn id="56" idx="1"/>
-                      </p:cNvCxnSpPr>
-                      <p:nvPr/>
-                    </p:nvCxnSpPr>
-                    <p:spPr>
-                      <a:xfrm flipV="1">
-                        <a:off x="3847513" y="3755481"/>
-                        <a:ext cx="792547" cy="1"/>
-                      </a:xfrm>
-                      <a:prstGeom prst="straightConnector1">
-                        <a:avLst/>
-                      </a:prstGeom>
-                      <a:ln w="38100">
-                        <a:tailEnd type="triangle"/>
-                      </a:ln>
-                    </p:spPr>
-                    <p:style>
-                      <a:lnRef idx="1">
-                        <a:schemeClr val="dk1"/>
-                      </a:lnRef>
-                      <a:fillRef idx="0">
-                        <a:schemeClr val="dk1"/>
-                      </a:fillRef>
-                      <a:effectRef idx="0">
-                        <a:schemeClr val="dk1"/>
-                      </a:effectRef>
-                      <a:fontRef idx="minor">
-                        <a:schemeClr val="tx1"/>
-                      </a:fontRef>
-                    </p:style>
-                  </p:cxnSp>
-                  <p:sp>
-                    <p:nvSpPr>
-                      <p:cNvPr id="58" name="矩形 57">
-                        <a:extLst>
-                          <a:ext uri="{FF2B5EF4-FFF2-40B4-BE49-F238E27FC236}">
-                            <a16:creationId xmlns:a16="http://schemas.microsoft.com/office/drawing/2014/main" id="{94180B67-56EB-4FFD-942D-3A6D818F02F5}"/>
-                          </a:ext>
-                        </a:extLst>
-                      </p:cNvPr>
-                      <p:cNvSpPr/>
-                      <p:nvPr/>
-                    </p:nvSpPr>
-                    <p:spPr>
-                      <a:xfrm>
-                        <a:off x="7077173" y="3559559"/>
-                        <a:ext cx="1216057" cy="391841"/>
-                      </a:xfrm>
-                      <a:prstGeom prst="rect">
-                        <a:avLst/>
-                      </a:prstGeom>
-                      <a:solidFill>
-                        <a:srgbClr val="83B5C2"/>
-                      </a:solidFill>
-                      <a:ln>
-                        <a:solidFill>
-                          <a:schemeClr val="tx1"/>
-                        </a:solidFill>
-                      </a:ln>
-                    </p:spPr>
-                    <p:style>
-                      <a:lnRef idx="2">
-                        <a:schemeClr val="accent1">
-                          <a:shade val="50000"/>
-                        </a:schemeClr>
-                      </a:lnRef>
-                      <a:fillRef idx="1">
-                        <a:schemeClr val="accent1"/>
-                      </a:fillRef>
-                      <a:effectRef idx="0">
-                        <a:schemeClr val="accent1"/>
-                      </a:effectRef>
-                      <a:fontRef idx="minor">
-                        <a:schemeClr val="lt1"/>
-                      </a:fontRef>
-                    </p:style>
-                    <p:txBody>
-                      <a:bodyPr rtlCol="0" anchor="ctr"/>
-                      <a:lstStyle/>
-                      <a:p>
-                        <a:pPr algn="ctr"/>
-                        <a:r>
-                          <a:rPr lang="en-US" altLang="zh-TW" sz="1400" dirty="0" err="1">
-                            <a:solidFill>
-                              <a:schemeClr val="tx1"/>
-                            </a:solidFill>
-                            <a:latin typeface="Times New Roman" panose="02020603050405020304" pitchFamily="18" charset="0"/>
-                            <a:cs typeface="Times New Roman" panose="02020603050405020304" pitchFamily="18" charset="0"/>
-                          </a:rPr>
-                          <a:t>play_game</a:t>
-                        </a:r>
-                        <a:endParaRPr lang="zh-TW" altLang="en-US" sz="1400" dirty="0">
-                          <a:solidFill>
-                            <a:schemeClr val="tx1"/>
-                          </a:solidFill>
-                          <a:latin typeface="Times New Roman" panose="02020603050405020304" pitchFamily="18" charset="0"/>
-                          <a:cs typeface="Times New Roman" panose="02020603050405020304" pitchFamily="18" charset="0"/>
-                        </a:endParaRPr>
-                      </a:p>
-                    </p:txBody>
-                  </p:sp>
-                  <p:cxnSp>
-                    <p:nvCxnSpPr>
-                      <p:cNvPr id="59" name="直線單箭頭接點 58">
-                        <a:extLst>
-                          <a:ext uri="{FF2B5EF4-FFF2-40B4-BE49-F238E27FC236}">
-                            <a16:creationId xmlns:a16="http://schemas.microsoft.com/office/drawing/2014/main" id="{F80E79D2-10DD-44B8-81DA-DDD40020632A}"/>
-                          </a:ext>
-                        </a:extLst>
-                      </p:cNvPr>
-                      <p:cNvCxnSpPr>
-                        <a:cxnSpLocks/>
-                        <a:stCxn id="56" idx="3"/>
-                        <a:endCxn id="58" idx="1"/>
-                      </p:cNvCxnSpPr>
-                      <p:nvPr/>
-                    </p:nvCxnSpPr>
-                    <p:spPr>
-                      <a:xfrm flipV="1">
-                        <a:off x="5856117" y="3755480"/>
-                        <a:ext cx="1221056" cy="1"/>
-                      </a:xfrm>
-                      <a:prstGeom prst="straightConnector1">
-                        <a:avLst/>
-                      </a:prstGeom>
-                      <a:ln w="38100">
-                        <a:tailEnd type="triangle"/>
-                      </a:ln>
-                    </p:spPr>
-                    <p:style>
-                      <a:lnRef idx="1">
-                        <a:schemeClr val="dk1"/>
-                      </a:lnRef>
-                      <a:fillRef idx="0">
-                        <a:schemeClr val="dk1"/>
-                      </a:fillRef>
-                      <a:effectRef idx="0">
-                        <a:schemeClr val="dk1"/>
-                      </a:effectRef>
-                      <a:fontRef idx="minor">
-                        <a:schemeClr val="tx1"/>
-                      </a:fontRef>
-                    </p:style>
-                  </p:cxnSp>
-                  <p:cxnSp>
-                    <p:nvCxnSpPr>
-                      <p:cNvPr id="60" name="直線單箭頭接點 59">
-                        <a:extLst>
-                          <a:ext uri="{FF2B5EF4-FFF2-40B4-BE49-F238E27FC236}">
-                            <a16:creationId xmlns:a16="http://schemas.microsoft.com/office/drawing/2014/main" id="{56C185AC-6CA7-4D37-83F5-FE1BB33EB640}"/>
-                          </a:ext>
-                        </a:extLst>
-                      </p:cNvPr>
-                      <p:cNvCxnSpPr>
-                        <a:cxnSpLocks/>
-                        <a:stCxn id="50" idx="2"/>
-                        <a:endCxn id="54" idx="0"/>
-                      </p:cNvCxnSpPr>
-                      <p:nvPr/>
-                    </p:nvCxnSpPr>
-                    <p:spPr>
-                      <a:xfrm>
-                        <a:off x="3236537" y="2215298"/>
-                        <a:ext cx="2948" cy="1344263"/>
-                      </a:xfrm>
-                      <a:prstGeom prst="straightConnector1">
-                        <a:avLst/>
-                      </a:prstGeom>
-                      <a:ln w="38100">
-                        <a:tailEnd type="triangle"/>
-                      </a:ln>
-                    </p:spPr>
-                    <p:style>
-                      <a:lnRef idx="1">
-                        <a:schemeClr val="dk1"/>
-                      </a:lnRef>
-                      <a:fillRef idx="0">
-                        <a:schemeClr val="dk1"/>
-                      </a:fillRef>
-                      <a:effectRef idx="0">
-                        <a:schemeClr val="dk1"/>
-                      </a:effectRef>
-                      <a:fontRef idx="minor">
-                        <a:schemeClr val="tx1"/>
-                      </a:fontRef>
-                    </p:style>
-                  </p:cxnSp>
-                  <p:sp>
-                    <p:nvSpPr>
-                      <p:cNvPr id="61" name="文字方塊 60">
-                        <a:extLst>
-                          <a:ext uri="{FF2B5EF4-FFF2-40B4-BE49-F238E27FC236}">
-                            <a16:creationId xmlns:a16="http://schemas.microsoft.com/office/drawing/2014/main" id="{4C6B4E01-434A-41CD-934E-F63BFCD0B147}"/>
-                          </a:ext>
-                        </a:extLst>
-                      </p:cNvPr>
-                      <p:cNvSpPr txBox="1"/>
-                      <p:nvPr/>
-                    </p:nvSpPr>
-                    <p:spPr>
-                      <a:xfrm>
-                        <a:off x="3331201" y="2286161"/>
-                        <a:ext cx="1571915" cy="408022"/>
-                      </a:xfrm>
-                      <a:prstGeom prst="rect">
-                        <a:avLst/>
-                      </a:prstGeom>
-                      <a:noFill/>
-                    </p:spPr>
-                    <p:txBody>
-                      <a:bodyPr wrap="square" rtlCol="0">
-                        <a:spAutoFit/>
-                      </a:bodyPr>
-                      <a:lstStyle/>
-                      <a:p>
-                        <a:r>
-                          <a:rPr lang="en-US" altLang="zh-TW" sz="1400" dirty="0">
-                            <a:latin typeface="Times New Roman" panose="02020603050405020304" pitchFamily="18" charset="0"/>
-                            <a:cs typeface="Times New Roman" panose="02020603050405020304" pitchFamily="18" charset="0"/>
-                          </a:rPr>
-                          <a:t>row</a:t>
-                        </a:r>
-                        <a:r>
-                          <a:rPr lang="zh-TW" altLang="en-US" sz="1400" dirty="0">
-                            <a:latin typeface="Times New Roman" panose="02020603050405020304" pitchFamily="18" charset="0"/>
-                            <a:cs typeface="Times New Roman" panose="02020603050405020304" pitchFamily="18" charset="0"/>
-                          </a:rPr>
-                          <a:t>、</a:t>
-                        </a:r>
-                        <a:r>
-                          <a:rPr lang="en-US" altLang="zh-TW" sz="1400" dirty="0">
-                            <a:latin typeface="Times New Roman" panose="02020603050405020304" pitchFamily="18" charset="0"/>
-                            <a:cs typeface="Times New Roman" panose="02020603050405020304" pitchFamily="18" charset="0"/>
-                          </a:rPr>
-                          <a:t>column position </a:t>
-                        </a:r>
-                        <a:r>
-                          <a:rPr lang="zh-TW" altLang="en-US" sz="1400" dirty="0">
-                            <a:latin typeface="Times New Roman" panose="02020603050405020304" pitchFamily="18" charset="0"/>
-                            <a:cs typeface="Times New Roman" panose="02020603050405020304" pitchFamily="18" charset="0"/>
-                          </a:rPr>
-                          <a:t>、</a:t>
-                        </a:r>
-                        <a:r>
-                          <a:rPr lang="en-US" altLang="zh-TW" sz="1400" dirty="0">
-                            <a:latin typeface="Times New Roman" panose="02020603050405020304" pitchFamily="18" charset="0"/>
-                            <a:cs typeface="Times New Roman" panose="02020603050405020304" pitchFamily="18" charset="0"/>
-                          </a:rPr>
-                          <a:t> width</a:t>
-                        </a:r>
-                        <a:r>
-                          <a:rPr lang="zh-TW" altLang="en-US" sz="1400" dirty="0">
-                            <a:latin typeface="Times New Roman" panose="02020603050405020304" pitchFamily="18" charset="0"/>
-                            <a:cs typeface="Times New Roman" panose="02020603050405020304" pitchFamily="18" charset="0"/>
-                          </a:rPr>
-                          <a:t>、</a:t>
-                        </a:r>
-                        <a:r>
-                          <a:rPr lang="en-US" altLang="zh-TW" sz="1400" dirty="0">
-                            <a:latin typeface="Times New Roman" panose="02020603050405020304" pitchFamily="18" charset="0"/>
-                            <a:cs typeface="Times New Roman" panose="02020603050405020304" pitchFamily="18" charset="0"/>
-                          </a:rPr>
-                          <a:t>height</a:t>
-                        </a:r>
-                        <a:endParaRPr lang="zh-TW" altLang="en-US" sz="1400" dirty="0">
-                          <a:latin typeface="Times New Roman" panose="02020603050405020304" pitchFamily="18" charset="0"/>
-                          <a:cs typeface="Times New Roman" panose="02020603050405020304" pitchFamily="18" charset="0"/>
-                        </a:endParaRPr>
-                      </a:p>
-                    </p:txBody>
-                  </p:sp>
-                  <p:sp>
-                    <p:nvSpPr>
-                      <p:cNvPr id="63" name="文字方塊 62">
-                        <a:extLst>
-                          <a:ext uri="{FF2B5EF4-FFF2-40B4-BE49-F238E27FC236}">
-                            <a16:creationId xmlns:a16="http://schemas.microsoft.com/office/drawing/2014/main" id="{E31F7EAE-194D-496D-87BE-98E38573D429}"/>
-                          </a:ext>
-                        </a:extLst>
-                      </p:cNvPr>
-                      <p:cNvSpPr txBox="1"/>
-                      <p:nvPr/>
-                    </p:nvSpPr>
-                    <p:spPr>
-                      <a:xfrm>
-                        <a:off x="3551159" y="3493623"/>
-                        <a:ext cx="1107729" cy="240014"/>
-                      </a:xfrm>
-                      <a:prstGeom prst="rect">
-                        <a:avLst/>
-                      </a:prstGeom>
-                      <a:noFill/>
-                    </p:spPr>
-                    <p:txBody>
-                      <a:bodyPr wrap="square" rtlCol="0">
-                        <a:spAutoFit/>
-                      </a:bodyPr>
-                      <a:lstStyle/>
-                      <a:p>
-                        <a:pPr lvl="1"/>
-                        <a:r>
-                          <a:rPr lang="en-US" altLang="zh-TW" sz="1400" dirty="0">
-                            <a:latin typeface="Times New Roman" panose="02020603050405020304" pitchFamily="18" charset="0"/>
-                            <a:ea typeface="微軟正黑體" panose="020B0604030504040204" pitchFamily="34" charset="-120"/>
-                          </a:rPr>
-                          <a:t>images</a:t>
-                        </a:r>
-                        <a:endParaRPr lang="en-US" altLang="zh-TW" sz="1200" dirty="0">
-                          <a:latin typeface="Times New Roman" panose="02020603050405020304" pitchFamily="18" charset="0"/>
-                          <a:ea typeface="微軟正黑體" panose="020B0604030504040204" pitchFamily="34" charset="-120"/>
-                        </a:endParaRPr>
-                      </a:p>
-                    </p:txBody>
-                  </p:sp>
-                  <p:sp>
-                    <p:nvSpPr>
-                      <p:cNvPr id="64" name="文字方塊 63">
-                        <a:extLst>
-                          <a:ext uri="{FF2B5EF4-FFF2-40B4-BE49-F238E27FC236}">
-                            <a16:creationId xmlns:a16="http://schemas.microsoft.com/office/drawing/2014/main" id="{438E91B8-D7B2-4A2E-ADAC-05E14345A529}"/>
-                          </a:ext>
-                        </a:extLst>
-                      </p:cNvPr>
-                      <p:cNvSpPr txBox="1"/>
-                      <p:nvPr/>
-                    </p:nvSpPr>
-                    <p:spPr>
-                      <a:xfrm>
-                        <a:off x="5560508" y="3488317"/>
-                        <a:ext cx="1612068" cy="240014"/>
-                      </a:xfrm>
-                      <a:prstGeom prst="rect">
-                        <a:avLst/>
-                      </a:prstGeom>
-                      <a:noFill/>
-                    </p:spPr>
-                    <p:txBody>
-                      <a:bodyPr wrap="square" rtlCol="0">
-                        <a:spAutoFit/>
-                      </a:bodyPr>
-                      <a:lstStyle/>
-                      <a:p>
-                        <a:pPr lvl="1"/>
-                        <a:r>
-                          <a:rPr lang="en-US" altLang="zh-TW" sz="1400" dirty="0">
-                            <a:latin typeface="Times New Roman" panose="02020603050405020304" pitchFamily="18" charset="0"/>
-                            <a:ea typeface="微軟正黑體" panose="020B0604030504040204" pitchFamily="34" charset="-120"/>
-                          </a:rPr>
-                          <a:t>trained data</a:t>
-                        </a:r>
-                        <a:endParaRPr lang="en-US" altLang="zh-TW" sz="1200" dirty="0">
-                          <a:latin typeface="Times New Roman" panose="02020603050405020304" pitchFamily="18" charset="0"/>
-                          <a:ea typeface="微軟正黑體" panose="020B0604030504040204" pitchFamily="34" charset="-120"/>
-                        </a:endParaRPr>
-                      </a:p>
-                    </p:txBody>
-                  </p:sp>
-                  <p:sp>
-                    <p:nvSpPr>
-                      <p:cNvPr id="65" name="矩形 64">
-                        <a:extLst>
-                          <a:ext uri="{FF2B5EF4-FFF2-40B4-BE49-F238E27FC236}">
-                            <a16:creationId xmlns:a16="http://schemas.microsoft.com/office/drawing/2014/main" id="{2D140014-92A5-4164-B0BF-6EB890C1AAA8}"/>
-                          </a:ext>
-                        </a:extLst>
-                      </p:cNvPr>
-                      <p:cNvSpPr/>
-                      <p:nvPr/>
-                    </p:nvSpPr>
-                    <p:spPr>
-                      <a:xfrm>
-                        <a:off x="5856117" y="2406128"/>
-                        <a:ext cx="1216057" cy="391841"/>
-                      </a:xfrm>
-                      <a:prstGeom prst="rect">
-                        <a:avLst/>
-                      </a:prstGeom>
-                      <a:solidFill>
-                        <a:srgbClr val="83B5C2"/>
-                      </a:solidFill>
-                      <a:ln>
-                        <a:solidFill>
-                          <a:schemeClr val="tx1"/>
-                        </a:solidFill>
-                      </a:ln>
-                    </p:spPr>
-                    <p:style>
-                      <a:lnRef idx="2">
-                        <a:schemeClr val="accent1">
-                          <a:shade val="50000"/>
-                        </a:schemeClr>
-                      </a:lnRef>
-                      <a:fillRef idx="1">
-                        <a:schemeClr val="accent1"/>
-                      </a:fillRef>
-                      <a:effectRef idx="0">
-                        <a:schemeClr val="accent1"/>
-                      </a:effectRef>
-                      <a:fontRef idx="minor">
-                        <a:schemeClr val="lt1"/>
-                      </a:fontRef>
-                    </p:style>
-                    <p:txBody>
-                      <a:bodyPr rtlCol="0" anchor="ctr"/>
-                      <a:lstStyle/>
-                      <a:p>
-                        <a:pPr algn="ctr"/>
-                        <a:r>
-                          <a:rPr lang="en-US" altLang="zh-TW" sz="1400" dirty="0" err="1">
-                            <a:solidFill>
-                              <a:schemeClr val="tx1"/>
-                            </a:solidFill>
-                            <a:latin typeface="Times New Roman" panose="02020603050405020304" pitchFamily="18" charset="0"/>
-                            <a:cs typeface="Times New Roman" panose="02020603050405020304" pitchFamily="18" charset="0"/>
-                          </a:rPr>
-                          <a:t>plot_data</a:t>
-                        </a:r>
-                        <a:endParaRPr lang="zh-TW" altLang="en-US" sz="1400" dirty="0">
-                          <a:solidFill>
-                            <a:schemeClr val="tx1"/>
-                          </a:solidFill>
-                          <a:latin typeface="Times New Roman" panose="02020603050405020304" pitchFamily="18" charset="0"/>
-                          <a:cs typeface="Times New Roman" panose="02020603050405020304" pitchFamily="18" charset="0"/>
-                        </a:endParaRPr>
-                      </a:p>
-                    </p:txBody>
-                  </p:sp>
-                  <p:sp>
-                    <p:nvSpPr>
-                      <p:cNvPr id="66" name="文字方塊 65">
-                        <a:extLst>
-                          <a:ext uri="{FF2B5EF4-FFF2-40B4-BE49-F238E27FC236}">
-                            <a16:creationId xmlns:a16="http://schemas.microsoft.com/office/drawing/2014/main" id="{601F6C84-7823-44AD-8B53-7A88FC30496B}"/>
-                          </a:ext>
-                        </a:extLst>
-                      </p:cNvPr>
-                      <p:cNvSpPr txBox="1"/>
-                      <p:nvPr/>
-                    </p:nvSpPr>
-                    <p:spPr>
-                      <a:xfrm>
-                        <a:off x="4352295" y="4166098"/>
-                        <a:ext cx="1612068" cy="240014"/>
-                      </a:xfrm>
-                      <a:prstGeom prst="rect">
-                        <a:avLst/>
-                      </a:prstGeom>
-                      <a:noFill/>
-                    </p:spPr>
-                    <p:txBody>
-                      <a:bodyPr wrap="square" rtlCol="0">
-                        <a:spAutoFit/>
-                      </a:bodyPr>
-                      <a:lstStyle/>
-                      <a:p>
-                        <a:pPr lvl="1"/>
-                        <a:r>
-                          <a:rPr lang="en-US" altLang="zh-TW" sz="1400" dirty="0">
-                            <a:latin typeface="Times New Roman" panose="02020603050405020304" pitchFamily="18" charset="0"/>
-                            <a:ea typeface="微軟正黑體" panose="020B0604030504040204" pitchFamily="34" charset="-120"/>
-                          </a:rPr>
-                          <a:t>output_keyboard</a:t>
-                        </a:r>
-                        <a:endParaRPr lang="en-US" altLang="zh-TW" sz="1200" dirty="0">
-                          <a:latin typeface="Times New Roman" panose="02020603050405020304" pitchFamily="18" charset="0"/>
-                          <a:ea typeface="微軟正黑體" panose="020B0604030504040204" pitchFamily="34" charset="-120"/>
-                        </a:endParaRPr>
-                      </a:p>
-                    </p:txBody>
-                  </p:sp>
-                  <p:sp>
-                    <p:nvSpPr>
-                      <p:cNvPr id="68" name="矩形 67">
-                        <a:extLst>
-                          <a:ext uri="{FF2B5EF4-FFF2-40B4-BE49-F238E27FC236}">
-                            <a16:creationId xmlns:a16="http://schemas.microsoft.com/office/drawing/2014/main" id="{4DB52B9B-0B0B-47AB-AB97-09666D55D9E9}"/>
-                          </a:ext>
-                        </a:extLst>
-                      </p:cNvPr>
-                      <p:cNvSpPr/>
-                      <p:nvPr/>
-                    </p:nvSpPr>
-                    <p:spPr>
-                      <a:xfrm>
-                        <a:off x="1634966" y="4766531"/>
-                        <a:ext cx="1216057" cy="391841"/>
-                      </a:xfrm>
-                      <a:prstGeom prst="rect">
-                        <a:avLst/>
-                      </a:prstGeom>
-                      <a:solidFill>
-                        <a:srgbClr val="83B5C2"/>
-                      </a:solidFill>
-                      <a:ln>
-                        <a:solidFill>
-                          <a:schemeClr val="tx1"/>
-                        </a:solidFill>
-                      </a:ln>
-                    </p:spPr>
-                    <p:style>
-                      <a:lnRef idx="2">
-                        <a:schemeClr val="accent1">
-                          <a:shade val="50000"/>
-                        </a:schemeClr>
-                      </a:lnRef>
-                      <a:fillRef idx="1">
-                        <a:schemeClr val="accent1"/>
-                      </a:fillRef>
-                      <a:effectRef idx="0">
-                        <a:schemeClr val="accent1"/>
-                      </a:effectRef>
-                      <a:fontRef idx="minor">
-                        <a:schemeClr val="lt1"/>
-                      </a:fontRef>
-                    </p:style>
-                    <p:txBody>
-                      <a:bodyPr rtlCol="0" anchor="ctr"/>
-                      <a:lstStyle/>
-                      <a:p>
-                        <a:pPr algn="ctr"/>
-                        <a:r>
-                          <a:rPr lang="en-US" altLang="zh-TW" sz="1400" dirty="0" err="1">
-                            <a:solidFill>
-                              <a:schemeClr val="tx1"/>
-                            </a:solidFill>
-                            <a:latin typeface="Times New Roman" panose="02020603050405020304" pitchFamily="18" charset="0"/>
-                            <a:cs typeface="Times New Roman" panose="02020603050405020304" pitchFamily="18" charset="0"/>
-                          </a:rPr>
-                          <a:t>detect_game</a:t>
-                        </a:r>
-                        <a:endParaRPr lang="zh-TW" altLang="en-US" sz="1400" dirty="0">
-                          <a:solidFill>
-                            <a:schemeClr val="tx1"/>
-                          </a:solidFill>
-                          <a:latin typeface="Times New Roman" panose="02020603050405020304" pitchFamily="18" charset="0"/>
-                          <a:cs typeface="Times New Roman" panose="02020603050405020304" pitchFamily="18" charset="0"/>
-                        </a:endParaRPr>
-                      </a:p>
-                    </p:txBody>
-                  </p:sp>
-                  <p:sp>
-                    <p:nvSpPr>
-                      <p:cNvPr id="70" name="文字方塊 69">
-                        <a:extLst>
-                          <a:ext uri="{FF2B5EF4-FFF2-40B4-BE49-F238E27FC236}">
-                            <a16:creationId xmlns:a16="http://schemas.microsoft.com/office/drawing/2014/main" id="{7329F1DF-AE8C-402A-934C-AC824FB7E950}"/>
-                          </a:ext>
-                        </a:extLst>
-                      </p:cNvPr>
-                      <p:cNvSpPr txBox="1"/>
-                      <p:nvPr/>
-                    </p:nvSpPr>
-                    <p:spPr>
-                      <a:xfrm>
-                        <a:off x="1154790" y="5180530"/>
-                        <a:ext cx="2176412" cy="216012"/>
-                      </a:xfrm>
-                      <a:prstGeom prst="rect">
-                        <a:avLst/>
-                      </a:prstGeom>
-                      <a:noFill/>
-                    </p:spPr>
-                    <p:txBody>
-                      <a:bodyPr wrap="square" rtlCol="0">
-                        <a:spAutoFit/>
-                      </a:bodyPr>
-                      <a:lstStyle/>
-                      <a:p>
-                        <a:pPr lvl="1"/>
-                        <a:r>
-                          <a:rPr lang="zh-TW" altLang="en-US" sz="1200" dirty="0">
-                            <a:latin typeface="Times New Roman" panose="02020603050405020304" pitchFamily="18" charset="0"/>
-                            <a:ea typeface="微軟正黑體" panose="020B0604030504040204" pitchFamily="34" charset="-120"/>
-                          </a:rPr>
-                          <a:t>偵測遊戲是否結束</a:t>
-                        </a:r>
-                        <a:endParaRPr lang="en-US" altLang="zh-TW" sz="1200" dirty="0">
-                          <a:latin typeface="Times New Roman" panose="02020603050405020304" pitchFamily="18" charset="0"/>
-                          <a:ea typeface="微軟正黑體" panose="020B0604030504040204" pitchFamily="34" charset="-120"/>
-                        </a:endParaRPr>
-                      </a:p>
-                    </p:txBody>
-                  </p:sp>
-                  <p:sp>
-                    <p:nvSpPr>
-                      <p:cNvPr id="71" name="文字方塊 70">
-                        <a:extLst>
-                          <a:ext uri="{FF2B5EF4-FFF2-40B4-BE49-F238E27FC236}">
-                            <a16:creationId xmlns:a16="http://schemas.microsoft.com/office/drawing/2014/main" id="{614CF34D-9A2A-4741-B1E9-D28049374A5E}"/>
-                          </a:ext>
-                        </a:extLst>
-                      </p:cNvPr>
-                      <p:cNvSpPr txBox="1"/>
-                      <p:nvPr/>
-                    </p:nvSpPr>
-                    <p:spPr>
-                      <a:xfrm>
-                        <a:off x="491628" y="4266933"/>
-                        <a:ext cx="1107729" cy="240014"/>
-                      </a:xfrm>
-                      <a:prstGeom prst="rect">
-                        <a:avLst/>
-                      </a:prstGeom>
-                      <a:noFill/>
-                    </p:spPr>
-                    <p:txBody>
-                      <a:bodyPr wrap="square" rtlCol="0">
-                        <a:spAutoFit/>
-                      </a:bodyPr>
-                      <a:lstStyle/>
-                      <a:p>
-                        <a:pPr lvl="1"/>
-                        <a:r>
-                          <a:rPr lang="en-US" altLang="zh-TW" sz="1400" dirty="0">
-                            <a:latin typeface="Times New Roman" panose="02020603050405020304" pitchFamily="18" charset="0"/>
-                            <a:ea typeface="微軟正黑體" panose="020B0604030504040204" pitchFamily="34" charset="-120"/>
-                          </a:rPr>
-                          <a:t>restart</a:t>
-                        </a:r>
-                        <a:endParaRPr lang="en-US" altLang="zh-TW" sz="1200" dirty="0">
-                          <a:latin typeface="Times New Roman" panose="02020603050405020304" pitchFamily="18" charset="0"/>
-                          <a:ea typeface="微軟正黑體" panose="020B0604030504040204" pitchFamily="34" charset="-120"/>
-                        </a:endParaRPr>
-                      </a:p>
-                    </p:txBody>
-                  </p:sp>
-                  <p:sp>
-                    <p:nvSpPr>
-                      <p:cNvPr id="72" name="文字方塊 71">
-                        <a:extLst>
-                          <a:ext uri="{FF2B5EF4-FFF2-40B4-BE49-F238E27FC236}">
-                            <a16:creationId xmlns:a16="http://schemas.microsoft.com/office/drawing/2014/main" id="{DED06AD5-9B38-43E2-BFE5-6DC0F10A152D}"/>
-                          </a:ext>
-                        </a:extLst>
-                      </p:cNvPr>
-                      <p:cNvSpPr txBox="1"/>
-                      <p:nvPr/>
-                    </p:nvSpPr>
-                    <p:spPr>
-                      <a:xfrm>
-                        <a:off x="7823061" y="1749892"/>
-                        <a:ext cx="1571915" cy="408022"/>
-                      </a:xfrm>
-                      <a:prstGeom prst="rect">
-                        <a:avLst/>
-                      </a:prstGeom>
-                      <a:noFill/>
-                    </p:spPr>
-                    <p:txBody>
-                      <a:bodyPr wrap="square" rtlCol="0">
-                        <a:spAutoFit/>
-                      </a:bodyPr>
-                      <a:lstStyle/>
-                      <a:p>
-                        <a:r>
-                          <a:rPr lang="en-US" altLang="zh-TW" sz="1400" dirty="0">
-                            <a:latin typeface="Times New Roman" panose="02020603050405020304" pitchFamily="18" charset="0"/>
-                            <a:cs typeface="Times New Roman" panose="02020603050405020304" pitchFamily="18" charset="0"/>
-                          </a:rPr>
-                          <a:t>row</a:t>
-                        </a:r>
-                        <a:r>
-                          <a:rPr lang="zh-TW" altLang="en-US" sz="1400" dirty="0">
-                            <a:latin typeface="Times New Roman" panose="02020603050405020304" pitchFamily="18" charset="0"/>
-                            <a:cs typeface="Times New Roman" panose="02020603050405020304" pitchFamily="18" charset="0"/>
-                          </a:rPr>
-                          <a:t>、</a:t>
-                        </a:r>
-                        <a:r>
-                          <a:rPr lang="en-US" altLang="zh-TW" sz="1400" dirty="0">
-                            <a:latin typeface="Times New Roman" panose="02020603050405020304" pitchFamily="18" charset="0"/>
-                            <a:cs typeface="Times New Roman" panose="02020603050405020304" pitchFamily="18" charset="0"/>
-                          </a:rPr>
-                          <a:t>column position </a:t>
-                        </a:r>
-                        <a:r>
-                          <a:rPr lang="zh-TW" altLang="en-US" sz="1400" dirty="0">
-                            <a:latin typeface="Times New Roman" panose="02020603050405020304" pitchFamily="18" charset="0"/>
-                            <a:cs typeface="Times New Roman" panose="02020603050405020304" pitchFamily="18" charset="0"/>
-                          </a:rPr>
-                          <a:t>、</a:t>
-                        </a:r>
-                        <a:r>
-                          <a:rPr lang="en-US" altLang="zh-TW" sz="1400" dirty="0">
-                            <a:latin typeface="Times New Roman" panose="02020603050405020304" pitchFamily="18" charset="0"/>
-                            <a:cs typeface="Times New Roman" panose="02020603050405020304" pitchFamily="18" charset="0"/>
-                          </a:rPr>
-                          <a:t> width</a:t>
-                        </a:r>
-                        <a:r>
-                          <a:rPr lang="zh-TW" altLang="en-US" sz="1400" dirty="0">
-                            <a:latin typeface="Times New Roman" panose="02020603050405020304" pitchFamily="18" charset="0"/>
-                            <a:cs typeface="Times New Roman" panose="02020603050405020304" pitchFamily="18" charset="0"/>
-                          </a:rPr>
-                          <a:t>、</a:t>
-                        </a:r>
-                        <a:r>
-                          <a:rPr lang="en-US" altLang="zh-TW" sz="1400" dirty="0">
-                            <a:latin typeface="Times New Roman" panose="02020603050405020304" pitchFamily="18" charset="0"/>
-                            <a:cs typeface="Times New Roman" panose="02020603050405020304" pitchFamily="18" charset="0"/>
-                          </a:rPr>
-                          <a:t>height</a:t>
-                        </a:r>
-                        <a:endParaRPr lang="zh-TW" altLang="en-US" sz="1400" dirty="0">
-                          <a:latin typeface="Times New Roman" panose="02020603050405020304" pitchFamily="18" charset="0"/>
-                          <a:cs typeface="Times New Roman" panose="02020603050405020304" pitchFamily="18" charset="0"/>
-                        </a:endParaRPr>
-                      </a:p>
-                    </p:txBody>
-                  </p:sp>
-                  <p:sp>
-                    <p:nvSpPr>
-                      <p:cNvPr id="74" name="文字方塊 73">
-                        <a:extLst>
-                          <a:ext uri="{FF2B5EF4-FFF2-40B4-BE49-F238E27FC236}">
-                            <a16:creationId xmlns:a16="http://schemas.microsoft.com/office/drawing/2014/main" id="{614CF34D-9A2A-4741-B1E9-D28049374A5E}"/>
-                          </a:ext>
-                        </a:extLst>
-                      </p:cNvPr>
-                      <p:cNvSpPr txBox="1"/>
-                      <p:nvPr/>
-                    </p:nvSpPr>
-                    <p:spPr>
-                      <a:xfrm>
-                        <a:off x="3532331" y="5009452"/>
-                        <a:ext cx="1107729" cy="240014"/>
-                      </a:xfrm>
-                      <a:prstGeom prst="rect">
-                        <a:avLst/>
-                      </a:prstGeom>
-                      <a:noFill/>
-                    </p:spPr>
-                    <p:txBody>
-                      <a:bodyPr wrap="square" rtlCol="0">
-                        <a:spAutoFit/>
-                      </a:bodyPr>
-                      <a:lstStyle/>
-                      <a:p>
-                        <a:pPr lvl="1"/>
-                        <a:r>
-                          <a:rPr lang="en-US" altLang="zh-TW" sz="1400" dirty="0">
-                            <a:latin typeface="Times New Roman" panose="02020603050405020304" pitchFamily="18" charset="0"/>
-                            <a:ea typeface="微軟正黑體" panose="020B0604030504040204" pitchFamily="34" charset="-120"/>
-                          </a:rPr>
-                          <a:t>stop</a:t>
-                        </a:r>
-                        <a:endParaRPr lang="en-US" altLang="zh-TW" sz="1200" dirty="0">
-                          <a:latin typeface="Times New Roman" panose="02020603050405020304" pitchFamily="18" charset="0"/>
-                          <a:ea typeface="微軟正黑體" panose="020B0604030504040204" pitchFamily="34" charset="-120"/>
-                        </a:endParaRPr>
-                      </a:p>
-                    </p:txBody>
-                  </p:sp>
-                </p:grpSp>
-                <p:cxnSp>
-                  <p:nvCxnSpPr>
-                    <p:cNvPr id="47" name="接點: 肘形 72">
-                      <a:extLst>
-                        <a:ext uri="{FF2B5EF4-FFF2-40B4-BE49-F238E27FC236}">
-                          <a16:creationId xmlns:a16="http://schemas.microsoft.com/office/drawing/2014/main" id="{8722DE14-00A5-4F5B-93A3-284C0971F4AB}"/>
-                        </a:ext>
-                      </a:extLst>
-                    </p:cNvPr>
-                    <p:cNvCxnSpPr>
-                      <a:cxnSpLocks/>
-                      <a:stCxn id="56" idx="0"/>
-                      <a:endCxn id="65" idx="1"/>
-                    </p:cNvCxnSpPr>
-                    <p:nvPr/>
-                  </p:nvCxnSpPr>
-                  <p:spPr>
-                    <a:xfrm rot="5400000" flipH="1" flipV="1">
-                      <a:off x="6599738" y="2928421"/>
-                      <a:ext cx="1227847" cy="713084"/>
-                    </a:xfrm>
-                    <a:prstGeom prst="bentConnector2">
-                      <a:avLst/>
-                    </a:prstGeom>
-                    <a:ln w="38100">
-                      <a:tailEnd type="triangle"/>
-                    </a:ln>
-                  </p:spPr>
-                  <p:style>
-                    <a:lnRef idx="1">
-                      <a:schemeClr val="dk1"/>
-                    </a:lnRef>
-                    <a:fillRef idx="0">
-                      <a:schemeClr val="dk1"/>
-                    </a:fillRef>
-                    <a:effectRef idx="0">
-                      <a:schemeClr val="dk1"/>
-                    </a:effectRef>
-                    <a:fontRef idx="minor">
-                      <a:schemeClr val="tx1"/>
-                    </a:fontRef>
-                  </p:style>
-                </p:cxnSp>
-              </p:grpSp>
+                      <a:latin typeface="Times New Roman" panose="02020603050405020304" pitchFamily="18" charset="0"/>
+                      <a:cs typeface="Times New Roman" panose="02020603050405020304" pitchFamily="18" charset="0"/>
+                    </a:endParaRPr>
+                  </a:p>
+                </p:txBody>
+              </p:sp>
               <p:cxnSp>
                 <p:nvCxnSpPr>
-                  <p:cNvPr id="45" name="接點: 肘形 8">
+                  <p:cNvPr id="52" name="直線單箭頭接點 51">
                     <a:extLst>
                       <a:ext uri="{FF2B5EF4-FFF2-40B4-BE49-F238E27FC236}">
-                        <a16:creationId xmlns:a16="http://schemas.microsoft.com/office/drawing/2014/main" id="{885987C2-8D90-4C6E-A9CB-B0678EEF8EA3}"/>
+                        <a16:creationId xmlns:a16="http://schemas.microsoft.com/office/drawing/2014/main" id="{3B42F123-254F-4E20-97EF-93F0790DC950}"/>
                       </a:ext>
                     </a:extLst>
                   </p:cNvPr>
                   <p:cNvCxnSpPr>
-                    <a:stCxn id="68" idx="1"/>
-                    <a:endCxn id="51" idx="2"/>
+                    <a:cxnSpLocks/>
+                    <a:stCxn id="49" idx="3"/>
+                    <a:endCxn id="50" idx="1"/>
                   </p:cNvCxnSpPr>
                   <p:nvPr/>
                 </p:nvCxnSpPr>
                 <p:spPr>
-                  <a:xfrm rot="10800000">
-                    <a:off x="2533243" y="4448492"/>
-                    <a:ext cx="143036" cy="1296500"/>
+                  <a:xfrm flipV="1">
+                    <a:off x="2121031" y="2019378"/>
+                    <a:ext cx="578964" cy="1"/>
                   </a:xfrm>
-                  <a:prstGeom prst="bentConnector2">
+                  <a:prstGeom prst="straightConnector1">
                     <a:avLst/>
                   </a:prstGeom>
-                  <a:ln>
+                  <a:ln w="38100">
                     <a:tailEnd type="triangle"/>
                   </a:ln>
                 </p:spPr>
                 <p:style>
-                  <a:lnRef idx="2">
-                    <a:schemeClr val="accent6"/>
+                  <a:lnRef idx="1">
+                    <a:schemeClr val="dk1"/>
                   </a:lnRef>
                   <a:fillRef idx="0">
-                    <a:schemeClr val="accent6"/>
+                    <a:schemeClr val="dk1"/>
                   </a:fillRef>
-                  <a:effectRef idx="1">
-                    <a:schemeClr val="accent6"/>
+                  <a:effectRef idx="0">
+                    <a:schemeClr val="dk1"/>
                   </a:effectRef>
                   <a:fontRef idx="minor">
                     <a:schemeClr val="tx1"/>
                   </a:fontRef>
                 </p:style>
               </p:cxnSp>
+              <p:sp>
+                <p:nvSpPr>
+                  <p:cNvPr id="54" name="矩形 53">
+                    <a:extLst>
+                      <a:ext uri="{FF2B5EF4-FFF2-40B4-BE49-F238E27FC236}">
+                        <a16:creationId xmlns:a16="http://schemas.microsoft.com/office/drawing/2014/main" id="{EE56C630-35BC-450D-99B7-F3EE3EC07157}"/>
+                      </a:ext>
+                    </a:extLst>
+                  </p:cNvPr>
+                  <p:cNvSpPr/>
+                  <p:nvPr/>
+                </p:nvSpPr>
+                <p:spPr>
+                  <a:xfrm>
+                    <a:off x="2631456" y="3559561"/>
+                    <a:ext cx="1216057" cy="391841"/>
+                  </a:xfrm>
+                  <a:prstGeom prst="rect">
+                    <a:avLst/>
+                  </a:prstGeom>
+                  <a:solidFill>
+                    <a:srgbClr val="83B5C2"/>
+                  </a:solidFill>
+                  <a:ln>
+                    <a:solidFill>
+                      <a:schemeClr val="tx1"/>
+                    </a:solidFill>
+                  </a:ln>
+                </p:spPr>
+                <p:style>
+                  <a:lnRef idx="2">
+                    <a:schemeClr val="accent1">
+                      <a:shade val="50000"/>
+                    </a:schemeClr>
+                  </a:lnRef>
+                  <a:fillRef idx="1">
+                    <a:schemeClr val="accent1"/>
+                  </a:fillRef>
+                  <a:effectRef idx="0">
+                    <a:schemeClr val="accent1"/>
+                  </a:effectRef>
+                  <a:fontRef idx="minor">
+                    <a:schemeClr val="lt1"/>
+                  </a:fontRef>
+                </p:style>
+                <p:txBody>
+                  <a:bodyPr rtlCol="0" anchor="ctr"/>
+                  <a:lstStyle/>
+                  <a:p>
+                    <a:pPr algn="ctr"/>
+                    <a:r>
+                      <a:rPr lang="en-US" altLang="zh-TW" sz="1400" dirty="0" err="1">
+                        <a:solidFill>
+                          <a:schemeClr val="tx1"/>
+                        </a:solidFill>
+                        <a:latin typeface="Times New Roman" panose="02020603050405020304" pitchFamily="18" charset="0"/>
+                        <a:cs typeface="Times New Roman" panose="02020603050405020304" pitchFamily="18" charset="0"/>
+                      </a:rPr>
+                      <a:t>get_data</a:t>
+                    </a:r>
+                    <a:endParaRPr lang="zh-TW" altLang="en-US" sz="1400" dirty="0">
+                      <a:solidFill>
+                        <a:schemeClr val="tx1"/>
+                      </a:solidFill>
+                      <a:latin typeface="Times New Roman" panose="02020603050405020304" pitchFamily="18" charset="0"/>
+                      <a:cs typeface="Times New Roman" panose="02020603050405020304" pitchFamily="18" charset="0"/>
+                    </a:endParaRPr>
+                  </a:p>
+                </p:txBody>
+              </p:sp>
+              <p:cxnSp>
+                <p:nvCxnSpPr>
+                  <p:cNvPr id="55" name="直線單箭頭接點 54">
+                    <a:extLst>
+                      <a:ext uri="{FF2B5EF4-FFF2-40B4-BE49-F238E27FC236}">
+                        <a16:creationId xmlns:a16="http://schemas.microsoft.com/office/drawing/2014/main" id="{86933AED-5295-4975-B89F-5033ECB0E45E}"/>
+                      </a:ext>
+                    </a:extLst>
+                  </p:cNvPr>
+                  <p:cNvCxnSpPr>
+                    <a:cxnSpLocks/>
+                    <a:stCxn id="51" idx="3"/>
+                    <a:endCxn id="54" idx="1"/>
+                  </p:cNvCxnSpPr>
+                  <p:nvPr/>
+                </p:nvCxnSpPr>
+                <p:spPr>
+                  <a:xfrm>
+                    <a:off x="2121031" y="3755482"/>
+                    <a:ext cx="510425" cy="0"/>
+                  </a:xfrm>
+                  <a:prstGeom prst="straightConnector1">
+                    <a:avLst/>
+                  </a:prstGeom>
+                  <a:ln w="38100">
+                    <a:tailEnd type="triangle"/>
+                  </a:ln>
+                </p:spPr>
+                <p:style>
+                  <a:lnRef idx="1">
+                    <a:schemeClr val="dk1"/>
+                  </a:lnRef>
+                  <a:fillRef idx="0">
+                    <a:schemeClr val="dk1"/>
+                  </a:fillRef>
+                  <a:effectRef idx="0">
+                    <a:schemeClr val="dk1"/>
+                  </a:effectRef>
+                  <a:fontRef idx="minor">
+                    <a:schemeClr val="tx1"/>
+                  </a:fontRef>
+                </p:style>
+              </p:cxnSp>
+              <p:sp>
+                <p:nvSpPr>
+                  <p:cNvPr id="56" name="矩形 55">
+                    <a:extLst>
+                      <a:ext uri="{FF2B5EF4-FFF2-40B4-BE49-F238E27FC236}">
+                        <a16:creationId xmlns:a16="http://schemas.microsoft.com/office/drawing/2014/main" id="{D8B96B90-5618-45A4-9B86-AD5C7E95087A}"/>
+                      </a:ext>
+                    </a:extLst>
+                  </p:cNvPr>
+                  <p:cNvSpPr/>
+                  <p:nvPr/>
+                </p:nvSpPr>
+                <p:spPr>
+                  <a:xfrm>
+                    <a:off x="4640060" y="3559560"/>
+                    <a:ext cx="1216057" cy="391841"/>
+                  </a:xfrm>
+                  <a:prstGeom prst="rect">
+                    <a:avLst/>
+                  </a:prstGeom>
+                  <a:solidFill>
+                    <a:srgbClr val="83B5C2"/>
+                  </a:solidFill>
+                  <a:ln>
+                    <a:solidFill>
+                      <a:schemeClr val="tx1"/>
+                    </a:solidFill>
+                  </a:ln>
+                </p:spPr>
+                <p:style>
+                  <a:lnRef idx="2">
+                    <a:schemeClr val="accent1">
+                      <a:shade val="50000"/>
+                    </a:schemeClr>
+                  </a:lnRef>
+                  <a:fillRef idx="1">
+                    <a:schemeClr val="accent1"/>
+                  </a:fillRef>
+                  <a:effectRef idx="0">
+                    <a:schemeClr val="accent1"/>
+                  </a:effectRef>
+                  <a:fontRef idx="minor">
+                    <a:schemeClr val="lt1"/>
+                  </a:fontRef>
+                </p:style>
+                <p:txBody>
+                  <a:bodyPr rtlCol="0" anchor="ctr"/>
+                  <a:lstStyle/>
+                  <a:p>
+                    <a:pPr algn="ctr"/>
+                    <a:r>
+                      <a:rPr lang="en-US" altLang="zh-TW" sz="1400" dirty="0" err="1">
+                        <a:solidFill>
+                          <a:schemeClr val="tx1"/>
+                        </a:solidFill>
+                        <a:latin typeface="Times New Roman" panose="02020603050405020304" pitchFamily="18" charset="0"/>
+                        <a:cs typeface="Times New Roman" panose="02020603050405020304" pitchFamily="18" charset="0"/>
+                      </a:rPr>
+                      <a:t>train_model</a:t>
+                    </a:r>
+                    <a:endParaRPr lang="zh-TW" altLang="en-US" sz="1400" dirty="0">
+                      <a:solidFill>
+                        <a:schemeClr val="tx1"/>
+                      </a:solidFill>
+                      <a:latin typeface="Times New Roman" panose="02020603050405020304" pitchFamily="18" charset="0"/>
+                      <a:cs typeface="Times New Roman" panose="02020603050405020304" pitchFamily="18" charset="0"/>
+                    </a:endParaRPr>
+                  </a:p>
+                </p:txBody>
+              </p:sp>
+              <p:cxnSp>
+                <p:nvCxnSpPr>
+                  <p:cNvPr id="57" name="直線單箭頭接點 56">
+                    <a:extLst>
+                      <a:ext uri="{FF2B5EF4-FFF2-40B4-BE49-F238E27FC236}">
+                        <a16:creationId xmlns:a16="http://schemas.microsoft.com/office/drawing/2014/main" id="{B5662827-7F13-4CC8-8C32-F5E51C9C82B3}"/>
+                      </a:ext>
+                    </a:extLst>
+                  </p:cNvPr>
+                  <p:cNvCxnSpPr>
+                    <a:cxnSpLocks/>
+                    <a:stCxn id="54" idx="3"/>
+                    <a:endCxn id="56" idx="1"/>
+                  </p:cNvCxnSpPr>
+                  <p:nvPr/>
+                </p:nvCxnSpPr>
+                <p:spPr>
+                  <a:xfrm flipV="1">
+                    <a:off x="3847513" y="3755481"/>
+                    <a:ext cx="792547" cy="1"/>
+                  </a:xfrm>
+                  <a:prstGeom prst="straightConnector1">
+                    <a:avLst/>
+                  </a:prstGeom>
+                  <a:ln w="38100">
+                    <a:tailEnd type="triangle"/>
+                  </a:ln>
+                </p:spPr>
+                <p:style>
+                  <a:lnRef idx="1">
+                    <a:schemeClr val="dk1"/>
+                  </a:lnRef>
+                  <a:fillRef idx="0">
+                    <a:schemeClr val="dk1"/>
+                  </a:fillRef>
+                  <a:effectRef idx="0">
+                    <a:schemeClr val="dk1"/>
+                  </a:effectRef>
+                  <a:fontRef idx="minor">
+                    <a:schemeClr val="tx1"/>
+                  </a:fontRef>
+                </p:style>
+              </p:cxnSp>
+              <p:sp>
+                <p:nvSpPr>
+                  <p:cNvPr id="58" name="矩形 57">
+                    <a:extLst>
+                      <a:ext uri="{FF2B5EF4-FFF2-40B4-BE49-F238E27FC236}">
+                        <a16:creationId xmlns:a16="http://schemas.microsoft.com/office/drawing/2014/main" id="{94180B67-56EB-4FFD-942D-3A6D818F02F5}"/>
+                      </a:ext>
+                    </a:extLst>
+                  </p:cNvPr>
+                  <p:cNvSpPr/>
+                  <p:nvPr/>
+                </p:nvSpPr>
+                <p:spPr>
+                  <a:xfrm>
+                    <a:off x="7077173" y="3559559"/>
+                    <a:ext cx="1216057" cy="391841"/>
+                  </a:xfrm>
+                  <a:prstGeom prst="rect">
+                    <a:avLst/>
+                  </a:prstGeom>
+                  <a:solidFill>
+                    <a:srgbClr val="83B5C2"/>
+                  </a:solidFill>
+                  <a:ln>
+                    <a:solidFill>
+                      <a:schemeClr val="tx1"/>
+                    </a:solidFill>
+                  </a:ln>
+                </p:spPr>
+                <p:style>
+                  <a:lnRef idx="2">
+                    <a:schemeClr val="accent1">
+                      <a:shade val="50000"/>
+                    </a:schemeClr>
+                  </a:lnRef>
+                  <a:fillRef idx="1">
+                    <a:schemeClr val="accent1"/>
+                  </a:fillRef>
+                  <a:effectRef idx="0">
+                    <a:schemeClr val="accent1"/>
+                  </a:effectRef>
+                  <a:fontRef idx="minor">
+                    <a:schemeClr val="lt1"/>
+                  </a:fontRef>
+                </p:style>
+                <p:txBody>
+                  <a:bodyPr rtlCol="0" anchor="ctr"/>
+                  <a:lstStyle/>
+                  <a:p>
+                    <a:pPr algn="ctr"/>
+                    <a:r>
+                      <a:rPr lang="en-US" altLang="zh-TW" sz="1400" dirty="0" err="1">
+                        <a:solidFill>
+                          <a:schemeClr val="tx1"/>
+                        </a:solidFill>
+                        <a:latin typeface="Times New Roman" panose="02020603050405020304" pitchFamily="18" charset="0"/>
+                        <a:cs typeface="Times New Roman" panose="02020603050405020304" pitchFamily="18" charset="0"/>
+                      </a:rPr>
+                      <a:t>play_game</a:t>
+                    </a:r>
+                    <a:endParaRPr lang="zh-TW" altLang="en-US" sz="1400" dirty="0">
+                      <a:solidFill>
+                        <a:schemeClr val="tx1"/>
+                      </a:solidFill>
+                      <a:latin typeface="Times New Roman" panose="02020603050405020304" pitchFamily="18" charset="0"/>
+                      <a:cs typeface="Times New Roman" panose="02020603050405020304" pitchFamily="18" charset="0"/>
+                    </a:endParaRPr>
+                  </a:p>
+                </p:txBody>
+              </p:sp>
+              <p:cxnSp>
+                <p:nvCxnSpPr>
+                  <p:cNvPr id="59" name="直線單箭頭接點 58">
+                    <a:extLst>
+                      <a:ext uri="{FF2B5EF4-FFF2-40B4-BE49-F238E27FC236}">
+                        <a16:creationId xmlns:a16="http://schemas.microsoft.com/office/drawing/2014/main" id="{F80E79D2-10DD-44B8-81DA-DDD40020632A}"/>
+                      </a:ext>
+                    </a:extLst>
+                  </p:cNvPr>
+                  <p:cNvCxnSpPr>
+                    <a:cxnSpLocks/>
+                    <a:stCxn id="56" idx="3"/>
+                    <a:endCxn id="58" idx="1"/>
+                  </p:cNvCxnSpPr>
+                  <p:nvPr/>
+                </p:nvCxnSpPr>
+                <p:spPr>
+                  <a:xfrm flipV="1">
+                    <a:off x="5856117" y="3755480"/>
+                    <a:ext cx="1221056" cy="1"/>
+                  </a:xfrm>
+                  <a:prstGeom prst="straightConnector1">
+                    <a:avLst/>
+                  </a:prstGeom>
+                  <a:ln w="38100">
+                    <a:tailEnd type="triangle"/>
+                  </a:ln>
+                </p:spPr>
+                <p:style>
+                  <a:lnRef idx="1">
+                    <a:schemeClr val="dk1"/>
+                  </a:lnRef>
+                  <a:fillRef idx="0">
+                    <a:schemeClr val="dk1"/>
+                  </a:fillRef>
+                  <a:effectRef idx="0">
+                    <a:schemeClr val="dk1"/>
+                  </a:effectRef>
+                  <a:fontRef idx="minor">
+                    <a:schemeClr val="tx1"/>
+                  </a:fontRef>
+                </p:style>
+              </p:cxnSp>
+              <p:cxnSp>
+                <p:nvCxnSpPr>
+                  <p:cNvPr id="60" name="直線單箭頭接點 59">
+                    <a:extLst>
+                      <a:ext uri="{FF2B5EF4-FFF2-40B4-BE49-F238E27FC236}">
+                        <a16:creationId xmlns:a16="http://schemas.microsoft.com/office/drawing/2014/main" id="{56C185AC-6CA7-4D37-83F5-FE1BB33EB640}"/>
+                      </a:ext>
+                    </a:extLst>
+                  </p:cNvPr>
+                  <p:cNvCxnSpPr>
+                    <a:cxnSpLocks/>
+                    <a:stCxn id="50" idx="2"/>
+                    <a:endCxn id="54" idx="0"/>
+                  </p:cNvCxnSpPr>
+                  <p:nvPr/>
+                </p:nvCxnSpPr>
+                <p:spPr>
+                  <a:xfrm>
+                    <a:off x="3236537" y="2215298"/>
+                    <a:ext cx="2948" cy="1344263"/>
+                  </a:xfrm>
+                  <a:prstGeom prst="straightConnector1">
+                    <a:avLst/>
+                  </a:prstGeom>
+                  <a:ln w="38100">
+                    <a:tailEnd type="triangle"/>
+                  </a:ln>
+                </p:spPr>
+                <p:style>
+                  <a:lnRef idx="1">
+                    <a:schemeClr val="dk1"/>
+                  </a:lnRef>
+                  <a:fillRef idx="0">
+                    <a:schemeClr val="dk1"/>
+                  </a:fillRef>
+                  <a:effectRef idx="0">
+                    <a:schemeClr val="dk1"/>
+                  </a:effectRef>
+                  <a:fontRef idx="minor">
+                    <a:schemeClr val="tx1"/>
+                  </a:fontRef>
+                </p:style>
+              </p:cxnSp>
+              <p:sp>
+                <p:nvSpPr>
+                  <p:cNvPr id="61" name="文字方塊 60">
+                    <a:extLst>
+                      <a:ext uri="{FF2B5EF4-FFF2-40B4-BE49-F238E27FC236}">
+                        <a16:creationId xmlns:a16="http://schemas.microsoft.com/office/drawing/2014/main" id="{4C6B4E01-434A-41CD-934E-F63BFCD0B147}"/>
+                      </a:ext>
+                    </a:extLst>
+                  </p:cNvPr>
+                  <p:cNvSpPr txBox="1"/>
+                  <p:nvPr/>
+                </p:nvSpPr>
+                <p:spPr>
+                  <a:xfrm>
+                    <a:off x="3331201" y="2286161"/>
+                    <a:ext cx="1571915" cy="408022"/>
+                  </a:xfrm>
+                  <a:prstGeom prst="rect">
+                    <a:avLst/>
+                  </a:prstGeom>
+                  <a:noFill/>
+                </p:spPr>
+                <p:txBody>
+                  <a:bodyPr wrap="square" rtlCol="0">
+                    <a:spAutoFit/>
+                  </a:bodyPr>
+                  <a:lstStyle/>
+                  <a:p>
+                    <a:r>
+                      <a:rPr lang="en-US" altLang="zh-TW" sz="1400" dirty="0">
+                        <a:latin typeface="Times New Roman" panose="02020603050405020304" pitchFamily="18" charset="0"/>
+                        <a:cs typeface="Times New Roman" panose="02020603050405020304" pitchFamily="18" charset="0"/>
+                      </a:rPr>
+                      <a:t>row</a:t>
+                    </a:r>
+                    <a:r>
+                      <a:rPr lang="zh-TW" altLang="en-US" sz="1400" dirty="0">
+                        <a:latin typeface="Times New Roman" panose="02020603050405020304" pitchFamily="18" charset="0"/>
+                        <a:cs typeface="Times New Roman" panose="02020603050405020304" pitchFamily="18" charset="0"/>
+                      </a:rPr>
+                      <a:t>、</a:t>
+                    </a:r>
+                    <a:r>
+                      <a:rPr lang="en-US" altLang="zh-TW" sz="1400" dirty="0">
+                        <a:latin typeface="Times New Roman" panose="02020603050405020304" pitchFamily="18" charset="0"/>
+                        <a:cs typeface="Times New Roman" panose="02020603050405020304" pitchFamily="18" charset="0"/>
+                      </a:rPr>
+                      <a:t>column position </a:t>
+                    </a:r>
+                    <a:r>
+                      <a:rPr lang="zh-TW" altLang="en-US" sz="1400" dirty="0">
+                        <a:latin typeface="Times New Roman" panose="02020603050405020304" pitchFamily="18" charset="0"/>
+                        <a:cs typeface="Times New Roman" panose="02020603050405020304" pitchFamily="18" charset="0"/>
+                      </a:rPr>
+                      <a:t>、</a:t>
+                    </a:r>
+                    <a:r>
+                      <a:rPr lang="en-US" altLang="zh-TW" sz="1400" dirty="0">
+                        <a:latin typeface="Times New Roman" panose="02020603050405020304" pitchFamily="18" charset="0"/>
+                        <a:cs typeface="Times New Roman" panose="02020603050405020304" pitchFamily="18" charset="0"/>
+                      </a:rPr>
+                      <a:t> width</a:t>
+                    </a:r>
+                    <a:r>
+                      <a:rPr lang="zh-TW" altLang="en-US" sz="1400" dirty="0">
+                        <a:latin typeface="Times New Roman" panose="02020603050405020304" pitchFamily="18" charset="0"/>
+                        <a:cs typeface="Times New Roman" panose="02020603050405020304" pitchFamily="18" charset="0"/>
+                      </a:rPr>
+                      <a:t>、</a:t>
+                    </a:r>
+                    <a:r>
+                      <a:rPr lang="en-US" altLang="zh-TW" sz="1400" dirty="0">
+                        <a:latin typeface="Times New Roman" panose="02020603050405020304" pitchFamily="18" charset="0"/>
+                        <a:cs typeface="Times New Roman" panose="02020603050405020304" pitchFamily="18" charset="0"/>
+                      </a:rPr>
+                      <a:t>height</a:t>
+                    </a:r>
+                    <a:endParaRPr lang="zh-TW" altLang="en-US" sz="1400" dirty="0">
+                      <a:latin typeface="Times New Roman" panose="02020603050405020304" pitchFamily="18" charset="0"/>
+                      <a:cs typeface="Times New Roman" panose="02020603050405020304" pitchFamily="18" charset="0"/>
+                    </a:endParaRPr>
+                  </a:p>
+                </p:txBody>
+              </p:sp>
+              <p:sp>
+                <p:nvSpPr>
+                  <p:cNvPr id="63" name="文字方塊 62">
+                    <a:extLst>
+                      <a:ext uri="{FF2B5EF4-FFF2-40B4-BE49-F238E27FC236}">
+                        <a16:creationId xmlns:a16="http://schemas.microsoft.com/office/drawing/2014/main" id="{E31F7EAE-194D-496D-87BE-98E38573D429}"/>
+                      </a:ext>
+                    </a:extLst>
+                  </p:cNvPr>
+                  <p:cNvSpPr txBox="1"/>
+                  <p:nvPr/>
+                </p:nvSpPr>
+                <p:spPr>
+                  <a:xfrm>
+                    <a:off x="3551159" y="3493623"/>
+                    <a:ext cx="1107729" cy="240014"/>
+                  </a:xfrm>
+                  <a:prstGeom prst="rect">
+                    <a:avLst/>
+                  </a:prstGeom>
+                  <a:noFill/>
+                </p:spPr>
+                <p:txBody>
+                  <a:bodyPr wrap="square" rtlCol="0">
+                    <a:spAutoFit/>
+                  </a:bodyPr>
+                  <a:lstStyle/>
+                  <a:p>
+                    <a:pPr lvl="1"/>
+                    <a:r>
+                      <a:rPr lang="en-US" altLang="zh-TW" sz="1400" dirty="0">
+                        <a:latin typeface="Times New Roman" panose="02020603050405020304" pitchFamily="18" charset="0"/>
+                        <a:ea typeface="微軟正黑體" panose="020B0604030504040204" pitchFamily="34" charset="-120"/>
+                      </a:rPr>
+                      <a:t>images</a:t>
+                    </a:r>
+                    <a:endParaRPr lang="en-US" altLang="zh-TW" sz="1200" dirty="0">
+                      <a:latin typeface="Times New Roman" panose="02020603050405020304" pitchFamily="18" charset="0"/>
+                      <a:ea typeface="微軟正黑體" panose="020B0604030504040204" pitchFamily="34" charset="-120"/>
+                    </a:endParaRPr>
+                  </a:p>
+                </p:txBody>
+              </p:sp>
+              <p:sp>
+                <p:nvSpPr>
+                  <p:cNvPr id="64" name="文字方塊 63">
+                    <a:extLst>
+                      <a:ext uri="{FF2B5EF4-FFF2-40B4-BE49-F238E27FC236}">
+                        <a16:creationId xmlns:a16="http://schemas.microsoft.com/office/drawing/2014/main" id="{438E91B8-D7B2-4A2E-ADAC-05E14345A529}"/>
+                      </a:ext>
+                    </a:extLst>
+                  </p:cNvPr>
+                  <p:cNvSpPr txBox="1"/>
+                  <p:nvPr/>
+                </p:nvSpPr>
+                <p:spPr>
+                  <a:xfrm>
+                    <a:off x="5560508" y="3488317"/>
+                    <a:ext cx="1612068" cy="240014"/>
+                  </a:xfrm>
+                  <a:prstGeom prst="rect">
+                    <a:avLst/>
+                  </a:prstGeom>
+                  <a:noFill/>
+                </p:spPr>
+                <p:txBody>
+                  <a:bodyPr wrap="square" rtlCol="0">
+                    <a:spAutoFit/>
+                  </a:bodyPr>
+                  <a:lstStyle/>
+                  <a:p>
+                    <a:pPr lvl="1"/>
+                    <a:r>
+                      <a:rPr lang="en-US" altLang="zh-TW" sz="1400" dirty="0">
+                        <a:latin typeface="Times New Roman" panose="02020603050405020304" pitchFamily="18" charset="0"/>
+                        <a:ea typeface="微軟正黑體" panose="020B0604030504040204" pitchFamily="34" charset="-120"/>
+                      </a:rPr>
+                      <a:t>trained data</a:t>
+                    </a:r>
+                    <a:endParaRPr lang="en-US" altLang="zh-TW" sz="1200" dirty="0">
+                      <a:latin typeface="Times New Roman" panose="02020603050405020304" pitchFamily="18" charset="0"/>
+                      <a:ea typeface="微軟正黑體" panose="020B0604030504040204" pitchFamily="34" charset="-120"/>
+                    </a:endParaRPr>
+                  </a:p>
+                </p:txBody>
+              </p:sp>
+              <p:sp>
+                <p:nvSpPr>
+                  <p:cNvPr id="65" name="矩形 64">
+                    <a:extLst>
+                      <a:ext uri="{FF2B5EF4-FFF2-40B4-BE49-F238E27FC236}">
+                        <a16:creationId xmlns:a16="http://schemas.microsoft.com/office/drawing/2014/main" id="{2D140014-92A5-4164-B0BF-6EB890C1AAA8}"/>
+                      </a:ext>
+                    </a:extLst>
+                  </p:cNvPr>
+                  <p:cNvSpPr/>
+                  <p:nvPr/>
+                </p:nvSpPr>
+                <p:spPr>
+                  <a:xfrm>
+                    <a:off x="5856117" y="2406128"/>
+                    <a:ext cx="1216057" cy="391841"/>
+                  </a:xfrm>
+                  <a:prstGeom prst="rect">
+                    <a:avLst/>
+                  </a:prstGeom>
+                  <a:solidFill>
+                    <a:srgbClr val="83B5C2"/>
+                  </a:solidFill>
+                  <a:ln>
+                    <a:solidFill>
+                      <a:schemeClr val="tx1"/>
+                    </a:solidFill>
+                  </a:ln>
+                </p:spPr>
+                <p:style>
+                  <a:lnRef idx="2">
+                    <a:schemeClr val="accent1">
+                      <a:shade val="50000"/>
+                    </a:schemeClr>
+                  </a:lnRef>
+                  <a:fillRef idx="1">
+                    <a:schemeClr val="accent1"/>
+                  </a:fillRef>
+                  <a:effectRef idx="0">
+                    <a:schemeClr val="accent1"/>
+                  </a:effectRef>
+                  <a:fontRef idx="minor">
+                    <a:schemeClr val="lt1"/>
+                  </a:fontRef>
+                </p:style>
+                <p:txBody>
+                  <a:bodyPr rtlCol="0" anchor="ctr"/>
+                  <a:lstStyle/>
+                  <a:p>
+                    <a:pPr algn="ctr"/>
+                    <a:r>
+                      <a:rPr lang="en-US" altLang="zh-TW" sz="1400" dirty="0" err="1">
+                        <a:solidFill>
+                          <a:schemeClr val="tx1"/>
+                        </a:solidFill>
+                        <a:latin typeface="Times New Roman" panose="02020603050405020304" pitchFamily="18" charset="0"/>
+                        <a:cs typeface="Times New Roman" panose="02020603050405020304" pitchFamily="18" charset="0"/>
+                      </a:rPr>
+                      <a:t>plot_data</a:t>
+                    </a:r>
+                    <a:endParaRPr lang="zh-TW" altLang="en-US" sz="1400" dirty="0">
+                      <a:solidFill>
+                        <a:schemeClr val="tx1"/>
+                      </a:solidFill>
+                      <a:latin typeface="Times New Roman" panose="02020603050405020304" pitchFamily="18" charset="0"/>
+                      <a:cs typeface="Times New Roman" panose="02020603050405020304" pitchFamily="18" charset="0"/>
+                    </a:endParaRPr>
+                  </a:p>
+                </p:txBody>
+              </p:sp>
+              <p:sp>
+                <p:nvSpPr>
+                  <p:cNvPr id="66" name="文字方塊 65">
+                    <a:extLst>
+                      <a:ext uri="{FF2B5EF4-FFF2-40B4-BE49-F238E27FC236}">
+                        <a16:creationId xmlns:a16="http://schemas.microsoft.com/office/drawing/2014/main" id="{601F6C84-7823-44AD-8B53-7A88FC30496B}"/>
+                      </a:ext>
+                    </a:extLst>
+                  </p:cNvPr>
+                  <p:cNvSpPr txBox="1"/>
+                  <p:nvPr/>
+                </p:nvSpPr>
+                <p:spPr>
+                  <a:xfrm>
+                    <a:off x="4352295" y="4166098"/>
+                    <a:ext cx="1612068" cy="240014"/>
+                  </a:xfrm>
+                  <a:prstGeom prst="rect">
+                    <a:avLst/>
+                  </a:prstGeom>
+                  <a:noFill/>
+                </p:spPr>
+                <p:txBody>
+                  <a:bodyPr wrap="square" rtlCol="0">
+                    <a:spAutoFit/>
+                  </a:bodyPr>
+                  <a:lstStyle/>
+                  <a:p>
+                    <a:pPr lvl="1"/>
+                    <a:r>
+                      <a:rPr lang="en-US" altLang="zh-TW" sz="1400" dirty="0">
+                        <a:latin typeface="Times New Roman" panose="02020603050405020304" pitchFamily="18" charset="0"/>
+                        <a:ea typeface="微軟正黑體" panose="020B0604030504040204" pitchFamily="34" charset="-120"/>
+                      </a:rPr>
+                      <a:t>output_keyboard</a:t>
+                    </a:r>
+                    <a:endParaRPr lang="en-US" altLang="zh-TW" sz="1200" dirty="0">
+                      <a:latin typeface="Times New Roman" panose="02020603050405020304" pitchFamily="18" charset="0"/>
+                      <a:ea typeface="微軟正黑體" panose="020B0604030504040204" pitchFamily="34" charset="-120"/>
+                    </a:endParaRPr>
+                  </a:p>
+                </p:txBody>
+              </p:sp>
+              <p:sp>
+                <p:nvSpPr>
+                  <p:cNvPr id="72" name="文字方塊 71">
+                    <a:extLst>
+                      <a:ext uri="{FF2B5EF4-FFF2-40B4-BE49-F238E27FC236}">
+                        <a16:creationId xmlns:a16="http://schemas.microsoft.com/office/drawing/2014/main" id="{DED06AD5-9B38-43E2-BFE5-6DC0F10A152D}"/>
+                      </a:ext>
+                    </a:extLst>
+                  </p:cNvPr>
+                  <p:cNvSpPr txBox="1"/>
+                  <p:nvPr/>
+                </p:nvSpPr>
+                <p:spPr>
+                  <a:xfrm>
+                    <a:off x="7823061" y="1749892"/>
+                    <a:ext cx="1571915" cy="408022"/>
+                  </a:xfrm>
+                  <a:prstGeom prst="rect">
+                    <a:avLst/>
+                  </a:prstGeom>
+                  <a:noFill/>
+                </p:spPr>
+                <p:txBody>
+                  <a:bodyPr wrap="square" rtlCol="0">
+                    <a:spAutoFit/>
+                  </a:bodyPr>
+                  <a:lstStyle/>
+                  <a:p>
+                    <a:r>
+                      <a:rPr lang="en-US" altLang="zh-TW" sz="1400" dirty="0">
+                        <a:latin typeface="Times New Roman" panose="02020603050405020304" pitchFamily="18" charset="0"/>
+                        <a:cs typeface="Times New Roman" panose="02020603050405020304" pitchFamily="18" charset="0"/>
+                      </a:rPr>
+                      <a:t>row</a:t>
+                    </a:r>
+                    <a:r>
+                      <a:rPr lang="zh-TW" altLang="en-US" sz="1400" dirty="0">
+                        <a:latin typeface="Times New Roman" panose="02020603050405020304" pitchFamily="18" charset="0"/>
+                        <a:cs typeface="Times New Roman" panose="02020603050405020304" pitchFamily="18" charset="0"/>
+                      </a:rPr>
+                      <a:t>、</a:t>
+                    </a:r>
+                    <a:r>
+                      <a:rPr lang="en-US" altLang="zh-TW" sz="1400" dirty="0">
+                        <a:latin typeface="Times New Roman" panose="02020603050405020304" pitchFamily="18" charset="0"/>
+                        <a:cs typeface="Times New Roman" panose="02020603050405020304" pitchFamily="18" charset="0"/>
+                      </a:rPr>
+                      <a:t>column position </a:t>
+                    </a:r>
+                    <a:r>
+                      <a:rPr lang="zh-TW" altLang="en-US" sz="1400" dirty="0">
+                        <a:latin typeface="Times New Roman" panose="02020603050405020304" pitchFamily="18" charset="0"/>
+                        <a:cs typeface="Times New Roman" panose="02020603050405020304" pitchFamily="18" charset="0"/>
+                      </a:rPr>
+                      <a:t>、</a:t>
+                    </a:r>
+                    <a:r>
+                      <a:rPr lang="en-US" altLang="zh-TW" sz="1400" dirty="0">
+                        <a:latin typeface="Times New Roman" panose="02020603050405020304" pitchFamily="18" charset="0"/>
+                        <a:cs typeface="Times New Roman" panose="02020603050405020304" pitchFamily="18" charset="0"/>
+                      </a:rPr>
+                      <a:t> width</a:t>
+                    </a:r>
+                    <a:r>
+                      <a:rPr lang="zh-TW" altLang="en-US" sz="1400" dirty="0">
+                        <a:latin typeface="Times New Roman" panose="02020603050405020304" pitchFamily="18" charset="0"/>
+                        <a:cs typeface="Times New Roman" panose="02020603050405020304" pitchFamily="18" charset="0"/>
+                      </a:rPr>
+                      <a:t>、</a:t>
+                    </a:r>
+                    <a:r>
+                      <a:rPr lang="en-US" altLang="zh-TW" sz="1400" dirty="0">
+                        <a:latin typeface="Times New Roman" panose="02020603050405020304" pitchFamily="18" charset="0"/>
+                        <a:cs typeface="Times New Roman" panose="02020603050405020304" pitchFamily="18" charset="0"/>
+                      </a:rPr>
+                      <a:t>height</a:t>
+                    </a:r>
+                    <a:endParaRPr lang="zh-TW" altLang="en-US" sz="1400" dirty="0">
+                      <a:latin typeface="Times New Roman" panose="02020603050405020304" pitchFamily="18" charset="0"/>
+                      <a:cs typeface="Times New Roman" panose="02020603050405020304" pitchFamily="18" charset="0"/>
+                    </a:endParaRPr>
+                  </a:p>
+                </p:txBody>
+              </p:sp>
             </p:grpSp>
             <p:cxnSp>
               <p:nvCxnSpPr>
-                <p:cNvPr id="43" name="接點: 肘形 27">
+                <p:cNvPr id="47" name="接點: 肘形 72">
                   <a:extLst>
                     <a:ext uri="{FF2B5EF4-FFF2-40B4-BE49-F238E27FC236}">
-                      <a16:creationId xmlns:a16="http://schemas.microsoft.com/office/drawing/2014/main" id="{8000B363-EB5A-48B5-B1A5-C819A33FB58B}"/>
+                      <a16:creationId xmlns:a16="http://schemas.microsoft.com/office/drawing/2014/main" id="{8722DE14-00A5-4F5B-93A3-284C0971F4AB}"/>
                     </a:ext>
                   </a:extLst>
                 </p:cNvPr>
                 <p:cNvCxnSpPr>
-                  <a:stCxn id="50" idx="0"/>
-                  <a:endCxn id="58" idx="0"/>
+                  <a:cxnSpLocks/>
+                  <a:stCxn id="56" idx="0"/>
+                  <a:endCxn id="65" idx="1"/>
                 </p:cNvCxnSpPr>
                 <p:nvPr/>
               </p:nvCxnSpPr>
               <p:spPr>
-                <a:xfrm rot="16200000" flipH="1">
-                  <a:off x="6131067" y="89786"/>
-                  <a:ext cx="2226258" cy="5217307"/>
+                <a:xfrm rot="5400000" flipH="1" flipV="1">
+                  <a:off x="6599738" y="2928421"/>
+                  <a:ext cx="1227847" cy="713084"/>
                 </a:xfrm>
-                <a:prstGeom prst="bentConnector3">
-                  <a:avLst>
-                    <a:gd name="adj1" fmla="val -17043"/>
-                  </a:avLst>
+                <a:prstGeom prst="bentConnector2">
+                  <a:avLst/>
                 </a:prstGeom>
                 <a:ln w="38100">
                   <a:tailEnd type="triangle"/>
@@ -5863,65 +5528,28 @@
           </p:grpSp>
           <p:cxnSp>
             <p:nvCxnSpPr>
-              <p:cNvPr id="38" name="接點: 肘形 82">
+              <p:cNvPr id="43" name="接點: 肘形 27">
                 <a:extLst>
                   <a:ext uri="{FF2B5EF4-FFF2-40B4-BE49-F238E27FC236}">
-                    <a16:creationId xmlns:a16="http://schemas.microsoft.com/office/drawing/2014/main" id="{ED82D8D1-30E1-474F-886E-1A81EC9E929D}"/>
+                    <a16:creationId xmlns:a16="http://schemas.microsoft.com/office/drawing/2014/main" id="{8000B363-EB5A-48B5-B1A5-C819A33FB58B}"/>
                   </a:ext>
                 </a:extLst>
               </p:cNvPr>
               <p:cNvCxnSpPr>
-                <a:cxnSpLocks/>
-                <a:stCxn id="58" idx="2"/>
+                <a:stCxn id="50" idx="0"/>
+                <a:endCxn id="58" idx="0"/>
               </p:cNvCxnSpPr>
               <p:nvPr/>
             </p:nvCxnSpPr>
             <p:spPr>
-              <a:xfrm rot="5400000">
-                <a:off x="6457214" y="2164845"/>
-                <a:ext cx="607233" cy="5217308"/>
+              <a:xfrm rot="16200000" flipH="1">
+                <a:off x="6131067" y="89786"/>
+                <a:ext cx="2226258" cy="5217307"/>
               </a:xfrm>
-              <a:prstGeom prst="bentConnector2">
-                <a:avLst/>
-              </a:prstGeom>
-              <a:ln w="38100"/>
-            </p:spPr>
-            <p:style>
-              <a:lnRef idx="1">
-                <a:schemeClr val="dk1"/>
-              </a:lnRef>
-              <a:fillRef idx="0">
-                <a:schemeClr val="dk1"/>
-              </a:fillRef>
-              <a:effectRef idx="0">
-                <a:schemeClr val="dk1"/>
-              </a:effectRef>
-              <a:fontRef idx="minor">
-                <a:schemeClr val="tx1"/>
-              </a:fontRef>
-            </p:style>
-          </p:cxnSp>
-          <p:cxnSp>
-            <p:nvCxnSpPr>
-              <p:cNvPr id="41" name="直線單箭頭接點 40">
-                <a:extLst>
-                  <a:ext uri="{FF2B5EF4-FFF2-40B4-BE49-F238E27FC236}">
-                    <a16:creationId xmlns:a16="http://schemas.microsoft.com/office/drawing/2014/main" id="{AD421461-B542-4937-BADA-1C9A6664FA6D}"/>
-                  </a:ext>
-                </a:extLst>
-              </p:cNvPr>
-              <p:cNvCxnSpPr>
-                <a:endCxn id="54" idx="2"/>
-              </p:cNvCxnSpPr>
-              <p:nvPr/>
-            </p:nvCxnSpPr>
-            <p:spPr>
-              <a:xfrm flipV="1">
-                <a:off x="4152176" y="4469886"/>
-                <a:ext cx="3458" cy="645757"/>
-              </a:xfrm>
-              <a:prstGeom prst="straightConnector1">
-                <a:avLst/>
+              <a:prstGeom prst="bentConnector3">
+                <a:avLst>
+                  <a:gd name="adj1" fmla="val -17043"/>
+                </a:avLst>
               </a:prstGeom>
               <a:ln w="38100">
                 <a:tailEnd type="triangle"/>
@@ -5945,31 +5573,38 @@
         </p:grpSp>
         <p:cxnSp>
           <p:nvCxnSpPr>
-            <p:cNvPr id="35" name="直線接點 34"/>
+            <p:cNvPr id="38" name="接點: 肘形 82">
+              <a:extLst>
+                <a:ext uri="{FF2B5EF4-FFF2-40B4-BE49-F238E27FC236}">
+                  <a16:creationId xmlns:a16="http://schemas.microsoft.com/office/drawing/2014/main" id="{ED82D8D1-30E1-474F-886E-1A81EC9E929D}"/>
+                </a:ext>
+              </a:extLst>
+            </p:cNvPr>
             <p:cNvCxnSpPr>
-              <a:stCxn id="68" idx="3"/>
+              <a:cxnSpLocks/>
+              <a:stCxn id="58" idx="2"/>
             </p:cNvCxnSpPr>
             <p:nvPr/>
           </p:nvCxnSpPr>
           <p:spPr>
-            <a:xfrm>
-              <a:off x="4284515" y="5756960"/>
-              <a:ext cx="6130501" cy="0"/>
+            <a:xfrm rot="5400000">
+              <a:off x="6457214" y="2164845"/>
+              <a:ext cx="607233" cy="5217308"/>
             </a:xfrm>
-            <a:prstGeom prst="line">
+            <a:prstGeom prst="bentConnector2">
               <a:avLst/>
             </a:prstGeom>
-            <a:ln/>
+            <a:ln w="38100"/>
           </p:spPr>
           <p:style>
-            <a:lnRef idx="2">
-              <a:schemeClr val="accent6"/>
+            <a:lnRef idx="1">
+              <a:schemeClr val="dk1"/>
             </a:lnRef>
             <a:fillRef idx="0">
-              <a:schemeClr val="accent6"/>
+              <a:schemeClr val="dk1"/>
             </a:fillRef>
-            <a:effectRef idx="1">
-              <a:schemeClr val="accent6"/>
+            <a:effectRef idx="0">
+              <a:schemeClr val="dk1"/>
             </a:effectRef>
             <a:fontRef idx="minor">
               <a:schemeClr val="tx1"/>
@@ -5978,31 +5613,39 @@
         </p:cxnSp>
         <p:cxnSp>
           <p:nvCxnSpPr>
-            <p:cNvPr id="36" name="直線單箭頭接點 35"/>
-            <p:cNvCxnSpPr/>
+            <p:cNvPr id="41" name="直線單箭頭接點 40">
+              <a:extLst>
+                <a:ext uri="{FF2B5EF4-FFF2-40B4-BE49-F238E27FC236}">
+                  <a16:creationId xmlns:a16="http://schemas.microsoft.com/office/drawing/2014/main" id="{AD421461-B542-4937-BADA-1C9A6664FA6D}"/>
+                </a:ext>
+              </a:extLst>
+            </p:cNvPr>
+            <p:cNvCxnSpPr>
+              <a:endCxn id="54" idx="2"/>
+            </p:cNvCxnSpPr>
             <p:nvPr/>
           </p:nvCxnSpPr>
           <p:spPr>
-            <a:xfrm flipH="1" flipV="1">
-              <a:off x="10415016" y="4460456"/>
-              <a:ext cx="9144" cy="1296504"/>
+            <a:xfrm flipV="1">
+              <a:off x="4152176" y="4469886"/>
+              <a:ext cx="3458" cy="645757"/>
             </a:xfrm>
             <a:prstGeom prst="straightConnector1">
               <a:avLst/>
             </a:prstGeom>
-            <a:ln>
+            <a:ln w="38100">
               <a:tailEnd type="triangle"/>
             </a:ln>
           </p:spPr>
           <p:style>
-            <a:lnRef idx="2">
-              <a:schemeClr val="accent6"/>
+            <a:lnRef idx="1">
+              <a:schemeClr val="dk1"/>
             </a:lnRef>
             <a:fillRef idx="0">
-              <a:schemeClr val="accent6"/>
+              <a:schemeClr val="dk1"/>
             </a:fillRef>
-            <a:effectRef idx="1">
-              <a:schemeClr val="accent6"/>
+            <a:effectRef idx="0">
+              <a:schemeClr val="dk1"/>
             </a:effectRef>
             <a:fontRef idx="minor">
               <a:schemeClr val="tx1"/>
@@ -6014,518 +5657,6 @@
     <p:extLst>
       <p:ext uri="{BB962C8B-B14F-4D97-AF65-F5344CB8AC3E}">
         <p14:creationId xmlns:p14="http://schemas.microsoft.com/office/powerpoint/2010/main" val="4274012220"/>
-      </p:ext>
-    </p:extLst>
-  </p:cSld>
-  <p:clrMapOvr>
-    <a:masterClrMapping/>
-  </p:clrMapOvr>
-</p:sld>
-</file>
-
-<file path=ppt/slides/slide11.xml><?xml version="1.0" encoding="utf-8"?>
-<p:sld xmlns:a="http://schemas.openxmlformats.org/drawingml/2006/main" xmlns:r="http://schemas.openxmlformats.org/officeDocument/2006/relationships" xmlns:p="http://schemas.openxmlformats.org/presentationml/2006/main">
-  <p:cSld>
-    <p:spTree>
-      <p:nvGrpSpPr>
-        <p:cNvPr id="1" name=""/>
-        <p:cNvGrpSpPr/>
-        <p:nvPr/>
-      </p:nvGrpSpPr>
-      <p:grpSpPr>
-        <a:xfrm>
-          <a:off x="0" y="0"/>
-          <a:ext cx="0" cy="0"/>
-          <a:chOff x="0" y="0"/>
-          <a:chExt cx="0" cy="0"/>
-        </a:xfrm>
-      </p:grpSpPr>
-      <p:sp>
-        <p:nvSpPr>
-          <p:cNvPr id="2" name="標題 1">
-            <a:extLst>
-              <a:ext uri="{FF2B5EF4-FFF2-40B4-BE49-F238E27FC236}">
-                <a16:creationId xmlns:a16="http://schemas.microsoft.com/office/drawing/2014/main" id="{EA976CB2-1FDD-4968-85D6-67BFE2DD6EB6}"/>
-              </a:ext>
-            </a:extLst>
-          </p:cNvPr>
-          <p:cNvSpPr>
-            <a:spLocks noGrp="1"/>
-          </p:cNvSpPr>
-          <p:nvPr>
-            <p:ph type="title"/>
-          </p:nvPr>
-        </p:nvSpPr>
-        <p:spPr/>
-        <p:txBody>
-          <a:bodyPr>
-            <a:normAutofit/>
-          </a:bodyPr>
-          <a:lstStyle/>
-          <a:p>
-            <a:endParaRPr lang="zh-TW" altLang="en-US" sz="3600" dirty="0">
-              <a:latin typeface="Times New Roman" panose="02020603050405020304" pitchFamily="18" charset="0"/>
-              <a:ea typeface="微軟正黑體" panose="020B0604030504040204" pitchFamily="34" charset="-120"/>
-            </a:endParaRPr>
-          </a:p>
-        </p:txBody>
-      </p:sp>
-      <p:pic>
-        <p:nvPicPr>
-          <p:cNvPr id="5" name="內容版面配置區 4">
-            <a:extLst>
-              <a:ext uri="{FF2B5EF4-FFF2-40B4-BE49-F238E27FC236}">
-                <a16:creationId xmlns:a16="http://schemas.microsoft.com/office/drawing/2014/main" id="{9782D074-9962-4D4A-B3A9-2E2D3A62322B}"/>
-              </a:ext>
-            </a:extLst>
-          </p:cNvPr>
-          <p:cNvPicPr>
-            <a:picLocks noGrp="1" noChangeAspect="1"/>
-          </p:cNvPicPr>
-          <p:nvPr>
-            <p:ph idx="1"/>
-          </p:nvPr>
-        </p:nvPicPr>
-        <p:blipFill rotWithShape="1">
-          <a:blip r:embed="rId2">
-            <a:extLst>
-              <a:ext uri="{28A0092B-C50C-407E-A947-70E740481C1C}">
-                <a14:useLocalDpi xmlns:a14="http://schemas.microsoft.com/office/drawing/2010/main" val="0"/>
-              </a:ext>
-            </a:extLst>
-          </a:blip>
-          <a:srcRect l="33109" t="13276" r="31753" b="70619"/>
-          <a:stretch/>
-        </p:blipFill>
-        <p:spPr>
-          <a:xfrm>
-            <a:off x="1184634" y="2184662"/>
-            <a:ext cx="9653043" cy="2488676"/>
-          </a:xfrm>
-        </p:spPr>
-      </p:pic>
-    </p:spTree>
-    <p:extLst>
-      <p:ext uri="{BB962C8B-B14F-4D97-AF65-F5344CB8AC3E}">
-        <p14:creationId xmlns:p14="http://schemas.microsoft.com/office/powerpoint/2010/main" val="1615931888"/>
-      </p:ext>
-    </p:extLst>
-  </p:cSld>
-  <p:clrMapOvr>
-    <a:masterClrMapping/>
-  </p:clrMapOvr>
-</p:sld>
-</file>
-
-<file path=ppt/slides/slide12.xml><?xml version="1.0" encoding="utf-8"?>
-<p:sld xmlns:a="http://schemas.openxmlformats.org/drawingml/2006/main" xmlns:r="http://schemas.openxmlformats.org/officeDocument/2006/relationships" xmlns:p="http://schemas.openxmlformats.org/presentationml/2006/main">
-  <p:cSld>
-    <p:spTree>
-      <p:nvGrpSpPr>
-        <p:cNvPr id="1" name=""/>
-        <p:cNvGrpSpPr/>
-        <p:nvPr/>
-      </p:nvGrpSpPr>
-      <p:grpSpPr>
-        <a:xfrm>
-          <a:off x="0" y="0"/>
-          <a:ext cx="0" cy="0"/>
-          <a:chOff x="0" y="0"/>
-          <a:chExt cx="0" cy="0"/>
-        </a:xfrm>
-      </p:grpSpPr>
-      <p:sp>
-        <p:nvSpPr>
-          <p:cNvPr id="2" name="標題 1">
-            <a:extLst>
-              <a:ext uri="{FF2B5EF4-FFF2-40B4-BE49-F238E27FC236}">
-                <a16:creationId xmlns:a16="http://schemas.microsoft.com/office/drawing/2014/main" id="{EA976CB2-1FDD-4968-85D6-67BFE2DD6EB6}"/>
-              </a:ext>
-            </a:extLst>
-          </p:cNvPr>
-          <p:cNvSpPr>
-            <a:spLocks noGrp="1"/>
-          </p:cNvSpPr>
-          <p:nvPr>
-            <p:ph type="title"/>
-          </p:nvPr>
-        </p:nvSpPr>
-        <p:spPr/>
-        <p:txBody>
-          <a:bodyPr>
-            <a:normAutofit/>
-          </a:bodyPr>
-          <a:lstStyle/>
-          <a:p>
-            <a:endParaRPr lang="zh-TW" altLang="en-US" sz="3600" dirty="0">
-              <a:latin typeface="Times New Roman" panose="02020603050405020304" pitchFamily="18" charset="0"/>
-              <a:ea typeface="微軟正黑體" panose="020B0604030504040204" pitchFamily="34" charset="-120"/>
-            </a:endParaRPr>
-          </a:p>
-        </p:txBody>
-      </p:sp>
-      <p:sp>
-        <p:nvSpPr>
-          <p:cNvPr id="3" name="內容版面配置區 2"/>
-          <p:cNvSpPr>
-            <a:spLocks noGrp="1"/>
-          </p:cNvSpPr>
-          <p:nvPr>
-            <p:ph idx="1"/>
-          </p:nvPr>
-        </p:nvSpPr>
-        <p:spPr/>
-        <p:txBody>
-          <a:bodyPr/>
-          <a:lstStyle/>
-          <a:p>
-            <a:endParaRPr lang="zh-TW" altLang="en-US"/>
-          </a:p>
-        </p:txBody>
-      </p:sp>
-      <p:pic>
-        <p:nvPicPr>
-          <p:cNvPr id="4" name="圖片 3"/>
-          <p:cNvPicPr>
-            <a:picLocks noChangeAspect="1"/>
-          </p:cNvPicPr>
-          <p:nvPr/>
-        </p:nvPicPr>
-        <p:blipFill>
-          <a:blip r:embed="rId2"/>
-          <a:stretch>
-            <a:fillRect/>
-          </a:stretch>
-        </p:blipFill>
-        <p:spPr>
-          <a:xfrm>
-            <a:off x="658367" y="1114806"/>
-            <a:ext cx="11016563" cy="4618482"/>
-          </a:xfrm>
-          <a:prstGeom prst="rect">
-            <a:avLst/>
-          </a:prstGeom>
-        </p:spPr>
-      </p:pic>
-    </p:spTree>
-    <p:extLst>
-      <p:ext uri="{BB962C8B-B14F-4D97-AF65-F5344CB8AC3E}">
-        <p14:creationId xmlns:p14="http://schemas.microsoft.com/office/powerpoint/2010/main" val="1965547831"/>
-      </p:ext>
-    </p:extLst>
-  </p:cSld>
-  <p:clrMapOvr>
-    <a:masterClrMapping/>
-  </p:clrMapOvr>
-</p:sld>
-</file>
-
-<file path=ppt/slides/slide13.xml><?xml version="1.0" encoding="utf-8"?>
-<p:sld xmlns:a="http://schemas.openxmlformats.org/drawingml/2006/main" xmlns:r="http://schemas.openxmlformats.org/officeDocument/2006/relationships" xmlns:p="http://schemas.openxmlformats.org/presentationml/2006/main">
-  <p:cSld>
-    <p:spTree>
-      <p:nvGrpSpPr>
-        <p:cNvPr id="1" name=""/>
-        <p:cNvGrpSpPr/>
-        <p:nvPr/>
-      </p:nvGrpSpPr>
-      <p:grpSpPr>
-        <a:xfrm>
-          <a:off x="0" y="0"/>
-          <a:ext cx="0" cy="0"/>
-          <a:chOff x="0" y="0"/>
-          <a:chExt cx="0" cy="0"/>
-        </a:xfrm>
-      </p:grpSpPr>
-      <p:sp>
-        <p:nvSpPr>
-          <p:cNvPr id="2" name="標題 1">
-            <a:extLst>
-              <a:ext uri="{FF2B5EF4-FFF2-40B4-BE49-F238E27FC236}">
-                <a16:creationId xmlns:a16="http://schemas.microsoft.com/office/drawing/2014/main" id="{EA976CB2-1FDD-4968-85D6-67BFE2DD6EB6}"/>
-              </a:ext>
-            </a:extLst>
-          </p:cNvPr>
-          <p:cNvSpPr>
-            <a:spLocks noGrp="1"/>
-          </p:cNvSpPr>
-          <p:nvPr>
-            <p:ph type="title"/>
-          </p:nvPr>
-        </p:nvSpPr>
-        <p:spPr/>
-        <p:txBody>
-          <a:bodyPr>
-            <a:normAutofit/>
-          </a:bodyPr>
-          <a:lstStyle/>
-          <a:p>
-            <a:endParaRPr lang="zh-TW" altLang="en-US" sz="3600" dirty="0">
-              <a:latin typeface="Times New Roman" panose="02020603050405020304" pitchFamily="18" charset="0"/>
-              <a:ea typeface="微軟正黑體" panose="020B0604030504040204" pitchFamily="34" charset="-120"/>
-            </a:endParaRPr>
-          </a:p>
-        </p:txBody>
-      </p:sp>
-      <p:pic>
-        <p:nvPicPr>
-          <p:cNvPr id="5" name="內容版面配置區 4" descr="一張含有 文字 的圖片&#10;&#10;自動產生的描述">
-            <a:extLst>
-              <a:ext uri="{FF2B5EF4-FFF2-40B4-BE49-F238E27FC236}">
-                <a16:creationId xmlns:a16="http://schemas.microsoft.com/office/drawing/2014/main" id="{B2A82083-5942-4F27-BFD3-18B767B40988}"/>
-              </a:ext>
-            </a:extLst>
-          </p:cNvPr>
-          <p:cNvPicPr>
-            <a:picLocks noGrp="1" noChangeAspect="1"/>
-          </p:cNvPicPr>
-          <p:nvPr>
-            <p:ph idx="1"/>
-          </p:nvPr>
-        </p:nvPicPr>
-        <p:blipFill>
-          <a:blip r:embed="rId2">
-            <a:extLst>
-              <a:ext uri="{28A0092B-C50C-407E-A947-70E740481C1C}">
-                <a14:useLocalDpi xmlns:a14="http://schemas.microsoft.com/office/drawing/2010/main" val="0"/>
-              </a:ext>
-            </a:extLst>
-          </a:blip>
-          <a:stretch>
-            <a:fillRect/>
-          </a:stretch>
-        </p:blipFill>
-        <p:spPr>
-          <a:xfrm>
-            <a:off x="2875519" y="329813"/>
-            <a:ext cx="6051665" cy="6198374"/>
-          </a:xfrm>
-        </p:spPr>
-      </p:pic>
-    </p:spTree>
-    <p:extLst>
-      <p:ext uri="{BB962C8B-B14F-4D97-AF65-F5344CB8AC3E}">
-        <p14:creationId xmlns:p14="http://schemas.microsoft.com/office/powerpoint/2010/main" val="714779393"/>
-      </p:ext>
-    </p:extLst>
-  </p:cSld>
-  <p:clrMapOvr>
-    <a:masterClrMapping/>
-  </p:clrMapOvr>
-</p:sld>
-</file>
-
-<file path=ppt/slides/slide14.xml><?xml version="1.0" encoding="utf-8"?>
-<p:sld xmlns:a="http://schemas.openxmlformats.org/drawingml/2006/main" xmlns:r="http://schemas.openxmlformats.org/officeDocument/2006/relationships" xmlns:p="http://schemas.openxmlformats.org/presentationml/2006/main">
-  <p:cSld>
-    <p:spTree>
-      <p:nvGrpSpPr>
-        <p:cNvPr id="1" name=""/>
-        <p:cNvGrpSpPr/>
-        <p:nvPr/>
-      </p:nvGrpSpPr>
-      <p:grpSpPr>
-        <a:xfrm>
-          <a:off x="0" y="0"/>
-          <a:ext cx="0" cy="0"/>
-          <a:chOff x="0" y="0"/>
-          <a:chExt cx="0" cy="0"/>
-        </a:xfrm>
-      </p:grpSpPr>
-      <p:sp>
-        <p:nvSpPr>
-          <p:cNvPr id="2" name="標題 1">
-            <a:extLst>
-              <a:ext uri="{FF2B5EF4-FFF2-40B4-BE49-F238E27FC236}">
-                <a16:creationId xmlns:a16="http://schemas.microsoft.com/office/drawing/2014/main" id="{EA976CB2-1FDD-4968-85D6-67BFE2DD6EB6}"/>
-              </a:ext>
-            </a:extLst>
-          </p:cNvPr>
-          <p:cNvSpPr>
-            <a:spLocks noGrp="1"/>
-          </p:cNvSpPr>
-          <p:nvPr>
-            <p:ph type="title"/>
-          </p:nvPr>
-        </p:nvSpPr>
-        <p:spPr/>
-        <p:txBody>
-          <a:bodyPr>
-            <a:normAutofit/>
-          </a:bodyPr>
-          <a:lstStyle/>
-          <a:p>
-            <a:endParaRPr lang="zh-TW" altLang="en-US" sz="3600" dirty="0">
-              <a:latin typeface="Times New Roman" panose="02020603050405020304" pitchFamily="18" charset="0"/>
-              <a:ea typeface="微軟正黑體" panose="020B0604030504040204" pitchFamily="34" charset="-120"/>
-            </a:endParaRPr>
-          </a:p>
-        </p:txBody>
-      </p:sp>
-      <p:pic>
-        <p:nvPicPr>
-          <p:cNvPr id="7" name="內容版面配置區 6" descr="一張含有 文字 的圖片&#10;&#10;自動產生的描述">
-            <a:extLst>
-              <a:ext uri="{FF2B5EF4-FFF2-40B4-BE49-F238E27FC236}">
-                <a16:creationId xmlns:a16="http://schemas.microsoft.com/office/drawing/2014/main" id="{9B39158E-B91E-4840-BE9A-633129E8BD09}"/>
-              </a:ext>
-            </a:extLst>
-          </p:cNvPr>
-          <p:cNvPicPr>
-            <a:picLocks noGrp="1" noChangeAspect="1"/>
-          </p:cNvPicPr>
-          <p:nvPr>
-            <p:ph idx="1"/>
-          </p:nvPr>
-        </p:nvPicPr>
-        <p:blipFill>
-          <a:blip r:embed="rId2">
-            <a:extLst>
-              <a:ext uri="{28A0092B-C50C-407E-A947-70E740481C1C}">
-                <a14:useLocalDpi xmlns:a14="http://schemas.microsoft.com/office/drawing/2010/main" val="0"/>
-              </a:ext>
-            </a:extLst>
-          </a:blip>
-          <a:stretch>
-            <a:fillRect/>
-          </a:stretch>
-        </p:blipFill>
-        <p:spPr>
-          <a:xfrm>
-            <a:off x="2154486" y="1215060"/>
-            <a:ext cx="7459231" cy="5000346"/>
-          </a:xfrm>
-        </p:spPr>
-      </p:pic>
-      <p:sp>
-        <p:nvSpPr>
-          <p:cNvPr id="3" name="矩形 2"/>
-          <p:cNvSpPr/>
-          <p:nvPr/>
-        </p:nvSpPr>
-        <p:spPr>
-          <a:xfrm>
-            <a:off x="2154485" y="5733288"/>
-            <a:ext cx="7459231" cy="482118"/>
-          </a:xfrm>
-          <a:prstGeom prst="rect">
-            <a:avLst/>
-          </a:prstGeom>
-          <a:noFill/>
-          <a:ln w="38100">
-            <a:solidFill>
-              <a:srgbClr val="FF0000"/>
-            </a:solidFill>
-          </a:ln>
-        </p:spPr>
-        <p:style>
-          <a:lnRef idx="2">
-            <a:schemeClr val="accent1">
-              <a:shade val="50000"/>
-            </a:schemeClr>
-          </a:lnRef>
-          <a:fillRef idx="1">
-            <a:schemeClr val="accent1"/>
-          </a:fillRef>
-          <a:effectRef idx="0">
-            <a:schemeClr val="accent1"/>
-          </a:effectRef>
-          <a:fontRef idx="minor">
-            <a:schemeClr val="lt1"/>
-          </a:fontRef>
-        </p:style>
-        <p:txBody>
-          <a:bodyPr rtlCol="0" anchor="ctr"/>
-          <a:lstStyle/>
-          <a:p>
-            <a:pPr algn="ctr"/>
-            <a:endParaRPr lang="zh-TW" altLang="en-US"/>
-          </a:p>
-        </p:txBody>
-      </p:sp>
-    </p:spTree>
-    <p:extLst>
-      <p:ext uri="{BB962C8B-B14F-4D97-AF65-F5344CB8AC3E}">
-        <p14:creationId xmlns:p14="http://schemas.microsoft.com/office/powerpoint/2010/main" val="1291468210"/>
-      </p:ext>
-    </p:extLst>
-  </p:cSld>
-  <p:clrMapOvr>
-    <a:masterClrMapping/>
-  </p:clrMapOvr>
-</p:sld>
-</file>
-
-<file path=ppt/slides/slide15.xml><?xml version="1.0" encoding="utf-8"?>
-<p:sld xmlns:a="http://schemas.openxmlformats.org/drawingml/2006/main" xmlns:r="http://schemas.openxmlformats.org/officeDocument/2006/relationships" xmlns:p="http://schemas.openxmlformats.org/presentationml/2006/main">
-  <p:cSld>
-    <p:spTree>
-      <p:nvGrpSpPr>
-        <p:cNvPr id="1" name=""/>
-        <p:cNvGrpSpPr/>
-        <p:nvPr/>
-      </p:nvGrpSpPr>
-      <p:grpSpPr>
-        <a:xfrm>
-          <a:off x="0" y="0"/>
-          <a:ext cx="0" cy="0"/>
-          <a:chOff x="0" y="0"/>
-          <a:chExt cx="0" cy="0"/>
-        </a:xfrm>
-      </p:grpSpPr>
-      <p:sp>
-        <p:nvSpPr>
-          <p:cNvPr id="2" name="標題 1">
-            <a:extLst>
-              <a:ext uri="{FF2B5EF4-FFF2-40B4-BE49-F238E27FC236}">
-                <a16:creationId xmlns:a16="http://schemas.microsoft.com/office/drawing/2014/main" id="{EA976CB2-1FDD-4968-85D6-67BFE2DD6EB6}"/>
-              </a:ext>
-            </a:extLst>
-          </p:cNvPr>
-          <p:cNvSpPr>
-            <a:spLocks noGrp="1"/>
-          </p:cNvSpPr>
-          <p:nvPr>
-            <p:ph type="title"/>
-          </p:nvPr>
-        </p:nvSpPr>
-        <p:spPr/>
-        <p:txBody>
-          <a:bodyPr>
-            <a:normAutofit/>
-          </a:bodyPr>
-          <a:lstStyle/>
-          <a:p>
-            <a:endParaRPr lang="zh-TW" altLang="en-US" sz="3600" dirty="0">
-              <a:latin typeface="Times New Roman" panose="02020603050405020304" pitchFamily="18" charset="0"/>
-              <a:ea typeface="微軟正黑體" panose="020B0604030504040204" pitchFamily="34" charset="-120"/>
-            </a:endParaRPr>
-          </a:p>
-        </p:txBody>
-      </p:sp>
-      <p:sp>
-        <p:nvSpPr>
-          <p:cNvPr id="3" name="內容版面配置區 2"/>
-          <p:cNvSpPr>
-            <a:spLocks noGrp="1"/>
-          </p:cNvSpPr>
-          <p:nvPr>
-            <p:ph idx="1"/>
-          </p:nvPr>
-        </p:nvSpPr>
-        <p:spPr/>
-        <p:txBody>
-          <a:bodyPr/>
-          <a:lstStyle/>
-          <a:p>
-            <a:endParaRPr lang="zh-TW" altLang="en-US"/>
-          </a:p>
-        </p:txBody>
-      </p:sp>
-    </p:spTree>
-    <p:extLst>
-      <p:ext uri="{BB962C8B-B14F-4D97-AF65-F5344CB8AC3E}">
-        <p14:creationId xmlns:p14="http://schemas.microsoft.com/office/powerpoint/2010/main" val="889728393"/>
       </p:ext>
     </p:extLst>
   </p:cSld>
@@ -6911,7 +6042,7 @@
                 <a:latin typeface="Times New Roman" panose="02020603050405020304" pitchFamily="18" charset="0"/>
                 <a:ea typeface="微軟正黑體" panose="020B0604030504040204" pitchFamily="34" charset="-120"/>
               </a:rPr>
-              <a:t>Win10</a:t>
+              <a:t>Win10(i7-6700HQ GTX960M)</a:t>
             </a:r>
           </a:p>
           <a:p>
@@ -6980,10 +6111,13 @@
               </a:rPr>
               <a:t>keras</a:t>
             </a:r>
-            <a:endParaRPr lang="en-US" altLang="zh-TW" dirty="0">
-              <a:latin typeface="Times New Roman" panose="02020603050405020304" pitchFamily="18" charset="0"/>
-              <a:ea typeface="微軟正黑體" panose="020B0604030504040204" pitchFamily="34" charset="-120"/>
-            </a:endParaRPr>
+            <a:r>
+              <a:rPr lang="en-US" altLang="zh-TW" dirty="0">
+                <a:latin typeface="Times New Roman" panose="02020603050405020304" pitchFamily="18" charset="0"/>
+                <a:ea typeface="微軟正黑體" panose="020B0604030504040204" pitchFamily="34" charset="-120"/>
+              </a:rPr>
+              <a:t>(2.7)</a:t>
+            </a:r>
           </a:p>
           <a:p>
             <a:pPr lvl="1">
@@ -6991,11 +6125,18 @@
               <a:buChar char="•"/>
             </a:pPr>
             <a:r>
-              <a:rPr lang="en-US" altLang="zh-TW" dirty="0">
+              <a:rPr lang="en-US" altLang="zh-TW" dirty="0" err="1">
                 <a:latin typeface="Times New Roman" panose="02020603050405020304" pitchFamily="18" charset="0"/>
                 <a:ea typeface="微軟正黑體" panose="020B0604030504040204" pitchFamily="34" charset="-120"/>
               </a:rPr>
               <a:t>opencv</a:t>
+            </a:r>
+            <a:r>
+              <a:rPr lang="en-US" altLang="zh-TW" dirty="0">
+                <a:latin typeface="Times New Roman" panose="02020603050405020304" pitchFamily="18" charset="0"/>
+                <a:ea typeface="微軟正黑體" panose="020B0604030504040204" pitchFamily="34" charset="-120"/>
+              </a:rPr>
+              <a:t>(4.5.4.60)</a:t>
             </a:r>
           </a:p>
           <a:p>
@@ -7140,7 +6281,7 @@
                 <a:latin typeface="Times New Roman" panose="02020603050405020304" pitchFamily="18" charset="0"/>
                 <a:ea typeface="微軟正黑體" panose="020B0604030504040204" pitchFamily="34" charset="-120"/>
               </a:rPr>
-              <a:t>Fall Guys</a:t>
+              <a:t>DINO</a:t>
             </a:r>
             <a:endParaRPr lang="zh-TW" altLang="en-US" sz="1400" dirty="0">
               <a:solidFill>
